--- a/Presentation1.pptx
+++ b/Presentation1.pptx
@@ -11,12 +11,18 @@
     <p:sldId id="266" r:id="rId5"/>
     <p:sldId id="265" r:id="rId6"/>
     <p:sldId id="267" r:id="rId7"/>
-    <p:sldId id="257" r:id="rId8"/>
-    <p:sldId id="258" r:id="rId9"/>
-    <p:sldId id="259" r:id="rId10"/>
-    <p:sldId id="260" r:id="rId11"/>
-    <p:sldId id="261" r:id="rId12"/>
-    <p:sldId id="262" r:id="rId13"/>
+    <p:sldId id="268" r:id="rId8"/>
+    <p:sldId id="269" r:id="rId9"/>
+    <p:sldId id="257" r:id="rId10"/>
+    <p:sldId id="258" r:id="rId11"/>
+    <p:sldId id="259" r:id="rId12"/>
+    <p:sldId id="260" r:id="rId13"/>
+    <p:sldId id="261" r:id="rId14"/>
+    <p:sldId id="262" r:id="rId15"/>
+    <p:sldId id="270" r:id="rId16"/>
+    <p:sldId id="271" r:id="rId17"/>
+    <p:sldId id="272" r:id="rId18"/>
+    <p:sldId id="273" r:id="rId19"/>
   </p:sldIdLst>
   <p:sldSz cx="12192000" cy="6858000"/>
   <p:notesSz cx="6858000" cy="9144000"/>
@@ -115,6 +121,11 @@
       </a:defRPr>
     </a:lvl9pPr>
   </p:defaultTextStyle>
+  <p:extLst>
+    <p:ext uri="{EFAFB233-063F-42B5-8137-9DF3F51BA10A}">
+      <p15:sldGuideLst xmlns:p15="http://schemas.microsoft.com/office/powerpoint/2012/main"/>
+    </p:ext>
+  </p:extLst>
 </p:presentation>
 </file>
 
@@ -7697,7 +7708,12 @@
             <p:ph type="ctrTitle"/>
           </p:nvPr>
         </p:nvSpPr>
-        <p:spPr/>
+        <p:spPr>
+          <a:xfrm>
+            <a:off x="2589213" y="1542011"/>
+            <a:ext cx="8915399" cy="2262781"/>
+          </a:xfrm>
+        </p:spPr>
         <p:txBody>
           <a:bodyPr>
             <a:normAutofit/>
@@ -7782,7 +7798,7 @@
           <p:cNvPr id="2" name="Title 1">
             <a:extLst>
               <a:ext uri="{FF2B5EF4-FFF2-40B4-BE49-F238E27FC236}">
-                <a16:creationId xmlns:a16="http://schemas.microsoft.com/office/drawing/2014/main" id="{E599B842-AB35-4C79-9F29-04B4E5D8C4E3}"/>
+                <a16:creationId xmlns:a16="http://schemas.microsoft.com/office/drawing/2014/main" id="{54118B60-4AD9-4F6A-AD59-B96A11E38E4D}"/>
               </a:ext>
             </a:extLst>
           </p:cNvPr>
@@ -7800,7 +7816,7 @@
           <a:p>
             <a:r>
               <a:rPr lang="en-US" dirty="0"/>
-              <a:t>What are Actors… (cont.)</a:t>
+              <a:t>Languages &amp; Actors</a:t>
             </a:r>
           </a:p>
         </p:txBody>
@@ -7810,7 +7826,7 @@
           <p:cNvPr id="3" name="Content Placeholder 2">
             <a:extLst>
               <a:ext uri="{FF2B5EF4-FFF2-40B4-BE49-F238E27FC236}">
-                <a16:creationId xmlns:a16="http://schemas.microsoft.com/office/drawing/2014/main" id="{318C1C9F-B1FD-4570-9049-32AE4BCADDF2}"/>
+                <a16:creationId xmlns:a16="http://schemas.microsoft.com/office/drawing/2014/main" id="{E9C49DB0-EA99-4BD7-A718-CB1ED822E00F}"/>
               </a:ext>
             </a:extLst>
           </p:cNvPr>
@@ -7828,33 +7844,77 @@
           <a:p>
             <a:r>
               <a:rPr lang="en-US" dirty="0"/>
-              <a:t>There can be load balancing actors that hide worker actors behind them</a:t>
-            </a:r>
-          </a:p>
-          <a:p>
+              <a:t>Smalltalk was the first programming language to properly implement message passing</a:t>
+            </a:r>
+          </a:p>
+          <a:p>
+            <a:r>
+              <a:rPr lang="en-US" dirty="0" err="1"/>
+              <a:t>Simula</a:t>
+            </a:r>
             <a:r>
               <a:rPr lang="en-US" dirty="0"/>
-              <a:t>Actors are supervised by other actors to check for failure and error handling</a:t>
+              <a:t> was the first language to support actors</a:t>
+            </a:r>
+          </a:p>
+          <a:p>
+            <a:r>
+              <a:rPr lang="en-US" dirty="0"/>
+              <a:t>A host of languages support actors today</a:t>
             </a:r>
           </a:p>
           <a:p>
             <a:pPr lvl="1"/>
             <a:r>
               <a:rPr lang="en-US" dirty="0"/>
-              <a:t>Who supervises the supervisors? Other supervisors</a:t>
+              <a:t>Erlang/</a:t>
+            </a:r>
+            <a:r>
+              <a:rPr lang="en-US" dirty="0" err="1"/>
+              <a:t>Elexir</a:t>
+            </a:r>
+            <a:r>
+              <a:rPr lang="en-US" dirty="0"/>
+              <a:t> (Ericson attributes Nine 9s uptime of its server partially to Erlang)</a:t>
             </a:r>
           </a:p>
           <a:p>
             <a:pPr lvl="1"/>
             <a:r>
+              <a:rPr lang="en-US" dirty="0" err="1"/>
+              <a:t>Akka</a:t>
+            </a:r>
+            <a:r>
               <a:rPr lang="en-US" dirty="0"/>
-              <a:t>This means that there is a supervisor tree</a:t>
-            </a:r>
-          </a:p>
-          <a:p>
+              <a:t>/JVM</a:t>
+            </a:r>
+          </a:p>
+          <a:p>
+            <a:pPr lvl="1"/>
             <a:r>
               <a:rPr lang="en-US" dirty="0"/>
-              <a:t>Actors can have internal states</a:t>
+              <a:t>Orleans (.NET) (Halo 3d multiplayer uses Orleans)</a:t>
+            </a:r>
+          </a:p>
+          <a:p>
+            <a:pPr lvl="1"/>
+            <a:r>
+              <a:rPr lang="en-US" dirty="0"/>
+              <a:t>CAF (C++)</a:t>
+            </a:r>
+          </a:p>
+          <a:p>
+            <a:pPr lvl="1"/>
+            <a:r>
+              <a:rPr lang="en-US" dirty="0"/>
+              <a:t>Celluloid (Ruby)</a:t>
+            </a:r>
+          </a:p>
+          <a:p>
+            <a:pPr lvl="1"/>
+            <a:r>
+              <a:rPr lang="en-US" dirty="0"/>
+              <a:t>Pulsar (Python)</a:t>
             </a:r>
           </a:p>
         </p:txBody>
@@ -7862,7 +7922,7 @@
     </p:spTree>
     <p:extLst>
       <p:ext uri="{BB962C8B-B14F-4D97-AF65-F5344CB8AC3E}">
-        <p14:creationId xmlns:p14="http://schemas.microsoft.com/office/powerpoint/2010/main" val="4008316435"/>
+        <p14:creationId xmlns:p14="http://schemas.microsoft.com/office/powerpoint/2010/main" val="1786422811"/>
       </p:ext>
     </p:extLst>
   </p:cSld>
@@ -7894,7 +7954,7 @@
           <p:cNvPr id="2" name="Title 1">
             <a:extLst>
               <a:ext uri="{FF2B5EF4-FFF2-40B4-BE49-F238E27FC236}">
-                <a16:creationId xmlns:a16="http://schemas.microsoft.com/office/drawing/2014/main" id="{774DDF57-F59B-49B7-8396-9873DFF356BB}"/>
+                <a16:creationId xmlns:a16="http://schemas.microsoft.com/office/drawing/2014/main" id="{25734D02-5E83-44BE-94CF-E816BCD494F8}"/>
               </a:ext>
             </a:extLst>
           </p:cNvPr>
@@ -7912,7 +7972,7 @@
           <a:p>
             <a:r>
               <a:rPr lang="en-US" dirty="0"/>
-              <a:t>What do Actors do…</a:t>
+              <a:t>What are actors…</a:t>
             </a:r>
           </a:p>
         </p:txBody>
@@ -7922,7 +7982,7 @@
           <p:cNvPr id="3" name="Content Placeholder 2">
             <a:extLst>
               <a:ext uri="{FF2B5EF4-FFF2-40B4-BE49-F238E27FC236}">
-                <a16:creationId xmlns:a16="http://schemas.microsoft.com/office/drawing/2014/main" id="{888C3D4F-7DD5-4F82-AD1C-AE0454DE2782}"/>
+                <a16:creationId xmlns:a16="http://schemas.microsoft.com/office/drawing/2014/main" id="{F280F7B7-7790-4A81-8852-151D33070B29}"/>
               </a:ext>
             </a:extLst>
           </p:cNvPr>
@@ -7935,24 +7995,59 @@
         </p:nvSpPr>
         <p:spPr/>
         <p:txBody>
-          <a:bodyPr/>
+          <a:bodyPr>
+            <a:normAutofit fontScale="92500" lnSpcReduction="10000"/>
+          </a:bodyPr>
           <a:lstStyle/>
           <a:p>
             <a:r>
               <a:rPr lang="en-US" dirty="0"/>
-              <a:t>Receive a message (one at a time)</a:t>
-            </a:r>
-          </a:p>
-          <a:p>
+              <a:t>An actor is a computational entity that, in response to a message it receives, can concurrently:</a:t>
+            </a:r>
+          </a:p>
+          <a:p>
+            <a:pPr lvl="1"/>
             <a:r>
               <a:rPr lang="en-US" dirty="0"/>
-              <a:t>Do some work when a message is received</a:t>
-            </a:r>
-          </a:p>
-          <a:p>
+              <a:t>send a finite number of messages to other actors</a:t>
+            </a:r>
+          </a:p>
+          <a:p>
+            <a:pPr lvl="1"/>
             <a:r>
               <a:rPr lang="en-US" dirty="0"/>
-              <a:t>Send one or more messages to other actors</a:t>
+              <a:t>create a finite number of new actors</a:t>
+            </a:r>
+          </a:p>
+          <a:p>
+            <a:pPr lvl="1"/>
+            <a:r>
+              <a:rPr lang="en-US" dirty="0"/>
+              <a:t>designate the behavior to be used for the next message it receives</a:t>
+            </a:r>
+          </a:p>
+          <a:p>
+            <a:r>
+              <a:rPr lang="en-US" dirty="0"/>
+              <a:t>Actors are persistent, their lifetime is beyond that of a process</a:t>
+            </a:r>
+          </a:p>
+          <a:p>
+            <a:r>
+              <a:rPr lang="en-US" dirty="0"/>
+              <a:t>Actors have one or more addresses to which messages may be sent</a:t>
+            </a:r>
+          </a:p>
+          <a:p>
+            <a:r>
+              <a:rPr lang="en-US" dirty="0"/>
+              <a:t>The mailbox is persistent, if an actor dies, the messages are not lost and another actor can be spawned up to take up those messages (this is the theory, a specific implementation may not stick to the theory)</a:t>
+            </a:r>
+          </a:p>
+          <a:p>
+            <a:r>
+              <a:rPr lang="en-US" dirty="0"/>
+              <a:t>The transport mechanism is immaterial, which means that actors can reside on different machines and communicate with TCP/IP with little or no code change</a:t>
             </a:r>
           </a:p>
         </p:txBody>
@@ -7960,7 +8055,7 @@
     </p:spTree>
     <p:extLst>
       <p:ext uri="{BB962C8B-B14F-4D97-AF65-F5344CB8AC3E}">
-        <p14:creationId xmlns:p14="http://schemas.microsoft.com/office/powerpoint/2010/main" val="3081027863"/>
+        <p14:creationId xmlns:p14="http://schemas.microsoft.com/office/powerpoint/2010/main" val="3644928662"/>
       </p:ext>
     </p:extLst>
   </p:cSld>
@@ -7992,6 +8087,216 @@
           <p:cNvPr id="2" name="Title 1">
             <a:extLst>
               <a:ext uri="{FF2B5EF4-FFF2-40B4-BE49-F238E27FC236}">
+                <a16:creationId xmlns:a16="http://schemas.microsoft.com/office/drawing/2014/main" id="{E599B842-AB35-4C79-9F29-04B4E5D8C4E3}"/>
+              </a:ext>
+            </a:extLst>
+          </p:cNvPr>
+          <p:cNvSpPr>
+            <a:spLocks noGrp="1"/>
+          </p:cNvSpPr>
+          <p:nvPr>
+            <p:ph type="title"/>
+          </p:nvPr>
+        </p:nvSpPr>
+        <p:spPr/>
+        <p:txBody>
+          <a:bodyPr/>
+          <a:lstStyle/>
+          <a:p>
+            <a:r>
+              <a:rPr lang="en-US" dirty="0"/>
+              <a:t>What are Actors… (cont.)</a:t>
+            </a:r>
+          </a:p>
+        </p:txBody>
+      </p:sp>
+      <p:sp>
+        <p:nvSpPr>
+          <p:cNvPr id="3" name="Content Placeholder 2">
+            <a:extLst>
+              <a:ext uri="{FF2B5EF4-FFF2-40B4-BE49-F238E27FC236}">
+                <a16:creationId xmlns:a16="http://schemas.microsoft.com/office/drawing/2014/main" id="{318C1C9F-B1FD-4570-9049-32AE4BCADDF2}"/>
+              </a:ext>
+            </a:extLst>
+          </p:cNvPr>
+          <p:cNvSpPr>
+            <a:spLocks noGrp="1"/>
+          </p:cNvSpPr>
+          <p:nvPr>
+            <p:ph idx="1"/>
+          </p:nvPr>
+        </p:nvSpPr>
+        <p:spPr/>
+        <p:txBody>
+          <a:bodyPr/>
+          <a:lstStyle/>
+          <a:p>
+            <a:r>
+              <a:rPr lang="en-US" dirty="0"/>
+              <a:t>There can be load balancing actors that hide worker actors behind them</a:t>
+            </a:r>
+          </a:p>
+          <a:p>
+            <a:r>
+              <a:rPr lang="en-US" dirty="0"/>
+              <a:t>Actors are supervised by other actors to check for failure and error handling</a:t>
+            </a:r>
+          </a:p>
+          <a:p>
+            <a:pPr lvl="1"/>
+            <a:r>
+              <a:rPr lang="en-US" dirty="0"/>
+              <a:t>Who supervises the supervisors? Other supervisors</a:t>
+            </a:r>
+          </a:p>
+          <a:p>
+            <a:pPr lvl="1"/>
+            <a:r>
+              <a:rPr lang="en-US" dirty="0"/>
+              <a:t>This means that there is a supervisor tree</a:t>
+            </a:r>
+          </a:p>
+          <a:p>
+            <a:r>
+              <a:rPr lang="en-US" dirty="0"/>
+              <a:t>Actors can have internal states</a:t>
+            </a:r>
+          </a:p>
+        </p:txBody>
+      </p:sp>
+    </p:spTree>
+    <p:extLst>
+      <p:ext uri="{BB962C8B-B14F-4D97-AF65-F5344CB8AC3E}">
+        <p14:creationId xmlns:p14="http://schemas.microsoft.com/office/powerpoint/2010/main" val="4008316435"/>
+      </p:ext>
+    </p:extLst>
+  </p:cSld>
+  <p:clrMapOvr>
+    <a:masterClrMapping/>
+  </p:clrMapOvr>
+</p:sld>
+</file>
+
+<file path=ppt/slides/slide13.xml><?xml version="1.0" encoding="utf-8"?>
+<p:sld xmlns:a="http://schemas.openxmlformats.org/drawingml/2006/main" xmlns:r="http://schemas.openxmlformats.org/officeDocument/2006/relationships" xmlns:p="http://schemas.openxmlformats.org/presentationml/2006/main">
+  <p:cSld>
+    <p:spTree>
+      <p:nvGrpSpPr>
+        <p:cNvPr id="1" name=""/>
+        <p:cNvGrpSpPr/>
+        <p:nvPr/>
+      </p:nvGrpSpPr>
+      <p:grpSpPr>
+        <a:xfrm>
+          <a:off x="0" y="0"/>
+          <a:ext cx="0" cy="0"/>
+          <a:chOff x="0" y="0"/>
+          <a:chExt cx="0" cy="0"/>
+        </a:xfrm>
+      </p:grpSpPr>
+      <p:sp>
+        <p:nvSpPr>
+          <p:cNvPr id="2" name="Title 1">
+            <a:extLst>
+              <a:ext uri="{FF2B5EF4-FFF2-40B4-BE49-F238E27FC236}">
+                <a16:creationId xmlns:a16="http://schemas.microsoft.com/office/drawing/2014/main" id="{774DDF57-F59B-49B7-8396-9873DFF356BB}"/>
+              </a:ext>
+            </a:extLst>
+          </p:cNvPr>
+          <p:cNvSpPr>
+            <a:spLocks noGrp="1"/>
+          </p:cNvSpPr>
+          <p:nvPr>
+            <p:ph type="title"/>
+          </p:nvPr>
+        </p:nvSpPr>
+        <p:spPr/>
+        <p:txBody>
+          <a:bodyPr/>
+          <a:lstStyle/>
+          <a:p>
+            <a:r>
+              <a:rPr lang="en-US" dirty="0"/>
+              <a:t>What do Actors do…</a:t>
+            </a:r>
+          </a:p>
+        </p:txBody>
+      </p:sp>
+      <p:sp>
+        <p:nvSpPr>
+          <p:cNvPr id="3" name="Content Placeholder 2">
+            <a:extLst>
+              <a:ext uri="{FF2B5EF4-FFF2-40B4-BE49-F238E27FC236}">
+                <a16:creationId xmlns:a16="http://schemas.microsoft.com/office/drawing/2014/main" id="{888C3D4F-7DD5-4F82-AD1C-AE0454DE2782}"/>
+              </a:ext>
+            </a:extLst>
+          </p:cNvPr>
+          <p:cNvSpPr>
+            <a:spLocks noGrp="1"/>
+          </p:cNvSpPr>
+          <p:nvPr>
+            <p:ph idx="1"/>
+          </p:nvPr>
+        </p:nvSpPr>
+        <p:spPr/>
+        <p:txBody>
+          <a:bodyPr/>
+          <a:lstStyle/>
+          <a:p>
+            <a:r>
+              <a:rPr lang="en-US" dirty="0"/>
+              <a:t>Receive a message (one at a time)</a:t>
+            </a:r>
+          </a:p>
+          <a:p>
+            <a:r>
+              <a:rPr lang="en-US" dirty="0"/>
+              <a:t>Do some work when a message is received</a:t>
+            </a:r>
+          </a:p>
+          <a:p>
+            <a:r>
+              <a:rPr lang="en-US" dirty="0"/>
+              <a:t>Send one or more messages to other actors</a:t>
+            </a:r>
+          </a:p>
+        </p:txBody>
+      </p:sp>
+    </p:spTree>
+    <p:extLst>
+      <p:ext uri="{BB962C8B-B14F-4D97-AF65-F5344CB8AC3E}">
+        <p14:creationId xmlns:p14="http://schemas.microsoft.com/office/powerpoint/2010/main" val="3081027863"/>
+      </p:ext>
+    </p:extLst>
+  </p:cSld>
+  <p:clrMapOvr>
+    <a:masterClrMapping/>
+  </p:clrMapOvr>
+</p:sld>
+</file>
+
+<file path=ppt/slides/slide14.xml><?xml version="1.0" encoding="utf-8"?>
+<p:sld xmlns:a="http://schemas.openxmlformats.org/drawingml/2006/main" xmlns:r="http://schemas.openxmlformats.org/officeDocument/2006/relationships" xmlns:p="http://schemas.openxmlformats.org/presentationml/2006/main">
+  <p:cSld>
+    <p:spTree>
+      <p:nvGrpSpPr>
+        <p:cNvPr id="1" name=""/>
+        <p:cNvGrpSpPr/>
+        <p:nvPr/>
+      </p:nvGrpSpPr>
+      <p:grpSpPr>
+        <a:xfrm>
+          <a:off x="0" y="0"/>
+          <a:ext cx="0" cy="0"/>
+          <a:chOff x="0" y="0"/>
+          <a:chExt cx="0" cy="0"/>
+        </a:xfrm>
+      </p:grpSpPr>
+      <p:sp>
+        <p:nvSpPr>
+          <p:cNvPr id="2" name="Title 1">
+            <a:extLst>
+              <a:ext uri="{FF2B5EF4-FFF2-40B4-BE49-F238E27FC236}">
                 <a16:creationId xmlns:a16="http://schemas.microsoft.com/office/drawing/2014/main" id="{97B2DABC-B3CB-477F-899B-05D6200D9920}"/>
               </a:ext>
             </a:extLst>
@@ -8024,6 +8329,505 @@
     <p:extLst>
       <p:ext uri="{BB962C8B-B14F-4D97-AF65-F5344CB8AC3E}">
         <p14:creationId xmlns:p14="http://schemas.microsoft.com/office/powerpoint/2010/main" val="3070341077"/>
+      </p:ext>
+    </p:extLst>
+  </p:cSld>
+  <p:clrMapOvr>
+    <a:masterClrMapping/>
+  </p:clrMapOvr>
+</p:sld>
+</file>
+
+<file path=ppt/slides/slide15.xml><?xml version="1.0" encoding="utf-8"?>
+<p:sld xmlns:a="http://schemas.openxmlformats.org/drawingml/2006/main" xmlns:r="http://schemas.openxmlformats.org/officeDocument/2006/relationships" xmlns:p="http://schemas.openxmlformats.org/presentationml/2006/main">
+  <p:cSld>
+    <p:spTree>
+      <p:nvGrpSpPr>
+        <p:cNvPr id="1" name=""/>
+        <p:cNvGrpSpPr/>
+        <p:nvPr/>
+      </p:nvGrpSpPr>
+      <p:grpSpPr>
+        <a:xfrm>
+          <a:off x="0" y="0"/>
+          <a:ext cx="0" cy="0"/>
+          <a:chOff x="0" y="0"/>
+          <a:chExt cx="0" cy="0"/>
+        </a:xfrm>
+      </p:grpSpPr>
+      <p:sp>
+        <p:nvSpPr>
+          <p:cNvPr id="2" name="Title 1">
+            <a:extLst>
+              <a:ext uri="{FF2B5EF4-FFF2-40B4-BE49-F238E27FC236}">
+                <a16:creationId xmlns:a16="http://schemas.microsoft.com/office/drawing/2014/main" id="{EC23D549-33F6-4E4A-B1A4-11D17E72432A}"/>
+              </a:ext>
+            </a:extLst>
+          </p:cNvPr>
+          <p:cNvSpPr>
+            <a:spLocks noGrp="1"/>
+          </p:cNvSpPr>
+          <p:nvPr>
+            <p:ph type="title"/>
+          </p:nvPr>
+        </p:nvSpPr>
+        <p:spPr>
+          <a:xfrm>
+            <a:off x="2592925" y="624110"/>
+            <a:ext cx="8911687" cy="1280890"/>
+          </a:xfrm>
+        </p:spPr>
+        <p:txBody>
+          <a:bodyPr/>
+          <a:lstStyle/>
+          <a:p>
+            <a:r>
+              <a:rPr lang="en-US"/>
+              <a:t>Communicating Sequential Processes (CSP)</a:t>
+            </a:r>
+            <a:endParaRPr lang="en-US" dirty="0"/>
+          </a:p>
+        </p:txBody>
+      </p:sp>
+      <p:pic>
+        <p:nvPicPr>
+          <p:cNvPr id="1026" name="Picture 2" descr="Image result for tony hoare">
+            <a:extLst>
+              <a:ext uri="{FF2B5EF4-FFF2-40B4-BE49-F238E27FC236}">
+                <a16:creationId xmlns:a16="http://schemas.microsoft.com/office/drawing/2014/main" id="{5DF09E15-0C46-4F2E-971D-D1F25D23E3AD}"/>
+              </a:ext>
+            </a:extLst>
+          </p:cNvPr>
+          <p:cNvPicPr>
+            <a:picLocks noChangeAspect="1" noChangeArrowheads="1"/>
+          </p:cNvPicPr>
+          <p:nvPr/>
+        </p:nvPicPr>
+        <p:blipFill>
+          <a:blip r:embed="rId2">
+            <a:extLst>
+              <a:ext uri="{28A0092B-C50C-407E-A947-70E740481C1C}">
+                <a14:useLocalDpi xmlns:a14="http://schemas.microsoft.com/office/drawing/2010/main" val="0"/>
+              </a:ext>
+            </a:extLst>
+          </a:blip>
+          <a:srcRect/>
+          <a:stretch>
+            <a:fillRect/>
+          </a:stretch>
+        </p:blipFill>
+        <p:spPr bwMode="auto">
+          <a:xfrm>
+            <a:off x="2742012" y="1905000"/>
+            <a:ext cx="8027324" cy="3668738"/>
+          </a:xfrm>
+          <a:prstGeom prst="rect">
+            <a:avLst/>
+          </a:prstGeom>
+          <a:noFill/>
+          <a:extLst>
+            <a:ext uri="{909E8E84-426E-40DD-AFC4-6F175D3DCCD1}">
+              <a14:hiddenFill xmlns:a14="http://schemas.microsoft.com/office/drawing/2010/main">
+                <a:solidFill>
+                  <a:srgbClr val="FFFFFF"/>
+                </a:solidFill>
+              </a14:hiddenFill>
+            </a:ext>
+          </a:extLst>
+        </p:spPr>
+      </p:pic>
+      <p:sp>
+        <p:nvSpPr>
+          <p:cNvPr id="4" name="TextBox 3">
+            <a:extLst>
+              <a:ext uri="{FF2B5EF4-FFF2-40B4-BE49-F238E27FC236}">
+                <a16:creationId xmlns:a16="http://schemas.microsoft.com/office/drawing/2014/main" id="{76791DED-0EA0-417D-AEB2-2F5114BCCFF9}"/>
+              </a:ext>
+            </a:extLst>
+          </p:cNvPr>
+          <p:cNvSpPr txBox="1"/>
+          <p:nvPr/>
+        </p:nvSpPr>
+        <p:spPr>
+          <a:xfrm>
+            <a:off x="2669969" y="5769033"/>
+            <a:ext cx="8171410" cy="369332"/>
+          </a:xfrm>
+          <a:prstGeom prst="rect">
+            <a:avLst/>
+          </a:prstGeom>
+          <a:noFill/>
+        </p:spPr>
+        <p:txBody>
+          <a:bodyPr wrap="square" rtlCol="0">
+            <a:spAutoFit/>
+          </a:bodyPr>
+          <a:lstStyle/>
+          <a:p>
+            <a:r>
+              <a:rPr lang="en-US" dirty="0"/>
+              <a:t>Communicating Sequential Processes, Hoare,1978</a:t>
+            </a:r>
+          </a:p>
+        </p:txBody>
+      </p:sp>
+    </p:spTree>
+    <p:extLst>
+      <p:ext uri="{BB962C8B-B14F-4D97-AF65-F5344CB8AC3E}">
+        <p14:creationId xmlns:p14="http://schemas.microsoft.com/office/powerpoint/2010/main" val="941650810"/>
+      </p:ext>
+    </p:extLst>
+  </p:cSld>
+  <p:clrMapOvr>
+    <a:masterClrMapping/>
+  </p:clrMapOvr>
+</p:sld>
+</file>
+
+<file path=ppt/slides/slide16.xml><?xml version="1.0" encoding="utf-8"?>
+<p:sld xmlns:a="http://schemas.openxmlformats.org/drawingml/2006/main" xmlns:r="http://schemas.openxmlformats.org/officeDocument/2006/relationships" xmlns:p="http://schemas.openxmlformats.org/presentationml/2006/main">
+  <p:cSld>
+    <p:spTree>
+      <p:nvGrpSpPr>
+        <p:cNvPr id="1" name=""/>
+        <p:cNvGrpSpPr/>
+        <p:nvPr/>
+      </p:nvGrpSpPr>
+      <p:grpSpPr>
+        <a:xfrm>
+          <a:off x="0" y="0"/>
+          <a:ext cx="0" cy="0"/>
+          <a:chOff x="0" y="0"/>
+          <a:chExt cx="0" cy="0"/>
+        </a:xfrm>
+      </p:grpSpPr>
+      <p:sp>
+        <p:nvSpPr>
+          <p:cNvPr id="2" name="Title 1">
+            <a:extLst>
+              <a:ext uri="{FF2B5EF4-FFF2-40B4-BE49-F238E27FC236}">
+                <a16:creationId xmlns:a16="http://schemas.microsoft.com/office/drawing/2014/main" id="{371D9573-C3C3-4500-84BB-DF152FDFF51B}"/>
+              </a:ext>
+            </a:extLst>
+          </p:cNvPr>
+          <p:cNvSpPr>
+            <a:spLocks noGrp="1"/>
+          </p:cNvSpPr>
+          <p:nvPr>
+            <p:ph type="title"/>
+          </p:nvPr>
+        </p:nvSpPr>
+        <p:spPr/>
+        <p:txBody>
+          <a:bodyPr/>
+          <a:lstStyle/>
+          <a:p>
+            <a:r>
+              <a:rPr lang="en-US" dirty="0"/>
+              <a:t>What is CSP</a:t>
+            </a:r>
+          </a:p>
+        </p:txBody>
+      </p:sp>
+      <p:sp>
+        <p:nvSpPr>
+          <p:cNvPr id="3" name="Content Placeholder 2">
+            <a:extLst>
+              <a:ext uri="{FF2B5EF4-FFF2-40B4-BE49-F238E27FC236}">
+                <a16:creationId xmlns:a16="http://schemas.microsoft.com/office/drawing/2014/main" id="{69FE7CA2-6CC6-4A3A-9F2C-CD2B2F22E475}"/>
+              </a:ext>
+            </a:extLst>
+          </p:cNvPr>
+          <p:cNvSpPr>
+            <a:spLocks noGrp="1"/>
+          </p:cNvSpPr>
+          <p:nvPr>
+            <p:ph idx="1"/>
+          </p:nvPr>
+        </p:nvSpPr>
+        <p:spPr/>
+        <p:txBody>
+          <a:bodyPr/>
+          <a:lstStyle/>
+          <a:p>
+            <a:r>
+              <a:rPr lang="en-US" dirty="0"/>
+              <a:t>Hoare described the ideas mathematically in his paper</a:t>
+            </a:r>
+          </a:p>
+          <a:p>
+            <a:r>
+              <a:rPr lang="en-US" dirty="0"/>
+              <a:t>Since then the ideas have been expanded mathematically to form </a:t>
+            </a:r>
+            <a:r>
+              <a:rPr lang="el-GR" dirty="0"/>
+              <a:t>π</a:t>
+            </a:r>
+            <a:r>
+              <a:rPr lang="en-US" dirty="0"/>
+              <a:t>-calculus and </a:t>
+            </a:r>
+            <a:r>
+              <a:rPr lang="el-GR" dirty="0"/>
+              <a:t>ρ</a:t>
+            </a:r>
+            <a:r>
+              <a:rPr lang="en-US" dirty="0"/>
+              <a:t>-calculus</a:t>
+            </a:r>
+          </a:p>
+          <a:p>
+            <a:r>
+              <a:rPr lang="en-US" dirty="0"/>
+              <a:t>Based on concurrently running processes</a:t>
+            </a:r>
+          </a:p>
+          <a:p>
+            <a:pPr lvl="1"/>
+            <a:r>
+              <a:rPr lang="en-US" dirty="0"/>
+              <a:t>Concurrency is not necessarily the same thing as parallelly running processes</a:t>
+            </a:r>
+          </a:p>
+          <a:p>
+            <a:r>
+              <a:rPr lang="en-US" dirty="0"/>
+              <a:t>Processes can have their own state and can share data, although it is best if they do not share data in traditional ways</a:t>
+            </a:r>
+          </a:p>
+          <a:p>
+            <a:r>
+              <a:rPr lang="en-US" dirty="0"/>
+              <a:t>Processes can communicate with each other via established channels</a:t>
+            </a:r>
+          </a:p>
+          <a:p>
+            <a:endParaRPr lang="en-US" dirty="0"/>
+          </a:p>
+        </p:txBody>
+      </p:sp>
+    </p:spTree>
+    <p:extLst>
+      <p:ext uri="{BB962C8B-B14F-4D97-AF65-F5344CB8AC3E}">
+        <p14:creationId xmlns:p14="http://schemas.microsoft.com/office/powerpoint/2010/main" val="3546048363"/>
+      </p:ext>
+    </p:extLst>
+  </p:cSld>
+  <p:clrMapOvr>
+    <a:masterClrMapping/>
+  </p:clrMapOvr>
+</p:sld>
+</file>
+
+<file path=ppt/slides/slide17.xml><?xml version="1.0" encoding="utf-8"?>
+<p:sld xmlns:a="http://schemas.openxmlformats.org/drawingml/2006/main" xmlns:r="http://schemas.openxmlformats.org/officeDocument/2006/relationships" xmlns:p="http://schemas.openxmlformats.org/presentationml/2006/main">
+  <p:cSld>
+    <p:spTree>
+      <p:nvGrpSpPr>
+        <p:cNvPr id="1" name=""/>
+        <p:cNvGrpSpPr/>
+        <p:nvPr/>
+      </p:nvGrpSpPr>
+      <p:grpSpPr>
+        <a:xfrm>
+          <a:off x="0" y="0"/>
+          <a:ext cx="0" cy="0"/>
+          <a:chOff x="0" y="0"/>
+          <a:chExt cx="0" cy="0"/>
+        </a:xfrm>
+      </p:grpSpPr>
+      <p:sp>
+        <p:nvSpPr>
+          <p:cNvPr id="2" name="Title 1">
+            <a:extLst>
+              <a:ext uri="{FF2B5EF4-FFF2-40B4-BE49-F238E27FC236}">
+                <a16:creationId xmlns:a16="http://schemas.microsoft.com/office/drawing/2014/main" id="{D336B076-99CA-4A48-B4C4-A8D091D7DB68}"/>
+              </a:ext>
+            </a:extLst>
+          </p:cNvPr>
+          <p:cNvSpPr>
+            <a:spLocks noGrp="1"/>
+          </p:cNvSpPr>
+          <p:nvPr>
+            <p:ph type="title"/>
+          </p:nvPr>
+        </p:nvSpPr>
+        <p:spPr/>
+        <p:txBody>
+          <a:bodyPr/>
+          <a:lstStyle/>
+          <a:p>
+            <a:r>
+              <a:rPr lang="en-US" dirty="0"/>
+              <a:t>Go and CSP</a:t>
+            </a:r>
+          </a:p>
+        </p:txBody>
+      </p:sp>
+      <p:sp>
+        <p:nvSpPr>
+          <p:cNvPr id="3" name="Content Placeholder 2">
+            <a:extLst>
+              <a:ext uri="{FF2B5EF4-FFF2-40B4-BE49-F238E27FC236}">
+                <a16:creationId xmlns:a16="http://schemas.microsoft.com/office/drawing/2014/main" id="{11267347-A754-4EBC-999C-20F17AD90F4B}"/>
+              </a:ext>
+            </a:extLst>
+          </p:cNvPr>
+          <p:cNvSpPr>
+            <a:spLocks noGrp="1"/>
+          </p:cNvSpPr>
+          <p:nvPr>
+            <p:ph idx="1"/>
+          </p:nvPr>
+        </p:nvSpPr>
+        <p:spPr/>
+        <p:txBody>
+          <a:bodyPr/>
+          <a:lstStyle/>
+          <a:p>
+            <a:r>
+              <a:rPr lang="en-US" dirty="0"/>
+              <a:t>Go follows the CSP model</a:t>
+            </a:r>
+          </a:p>
+          <a:p>
+            <a:pPr lvl="1"/>
+            <a:r>
+              <a:rPr lang="en-US" dirty="0" err="1"/>
+              <a:t>GoRoutines</a:t>
+            </a:r>
+            <a:r>
+              <a:rPr lang="en-US" dirty="0"/>
+              <a:t> are equivalent of CSP processes</a:t>
+            </a:r>
+          </a:p>
+          <a:p>
+            <a:pPr lvl="2"/>
+            <a:r>
+              <a:rPr lang="en-US" dirty="0"/>
+              <a:t>Go Routines are lightweight green threads</a:t>
+            </a:r>
+          </a:p>
+          <a:p>
+            <a:pPr lvl="2"/>
+            <a:r>
+              <a:rPr lang="en-US" dirty="0"/>
+              <a:t>They are managed by the Go runtime</a:t>
+            </a:r>
+          </a:p>
+          <a:p>
+            <a:pPr lvl="2"/>
+            <a:r>
+              <a:rPr lang="en-US" dirty="0"/>
+              <a:t>Having O(10000) </a:t>
+            </a:r>
+            <a:r>
+              <a:rPr lang="en-US" dirty="0" err="1"/>
+              <a:t>GoRoutines</a:t>
+            </a:r>
+            <a:r>
+              <a:rPr lang="en-US" dirty="0"/>
+              <a:t> is not uncommon</a:t>
+            </a:r>
+          </a:p>
+          <a:p>
+            <a:pPr lvl="2"/>
+            <a:r>
+              <a:rPr lang="en-US" dirty="0"/>
+              <a:t>Go Runtime doesn’t spawn O(10000) OS threads</a:t>
+            </a:r>
+          </a:p>
+          <a:p>
+            <a:pPr lvl="1"/>
+            <a:r>
+              <a:rPr lang="en-US" dirty="0"/>
+              <a:t>Processes communicate with channels</a:t>
+            </a:r>
+          </a:p>
+          <a:p>
+            <a:pPr lvl="1"/>
+            <a:r>
+              <a:rPr lang="en-US" dirty="0"/>
+              <a:t>Channels are a first class data type in Go</a:t>
+            </a:r>
+          </a:p>
+          <a:p>
+            <a:pPr lvl="1"/>
+            <a:r>
+              <a:rPr lang="en-US" dirty="0"/>
+              <a:t>Channels can be passed as data members while sending messages over other channels</a:t>
+            </a:r>
+          </a:p>
+        </p:txBody>
+      </p:sp>
+    </p:spTree>
+    <p:extLst>
+      <p:ext uri="{BB962C8B-B14F-4D97-AF65-F5344CB8AC3E}">
+        <p14:creationId xmlns:p14="http://schemas.microsoft.com/office/powerpoint/2010/main" val="1812656192"/>
+      </p:ext>
+    </p:extLst>
+  </p:cSld>
+  <p:clrMapOvr>
+    <a:masterClrMapping/>
+  </p:clrMapOvr>
+</p:sld>
+</file>
+
+<file path=ppt/slides/slide18.xml><?xml version="1.0" encoding="utf-8"?>
+<p:sld xmlns:a="http://schemas.openxmlformats.org/drawingml/2006/main" xmlns:r="http://schemas.openxmlformats.org/officeDocument/2006/relationships" xmlns:p="http://schemas.openxmlformats.org/presentationml/2006/main">
+  <p:cSld>
+    <p:spTree>
+      <p:nvGrpSpPr>
+        <p:cNvPr id="1" name=""/>
+        <p:cNvGrpSpPr/>
+        <p:nvPr/>
+      </p:nvGrpSpPr>
+      <p:grpSpPr>
+        <a:xfrm>
+          <a:off x="0" y="0"/>
+          <a:ext cx="0" cy="0"/>
+          <a:chOff x="0" y="0"/>
+          <a:chExt cx="0" cy="0"/>
+        </a:xfrm>
+      </p:grpSpPr>
+      <p:sp>
+        <p:nvSpPr>
+          <p:cNvPr id="2" name="Title 1">
+            <a:extLst>
+              <a:ext uri="{FF2B5EF4-FFF2-40B4-BE49-F238E27FC236}">
+                <a16:creationId xmlns:a16="http://schemas.microsoft.com/office/drawing/2014/main" id="{52DCCFA5-0DAE-4FF9-8321-30E91B6765CD}"/>
+              </a:ext>
+            </a:extLst>
+          </p:cNvPr>
+          <p:cNvSpPr>
+            <a:spLocks noGrp="1"/>
+          </p:cNvSpPr>
+          <p:nvPr>
+            <p:ph type="title"/>
+          </p:nvPr>
+        </p:nvSpPr>
+        <p:spPr>
+          <a:xfrm>
+            <a:off x="3449135" y="3134554"/>
+            <a:ext cx="8911687" cy="1280890"/>
+          </a:xfrm>
+        </p:spPr>
+        <p:txBody>
+          <a:bodyPr/>
+          <a:lstStyle/>
+          <a:p>
+            <a:r>
+              <a:rPr lang="en-US" dirty="0"/>
+              <a:t>CSP in action with Go</a:t>
+            </a:r>
+          </a:p>
+        </p:txBody>
+      </p:sp>
+    </p:spTree>
+    <p:extLst>
+      <p:ext uri="{BB962C8B-B14F-4D97-AF65-F5344CB8AC3E}">
+        <p14:creationId xmlns:p14="http://schemas.microsoft.com/office/powerpoint/2010/main" val="3636082325"/>
       </p:ext>
     </p:extLst>
   </p:cSld>
@@ -8947,6 +9751,261 @@
 </file>
 
 <file path=ppt/slides/slide7.xml><?xml version="1.0" encoding="utf-8"?>
+<p:sld xmlns:a="http://schemas.openxmlformats.org/drawingml/2006/main" xmlns:r="http://schemas.openxmlformats.org/officeDocument/2006/relationships" xmlns:p="http://schemas.openxmlformats.org/presentationml/2006/main">
+  <p:cSld>
+    <p:spTree>
+      <p:nvGrpSpPr>
+        <p:cNvPr id="1" name=""/>
+        <p:cNvGrpSpPr/>
+        <p:nvPr/>
+      </p:nvGrpSpPr>
+      <p:grpSpPr>
+        <a:xfrm>
+          <a:off x="0" y="0"/>
+          <a:ext cx="0" cy="0"/>
+          <a:chOff x="0" y="0"/>
+          <a:chExt cx="0" cy="0"/>
+        </a:xfrm>
+      </p:grpSpPr>
+      <p:sp>
+        <p:nvSpPr>
+          <p:cNvPr id="2" name="Title 1">
+            <a:extLst>
+              <a:ext uri="{FF2B5EF4-FFF2-40B4-BE49-F238E27FC236}">
+                <a16:creationId xmlns:a16="http://schemas.microsoft.com/office/drawing/2014/main" id="{FF514509-6A8B-45F9-B541-C9087FEEF341}"/>
+              </a:ext>
+            </a:extLst>
+          </p:cNvPr>
+          <p:cNvSpPr>
+            <a:spLocks noGrp="1"/>
+          </p:cNvSpPr>
+          <p:nvPr>
+            <p:ph type="title"/>
+          </p:nvPr>
+        </p:nvSpPr>
+        <p:spPr/>
+        <p:txBody>
+          <a:bodyPr/>
+          <a:lstStyle/>
+          <a:p>
+            <a:r>
+              <a:rPr lang="en-US" dirty="0"/>
+              <a:t>Problems with Mutexes and Semaphores</a:t>
+            </a:r>
+          </a:p>
+        </p:txBody>
+      </p:sp>
+      <p:sp>
+        <p:nvSpPr>
+          <p:cNvPr id="3" name="Content Placeholder 2">
+            <a:extLst>
+              <a:ext uri="{FF2B5EF4-FFF2-40B4-BE49-F238E27FC236}">
+                <a16:creationId xmlns:a16="http://schemas.microsoft.com/office/drawing/2014/main" id="{753A201C-0F14-4C7C-B1E1-7E3B431CEE96}"/>
+              </a:ext>
+            </a:extLst>
+          </p:cNvPr>
+          <p:cNvSpPr>
+            <a:spLocks noGrp="1"/>
+          </p:cNvSpPr>
+          <p:nvPr>
+            <p:ph idx="1"/>
+          </p:nvPr>
+        </p:nvSpPr>
+        <p:spPr/>
+        <p:txBody>
+          <a:bodyPr>
+            <a:normAutofit fontScale="92500" lnSpcReduction="10000"/>
+          </a:bodyPr>
+          <a:lstStyle/>
+          <a:p>
+            <a:r>
+              <a:rPr lang="en-US" dirty="0"/>
+              <a:t>Difficult constructs</a:t>
+            </a:r>
+          </a:p>
+          <a:p>
+            <a:r>
+              <a:rPr lang="en-US" dirty="0"/>
+              <a:t>Easy to get wrong</a:t>
+            </a:r>
+          </a:p>
+          <a:p>
+            <a:pPr lvl="1"/>
+            <a:r>
+              <a:rPr lang="en-US" dirty="0"/>
+              <a:t>Granularity of locking, reduces performance</a:t>
+            </a:r>
+          </a:p>
+          <a:p>
+            <a:pPr lvl="1"/>
+            <a:r>
+              <a:rPr lang="en-US" dirty="0"/>
+              <a:t>Not having a sequence of lock acquisition leads to deadlocks</a:t>
+            </a:r>
+          </a:p>
+          <a:p>
+            <a:pPr lvl="2"/>
+            <a:r>
+              <a:rPr lang="en-US" dirty="0"/>
+              <a:t>Conditions for deadlock</a:t>
+            </a:r>
+          </a:p>
+          <a:p>
+            <a:pPr lvl="3"/>
+            <a:r>
+              <a:rPr lang="en-US" dirty="0"/>
+              <a:t>Mutual Exclusion</a:t>
+            </a:r>
+          </a:p>
+          <a:p>
+            <a:pPr lvl="3"/>
+            <a:r>
+              <a:rPr lang="en-US" dirty="0"/>
+              <a:t>Hold and Wait</a:t>
+            </a:r>
+          </a:p>
+          <a:p>
+            <a:pPr lvl="3"/>
+            <a:r>
+              <a:rPr lang="en-US" dirty="0"/>
+              <a:t>No Pre-emption</a:t>
+            </a:r>
+          </a:p>
+          <a:p>
+            <a:pPr lvl="3"/>
+            <a:r>
+              <a:rPr lang="en-US" dirty="0"/>
+              <a:t>Circular wait</a:t>
+            </a:r>
+          </a:p>
+          <a:p>
+            <a:pPr lvl="2"/>
+            <a:r>
+              <a:rPr lang="en-US" dirty="0"/>
+              <a:t>Difficult to test all possible scenarios</a:t>
+            </a:r>
+          </a:p>
+          <a:p>
+            <a:pPr lvl="2"/>
+            <a:r>
+              <a:rPr lang="en-US" dirty="0"/>
+              <a:t>Difficult to debug</a:t>
+            </a:r>
+          </a:p>
+          <a:p>
+            <a:r>
+              <a:rPr lang="en-US" dirty="0"/>
+              <a:t>Missing synchronization where it is required</a:t>
+            </a:r>
+          </a:p>
+        </p:txBody>
+      </p:sp>
+    </p:spTree>
+    <p:extLst>
+      <p:ext uri="{BB962C8B-B14F-4D97-AF65-F5344CB8AC3E}">
+        <p14:creationId xmlns:p14="http://schemas.microsoft.com/office/powerpoint/2010/main" val="2528765436"/>
+      </p:ext>
+    </p:extLst>
+  </p:cSld>
+  <p:clrMapOvr>
+    <a:masterClrMapping/>
+  </p:clrMapOvr>
+</p:sld>
+</file>
+
+<file path=ppt/slides/slide8.xml><?xml version="1.0" encoding="utf-8"?>
+<p:sld xmlns:a="http://schemas.openxmlformats.org/drawingml/2006/main" xmlns:r="http://schemas.openxmlformats.org/officeDocument/2006/relationships" xmlns:p="http://schemas.openxmlformats.org/presentationml/2006/main">
+  <p:cSld>
+    <p:spTree>
+      <p:nvGrpSpPr>
+        <p:cNvPr id="1" name=""/>
+        <p:cNvGrpSpPr/>
+        <p:nvPr/>
+      </p:nvGrpSpPr>
+      <p:grpSpPr>
+        <a:xfrm>
+          <a:off x="0" y="0"/>
+          <a:ext cx="0" cy="0"/>
+          <a:chOff x="0" y="0"/>
+          <a:chExt cx="0" cy="0"/>
+        </a:xfrm>
+      </p:grpSpPr>
+      <p:sp>
+        <p:nvSpPr>
+          <p:cNvPr id="2" name="Title 1">
+            <a:extLst>
+              <a:ext uri="{FF2B5EF4-FFF2-40B4-BE49-F238E27FC236}">
+                <a16:creationId xmlns:a16="http://schemas.microsoft.com/office/drawing/2014/main" id="{4A68B0E2-3267-401E-B9FD-5A869E870F1F}"/>
+              </a:ext>
+            </a:extLst>
+          </p:cNvPr>
+          <p:cNvSpPr>
+            <a:spLocks noGrp="1"/>
+          </p:cNvSpPr>
+          <p:nvPr>
+            <p:ph type="title"/>
+          </p:nvPr>
+        </p:nvSpPr>
+        <p:spPr/>
+        <p:txBody>
+          <a:bodyPr/>
+          <a:lstStyle/>
+          <a:p>
+            <a:r>
+              <a:rPr lang="en-US" dirty="0"/>
+              <a:t>Advantages of Mutexes and Semaphores</a:t>
+            </a:r>
+          </a:p>
+        </p:txBody>
+      </p:sp>
+      <p:sp>
+        <p:nvSpPr>
+          <p:cNvPr id="3" name="Content Placeholder 2">
+            <a:extLst>
+              <a:ext uri="{FF2B5EF4-FFF2-40B4-BE49-F238E27FC236}">
+                <a16:creationId xmlns:a16="http://schemas.microsoft.com/office/drawing/2014/main" id="{EB5EA186-F6A1-4B5B-AC51-386E15CC1A11}"/>
+              </a:ext>
+            </a:extLst>
+          </p:cNvPr>
+          <p:cNvSpPr>
+            <a:spLocks noGrp="1"/>
+          </p:cNvSpPr>
+          <p:nvPr>
+            <p:ph idx="1"/>
+          </p:nvPr>
+        </p:nvSpPr>
+        <p:spPr/>
+        <p:txBody>
+          <a:bodyPr/>
+          <a:lstStyle/>
+          <a:p>
+            <a:r>
+              <a:rPr lang="en-US" dirty="0"/>
+              <a:t>Low Level, hence fast</a:t>
+            </a:r>
+          </a:p>
+          <a:p>
+            <a:r>
+              <a:rPr lang="en-US" dirty="0"/>
+              <a:t>Flexible, doesn’t tie one down to a particular model</a:t>
+            </a:r>
+          </a:p>
+        </p:txBody>
+      </p:sp>
+    </p:spTree>
+    <p:extLst>
+      <p:ext uri="{BB962C8B-B14F-4D97-AF65-F5344CB8AC3E}">
+        <p14:creationId xmlns:p14="http://schemas.microsoft.com/office/powerpoint/2010/main" val="1640727057"/>
+      </p:ext>
+    </p:extLst>
+  </p:cSld>
+  <p:clrMapOvr>
+    <a:masterClrMapping/>
+  </p:clrMapOvr>
+</p:sld>
+</file>
+
+<file path=ppt/slides/slide9.xml><?xml version="1.0" encoding="utf-8"?>
 <p:sld xmlns:a="http://schemas.openxmlformats.org/drawingml/2006/main" xmlns:r="http://schemas.openxmlformats.org/officeDocument/2006/relationships" xmlns:p="http://schemas.openxmlformats.org/presentationml/2006/main">
   <p:cSld>
     <p:spTree>
@@ -9077,295 +10136,6 @@
     <p:extLst>
       <p:ext uri="{BB962C8B-B14F-4D97-AF65-F5344CB8AC3E}">
         <p14:creationId xmlns:p14="http://schemas.microsoft.com/office/powerpoint/2010/main" val="2000350427"/>
-      </p:ext>
-    </p:extLst>
-  </p:cSld>
-  <p:clrMapOvr>
-    <a:masterClrMapping/>
-  </p:clrMapOvr>
-</p:sld>
-</file>
-
-<file path=ppt/slides/slide8.xml><?xml version="1.0" encoding="utf-8"?>
-<p:sld xmlns:a="http://schemas.openxmlformats.org/drawingml/2006/main" xmlns:r="http://schemas.openxmlformats.org/officeDocument/2006/relationships" xmlns:p="http://schemas.openxmlformats.org/presentationml/2006/main">
-  <p:cSld>
-    <p:spTree>
-      <p:nvGrpSpPr>
-        <p:cNvPr id="1" name=""/>
-        <p:cNvGrpSpPr/>
-        <p:nvPr/>
-      </p:nvGrpSpPr>
-      <p:grpSpPr>
-        <a:xfrm>
-          <a:off x="0" y="0"/>
-          <a:ext cx="0" cy="0"/>
-          <a:chOff x="0" y="0"/>
-          <a:chExt cx="0" cy="0"/>
-        </a:xfrm>
-      </p:grpSpPr>
-      <p:sp>
-        <p:nvSpPr>
-          <p:cNvPr id="2" name="Title 1">
-            <a:extLst>
-              <a:ext uri="{FF2B5EF4-FFF2-40B4-BE49-F238E27FC236}">
-                <a16:creationId xmlns:a16="http://schemas.microsoft.com/office/drawing/2014/main" id="{54118B60-4AD9-4F6A-AD59-B96A11E38E4D}"/>
-              </a:ext>
-            </a:extLst>
-          </p:cNvPr>
-          <p:cNvSpPr>
-            <a:spLocks noGrp="1"/>
-          </p:cNvSpPr>
-          <p:nvPr>
-            <p:ph type="title"/>
-          </p:nvPr>
-        </p:nvSpPr>
-        <p:spPr/>
-        <p:txBody>
-          <a:bodyPr/>
-          <a:lstStyle/>
-          <a:p>
-            <a:r>
-              <a:rPr lang="en-US" dirty="0"/>
-              <a:t>Languages &amp; Actors</a:t>
-            </a:r>
-          </a:p>
-        </p:txBody>
-      </p:sp>
-      <p:sp>
-        <p:nvSpPr>
-          <p:cNvPr id="3" name="Content Placeholder 2">
-            <a:extLst>
-              <a:ext uri="{FF2B5EF4-FFF2-40B4-BE49-F238E27FC236}">
-                <a16:creationId xmlns:a16="http://schemas.microsoft.com/office/drawing/2014/main" id="{E9C49DB0-EA99-4BD7-A718-CB1ED822E00F}"/>
-              </a:ext>
-            </a:extLst>
-          </p:cNvPr>
-          <p:cNvSpPr>
-            <a:spLocks noGrp="1"/>
-          </p:cNvSpPr>
-          <p:nvPr>
-            <p:ph idx="1"/>
-          </p:nvPr>
-        </p:nvSpPr>
-        <p:spPr/>
-        <p:txBody>
-          <a:bodyPr/>
-          <a:lstStyle/>
-          <a:p>
-            <a:r>
-              <a:rPr lang="en-US" dirty="0"/>
-              <a:t>Smalltalk was the first programming language to properly implement message passing</a:t>
-            </a:r>
-          </a:p>
-          <a:p>
-            <a:r>
-              <a:rPr lang="en-US" dirty="0" err="1"/>
-              <a:t>Simula</a:t>
-            </a:r>
-            <a:r>
-              <a:rPr lang="en-US" dirty="0"/>
-              <a:t> was the first language to support actors</a:t>
-            </a:r>
-          </a:p>
-          <a:p>
-            <a:r>
-              <a:rPr lang="en-US" dirty="0"/>
-              <a:t>A host of languages support actors today</a:t>
-            </a:r>
-          </a:p>
-          <a:p>
-            <a:pPr lvl="1"/>
-            <a:r>
-              <a:rPr lang="en-US" dirty="0"/>
-              <a:t>Erlang/</a:t>
-            </a:r>
-            <a:r>
-              <a:rPr lang="en-US" dirty="0" err="1"/>
-              <a:t>Elexir</a:t>
-            </a:r>
-            <a:r>
-              <a:rPr lang="en-US" dirty="0"/>
-              <a:t> (Ericson attributes Nine 9s uptime of its server partially to Erlang)</a:t>
-            </a:r>
-          </a:p>
-          <a:p>
-            <a:pPr lvl="1"/>
-            <a:r>
-              <a:rPr lang="en-US" dirty="0" err="1"/>
-              <a:t>Akka</a:t>
-            </a:r>
-            <a:r>
-              <a:rPr lang="en-US" dirty="0"/>
-              <a:t>/JVM</a:t>
-            </a:r>
-          </a:p>
-          <a:p>
-            <a:pPr lvl="1"/>
-            <a:r>
-              <a:rPr lang="en-US" dirty="0"/>
-              <a:t>Orleans (.NET) (Halo 3d multiplayer uses Orleans)</a:t>
-            </a:r>
-          </a:p>
-          <a:p>
-            <a:pPr lvl="1"/>
-            <a:r>
-              <a:rPr lang="en-US" dirty="0"/>
-              <a:t>CAF (C++)</a:t>
-            </a:r>
-          </a:p>
-          <a:p>
-            <a:pPr lvl="1"/>
-            <a:r>
-              <a:rPr lang="en-US" dirty="0"/>
-              <a:t>Celluloid (Ruby)</a:t>
-            </a:r>
-          </a:p>
-          <a:p>
-            <a:pPr lvl="1"/>
-            <a:r>
-              <a:rPr lang="en-US" dirty="0"/>
-              <a:t>Pulsar (Python)</a:t>
-            </a:r>
-          </a:p>
-        </p:txBody>
-      </p:sp>
-    </p:spTree>
-    <p:extLst>
-      <p:ext uri="{BB962C8B-B14F-4D97-AF65-F5344CB8AC3E}">
-        <p14:creationId xmlns:p14="http://schemas.microsoft.com/office/powerpoint/2010/main" val="1786422811"/>
-      </p:ext>
-    </p:extLst>
-  </p:cSld>
-  <p:clrMapOvr>
-    <a:masterClrMapping/>
-  </p:clrMapOvr>
-</p:sld>
-</file>
-
-<file path=ppt/slides/slide9.xml><?xml version="1.0" encoding="utf-8"?>
-<p:sld xmlns:a="http://schemas.openxmlformats.org/drawingml/2006/main" xmlns:r="http://schemas.openxmlformats.org/officeDocument/2006/relationships" xmlns:p="http://schemas.openxmlformats.org/presentationml/2006/main">
-  <p:cSld>
-    <p:spTree>
-      <p:nvGrpSpPr>
-        <p:cNvPr id="1" name=""/>
-        <p:cNvGrpSpPr/>
-        <p:nvPr/>
-      </p:nvGrpSpPr>
-      <p:grpSpPr>
-        <a:xfrm>
-          <a:off x="0" y="0"/>
-          <a:ext cx="0" cy="0"/>
-          <a:chOff x="0" y="0"/>
-          <a:chExt cx="0" cy="0"/>
-        </a:xfrm>
-      </p:grpSpPr>
-      <p:sp>
-        <p:nvSpPr>
-          <p:cNvPr id="2" name="Title 1">
-            <a:extLst>
-              <a:ext uri="{FF2B5EF4-FFF2-40B4-BE49-F238E27FC236}">
-                <a16:creationId xmlns:a16="http://schemas.microsoft.com/office/drawing/2014/main" id="{25734D02-5E83-44BE-94CF-E816BCD494F8}"/>
-              </a:ext>
-            </a:extLst>
-          </p:cNvPr>
-          <p:cNvSpPr>
-            <a:spLocks noGrp="1"/>
-          </p:cNvSpPr>
-          <p:nvPr>
-            <p:ph type="title"/>
-          </p:nvPr>
-        </p:nvSpPr>
-        <p:spPr/>
-        <p:txBody>
-          <a:bodyPr/>
-          <a:lstStyle/>
-          <a:p>
-            <a:r>
-              <a:rPr lang="en-US" dirty="0"/>
-              <a:t>What are actors…</a:t>
-            </a:r>
-          </a:p>
-        </p:txBody>
-      </p:sp>
-      <p:sp>
-        <p:nvSpPr>
-          <p:cNvPr id="3" name="Content Placeholder 2">
-            <a:extLst>
-              <a:ext uri="{FF2B5EF4-FFF2-40B4-BE49-F238E27FC236}">
-                <a16:creationId xmlns:a16="http://schemas.microsoft.com/office/drawing/2014/main" id="{F280F7B7-7790-4A81-8852-151D33070B29}"/>
-              </a:ext>
-            </a:extLst>
-          </p:cNvPr>
-          <p:cNvSpPr>
-            <a:spLocks noGrp="1"/>
-          </p:cNvSpPr>
-          <p:nvPr>
-            <p:ph idx="1"/>
-          </p:nvPr>
-        </p:nvSpPr>
-        <p:spPr/>
-        <p:txBody>
-          <a:bodyPr>
-            <a:normAutofit fontScale="92500" lnSpcReduction="10000"/>
-          </a:bodyPr>
-          <a:lstStyle/>
-          <a:p>
-            <a:r>
-              <a:rPr lang="en-US" dirty="0"/>
-              <a:t>An actor is a computational entity that, in response to a message it receives, can concurrently:</a:t>
-            </a:r>
-          </a:p>
-          <a:p>
-            <a:pPr lvl="1"/>
-            <a:r>
-              <a:rPr lang="en-US" dirty="0"/>
-              <a:t>send a finite number of messages to other actors</a:t>
-            </a:r>
-          </a:p>
-          <a:p>
-            <a:pPr lvl="1"/>
-            <a:r>
-              <a:rPr lang="en-US" dirty="0"/>
-              <a:t>create a finite number of new actors</a:t>
-            </a:r>
-          </a:p>
-          <a:p>
-            <a:pPr lvl="1"/>
-            <a:r>
-              <a:rPr lang="en-US" dirty="0"/>
-              <a:t>designate the behavior to be used for the next message it receives</a:t>
-            </a:r>
-          </a:p>
-          <a:p>
-            <a:r>
-              <a:rPr lang="en-US" dirty="0"/>
-              <a:t>Actors are persistent, their lifetime is beyond that of a process</a:t>
-            </a:r>
-          </a:p>
-          <a:p>
-            <a:r>
-              <a:rPr lang="en-US" dirty="0"/>
-              <a:t>Actors have one or more addresses to which messages may be sent</a:t>
-            </a:r>
-          </a:p>
-          <a:p>
-            <a:r>
-              <a:rPr lang="en-US" dirty="0"/>
-              <a:t>The mailbox is persistent, if an actor dies, the messages are not lost and another actor can be spawned up to take up those messages (this is the theory, a specific implementation may not stick to the theory)</a:t>
-            </a:r>
-          </a:p>
-          <a:p>
-            <a:r>
-              <a:rPr lang="en-US" dirty="0"/>
-              <a:t>The transport mechanism is immaterial, which means that actors can reside on different machines and communicate with TCP/IP with little or no code change</a:t>
-            </a:r>
-          </a:p>
-        </p:txBody>
-      </p:sp>
-    </p:spTree>
-    <p:extLst>
-      <p:ext uri="{BB962C8B-B14F-4D97-AF65-F5344CB8AC3E}">
-        <p14:creationId xmlns:p14="http://schemas.microsoft.com/office/powerpoint/2010/main" val="3644928662"/>
       </p:ext>
     </p:extLst>
   </p:cSld>

--- a/Presentation1.pptx
+++ b/Presentation1.pptx
@@ -9395,17 +9395,17 @@
               <a:tabLst/>
             </a:pPr>
             <a:r>
-              <a:rPr lang="en-US" altLang="en-US" sz="1000" dirty="0">
+              <a:rPr lang="en-US" altLang="en-US" sz="1000">
                 <a:solidFill>
                   <a:srgbClr val="000000"/>
                 </a:solidFill>
                 <a:latin typeface="Courier New" panose="02070309020205020404" pitchFamily="49" charset="0"/>
                 <a:cs typeface="Courier New" panose="02070309020205020404" pitchFamily="49" charset="0"/>
               </a:rPr>
-              <a:t>            </a:t>
-            </a:r>
-            <a:r>
-              <a:rPr kumimoji="0" lang="en-US" altLang="en-US" sz="1000" b="1" i="0" u="none" strike="noStrike" cap="none" normalizeH="0" baseline="0" dirty="0">
+              <a:t>                </a:t>
+            </a:r>
+            <a:r>
+              <a:rPr kumimoji="0" lang="en-US" altLang="en-US" sz="1000" b="1" i="0" u="none" strike="noStrike" cap="none" normalizeH="0" baseline="0">
                 <a:ln>
                   <a:noFill/>
                 </a:ln>
@@ -9418,6 +9418,17 @@
               </a:rPr>
               <a:t>break</a:t>
             </a:r>
+            <a:endParaRPr kumimoji="0" lang="en-US" altLang="en-US" sz="1000" b="1" i="0" u="none" strike="noStrike" cap="none" normalizeH="0" baseline="0" dirty="0">
+              <a:ln>
+                <a:noFill/>
+              </a:ln>
+              <a:solidFill>
+                <a:srgbClr val="000000"/>
+              </a:solidFill>
+              <a:effectLst/>
+              <a:latin typeface="Courier New" panose="02070309020205020404" pitchFamily="49" charset="0"/>
+              <a:cs typeface="Courier New" panose="02070309020205020404" pitchFamily="49" charset="0"/>
+            </a:endParaRPr>
           </a:p>
           <a:p>
             <a:pPr marL="0" marR="0" lvl="0" indent="0" algn="l" defTabSz="914400" rtl="0" eaLnBrk="0" fontAlgn="base" latinLnBrk="0" hangingPunct="0">

--- a/Presentation1.pptx
+++ b/Presentation1.pptx
@@ -6,23 +6,31 @@
   </p:sldMasterIdLst>
   <p:sldIdLst>
     <p:sldId id="256" r:id="rId2"/>
-    <p:sldId id="263" r:id="rId3"/>
-    <p:sldId id="264" r:id="rId4"/>
-    <p:sldId id="266" r:id="rId5"/>
-    <p:sldId id="265" r:id="rId6"/>
-    <p:sldId id="267" r:id="rId7"/>
-    <p:sldId id="268" r:id="rId8"/>
-    <p:sldId id="269" r:id="rId9"/>
-    <p:sldId id="257" r:id="rId10"/>
-    <p:sldId id="258" r:id="rId11"/>
-    <p:sldId id="259" r:id="rId12"/>
-    <p:sldId id="260" r:id="rId13"/>
-    <p:sldId id="261" r:id="rId14"/>
-    <p:sldId id="262" r:id="rId15"/>
-    <p:sldId id="270" r:id="rId16"/>
-    <p:sldId id="271" r:id="rId17"/>
-    <p:sldId id="272" r:id="rId18"/>
-    <p:sldId id="273" r:id="rId19"/>
+    <p:sldId id="281" r:id="rId3"/>
+    <p:sldId id="263" r:id="rId4"/>
+    <p:sldId id="264" r:id="rId5"/>
+    <p:sldId id="266" r:id="rId6"/>
+    <p:sldId id="265" r:id="rId7"/>
+    <p:sldId id="267" r:id="rId8"/>
+    <p:sldId id="268" r:id="rId9"/>
+    <p:sldId id="269" r:id="rId10"/>
+    <p:sldId id="257" r:id="rId11"/>
+    <p:sldId id="258" r:id="rId12"/>
+    <p:sldId id="259" r:id="rId13"/>
+    <p:sldId id="260" r:id="rId14"/>
+    <p:sldId id="261" r:id="rId15"/>
+    <p:sldId id="262" r:id="rId16"/>
+    <p:sldId id="270" r:id="rId17"/>
+    <p:sldId id="271" r:id="rId18"/>
+    <p:sldId id="272" r:id="rId19"/>
+    <p:sldId id="275" r:id="rId20"/>
+    <p:sldId id="273" r:id="rId21"/>
+    <p:sldId id="274" r:id="rId22"/>
+    <p:sldId id="277" r:id="rId23"/>
+    <p:sldId id="276" r:id="rId24"/>
+    <p:sldId id="278" r:id="rId25"/>
+    <p:sldId id="279" r:id="rId26"/>
+    <p:sldId id="280" r:id="rId27"/>
   </p:sldIdLst>
   <p:sldSz cx="12192000" cy="6858000"/>
   <p:notesSz cx="6858000" cy="9144000"/>
@@ -317,7 +325,7 @@
           <a:p>
             <a:fld id="{43B962C8-492A-48BE-A39A-F382F06F9D47}" type="datetimeFigureOut">
               <a:rPr lang="en-US" smtClean="0"/>
-              <a:t>8/16/2018</a:t>
+              <a:t>8/17/2018</a:t>
             </a:fld>
             <a:endParaRPr lang="en-US"/>
           </a:p>
@@ -655,7 +663,7 @@
           <a:p>
             <a:fld id="{43B962C8-492A-48BE-A39A-F382F06F9D47}" type="datetimeFigureOut">
               <a:rPr lang="en-US" smtClean="0"/>
-              <a:t>8/16/2018</a:t>
+              <a:t>8/17/2018</a:t>
             </a:fld>
             <a:endParaRPr lang="en-US"/>
           </a:p>
@@ -1056,7 +1064,7 @@
           <a:p>
             <a:fld id="{43B962C8-492A-48BE-A39A-F382F06F9D47}" type="datetimeFigureOut">
               <a:rPr lang="en-US" smtClean="0"/>
-              <a:t>8/16/2018</a:t>
+              <a:t>8/17/2018</a:t>
             </a:fld>
             <a:endParaRPr lang="en-US"/>
           </a:p>
@@ -1392,7 +1400,7 @@
           <a:p>
             <a:fld id="{43B962C8-492A-48BE-A39A-F382F06F9D47}" type="datetimeFigureOut">
               <a:rPr lang="en-US" smtClean="0"/>
-              <a:t>8/16/2018</a:t>
+              <a:t>8/17/2018</a:t>
             </a:fld>
             <a:endParaRPr lang="en-US"/>
           </a:p>
@@ -1712,7 +1720,7 @@
           <a:p>
             <a:fld id="{43B962C8-492A-48BE-A39A-F382F06F9D47}" type="datetimeFigureOut">
               <a:rPr lang="en-US" smtClean="0"/>
-              <a:t>8/16/2018</a:t>
+              <a:t>8/17/2018</a:t>
             </a:fld>
             <a:endParaRPr lang="en-US"/>
           </a:p>
@@ -2108,7 +2116,7 @@
           <a:p>
             <a:fld id="{43B962C8-492A-48BE-A39A-F382F06F9D47}" type="datetimeFigureOut">
               <a:rPr lang="en-US" smtClean="0"/>
-              <a:t>8/16/2018</a:t>
+              <a:t>8/17/2018</a:t>
             </a:fld>
             <a:endParaRPr lang="en-US"/>
           </a:p>
@@ -2365,7 +2373,7 @@
           <a:p>
             <a:fld id="{43B962C8-492A-48BE-A39A-F382F06F9D47}" type="datetimeFigureOut">
               <a:rPr lang="en-US" smtClean="0"/>
-              <a:t>8/16/2018</a:t>
+              <a:t>8/17/2018</a:t>
             </a:fld>
             <a:endParaRPr lang="en-US"/>
           </a:p>
@@ -2627,7 +2635,7 @@
           <a:p>
             <a:fld id="{43B962C8-492A-48BE-A39A-F382F06F9D47}" type="datetimeFigureOut">
               <a:rPr lang="en-US" smtClean="0"/>
-              <a:t>8/16/2018</a:t>
+              <a:t>8/17/2018</a:t>
             </a:fld>
             <a:endParaRPr lang="en-US"/>
           </a:p>
@@ -2889,7 +2897,7 @@
           <a:p>
             <a:fld id="{43B962C8-492A-48BE-A39A-F382F06F9D47}" type="datetimeFigureOut">
               <a:rPr lang="en-US" smtClean="0"/>
-              <a:t>8/16/2018</a:t>
+              <a:t>8/17/2018</a:t>
             </a:fld>
             <a:endParaRPr lang="en-US"/>
           </a:p>
@@ -3218,7 +3226,7 @@
           <a:p>
             <a:fld id="{43B962C8-492A-48BE-A39A-F382F06F9D47}" type="datetimeFigureOut">
               <a:rPr lang="en-US" smtClean="0"/>
-              <a:t>8/16/2018</a:t>
+              <a:t>8/17/2018</a:t>
             </a:fld>
             <a:endParaRPr lang="en-US"/>
           </a:p>
@@ -3541,7 +3549,7 @@
           <a:p>
             <a:fld id="{43B962C8-492A-48BE-A39A-F382F06F9D47}" type="datetimeFigureOut">
               <a:rPr lang="en-US" smtClean="0"/>
-              <a:t>8/16/2018</a:t>
+              <a:t>8/17/2018</a:t>
             </a:fld>
             <a:endParaRPr lang="en-US"/>
           </a:p>
@@ -3998,7 +4006,7 @@
           <a:p>
             <a:fld id="{43B962C8-492A-48BE-A39A-F382F06F9D47}" type="datetimeFigureOut">
               <a:rPr lang="en-US" smtClean="0"/>
-              <a:t>8/16/2018</a:t>
+              <a:t>8/17/2018</a:t>
             </a:fld>
             <a:endParaRPr lang="en-US"/>
           </a:p>
@@ -4203,7 +4211,7 @@
           <a:p>
             <a:fld id="{43B962C8-492A-48BE-A39A-F382F06F9D47}" type="datetimeFigureOut">
               <a:rPr lang="en-US" smtClean="0"/>
-              <a:t>8/16/2018</a:t>
+              <a:t>8/17/2018</a:t>
             </a:fld>
             <a:endParaRPr lang="en-US"/>
           </a:p>
@@ -4380,7 +4388,7 @@
           <a:p>
             <a:fld id="{43B962C8-492A-48BE-A39A-F382F06F9D47}" type="datetimeFigureOut">
               <a:rPr lang="en-US" smtClean="0"/>
-              <a:t>8/16/2018</a:t>
+              <a:t>8/17/2018</a:t>
             </a:fld>
             <a:endParaRPr lang="en-US"/>
           </a:p>
@@ -4713,7 +4721,7 @@
           <a:p>
             <a:fld id="{43B962C8-492A-48BE-A39A-F382F06F9D47}" type="datetimeFigureOut">
               <a:rPr lang="en-US" smtClean="0"/>
-              <a:t>8/16/2018</a:t>
+              <a:t>8/17/2018</a:t>
             </a:fld>
             <a:endParaRPr lang="en-US"/>
           </a:p>
@@ -5058,7 +5066,7 @@
           <a:p>
             <a:fld id="{43B962C8-492A-48BE-A39A-F382F06F9D47}" type="datetimeFigureOut">
               <a:rPr lang="en-US" smtClean="0"/>
-              <a:t>8/16/2018</a:t>
+              <a:t>8/17/2018</a:t>
             </a:fld>
             <a:endParaRPr lang="en-US"/>
           </a:p>
@@ -7175,7 +7183,7 @@
           <a:p>
             <a:fld id="{43B962C8-492A-48BE-A39A-F382F06F9D47}" type="datetimeFigureOut">
               <a:rPr lang="en-US" smtClean="0"/>
-              <a:t>8/16/2018</a:t>
+              <a:t>8/17/2018</a:t>
             </a:fld>
             <a:endParaRPr lang="en-US"/>
           </a:p>
@@ -7798,7 +7806,7 @@
           <p:cNvPr id="2" name="Title 1">
             <a:extLst>
               <a:ext uri="{FF2B5EF4-FFF2-40B4-BE49-F238E27FC236}">
-                <a16:creationId xmlns:a16="http://schemas.microsoft.com/office/drawing/2014/main" id="{54118B60-4AD9-4F6A-AD59-B96A11E38E4D}"/>
+                <a16:creationId xmlns:a16="http://schemas.microsoft.com/office/drawing/2014/main" id="{BBB55B09-6C01-4D59-A919-6D04564CDF23}"/>
               </a:ext>
             </a:extLst>
           </p:cNvPr>
@@ -7816,105 +7824,89 @@
           <a:p>
             <a:r>
               <a:rPr lang="en-US" dirty="0"/>
-              <a:t>Languages &amp; Actors</a:t>
-            </a:r>
-          </a:p>
-        </p:txBody>
-      </p:sp>
-      <p:sp>
-        <p:nvSpPr>
-          <p:cNvPr id="3" name="Content Placeholder 2">
+              <a:t>Actors</a:t>
+            </a:r>
+          </a:p>
+        </p:txBody>
+      </p:sp>
+      <p:pic>
+        <p:nvPicPr>
+          <p:cNvPr id="1026" name="Picture 2" descr="Related image">
             <a:extLst>
               <a:ext uri="{FF2B5EF4-FFF2-40B4-BE49-F238E27FC236}">
-                <a16:creationId xmlns:a16="http://schemas.microsoft.com/office/drawing/2014/main" id="{E9C49DB0-EA99-4BD7-A718-CB1ED822E00F}"/>
+                <a16:creationId xmlns:a16="http://schemas.microsoft.com/office/drawing/2014/main" id="{88C13789-9920-439B-B6F2-ABFF73621756}"/>
               </a:ext>
             </a:extLst>
           </p:cNvPr>
-          <p:cNvSpPr>
-            <a:spLocks noGrp="1"/>
-          </p:cNvSpPr>
-          <p:nvPr>
-            <p:ph idx="1"/>
-          </p:nvPr>
-        </p:nvSpPr>
-        <p:spPr/>
-        <p:txBody>
-          <a:bodyPr/>
-          <a:lstStyle/>
-          <a:p>
-            <a:r>
-              <a:rPr lang="en-US" dirty="0"/>
-              <a:t>Smalltalk was the first programming language to properly implement message passing</a:t>
-            </a:r>
-          </a:p>
-          <a:p>
-            <a:r>
-              <a:rPr lang="en-US" dirty="0" err="1"/>
-              <a:t>Simula</a:t>
-            </a:r>
-            <a:r>
-              <a:rPr lang="en-US" dirty="0"/>
-              <a:t> was the first language to support actors</a:t>
-            </a:r>
-          </a:p>
-          <a:p>
-            <a:r>
-              <a:rPr lang="en-US" dirty="0"/>
-              <a:t>A host of languages support actors today</a:t>
-            </a:r>
-          </a:p>
-          <a:p>
-            <a:pPr lvl="1"/>
-            <a:r>
-              <a:rPr lang="en-US" dirty="0"/>
-              <a:t>Erlang/</a:t>
-            </a:r>
-            <a:r>
-              <a:rPr lang="en-US" dirty="0" err="1"/>
-              <a:t>Elexir</a:t>
-            </a:r>
-            <a:r>
-              <a:rPr lang="en-US" dirty="0"/>
-              <a:t> (Ericson attributes Nine 9s uptime of its server partially to Erlang)</a:t>
-            </a:r>
-          </a:p>
-          <a:p>
-            <a:pPr lvl="1"/>
-            <a:r>
-              <a:rPr lang="en-US" dirty="0" err="1"/>
-              <a:t>Akka</a:t>
-            </a:r>
-            <a:r>
-              <a:rPr lang="en-US" dirty="0"/>
-              <a:t>/JVM</a:t>
-            </a:r>
-          </a:p>
-          <a:p>
-            <a:pPr lvl="1"/>
-            <a:r>
-              <a:rPr lang="en-US" dirty="0"/>
-              <a:t>Orleans (.NET) (Halo 3d multiplayer uses Orleans)</a:t>
-            </a:r>
-          </a:p>
-          <a:p>
-            <a:pPr lvl="1"/>
-            <a:r>
-              <a:rPr lang="en-US" dirty="0"/>
-              <a:t>CAF (C++)</a:t>
-            </a:r>
-          </a:p>
-          <a:p>
-            <a:pPr lvl="1"/>
-            <a:r>
-              <a:rPr lang="en-US" dirty="0"/>
-              <a:t>Celluloid (Ruby)</a:t>
-            </a:r>
-          </a:p>
-          <a:p>
-            <a:pPr lvl="1"/>
-            <a:r>
-              <a:rPr lang="en-US" dirty="0"/>
-              <a:t>Pulsar (Python)</a:t>
+          <p:cNvPicPr>
+            <a:picLocks noChangeAspect="1" noChangeArrowheads="1"/>
+          </p:cNvPicPr>
+          <p:nvPr/>
+        </p:nvPicPr>
+        <p:blipFill>
+          <a:blip r:embed="rId2">
+            <a:extLst>
+              <a:ext uri="{28A0092B-C50C-407E-A947-70E740481C1C}">
+                <a14:useLocalDpi xmlns:a14="http://schemas.microsoft.com/office/drawing/2010/main" val="0"/>
+              </a:ext>
+            </a:extLst>
+          </a:blip>
+          <a:srcRect/>
+          <a:stretch>
+            <a:fillRect/>
+          </a:stretch>
+        </p:blipFill>
+        <p:spPr bwMode="auto">
+          <a:xfrm>
+            <a:off x="2592925" y="1335037"/>
+            <a:ext cx="7083862" cy="4722576"/>
+          </a:xfrm>
+          <a:prstGeom prst="rect">
+            <a:avLst/>
+          </a:prstGeom>
+          <a:noFill/>
+          <a:extLst>
+            <a:ext uri="{909E8E84-426E-40DD-AFC4-6F175D3DCCD1}">
+              <a14:hiddenFill xmlns:a14="http://schemas.microsoft.com/office/drawing/2010/main">
+                <a:solidFill>
+                  <a:srgbClr val="FFFFFF"/>
+                </a:solidFill>
+              </a14:hiddenFill>
+            </a:ext>
+          </a:extLst>
+        </p:spPr>
+      </p:pic>
+      <p:sp>
+        <p:nvSpPr>
+          <p:cNvPr id="6" name="TextBox 5">
+            <a:extLst>
+              <a:ext uri="{FF2B5EF4-FFF2-40B4-BE49-F238E27FC236}">
+                <a16:creationId xmlns:a16="http://schemas.microsoft.com/office/drawing/2014/main" id="{F046EE57-A698-444B-82BA-78261C4B4B26}"/>
+              </a:ext>
+            </a:extLst>
+          </p:cNvPr>
+          <p:cNvSpPr txBox="1"/>
+          <p:nvPr/>
+        </p:nvSpPr>
+        <p:spPr>
+          <a:xfrm>
+            <a:off x="2592925" y="6057613"/>
+            <a:ext cx="7083862" cy="646331"/>
+          </a:xfrm>
+          <a:prstGeom prst="rect">
+            <a:avLst/>
+          </a:prstGeom>
+          <a:noFill/>
+        </p:spPr>
+        <p:txBody>
+          <a:bodyPr wrap="square" rtlCol="0">
+            <a:spAutoFit/>
+          </a:bodyPr>
+          <a:lstStyle/>
+          <a:p>
+            <a:r>
+              <a:rPr lang="en-US" dirty="0"/>
+              <a:t>A universal modular ACTOR formalism for artificial intelligence, Carl Hewitt, et. al., 1973</a:t>
             </a:r>
           </a:p>
         </p:txBody>
@@ -7922,7 +7914,7 @@
     </p:spTree>
     <p:extLst>
       <p:ext uri="{BB962C8B-B14F-4D97-AF65-F5344CB8AC3E}">
-        <p14:creationId xmlns:p14="http://schemas.microsoft.com/office/powerpoint/2010/main" val="1786422811"/>
+        <p14:creationId xmlns:p14="http://schemas.microsoft.com/office/powerpoint/2010/main" val="2000350427"/>
       </p:ext>
     </p:extLst>
   </p:cSld>
@@ -7954,7 +7946,7 @@
           <p:cNvPr id="2" name="Title 1">
             <a:extLst>
               <a:ext uri="{FF2B5EF4-FFF2-40B4-BE49-F238E27FC236}">
-                <a16:creationId xmlns:a16="http://schemas.microsoft.com/office/drawing/2014/main" id="{25734D02-5E83-44BE-94CF-E816BCD494F8}"/>
+                <a16:creationId xmlns:a16="http://schemas.microsoft.com/office/drawing/2014/main" id="{54118B60-4AD9-4F6A-AD59-B96A11E38E4D}"/>
               </a:ext>
             </a:extLst>
           </p:cNvPr>
@@ -7972,7 +7964,7 @@
           <a:p>
             <a:r>
               <a:rPr lang="en-US" dirty="0"/>
-              <a:t>What are actors…</a:t>
+              <a:t>Languages &amp; Actors</a:t>
             </a:r>
           </a:p>
         </p:txBody>
@@ -7982,7 +7974,7 @@
           <p:cNvPr id="3" name="Content Placeholder 2">
             <a:extLst>
               <a:ext uri="{FF2B5EF4-FFF2-40B4-BE49-F238E27FC236}">
-                <a16:creationId xmlns:a16="http://schemas.microsoft.com/office/drawing/2014/main" id="{F280F7B7-7790-4A81-8852-151D33070B29}"/>
+                <a16:creationId xmlns:a16="http://schemas.microsoft.com/office/drawing/2014/main" id="{E9C49DB0-EA99-4BD7-A718-CB1ED822E00F}"/>
               </a:ext>
             </a:extLst>
           </p:cNvPr>
@@ -7995,59 +7987,82 @@
         </p:nvSpPr>
         <p:spPr/>
         <p:txBody>
-          <a:bodyPr>
-            <a:normAutofit fontScale="92500" lnSpcReduction="10000"/>
-          </a:bodyPr>
-          <a:lstStyle/>
-          <a:p>
-            <a:r>
-              <a:rPr lang="en-US" dirty="0"/>
-              <a:t>An actor is a computational entity that, in response to a message it receives, can concurrently:</a:t>
+          <a:bodyPr/>
+          <a:lstStyle/>
+          <a:p>
+            <a:r>
+              <a:rPr lang="en-US" dirty="0"/>
+              <a:t>Smalltalk was the first programming language to properly implement message passing</a:t>
+            </a:r>
+          </a:p>
+          <a:p>
+            <a:r>
+              <a:rPr lang="en-US" dirty="0" err="1"/>
+              <a:t>Simula</a:t>
+            </a:r>
+            <a:r>
+              <a:rPr lang="en-US" dirty="0"/>
+              <a:t> was the first language to support actors</a:t>
+            </a:r>
+          </a:p>
+          <a:p>
+            <a:r>
+              <a:rPr lang="en-US" dirty="0"/>
+              <a:t>A host of languages support actors today</a:t>
             </a:r>
           </a:p>
           <a:p>
             <a:pPr lvl="1"/>
             <a:r>
               <a:rPr lang="en-US" dirty="0"/>
-              <a:t>send a finite number of messages to other actors</a:t>
+              <a:t>Erlang/</a:t>
+            </a:r>
+            <a:r>
+              <a:rPr lang="en-US" dirty="0" err="1"/>
+              <a:t>Elexir</a:t>
+            </a:r>
+            <a:r>
+              <a:rPr lang="en-US" dirty="0"/>
+              <a:t> (Ericson attributes Nine 9s uptime of its server partially to Erlang)</a:t>
             </a:r>
           </a:p>
           <a:p>
             <a:pPr lvl="1"/>
             <a:r>
-              <a:rPr lang="en-US" dirty="0"/>
-              <a:t>create a finite number of new actors</a:t>
+              <a:rPr lang="en-US" dirty="0" err="1"/>
+              <a:t>Akka</a:t>
+            </a:r>
+            <a:r>
+              <a:rPr lang="en-US" dirty="0"/>
+              <a:t>/JVM</a:t>
             </a:r>
           </a:p>
           <a:p>
             <a:pPr lvl="1"/>
             <a:r>
               <a:rPr lang="en-US" dirty="0"/>
-              <a:t>designate the behavior to be used for the next message it receives</a:t>
-            </a:r>
-          </a:p>
-          <a:p>
-            <a:r>
-              <a:rPr lang="en-US" dirty="0"/>
-              <a:t>Actors are persistent, their lifetime is beyond that of a process</a:t>
-            </a:r>
-          </a:p>
-          <a:p>
-            <a:r>
-              <a:rPr lang="en-US" dirty="0"/>
-              <a:t>Actors have one or more addresses to which messages may be sent</a:t>
-            </a:r>
-          </a:p>
-          <a:p>
-            <a:r>
-              <a:rPr lang="en-US" dirty="0"/>
-              <a:t>The mailbox is persistent, if an actor dies, the messages are not lost and another actor can be spawned up to take up those messages (this is the theory, a specific implementation may not stick to the theory)</a:t>
-            </a:r>
-          </a:p>
-          <a:p>
-            <a:r>
-              <a:rPr lang="en-US" dirty="0"/>
-              <a:t>The transport mechanism is immaterial, which means that actors can reside on different machines and communicate with TCP/IP with little or no code change</a:t>
+              <a:t>Orleans (.NET) (Halo 3d multiplayer uses Orleans)</a:t>
+            </a:r>
+          </a:p>
+          <a:p>
+            <a:pPr lvl="1"/>
+            <a:r>
+              <a:rPr lang="en-US" dirty="0"/>
+              <a:t>CAF (C++)</a:t>
+            </a:r>
+          </a:p>
+          <a:p>
+            <a:pPr lvl="1"/>
+            <a:r>
+              <a:rPr lang="en-US" dirty="0"/>
+              <a:t>Celluloid (Ruby)</a:t>
+            </a:r>
+          </a:p>
+          <a:p>
+            <a:pPr lvl="1"/>
+            <a:r>
+              <a:rPr lang="en-US" dirty="0"/>
+              <a:t>Pulsar (Python)</a:t>
             </a:r>
           </a:p>
         </p:txBody>
@@ -8055,7 +8070,7 @@
     </p:spTree>
     <p:extLst>
       <p:ext uri="{BB962C8B-B14F-4D97-AF65-F5344CB8AC3E}">
-        <p14:creationId xmlns:p14="http://schemas.microsoft.com/office/powerpoint/2010/main" val="3644928662"/>
+        <p14:creationId xmlns:p14="http://schemas.microsoft.com/office/powerpoint/2010/main" val="1786422811"/>
       </p:ext>
     </p:extLst>
   </p:cSld>
@@ -8087,7 +8102,7 @@
           <p:cNvPr id="2" name="Title 1">
             <a:extLst>
               <a:ext uri="{FF2B5EF4-FFF2-40B4-BE49-F238E27FC236}">
-                <a16:creationId xmlns:a16="http://schemas.microsoft.com/office/drawing/2014/main" id="{E599B842-AB35-4C79-9F29-04B4E5D8C4E3}"/>
+                <a16:creationId xmlns:a16="http://schemas.microsoft.com/office/drawing/2014/main" id="{25734D02-5E83-44BE-94CF-E816BCD494F8}"/>
               </a:ext>
             </a:extLst>
           </p:cNvPr>
@@ -8105,7 +8120,7 @@
           <a:p>
             <a:r>
               <a:rPr lang="en-US" dirty="0"/>
-              <a:t>What are Actors… (cont.)</a:t>
+              <a:t>What are actors…</a:t>
             </a:r>
           </a:p>
         </p:txBody>
@@ -8115,7 +8130,7 @@
           <p:cNvPr id="3" name="Content Placeholder 2">
             <a:extLst>
               <a:ext uri="{FF2B5EF4-FFF2-40B4-BE49-F238E27FC236}">
-                <a16:creationId xmlns:a16="http://schemas.microsoft.com/office/drawing/2014/main" id="{318C1C9F-B1FD-4570-9049-32AE4BCADDF2}"/>
+                <a16:creationId xmlns:a16="http://schemas.microsoft.com/office/drawing/2014/main" id="{F280F7B7-7790-4A81-8852-151D33070B29}"/>
               </a:ext>
             </a:extLst>
           </p:cNvPr>
@@ -8128,38 +8143,59 @@
         </p:nvSpPr>
         <p:spPr/>
         <p:txBody>
-          <a:bodyPr/>
-          <a:lstStyle/>
-          <a:p>
-            <a:r>
-              <a:rPr lang="en-US" dirty="0"/>
-              <a:t>There can be load balancing actors that hide worker actors behind them</a:t>
-            </a:r>
-          </a:p>
-          <a:p>
-            <a:r>
-              <a:rPr lang="en-US" dirty="0"/>
-              <a:t>Actors are supervised by other actors to check for failure and error handling</a:t>
+          <a:bodyPr>
+            <a:normAutofit fontScale="92500" lnSpcReduction="10000"/>
+          </a:bodyPr>
+          <a:lstStyle/>
+          <a:p>
+            <a:r>
+              <a:rPr lang="en-US" dirty="0"/>
+              <a:t>An actor is a computational entity that, in response to a message it receives, can concurrently:</a:t>
             </a:r>
           </a:p>
           <a:p>
             <a:pPr lvl="1"/>
             <a:r>
               <a:rPr lang="en-US" dirty="0"/>
-              <a:t>Who supervises the supervisors? Other supervisors</a:t>
+              <a:t>send a finite number of messages to other actors</a:t>
             </a:r>
           </a:p>
           <a:p>
             <a:pPr lvl="1"/>
             <a:r>
               <a:rPr lang="en-US" dirty="0"/>
-              <a:t>This means that there is a supervisor tree</a:t>
-            </a:r>
-          </a:p>
-          <a:p>
-            <a:r>
-              <a:rPr lang="en-US" dirty="0"/>
-              <a:t>Actors can have internal states</a:t>
+              <a:t>create a finite number of new actors</a:t>
+            </a:r>
+          </a:p>
+          <a:p>
+            <a:pPr lvl="1"/>
+            <a:r>
+              <a:rPr lang="en-US" dirty="0"/>
+              <a:t>designate the behavior to be used for the next message it receives</a:t>
+            </a:r>
+          </a:p>
+          <a:p>
+            <a:r>
+              <a:rPr lang="en-US" dirty="0"/>
+              <a:t>Actors are persistent, their lifetime is beyond that of a process</a:t>
+            </a:r>
+          </a:p>
+          <a:p>
+            <a:r>
+              <a:rPr lang="en-US" dirty="0"/>
+              <a:t>Actors have one or more addresses to which messages may be sent</a:t>
+            </a:r>
+          </a:p>
+          <a:p>
+            <a:r>
+              <a:rPr lang="en-US" dirty="0"/>
+              <a:t>The mailbox is persistent, if an actor dies, the messages are not lost and another actor can be spawned up to take up those messages (this is the theory, a specific implementation may not stick to the theory)</a:t>
+            </a:r>
+          </a:p>
+          <a:p>
+            <a:r>
+              <a:rPr lang="en-US" dirty="0"/>
+              <a:t>The transport mechanism is immaterial, which means that actors can reside on different machines and communicate with TCP/IP with little or no code change</a:t>
             </a:r>
           </a:p>
         </p:txBody>
@@ -8167,7 +8203,7 @@
     </p:spTree>
     <p:extLst>
       <p:ext uri="{BB962C8B-B14F-4D97-AF65-F5344CB8AC3E}">
-        <p14:creationId xmlns:p14="http://schemas.microsoft.com/office/powerpoint/2010/main" val="4008316435"/>
+        <p14:creationId xmlns:p14="http://schemas.microsoft.com/office/powerpoint/2010/main" val="3644928662"/>
       </p:ext>
     </p:extLst>
   </p:cSld>
@@ -8199,7 +8235,7 @@
           <p:cNvPr id="2" name="Title 1">
             <a:extLst>
               <a:ext uri="{FF2B5EF4-FFF2-40B4-BE49-F238E27FC236}">
-                <a16:creationId xmlns:a16="http://schemas.microsoft.com/office/drawing/2014/main" id="{774DDF57-F59B-49B7-8396-9873DFF356BB}"/>
+                <a16:creationId xmlns:a16="http://schemas.microsoft.com/office/drawing/2014/main" id="{E599B842-AB35-4C79-9F29-04B4E5D8C4E3}"/>
               </a:ext>
             </a:extLst>
           </p:cNvPr>
@@ -8217,7 +8253,7 @@
           <a:p>
             <a:r>
               <a:rPr lang="en-US" dirty="0"/>
-              <a:t>What do Actors do…</a:t>
+              <a:t>What are Actors… (cont.)</a:t>
             </a:r>
           </a:p>
         </p:txBody>
@@ -8227,7 +8263,7 @@
           <p:cNvPr id="3" name="Content Placeholder 2">
             <a:extLst>
               <a:ext uri="{FF2B5EF4-FFF2-40B4-BE49-F238E27FC236}">
-                <a16:creationId xmlns:a16="http://schemas.microsoft.com/office/drawing/2014/main" id="{888C3D4F-7DD5-4F82-AD1C-AE0454DE2782}"/>
+                <a16:creationId xmlns:a16="http://schemas.microsoft.com/office/drawing/2014/main" id="{318C1C9F-B1FD-4570-9049-32AE4BCADDF2}"/>
               </a:ext>
             </a:extLst>
           </p:cNvPr>
@@ -8245,19 +8281,33 @@
           <a:p>
             <a:r>
               <a:rPr lang="en-US" dirty="0"/>
-              <a:t>Receive a message (one at a time)</a:t>
-            </a:r>
-          </a:p>
-          <a:p>
-            <a:r>
-              <a:rPr lang="en-US" dirty="0"/>
-              <a:t>Do some work when a message is received</a:t>
-            </a:r>
-          </a:p>
-          <a:p>
-            <a:r>
-              <a:rPr lang="en-US" dirty="0"/>
-              <a:t>Send one or more messages to other actors</a:t>
+              <a:t>There can be load balancing actors that hide worker actors behind them</a:t>
+            </a:r>
+          </a:p>
+          <a:p>
+            <a:r>
+              <a:rPr lang="en-US" dirty="0"/>
+              <a:t>Actors are supervised by other actors to check for failure and error handling</a:t>
+            </a:r>
+          </a:p>
+          <a:p>
+            <a:pPr lvl="1"/>
+            <a:r>
+              <a:rPr lang="en-US" dirty="0"/>
+              <a:t>Who supervises the supervisors? Other supervisors</a:t>
+            </a:r>
+          </a:p>
+          <a:p>
+            <a:pPr lvl="1"/>
+            <a:r>
+              <a:rPr lang="en-US" dirty="0"/>
+              <a:t>This means that there is a supervisor tree</a:t>
+            </a:r>
+          </a:p>
+          <a:p>
+            <a:r>
+              <a:rPr lang="en-US" dirty="0"/>
+              <a:t>Actors can have internal states</a:t>
             </a:r>
           </a:p>
         </p:txBody>
@@ -8265,7 +8315,7 @@
     </p:spTree>
     <p:extLst>
       <p:ext uri="{BB962C8B-B14F-4D97-AF65-F5344CB8AC3E}">
-        <p14:creationId xmlns:p14="http://schemas.microsoft.com/office/powerpoint/2010/main" val="3081027863"/>
+        <p14:creationId xmlns:p14="http://schemas.microsoft.com/office/powerpoint/2010/main" val="4008316435"/>
       </p:ext>
     </p:extLst>
   </p:cSld>
@@ -8297,6 +8347,104 @@
           <p:cNvPr id="2" name="Title 1">
             <a:extLst>
               <a:ext uri="{FF2B5EF4-FFF2-40B4-BE49-F238E27FC236}">
+                <a16:creationId xmlns:a16="http://schemas.microsoft.com/office/drawing/2014/main" id="{774DDF57-F59B-49B7-8396-9873DFF356BB}"/>
+              </a:ext>
+            </a:extLst>
+          </p:cNvPr>
+          <p:cNvSpPr>
+            <a:spLocks noGrp="1"/>
+          </p:cNvSpPr>
+          <p:nvPr>
+            <p:ph type="title"/>
+          </p:nvPr>
+        </p:nvSpPr>
+        <p:spPr/>
+        <p:txBody>
+          <a:bodyPr/>
+          <a:lstStyle/>
+          <a:p>
+            <a:r>
+              <a:rPr lang="en-US" dirty="0"/>
+              <a:t>What do Actors do…</a:t>
+            </a:r>
+          </a:p>
+        </p:txBody>
+      </p:sp>
+      <p:sp>
+        <p:nvSpPr>
+          <p:cNvPr id="3" name="Content Placeholder 2">
+            <a:extLst>
+              <a:ext uri="{FF2B5EF4-FFF2-40B4-BE49-F238E27FC236}">
+                <a16:creationId xmlns:a16="http://schemas.microsoft.com/office/drawing/2014/main" id="{888C3D4F-7DD5-4F82-AD1C-AE0454DE2782}"/>
+              </a:ext>
+            </a:extLst>
+          </p:cNvPr>
+          <p:cNvSpPr>
+            <a:spLocks noGrp="1"/>
+          </p:cNvSpPr>
+          <p:nvPr>
+            <p:ph idx="1"/>
+          </p:nvPr>
+        </p:nvSpPr>
+        <p:spPr/>
+        <p:txBody>
+          <a:bodyPr/>
+          <a:lstStyle/>
+          <a:p>
+            <a:r>
+              <a:rPr lang="en-US" dirty="0"/>
+              <a:t>Receive a message (one at a time)</a:t>
+            </a:r>
+          </a:p>
+          <a:p>
+            <a:r>
+              <a:rPr lang="en-US" dirty="0"/>
+              <a:t>Do some work when a message is received</a:t>
+            </a:r>
+          </a:p>
+          <a:p>
+            <a:r>
+              <a:rPr lang="en-US" dirty="0"/>
+              <a:t>Send one or more messages to other actors</a:t>
+            </a:r>
+          </a:p>
+        </p:txBody>
+      </p:sp>
+    </p:spTree>
+    <p:extLst>
+      <p:ext uri="{BB962C8B-B14F-4D97-AF65-F5344CB8AC3E}">
+        <p14:creationId xmlns:p14="http://schemas.microsoft.com/office/powerpoint/2010/main" val="3081027863"/>
+      </p:ext>
+    </p:extLst>
+  </p:cSld>
+  <p:clrMapOvr>
+    <a:masterClrMapping/>
+  </p:clrMapOvr>
+</p:sld>
+</file>
+
+<file path=ppt/slides/slide15.xml><?xml version="1.0" encoding="utf-8"?>
+<p:sld xmlns:a="http://schemas.openxmlformats.org/drawingml/2006/main" xmlns:r="http://schemas.openxmlformats.org/officeDocument/2006/relationships" xmlns:p="http://schemas.openxmlformats.org/presentationml/2006/main">
+  <p:cSld>
+    <p:spTree>
+      <p:nvGrpSpPr>
+        <p:cNvPr id="1" name=""/>
+        <p:cNvGrpSpPr/>
+        <p:nvPr/>
+      </p:nvGrpSpPr>
+      <p:grpSpPr>
+        <a:xfrm>
+          <a:off x="0" y="0"/>
+          <a:ext cx="0" cy="0"/>
+          <a:chOff x="0" y="0"/>
+          <a:chExt cx="0" cy="0"/>
+        </a:xfrm>
+      </p:grpSpPr>
+      <p:sp>
+        <p:nvSpPr>
+          <p:cNvPr id="2" name="Title 1">
+            <a:extLst>
+              <a:ext uri="{FF2B5EF4-FFF2-40B4-BE49-F238E27FC236}">
                 <a16:creationId xmlns:a16="http://schemas.microsoft.com/office/drawing/2014/main" id="{97B2DABC-B3CB-477F-899B-05D6200D9920}"/>
               </a:ext>
             </a:extLst>
@@ -8338,7 +8486,7 @@
 </p:sld>
 </file>
 
-<file path=ppt/slides/slide15.xml><?xml version="1.0" encoding="utf-8"?>
+<file path=ppt/slides/slide16.xml><?xml version="1.0" encoding="utf-8"?>
 <p:sld xmlns:a="http://schemas.openxmlformats.org/drawingml/2006/main" xmlns:r="http://schemas.openxmlformats.org/officeDocument/2006/relationships" xmlns:p="http://schemas.openxmlformats.org/presentationml/2006/main">
   <p:cSld>
     <p:spTree>
@@ -8484,142 +8632,6 @@
 </p:sld>
 </file>
 
-<file path=ppt/slides/slide16.xml><?xml version="1.0" encoding="utf-8"?>
-<p:sld xmlns:a="http://schemas.openxmlformats.org/drawingml/2006/main" xmlns:r="http://schemas.openxmlformats.org/officeDocument/2006/relationships" xmlns:p="http://schemas.openxmlformats.org/presentationml/2006/main">
-  <p:cSld>
-    <p:spTree>
-      <p:nvGrpSpPr>
-        <p:cNvPr id="1" name=""/>
-        <p:cNvGrpSpPr/>
-        <p:nvPr/>
-      </p:nvGrpSpPr>
-      <p:grpSpPr>
-        <a:xfrm>
-          <a:off x="0" y="0"/>
-          <a:ext cx="0" cy="0"/>
-          <a:chOff x="0" y="0"/>
-          <a:chExt cx="0" cy="0"/>
-        </a:xfrm>
-      </p:grpSpPr>
-      <p:sp>
-        <p:nvSpPr>
-          <p:cNvPr id="2" name="Title 1">
-            <a:extLst>
-              <a:ext uri="{FF2B5EF4-FFF2-40B4-BE49-F238E27FC236}">
-                <a16:creationId xmlns:a16="http://schemas.microsoft.com/office/drawing/2014/main" id="{371D9573-C3C3-4500-84BB-DF152FDFF51B}"/>
-              </a:ext>
-            </a:extLst>
-          </p:cNvPr>
-          <p:cNvSpPr>
-            <a:spLocks noGrp="1"/>
-          </p:cNvSpPr>
-          <p:nvPr>
-            <p:ph type="title"/>
-          </p:nvPr>
-        </p:nvSpPr>
-        <p:spPr/>
-        <p:txBody>
-          <a:bodyPr/>
-          <a:lstStyle/>
-          <a:p>
-            <a:r>
-              <a:rPr lang="en-US" dirty="0"/>
-              <a:t>What is CSP</a:t>
-            </a:r>
-          </a:p>
-        </p:txBody>
-      </p:sp>
-      <p:sp>
-        <p:nvSpPr>
-          <p:cNvPr id="3" name="Content Placeholder 2">
-            <a:extLst>
-              <a:ext uri="{FF2B5EF4-FFF2-40B4-BE49-F238E27FC236}">
-                <a16:creationId xmlns:a16="http://schemas.microsoft.com/office/drawing/2014/main" id="{69FE7CA2-6CC6-4A3A-9F2C-CD2B2F22E475}"/>
-              </a:ext>
-            </a:extLst>
-          </p:cNvPr>
-          <p:cNvSpPr>
-            <a:spLocks noGrp="1"/>
-          </p:cNvSpPr>
-          <p:nvPr>
-            <p:ph idx="1"/>
-          </p:nvPr>
-        </p:nvSpPr>
-        <p:spPr/>
-        <p:txBody>
-          <a:bodyPr/>
-          <a:lstStyle/>
-          <a:p>
-            <a:r>
-              <a:rPr lang="en-US" dirty="0"/>
-              <a:t>Hoare described the ideas mathematically in his paper</a:t>
-            </a:r>
-          </a:p>
-          <a:p>
-            <a:r>
-              <a:rPr lang="en-US" dirty="0"/>
-              <a:t>Since then the ideas have been expanded mathematically to form </a:t>
-            </a:r>
-            <a:r>
-              <a:rPr lang="el-GR" dirty="0"/>
-              <a:t>π</a:t>
-            </a:r>
-            <a:r>
-              <a:rPr lang="en-US" dirty="0"/>
-              <a:t>-calculus and </a:t>
-            </a:r>
-            <a:r>
-              <a:rPr lang="el-GR" dirty="0"/>
-              <a:t>ρ</a:t>
-            </a:r>
-            <a:r>
-              <a:rPr lang="en-US" dirty="0"/>
-              <a:t>-calculus</a:t>
-            </a:r>
-          </a:p>
-          <a:p>
-            <a:r>
-              <a:rPr lang="en-US" dirty="0"/>
-              <a:t>Based on concurrently running processes</a:t>
-            </a:r>
-          </a:p>
-          <a:p>
-            <a:pPr lvl="1"/>
-            <a:r>
-              <a:rPr lang="en-US" dirty="0"/>
-              <a:t>Concurrency is not necessarily the same thing as parallelly running processes</a:t>
-            </a:r>
-          </a:p>
-          <a:p>
-            <a:r>
-              <a:rPr lang="en-US" dirty="0"/>
-              <a:t>Processes can have their own state and can share data, although it is best if they do not share data in traditional ways</a:t>
-            </a:r>
-          </a:p>
-          <a:p>
-            <a:r>
-              <a:rPr lang="en-US" dirty="0"/>
-              <a:t>Processes can communicate with each other via established channels</a:t>
-            </a:r>
-          </a:p>
-          <a:p>
-            <a:endParaRPr lang="en-US" dirty="0"/>
-          </a:p>
-        </p:txBody>
-      </p:sp>
-    </p:spTree>
-    <p:extLst>
-      <p:ext uri="{BB962C8B-B14F-4D97-AF65-F5344CB8AC3E}">
-        <p14:creationId xmlns:p14="http://schemas.microsoft.com/office/powerpoint/2010/main" val="3546048363"/>
-      </p:ext>
-    </p:extLst>
-  </p:cSld>
-  <p:clrMapOvr>
-    <a:masterClrMapping/>
-  </p:clrMapOvr>
-</p:sld>
-</file>
-
 <file path=ppt/slides/slide17.xml><?xml version="1.0" encoding="utf-8"?>
 <p:sld xmlns:a="http://schemas.openxmlformats.org/drawingml/2006/main" xmlns:r="http://schemas.openxmlformats.org/officeDocument/2006/relationships" xmlns:p="http://schemas.openxmlformats.org/presentationml/2006/main">
   <p:cSld>
@@ -8642,7 +8654,7 @@
           <p:cNvPr id="2" name="Title 1">
             <a:extLst>
               <a:ext uri="{FF2B5EF4-FFF2-40B4-BE49-F238E27FC236}">
-                <a16:creationId xmlns:a16="http://schemas.microsoft.com/office/drawing/2014/main" id="{D336B076-99CA-4A48-B4C4-A8D091D7DB68}"/>
+                <a16:creationId xmlns:a16="http://schemas.microsoft.com/office/drawing/2014/main" id="{371D9573-C3C3-4500-84BB-DF152FDFF51B}"/>
               </a:ext>
             </a:extLst>
           </p:cNvPr>
@@ -8660,7 +8672,7 @@
           <a:p>
             <a:r>
               <a:rPr lang="en-US" dirty="0"/>
-              <a:t>Go and CSP</a:t>
+              <a:t>What is CSP</a:t>
             </a:r>
           </a:p>
         </p:txBody>
@@ -8670,7 +8682,7 @@
           <p:cNvPr id="3" name="Content Placeholder 2">
             <a:extLst>
               <a:ext uri="{FF2B5EF4-FFF2-40B4-BE49-F238E27FC236}">
-                <a16:creationId xmlns:a16="http://schemas.microsoft.com/office/drawing/2014/main" id="{11267347-A754-4EBC-999C-20F17AD90F4B}"/>
+                <a16:creationId xmlns:a16="http://schemas.microsoft.com/office/drawing/2014/main" id="{69FE7CA2-6CC6-4A3A-9F2C-CD2B2F22E475}"/>
               </a:ext>
             </a:extLst>
           </p:cNvPr>
@@ -8688,83 +8700,65 @@
           <a:p>
             <a:r>
               <a:rPr lang="en-US" dirty="0"/>
-              <a:t>Go follows the CSP model</a:t>
+              <a:t>Hoare described the ideas mathematically in his paper</a:t>
+            </a:r>
+          </a:p>
+          <a:p>
+            <a:r>
+              <a:rPr lang="en-US" dirty="0"/>
+              <a:t>Since then the ideas have been expanded mathematically to form </a:t>
+            </a:r>
+            <a:r>
+              <a:rPr lang="el-GR" dirty="0"/>
+              <a:t>π</a:t>
+            </a:r>
+            <a:r>
+              <a:rPr lang="en-US" dirty="0"/>
+              <a:t>-calculus and </a:t>
+            </a:r>
+            <a:r>
+              <a:rPr lang="el-GR" dirty="0"/>
+              <a:t>ρ</a:t>
+            </a:r>
+            <a:r>
+              <a:rPr lang="en-US" dirty="0"/>
+              <a:t>-calculus</a:t>
+            </a:r>
+          </a:p>
+          <a:p>
+            <a:r>
+              <a:rPr lang="en-US" dirty="0"/>
+              <a:t>Based on concurrently running processes</a:t>
             </a:r>
           </a:p>
           <a:p>
             <a:pPr lvl="1"/>
             <a:r>
-              <a:rPr lang="en-US" dirty="0" err="1"/>
-              <a:t>GoRoutines</a:t>
-            </a:r>
-            <a:r>
-              <a:rPr lang="en-US" dirty="0"/>
-              <a:t> are equivalent of CSP processes</a:t>
-            </a:r>
-          </a:p>
-          <a:p>
-            <a:pPr lvl="2"/>
-            <a:r>
-              <a:rPr lang="en-US" dirty="0"/>
-              <a:t>Go Routines are lightweight green threads</a:t>
-            </a:r>
-          </a:p>
-          <a:p>
-            <a:pPr lvl="2"/>
-            <a:r>
-              <a:rPr lang="en-US" dirty="0"/>
-              <a:t>They are managed by the Go runtime</a:t>
-            </a:r>
-          </a:p>
-          <a:p>
-            <a:pPr lvl="2"/>
-            <a:r>
-              <a:rPr lang="en-US" dirty="0"/>
-              <a:t>Having O(10000) </a:t>
-            </a:r>
-            <a:r>
-              <a:rPr lang="en-US" dirty="0" err="1"/>
-              <a:t>GoRoutines</a:t>
-            </a:r>
-            <a:r>
-              <a:rPr lang="en-US" dirty="0"/>
-              <a:t> is not uncommon</a:t>
-            </a:r>
-          </a:p>
-          <a:p>
-            <a:pPr lvl="2"/>
-            <a:r>
-              <a:rPr lang="en-US" dirty="0"/>
-              <a:t>Go Runtime doesn’t spawn O(10000) OS threads</a:t>
-            </a:r>
-          </a:p>
-          <a:p>
-            <a:pPr lvl="1"/>
-            <a:r>
-              <a:rPr lang="en-US" dirty="0"/>
-              <a:t>Processes communicate with channels</a:t>
-            </a:r>
-          </a:p>
-          <a:p>
-            <a:pPr lvl="1"/>
-            <a:r>
-              <a:rPr lang="en-US" dirty="0"/>
-              <a:t>Channels are a first class data type in Go</a:t>
-            </a:r>
-          </a:p>
-          <a:p>
-            <a:pPr lvl="1"/>
-            <a:r>
-              <a:rPr lang="en-US" dirty="0"/>
-              <a:t>Channels can be passed as data members while sending messages over other channels</a:t>
-            </a:r>
+              <a:rPr lang="en-US" dirty="0"/>
+              <a:t>Concurrency is not necessarily the same thing as parallelly running processes</a:t>
+            </a:r>
+          </a:p>
+          <a:p>
+            <a:r>
+              <a:rPr lang="en-US" dirty="0"/>
+              <a:t>Processes can have their own state and can share data, although it is best if they do not share data in traditional ways</a:t>
+            </a:r>
+          </a:p>
+          <a:p>
+            <a:r>
+              <a:rPr lang="en-US" dirty="0"/>
+              <a:t>Processes can communicate with each other via established channels</a:t>
+            </a:r>
+          </a:p>
+          <a:p>
+            <a:endParaRPr lang="en-US" dirty="0"/>
           </a:p>
         </p:txBody>
       </p:sp>
     </p:spTree>
     <p:extLst>
       <p:ext uri="{BB962C8B-B14F-4D97-AF65-F5344CB8AC3E}">
-        <p14:creationId xmlns:p14="http://schemas.microsoft.com/office/powerpoint/2010/main" val="1812656192"/>
+        <p14:creationId xmlns:p14="http://schemas.microsoft.com/office/powerpoint/2010/main" val="3546048363"/>
       </p:ext>
     </p:extLst>
   </p:cSld>
@@ -8796,7 +8790,7 @@
           <p:cNvPr id="2" name="Title 1">
             <a:extLst>
               <a:ext uri="{FF2B5EF4-FFF2-40B4-BE49-F238E27FC236}">
-                <a16:creationId xmlns:a16="http://schemas.microsoft.com/office/drawing/2014/main" id="{52DCCFA5-0DAE-4FF9-8321-30E91B6765CD}"/>
+                <a16:creationId xmlns:a16="http://schemas.microsoft.com/office/drawing/2014/main" id="{D336B076-99CA-4A48-B4C4-A8D091D7DB68}"/>
               </a:ext>
             </a:extLst>
           </p:cNvPr>
@@ -8807,19 +8801,110 @@
             <p:ph type="title"/>
           </p:nvPr>
         </p:nvSpPr>
-        <p:spPr>
-          <a:xfrm>
-            <a:off x="3449135" y="3134554"/>
-            <a:ext cx="8911687" cy="1280890"/>
-          </a:xfrm>
-        </p:spPr>
+        <p:spPr/>
         <p:txBody>
           <a:bodyPr/>
           <a:lstStyle/>
           <a:p>
             <a:r>
               <a:rPr lang="en-US" dirty="0"/>
-              <a:t>CSP in action with Go</a:t>
+              <a:t>Go and CSP</a:t>
+            </a:r>
+          </a:p>
+        </p:txBody>
+      </p:sp>
+      <p:sp>
+        <p:nvSpPr>
+          <p:cNvPr id="3" name="Content Placeholder 2">
+            <a:extLst>
+              <a:ext uri="{FF2B5EF4-FFF2-40B4-BE49-F238E27FC236}">
+                <a16:creationId xmlns:a16="http://schemas.microsoft.com/office/drawing/2014/main" id="{11267347-A754-4EBC-999C-20F17AD90F4B}"/>
+              </a:ext>
+            </a:extLst>
+          </p:cNvPr>
+          <p:cNvSpPr>
+            <a:spLocks noGrp="1"/>
+          </p:cNvSpPr>
+          <p:nvPr>
+            <p:ph idx="1"/>
+          </p:nvPr>
+        </p:nvSpPr>
+        <p:spPr/>
+        <p:txBody>
+          <a:bodyPr/>
+          <a:lstStyle/>
+          <a:p>
+            <a:r>
+              <a:rPr lang="en-US" dirty="0"/>
+              <a:t>Go follows the CSP model</a:t>
+            </a:r>
+          </a:p>
+          <a:p>
+            <a:pPr lvl="1"/>
+            <a:r>
+              <a:rPr lang="en-US" dirty="0" err="1"/>
+              <a:t>GoRoutines</a:t>
+            </a:r>
+            <a:r>
+              <a:rPr lang="en-US" dirty="0"/>
+              <a:t> are equivalent of CSP processes</a:t>
+            </a:r>
+          </a:p>
+          <a:p>
+            <a:pPr lvl="2"/>
+            <a:r>
+              <a:rPr lang="en-US" dirty="0"/>
+              <a:t>Go Routines are lightweight green threads</a:t>
+            </a:r>
+          </a:p>
+          <a:p>
+            <a:pPr lvl="2"/>
+            <a:r>
+              <a:rPr lang="en-US" dirty="0"/>
+              <a:t>They are managed by the Go runtime</a:t>
+            </a:r>
+          </a:p>
+          <a:p>
+            <a:pPr lvl="2"/>
+            <a:r>
+              <a:rPr lang="en-US" dirty="0"/>
+              <a:t>Having O(10000) </a:t>
+            </a:r>
+            <a:r>
+              <a:rPr lang="en-US" dirty="0" err="1"/>
+              <a:t>GoRoutines</a:t>
+            </a:r>
+            <a:r>
+              <a:rPr lang="en-US" dirty="0"/>
+              <a:t> is not uncommon</a:t>
+            </a:r>
+          </a:p>
+          <a:p>
+            <a:pPr lvl="2"/>
+            <a:r>
+              <a:rPr lang="en-US" dirty="0"/>
+              <a:t>Go Runtime doesn’t spawn O(10000) OS threads</a:t>
+            </a:r>
+          </a:p>
+          <a:p>
+            <a:pPr lvl="1"/>
+            <a:r>
+              <a:rPr lang="en-US" dirty="0"/>
+              <a:t>Processes communicate with channels</a:t>
+            </a:r>
+          </a:p>
+          <a:p>
+            <a:pPr lvl="1"/>
+            <a:r>
+              <a:rPr lang="en-US" dirty="0"/>
+              <a:t>Channels are a first class data type in Go</a:t>
+            </a:r>
+          </a:p>
+          <a:p>
+            <a:pPr lvl="1"/>
+            <a:r>
+              <a:rPr lang="en-US" dirty="0"/>
+              <a:t>Channels can be passed as data members while sending messages over other channels</a:t>
             </a:r>
           </a:p>
         </p:txBody>
@@ -8827,7 +8912,93 @@
     </p:spTree>
     <p:extLst>
       <p:ext uri="{BB962C8B-B14F-4D97-AF65-F5344CB8AC3E}">
-        <p14:creationId xmlns:p14="http://schemas.microsoft.com/office/powerpoint/2010/main" val="3636082325"/>
+        <p14:creationId xmlns:p14="http://schemas.microsoft.com/office/powerpoint/2010/main" val="1812656192"/>
+      </p:ext>
+    </p:extLst>
+  </p:cSld>
+  <p:clrMapOvr>
+    <a:masterClrMapping/>
+  </p:clrMapOvr>
+</p:sld>
+</file>
+
+<file path=ppt/slides/slide19.xml><?xml version="1.0" encoding="utf-8"?>
+<p:sld xmlns:a="http://schemas.openxmlformats.org/drawingml/2006/main" xmlns:r="http://schemas.openxmlformats.org/officeDocument/2006/relationships" xmlns:p="http://schemas.openxmlformats.org/presentationml/2006/main">
+  <p:cSld>
+    <p:spTree>
+      <p:nvGrpSpPr>
+        <p:cNvPr id="1" name=""/>
+        <p:cNvGrpSpPr/>
+        <p:nvPr/>
+      </p:nvGrpSpPr>
+      <p:grpSpPr>
+        <a:xfrm>
+          <a:off x="0" y="0"/>
+          <a:ext cx="0" cy="0"/>
+          <a:chOff x="0" y="0"/>
+          <a:chExt cx="0" cy="0"/>
+        </a:xfrm>
+      </p:grpSpPr>
+      <p:sp>
+        <p:nvSpPr>
+          <p:cNvPr id="2" name="Title 1">
+            <a:extLst>
+              <a:ext uri="{FF2B5EF4-FFF2-40B4-BE49-F238E27FC236}">
+                <a16:creationId xmlns:a16="http://schemas.microsoft.com/office/drawing/2014/main" id="{6D312031-0C7D-4BF9-BE26-26548F6368E4}"/>
+              </a:ext>
+            </a:extLst>
+          </p:cNvPr>
+          <p:cNvSpPr>
+            <a:spLocks noGrp="1"/>
+          </p:cNvSpPr>
+          <p:nvPr>
+            <p:ph type="title"/>
+          </p:nvPr>
+        </p:nvSpPr>
+        <p:spPr/>
+        <p:txBody>
+          <a:bodyPr/>
+          <a:lstStyle/>
+          <a:p>
+            <a:r>
+              <a:rPr lang="en-US" dirty="0"/>
+              <a:t>Guiding Principle of Go</a:t>
+            </a:r>
+          </a:p>
+        </p:txBody>
+      </p:sp>
+      <p:sp>
+        <p:nvSpPr>
+          <p:cNvPr id="3" name="Content Placeholder 2">
+            <a:extLst>
+              <a:ext uri="{FF2B5EF4-FFF2-40B4-BE49-F238E27FC236}">
+                <a16:creationId xmlns:a16="http://schemas.microsoft.com/office/drawing/2014/main" id="{D238B5FD-D035-4DFE-9413-58D782C93BB3}"/>
+              </a:ext>
+            </a:extLst>
+          </p:cNvPr>
+          <p:cNvSpPr>
+            <a:spLocks noGrp="1"/>
+          </p:cNvSpPr>
+          <p:nvPr>
+            <p:ph idx="1"/>
+          </p:nvPr>
+        </p:nvSpPr>
+        <p:spPr/>
+        <p:txBody>
+          <a:bodyPr/>
+          <a:lstStyle/>
+          <a:p>
+            <a:r>
+              <a:rPr lang="en-US" dirty="0"/>
+              <a:t>Do not communicate by sharing memory, share memory by communicating.</a:t>
+            </a:r>
+          </a:p>
+        </p:txBody>
+      </p:sp>
+    </p:spTree>
+    <p:extLst>
+      <p:ext uri="{BB962C8B-B14F-4D97-AF65-F5344CB8AC3E}">
+        <p14:creationId xmlns:p14="http://schemas.microsoft.com/office/powerpoint/2010/main" val="4289456196"/>
       </p:ext>
     </p:extLst>
   </p:cSld>
@@ -8859,7 +9030,7 @@
           <p:cNvPr id="2" name="Title 1">
             <a:extLst>
               <a:ext uri="{FF2B5EF4-FFF2-40B4-BE49-F238E27FC236}">
-                <a16:creationId xmlns:a16="http://schemas.microsoft.com/office/drawing/2014/main" id="{71262372-24B1-4416-A13A-A140570379BB}"/>
+                <a16:creationId xmlns:a16="http://schemas.microsoft.com/office/drawing/2014/main" id="{CFF90447-9AAC-4D87-BE52-406A051D327E}"/>
               </a:ext>
             </a:extLst>
           </p:cNvPr>
@@ -8870,9 +9041,156 @@
             <p:ph type="title"/>
           </p:nvPr>
         </p:nvSpPr>
+        <p:spPr/>
+        <p:txBody>
+          <a:bodyPr/>
+          <a:lstStyle/>
+          <a:p>
+            <a:r>
+              <a:rPr lang="en-US"/>
+              <a:t>Outline</a:t>
+            </a:r>
+            <a:endParaRPr lang="en-US" dirty="0"/>
+          </a:p>
+        </p:txBody>
+      </p:sp>
+      <p:sp>
+        <p:nvSpPr>
+          <p:cNvPr id="3" name="Content Placeholder 2">
+            <a:extLst>
+              <a:ext uri="{FF2B5EF4-FFF2-40B4-BE49-F238E27FC236}">
+                <a16:creationId xmlns:a16="http://schemas.microsoft.com/office/drawing/2014/main" id="{92A4E243-0826-4B2F-A558-E6F6AB984782}"/>
+              </a:ext>
+            </a:extLst>
+          </p:cNvPr>
+          <p:cNvSpPr>
+            <a:spLocks noGrp="1"/>
+          </p:cNvSpPr>
+          <p:nvPr>
+            <p:ph idx="1"/>
+          </p:nvPr>
+        </p:nvSpPr>
+        <p:spPr/>
+        <p:txBody>
+          <a:bodyPr>
+            <a:normAutofit lnSpcReduction="10000"/>
+          </a:bodyPr>
+          <a:lstStyle/>
+          <a:p>
+            <a:r>
+              <a:rPr lang="en-US" dirty="0"/>
+              <a:t>Concurrency, parallelism, synchronization and the producer-consumer problem</a:t>
+            </a:r>
+          </a:p>
+          <a:p>
+            <a:r>
+              <a:rPr lang="en-US" dirty="0"/>
+              <a:t>Concurrency with Shared Memory and Semaphores</a:t>
+            </a:r>
+          </a:p>
+          <a:p>
+            <a:r>
+              <a:rPr lang="en-US" dirty="0"/>
+              <a:t>Concurrency with threads</a:t>
+            </a:r>
+          </a:p>
+          <a:p>
+            <a:r>
+              <a:rPr lang="en-US" dirty="0"/>
+              <a:t>Actors Model</a:t>
+            </a:r>
+          </a:p>
+          <a:p>
+            <a:r>
+              <a:rPr lang="en-US" dirty="0"/>
+              <a:t>Communicating Sequential Processes (CSP)</a:t>
+            </a:r>
+          </a:p>
+          <a:p>
+            <a:r>
+              <a:rPr lang="en-US" dirty="0"/>
+              <a:t>Messaging and Message Queues (</a:t>
+            </a:r>
+            <a:r>
+              <a:rPr lang="en-US" dirty="0" err="1"/>
+              <a:t>ZeroMQ</a:t>
+            </a:r>
+            <a:r>
+              <a:rPr lang="en-US" dirty="0"/>
+              <a:t>)</a:t>
+            </a:r>
+          </a:p>
+          <a:p>
+            <a:r>
+              <a:rPr lang="en-US" dirty="0"/>
+              <a:t>Miscellaneous concurrency mechanisms</a:t>
+            </a:r>
+          </a:p>
+          <a:p>
+            <a:pPr lvl="1"/>
+            <a:r>
+              <a:rPr lang="en-US" dirty="0"/>
+              <a:t>Futures and Promises</a:t>
+            </a:r>
+          </a:p>
+          <a:p>
+            <a:pPr lvl="1"/>
+            <a:r>
+              <a:rPr lang="en-US" dirty="0"/>
+              <a:t>Coroutines</a:t>
+            </a:r>
+          </a:p>
+        </p:txBody>
+      </p:sp>
+    </p:spTree>
+    <p:extLst>
+      <p:ext uri="{BB962C8B-B14F-4D97-AF65-F5344CB8AC3E}">
+        <p14:creationId xmlns:p14="http://schemas.microsoft.com/office/powerpoint/2010/main" val="697835968"/>
+      </p:ext>
+    </p:extLst>
+  </p:cSld>
+  <p:clrMapOvr>
+    <a:masterClrMapping/>
+  </p:clrMapOvr>
+</p:sld>
+</file>
+
+<file path=ppt/slides/slide20.xml><?xml version="1.0" encoding="utf-8"?>
+<p:sld xmlns:a="http://schemas.openxmlformats.org/drawingml/2006/main" xmlns:r="http://schemas.openxmlformats.org/officeDocument/2006/relationships" xmlns:p="http://schemas.openxmlformats.org/presentationml/2006/main">
+  <p:cSld>
+    <p:spTree>
+      <p:nvGrpSpPr>
+        <p:cNvPr id="1" name=""/>
+        <p:cNvGrpSpPr/>
+        <p:nvPr/>
+      </p:nvGrpSpPr>
+      <p:grpSpPr>
+        <a:xfrm>
+          <a:off x="0" y="0"/>
+          <a:ext cx="0" cy="0"/>
+          <a:chOff x="0" y="0"/>
+          <a:chExt cx="0" cy="0"/>
+        </a:xfrm>
+      </p:grpSpPr>
+      <p:sp>
+        <p:nvSpPr>
+          <p:cNvPr id="2" name="Title 1">
+            <a:extLst>
+              <a:ext uri="{FF2B5EF4-FFF2-40B4-BE49-F238E27FC236}">
+                <a16:creationId xmlns:a16="http://schemas.microsoft.com/office/drawing/2014/main" id="{52DCCFA5-0DAE-4FF9-8321-30E91B6765CD}"/>
+              </a:ext>
+            </a:extLst>
+          </p:cNvPr>
+          <p:cNvSpPr>
+            <a:spLocks noGrp="1"/>
+          </p:cNvSpPr>
+          <p:nvPr>
+            <p:ph type="title"/>
+          </p:nvPr>
+        </p:nvSpPr>
         <p:spPr>
           <a:xfrm>
-            <a:off x="2759180" y="2788555"/>
+            <a:off x="3449135" y="3134554"/>
             <a:ext cx="8911687" cy="1280890"/>
           </a:xfrm>
         </p:spPr>
@@ -8882,7 +9200,7 @@
           <a:p>
             <a:r>
               <a:rPr lang="en-US" dirty="0"/>
-              <a:t>What is the Producer-Consumer problem?</a:t>
+              <a:t>CSP in action with Go</a:t>
             </a:r>
           </a:p>
         </p:txBody>
@@ -8890,7 +9208,700 @@
     </p:spTree>
     <p:extLst>
       <p:ext uri="{BB962C8B-B14F-4D97-AF65-F5344CB8AC3E}">
-        <p14:creationId xmlns:p14="http://schemas.microsoft.com/office/powerpoint/2010/main" val="70725978"/>
+        <p14:creationId xmlns:p14="http://schemas.microsoft.com/office/powerpoint/2010/main" val="3636082325"/>
+      </p:ext>
+    </p:extLst>
+  </p:cSld>
+  <p:clrMapOvr>
+    <a:masterClrMapping/>
+  </p:clrMapOvr>
+</p:sld>
+</file>
+
+<file path=ppt/slides/slide21.xml><?xml version="1.0" encoding="utf-8"?>
+<p:sld xmlns:a="http://schemas.openxmlformats.org/drawingml/2006/main" xmlns:r="http://schemas.openxmlformats.org/officeDocument/2006/relationships" xmlns:p="http://schemas.openxmlformats.org/presentationml/2006/main">
+  <p:cSld>
+    <p:spTree>
+      <p:nvGrpSpPr>
+        <p:cNvPr id="1" name=""/>
+        <p:cNvGrpSpPr/>
+        <p:nvPr/>
+      </p:nvGrpSpPr>
+      <p:grpSpPr>
+        <a:xfrm>
+          <a:off x="0" y="0"/>
+          <a:ext cx="0" cy="0"/>
+          <a:chOff x="0" y="0"/>
+          <a:chExt cx="0" cy="0"/>
+        </a:xfrm>
+      </p:grpSpPr>
+      <p:sp>
+        <p:nvSpPr>
+          <p:cNvPr id="2" name="Title 1">
+            <a:extLst>
+              <a:ext uri="{FF2B5EF4-FFF2-40B4-BE49-F238E27FC236}">
+                <a16:creationId xmlns:a16="http://schemas.microsoft.com/office/drawing/2014/main" id="{F9FC2B5F-30EF-4DB9-A0AF-B2C2BA32189A}"/>
+              </a:ext>
+            </a:extLst>
+          </p:cNvPr>
+          <p:cNvSpPr>
+            <a:spLocks noGrp="1"/>
+          </p:cNvSpPr>
+          <p:nvPr>
+            <p:ph type="title"/>
+          </p:nvPr>
+        </p:nvSpPr>
+        <p:spPr/>
+        <p:txBody>
+          <a:bodyPr/>
+          <a:lstStyle/>
+          <a:p>
+            <a:r>
+              <a:rPr lang="en-US" dirty="0"/>
+              <a:t>Message Queues - </a:t>
+            </a:r>
+            <a:r>
+              <a:rPr lang="en-US" dirty="0" err="1"/>
+              <a:t>ZeroMQ</a:t>
+            </a:r>
+            <a:endParaRPr lang="en-US" dirty="0"/>
+          </a:p>
+        </p:txBody>
+      </p:sp>
+      <p:sp>
+        <p:nvSpPr>
+          <p:cNvPr id="3" name="Content Placeholder 2">
+            <a:extLst>
+              <a:ext uri="{FF2B5EF4-FFF2-40B4-BE49-F238E27FC236}">
+                <a16:creationId xmlns:a16="http://schemas.microsoft.com/office/drawing/2014/main" id="{E7872087-8989-452D-B19D-98D258ED07D2}"/>
+              </a:ext>
+            </a:extLst>
+          </p:cNvPr>
+          <p:cNvSpPr>
+            <a:spLocks noGrp="1"/>
+          </p:cNvSpPr>
+          <p:nvPr>
+            <p:ph idx="1"/>
+          </p:nvPr>
+        </p:nvSpPr>
+        <p:spPr/>
+        <p:txBody>
+          <a:bodyPr/>
+          <a:lstStyle/>
+          <a:p>
+            <a:r>
+              <a:rPr lang="en-US" dirty="0"/>
+              <a:t>High performance Messaging library</a:t>
+            </a:r>
+          </a:p>
+          <a:p>
+            <a:r>
+              <a:rPr lang="en-US" dirty="0"/>
+              <a:t>Supports a wide variety of paradigms</a:t>
+            </a:r>
+          </a:p>
+          <a:p>
+            <a:r>
+              <a:rPr lang="en-US" dirty="0"/>
+              <a:t>Provides interfaces in a host of languages – C, C#, Perl, Python, Q, Smalltalk, Scala, Swift, Ruby, Objective-C, Java, Julia, Fortran, Flex, Go, Haskell, </a:t>
+            </a:r>
+            <a:r>
+              <a:rPr lang="en-US" dirty="0" err="1"/>
+              <a:t>Haxe</a:t>
+            </a:r>
+            <a:r>
+              <a:rPr lang="en-US" dirty="0"/>
+              <a:t>, </a:t>
+            </a:r>
+            <a:r>
+              <a:rPr lang="en-US" dirty="0" err="1"/>
+              <a:t>Javascript</a:t>
+            </a:r>
+            <a:r>
+              <a:rPr lang="en-US" dirty="0"/>
+              <a:t>, Lua, F#, Lisp, Basic, Ada, PHP</a:t>
+            </a:r>
+          </a:p>
+          <a:p>
+            <a:r>
+              <a:rPr lang="en-US" dirty="0"/>
+              <a:t>Allows one to build distributed and scalable architectures independent of language facilities </a:t>
+            </a:r>
+          </a:p>
+        </p:txBody>
+      </p:sp>
+    </p:spTree>
+    <p:extLst>
+      <p:ext uri="{BB962C8B-B14F-4D97-AF65-F5344CB8AC3E}">
+        <p14:creationId xmlns:p14="http://schemas.microsoft.com/office/powerpoint/2010/main" val="3972841665"/>
+      </p:ext>
+    </p:extLst>
+  </p:cSld>
+  <p:clrMapOvr>
+    <a:masterClrMapping/>
+  </p:clrMapOvr>
+</p:sld>
+</file>
+
+<file path=ppt/slides/slide22.xml><?xml version="1.0" encoding="utf-8"?>
+<p:sld xmlns:a="http://schemas.openxmlformats.org/drawingml/2006/main" xmlns:r="http://schemas.openxmlformats.org/officeDocument/2006/relationships" xmlns:p="http://schemas.openxmlformats.org/presentationml/2006/main">
+  <p:cSld>
+    <p:spTree>
+      <p:nvGrpSpPr>
+        <p:cNvPr id="1" name=""/>
+        <p:cNvGrpSpPr/>
+        <p:nvPr/>
+      </p:nvGrpSpPr>
+      <p:grpSpPr>
+        <a:xfrm>
+          <a:off x="0" y="0"/>
+          <a:ext cx="0" cy="0"/>
+          <a:chOff x="0" y="0"/>
+          <a:chExt cx="0" cy="0"/>
+        </a:xfrm>
+      </p:grpSpPr>
+      <p:sp>
+        <p:nvSpPr>
+          <p:cNvPr id="2" name="Title 1">
+            <a:extLst>
+              <a:ext uri="{FF2B5EF4-FFF2-40B4-BE49-F238E27FC236}">
+                <a16:creationId xmlns:a16="http://schemas.microsoft.com/office/drawing/2014/main" id="{80A470E5-7B0C-4379-AF67-2BAEC07CFC88}"/>
+              </a:ext>
+            </a:extLst>
+          </p:cNvPr>
+          <p:cNvSpPr>
+            <a:spLocks noGrp="1"/>
+          </p:cNvSpPr>
+          <p:nvPr>
+            <p:ph type="title"/>
+          </p:nvPr>
+        </p:nvSpPr>
+        <p:spPr/>
+        <p:txBody>
+          <a:bodyPr/>
+          <a:lstStyle/>
+          <a:p>
+            <a:r>
+              <a:rPr lang="en-US" dirty="0" err="1"/>
+              <a:t>ZeroMQ</a:t>
+            </a:r>
+            <a:r>
+              <a:rPr lang="en-US" dirty="0"/>
+              <a:t> in Action</a:t>
+            </a:r>
+          </a:p>
+        </p:txBody>
+      </p:sp>
+      <p:sp>
+        <p:nvSpPr>
+          <p:cNvPr id="3" name="Content Placeholder 2">
+            <a:extLst>
+              <a:ext uri="{FF2B5EF4-FFF2-40B4-BE49-F238E27FC236}">
+                <a16:creationId xmlns:a16="http://schemas.microsoft.com/office/drawing/2014/main" id="{D43CCBE0-C8E6-46E5-AFF2-9A0AAD39B703}"/>
+              </a:ext>
+            </a:extLst>
+          </p:cNvPr>
+          <p:cNvSpPr>
+            <a:spLocks noGrp="1"/>
+          </p:cNvSpPr>
+          <p:nvPr>
+            <p:ph idx="1"/>
+          </p:nvPr>
+        </p:nvSpPr>
+        <p:spPr/>
+        <p:txBody>
+          <a:bodyPr/>
+          <a:lstStyle/>
+          <a:p>
+            <a:r>
+              <a:rPr lang="en-US" dirty="0" err="1"/>
+              <a:t>ZeroMQ</a:t>
+            </a:r>
+            <a:r>
+              <a:rPr lang="en-US" dirty="0"/>
+              <a:t> supports multiple paradigms</a:t>
+            </a:r>
+          </a:p>
+          <a:p>
+            <a:pPr lvl="1"/>
+            <a:r>
+              <a:rPr lang="en-US" dirty="0"/>
+              <a:t>PUSH-PULL</a:t>
+            </a:r>
+          </a:p>
+          <a:p>
+            <a:pPr lvl="1"/>
+            <a:r>
+              <a:rPr lang="en-US" dirty="0"/>
+              <a:t>REQUEST-RESPONSE</a:t>
+            </a:r>
+          </a:p>
+          <a:p>
+            <a:pPr lvl="1"/>
+            <a:r>
+              <a:rPr lang="en-US" dirty="0"/>
+              <a:t>PUBLISH-SUBSCRIBE</a:t>
+            </a:r>
+          </a:p>
+          <a:p>
+            <a:pPr lvl="1"/>
+            <a:r>
+              <a:rPr lang="en-US" dirty="0"/>
+              <a:t>ROUTER-DEALER</a:t>
+            </a:r>
+          </a:p>
+          <a:p>
+            <a:r>
+              <a:rPr lang="en-US" dirty="0"/>
+              <a:t>We’ll use the PUSH-PULL paradigm in the example, but it can be coded up using other paradigms as well</a:t>
+            </a:r>
+          </a:p>
+        </p:txBody>
+      </p:sp>
+    </p:spTree>
+    <p:extLst>
+      <p:ext uri="{BB962C8B-B14F-4D97-AF65-F5344CB8AC3E}">
+        <p14:creationId xmlns:p14="http://schemas.microsoft.com/office/powerpoint/2010/main" val="2973313288"/>
+      </p:ext>
+    </p:extLst>
+  </p:cSld>
+  <p:clrMapOvr>
+    <a:masterClrMapping/>
+  </p:clrMapOvr>
+</p:sld>
+</file>
+
+<file path=ppt/slides/slide23.xml><?xml version="1.0" encoding="utf-8"?>
+<p:sld xmlns:a="http://schemas.openxmlformats.org/drawingml/2006/main" xmlns:r="http://schemas.openxmlformats.org/officeDocument/2006/relationships" xmlns:p="http://schemas.openxmlformats.org/presentationml/2006/main">
+  <p:cSld>
+    <p:spTree>
+      <p:nvGrpSpPr>
+        <p:cNvPr id="1" name=""/>
+        <p:cNvGrpSpPr/>
+        <p:nvPr/>
+      </p:nvGrpSpPr>
+      <p:grpSpPr>
+        <a:xfrm>
+          <a:off x="0" y="0"/>
+          <a:ext cx="0" cy="0"/>
+          <a:chOff x="0" y="0"/>
+          <a:chExt cx="0" cy="0"/>
+        </a:xfrm>
+      </p:grpSpPr>
+      <p:sp>
+        <p:nvSpPr>
+          <p:cNvPr id="2" name="Title 1">
+            <a:extLst>
+              <a:ext uri="{FF2B5EF4-FFF2-40B4-BE49-F238E27FC236}">
+                <a16:creationId xmlns:a16="http://schemas.microsoft.com/office/drawing/2014/main" id="{5FA00EBF-456B-4ED6-ADB4-10AE57D3F7A6}"/>
+              </a:ext>
+            </a:extLst>
+          </p:cNvPr>
+          <p:cNvSpPr>
+            <a:spLocks noGrp="1"/>
+          </p:cNvSpPr>
+          <p:nvPr>
+            <p:ph type="title"/>
+          </p:nvPr>
+        </p:nvSpPr>
+        <p:spPr/>
+        <p:txBody>
+          <a:bodyPr/>
+          <a:lstStyle/>
+          <a:p>
+            <a:r>
+              <a:rPr lang="en-US" dirty="0" err="1"/>
+              <a:t>ZeroMQ</a:t>
+            </a:r>
+            <a:r>
+              <a:rPr lang="en-US" dirty="0"/>
+              <a:t> in Action</a:t>
+            </a:r>
+          </a:p>
+        </p:txBody>
+      </p:sp>
+      <p:pic>
+        <p:nvPicPr>
+          <p:cNvPr id="6" name="Picture 5">
+            <a:extLst>
+              <a:ext uri="{FF2B5EF4-FFF2-40B4-BE49-F238E27FC236}">
+                <a16:creationId xmlns:a16="http://schemas.microsoft.com/office/drawing/2014/main" id="{D4B69E56-0000-48D0-9CCC-3015CBADAFC2}"/>
+              </a:ext>
+            </a:extLst>
+          </p:cNvPr>
+          <p:cNvPicPr>
+            <a:picLocks noChangeAspect="1"/>
+          </p:cNvPicPr>
+          <p:nvPr/>
+        </p:nvPicPr>
+        <p:blipFill>
+          <a:blip r:embed="rId2">
+            <a:clrChange>
+              <a:clrFrom>
+                <a:srgbClr val="FFFFFF"/>
+              </a:clrFrom>
+              <a:clrTo>
+                <a:srgbClr val="FFFFFF">
+                  <a:alpha val="0"/>
+                </a:srgbClr>
+              </a:clrTo>
+            </a:clrChange>
+          </a:blip>
+          <a:stretch>
+            <a:fillRect/>
+          </a:stretch>
+        </p:blipFill>
+        <p:spPr>
+          <a:xfrm>
+            <a:off x="4351194" y="1905000"/>
+            <a:ext cx="4819650" cy="3267075"/>
+          </a:xfrm>
+          <a:prstGeom prst="rect">
+            <a:avLst/>
+          </a:prstGeom>
+        </p:spPr>
+      </p:pic>
+    </p:spTree>
+    <p:extLst>
+      <p:ext uri="{BB962C8B-B14F-4D97-AF65-F5344CB8AC3E}">
+        <p14:creationId xmlns:p14="http://schemas.microsoft.com/office/powerpoint/2010/main" val="3998903312"/>
+      </p:ext>
+    </p:extLst>
+  </p:cSld>
+  <p:clrMapOvr>
+    <a:masterClrMapping/>
+  </p:clrMapOvr>
+</p:sld>
+</file>
+
+<file path=ppt/slides/slide24.xml><?xml version="1.0" encoding="utf-8"?>
+<p:sld xmlns:a="http://schemas.openxmlformats.org/drawingml/2006/main" xmlns:r="http://schemas.openxmlformats.org/officeDocument/2006/relationships" xmlns:p="http://schemas.openxmlformats.org/presentationml/2006/main">
+  <p:cSld>
+    <p:spTree>
+      <p:nvGrpSpPr>
+        <p:cNvPr id="1" name=""/>
+        <p:cNvGrpSpPr/>
+        <p:nvPr/>
+      </p:nvGrpSpPr>
+      <p:grpSpPr>
+        <a:xfrm>
+          <a:off x="0" y="0"/>
+          <a:ext cx="0" cy="0"/>
+          <a:chOff x="0" y="0"/>
+          <a:chExt cx="0" cy="0"/>
+        </a:xfrm>
+      </p:grpSpPr>
+      <p:sp>
+        <p:nvSpPr>
+          <p:cNvPr id="2" name="Title 1">
+            <a:extLst>
+              <a:ext uri="{FF2B5EF4-FFF2-40B4-BE49-F238E27FC236}">
+                <a16:creationId xmlns:a16="http://schemas.microsoft.com/office/drawing/2014/main" id="{1B6C4BD3-3B0E-487D-8237-6856B5458790}"/>
+              </a:ext>
+            </a:extLst>
+          </p:cNvPr>
+          <p:cNvSpPr>
+            <a:spLocks noGrp="1"/>
+          </p:cNvSpPr>
+          <p:nvPr>
+            <p:ph type="title"/>
+          </p:nvPr>
+        </p:nvSpPr>
+        <p:spPr/>
+        <p:txBody>
+          <a:bodyPr/>
+          <a:lstStyle/>
+          <a:p>
+            <a:r>
+              <a:rPr lang="en-US" dirty="0" err="1"/>
+              <a:t>ZeroMQ</a:t>
+            </a:r>
+            <a:r>
+              <a:rPr lang="en-US" dirty="0"/>
+              <a:t> alternatives</a:t>
+            </a:r>
+          </a:p>
+        </p:txBody>
+      </p:sp>
+      <p:sp>
+        <p:nvSpPr>
+          <p:cNvPr id="3" name="Content Placeholder 2">
+            <a:extLst>
+              <a:ext uri="{FF2B5EF4-FFF2-40B4-BE49-F238E27FC236}">
+                <a16:creationId xmlns:a16="http://schemas.microsoft.com/office/drawing/2014/main" id="{FC797BD1-53E9-4411-9A79-96947F43EBFA}"/>
+              </a:ext>
+            </a:extLst>
+          </p:cNvPr>
+          <p:cNvSpPr>
+            <a:spLocks noGrp="1"/>
+          </p:cNvSpPr>
+          <p:nvPr>
+            <p:ph idx="1"/>
+          </p:nvPr>
+        </p:nvSpPr>
+        <p:spPr/>
+        <p:txBody>
+          <a:bodyPr/>
+          <a:lstStyle/>
+          <a:p>
+            <a:r>
+              <a:rPr lang="en-US" dirty="0"/>
+              <a:t>IBM </a:t>
+            </a:r>
+            <a:r>
+              <a:rPr lang="en-US" dirty="0" err="1"/>
+              <a:t>Websphere</a:t>
+            </a:r>
+            <a:r>
+              <a:rPr lang="en-US" dirty="0"/>
+              <a:t> MQ Series</a:t>
+            </a:r>
+          </a:p>
+          <a:p>
+            <a:r>
+              <a:rPr lang="en-US" dirty="0"/>
+              <a:t>MQTT (McAfee DXL is based on this)</a:t>
+            </a:r>
+          </a:p>
+          <a:p>
+            <a:r>
+              <a:rPr lang="en-US" dirty="0"/>
+              <a:t>Amazon Kinesis</a:t>
+            </a:r>
+          </a:p>
+          <a:p>
+            <a:r>
+              <a:rPr lang="en-US" dirty="0"/>
+              <a:t>Amazon SQS</a:t>
+            </a:r>
+          </a:p>
+          <a:p>
+            <a:r>
+              <a:rPr lang="en-US" dirty="0"/>
+              <a:t>RabbitMQ</a:t>
+            </a:r>
+          </a:p>
+          <a:p>
+            <a:r>
+              <a:rPr lang="en-US" dirty="0"/>
+              <a:t>Apache Kafka</a:t>
+            </a:r>
+          </a:p>
+          <a:p>
+            <a:r>
+              <a:rPr lang="en-US" dirty="0"/>
+              <a:t>Google Cloud Messaging</a:t>
+            </a:r>
+          </a:p>
+          <a:p>
+            <a:r>
+              <a:rPr lang="en-US" dirty="0"/>
+              <a:t>Azure Service Bus</a:t>
+            </a:r>
+          </a:p>
+          <a:p>
+            <a:r>
+              <a:rPr lang="en-US" dirty="0"/>
+              <a:t>… the list goes on and on …</a:t>
+            </a:r>
+          </a:p>
+        </p:txBody>
+      </p:sp>
+    </p:spTree>
+    <p:extLst>
+      <p:ext uri="{BB962C8B-B14F-4D97-AF65-F5344CB8AC3E}">
+        <p14:creationId xmlns:p14="http://schemas.microsoft.com/office/powerpoint/2010/main" val="544705704"/>
+      </p:ext>
+    </p:extLst>
+  </p:cSld>
+  <p:clrMapOvr>
+    <a:masterClrMapping/>
+  </p:clrMapOvr>
+</p:sld>
+</file>
+
+<file path=ppt/slides/slide25.xml><?xml version="1.0" encoding="utf-8"?>
+<p:sld xmlns:a="http://schemas.openxmlformats.org/drawingml/2006/main" xmlns:r="http://schemas.openxmlformats.org/officeDocument/2006/relationships" xmlns:p="http://schemas.openxmlformats.org/presentationml/2006/main">
+  <p:cSld>
+    <p:spTree>
+      <p:nvGrpSpPr>
+        <p:cNvPr id="1" name=""/>
+        <p:cNvGrpSpPr/>
+        <p:nvPr/>
+      </p:nvGrpSpPr>
+      <p:grpSpPr>
+        <a:xfrm>
+          <a:off x="0" y="0"/>
+          <a:ext cx="0" cy="0"/>
+          <a:chOff x="0" y="0"/>
+          <a:chExt cx="0" cy="0"/>
+        </a:xfrm>
+      </p:grpSpPr>
+      <p:sp>
+        <p:nvSpPr>
+          <p:cNvPr id="2" name="Title 1">
+            <a:extLst>
+              <a:ext uri="{FF2B5EF4-FFF2-40B4-BE49-F238E27FC236}">
+                <a16:creationId xmlns:a16="http://schemas.microsoft.com/office/drawing/2014/main" id="{84DE7D05-43F1-4995-98F2-09F5CC5E30ED}"/>
+              </a:ext>
+            </a:extLst>
+          </p:cNvPr>
+          <p:cNvSpPr>
+            <a:spLocks noGrp="1"/>
+          </p:cNvSpPr>
+          <p:nvPr>
+            <p:ph type="title"/>
+          </p:nvPr>
+        </p:nvSpPr>
+        <p:spPr/>
+        <p:txBody>
+          <a:bodyPr/>
+          <a:lstStyle/>
+          <a:p>
+            <a:r>
+              <a:rPr lang="en-US" dirty="0"/>
+              <a:t>Other </a:t>
+            </a:r>
+            <a:r>
+              <a:rPr lang="en-US" dirty="0" err="1"/>
+              <a:t>Ooncurrency</a:t>
+            </a:r>
+            <a:r>
+              <a:rPr lang="en-US" dirty="0"/>
+              <a:t> </a:t>
+            </a:r>
+            <a:r>
+              <a:rPr lang="en-US" dirty="0" err="1"/>
+              <a:t>Oechanisms</a:t>
+            </a:r>
+            <a:endParaRPr lang="en-US" dirty="0"/>
+          </a:p>
+        </p:txBody>
+      </p:sp>
+      <p:sp>
+        <p:nvSpPr>
+          <p:cNvPr id="3" name="Content Placeholder 2">
+            <a:extLst>
+              <a:ext uri="{FF2B5EF4-FFF2-40B4-BE49-F238E27FC236}">
+                <a16:creationId xmlns:a16="http://schemas.microsoft.com/office/drawing/2014/main" id="{ED169A9A-FD1C-429C-AAD1-C713160EBFA5}"/>
+              </a:ext>
+            </a:extLst>
+          </p:cNvPr>
+          <p:cNvSpPr>
+            <a:spLocks noGrp="1"/>
+          </p:cNvSpPr>
+          <p:nvPr>
+            <p:ph idx="1"/>
+          </p:nvPr>
+        </p:nvSpPr>
+        <p:spPr/>
+        <p:txBody>
+          <a:bodyPr/>
+          <a:lstStyle/>
+          <a:p>
+            <a:r>
+              <a:rPr lang="en-US" dirty="0"/>
+              <a:t>Coroutines</a:t>
+            </a:r>
+          </a:p>
+          <a:p>
+            <a:r>
+              <a:rPr lang="en-US" dirty="0"/>
+              <a:t>Futures and Promises (DB Security with ACE uses this)</a:t>
+            </a:r>
+          </a:p>
+        </p:txBody>
+      </p:sp>
+    </p:spTree>
+    <p:extLst>
+      <p:ext uri="{BB962C8B-B14F-4D97-AF65-F5344CB8AC3E}">
+        <p14:creationId xmlns:p14="http://schemas.microsoft.com/office/powerpoint/2010/main" val="1167550583"/>
+      </p:ext>
+    </p:extLst>
+  </p:cSld>
+  <p:clrMapOvr>
+    <a:masterClrMapping/>
+  </p:clrMapOvr>
+</p:sld>
+</file>
+
+<file path=ppt/slides/slide26.xml><?xml version="1.0" encoding="utf-8"?>
+<p:sld xmlns:a="http://schemas.openxmlformats.org/drawingml/2006/main" xmlns:r="http://schemas.openxmlformats.org/officeDocument/2006/relationships" xmlns:p="http://schemas.openxmlformats.org/presentationml/2006/main">
+  <p:cSld>
+    <p:spTree>
+      <p:nvGrpSpPr>
+        <p:cNvPr id="1" name=""/>
+        <p:cNvGrpSpPr/>
+        <p:nvPr/>
+      </p:nvGrpSpPr>
+      <p:grpSpPr>
+        <a:xfrm>
+          <a:off x="0" y="0"/>
+          <a:ext cx="0" cy="0"/>
+          <a:chOff x="0" y="0"/>
+          <a:chExt cx="0" cy="0"/>
+        </a:xfrm>
+      </p:grpSpPr>
+      <p:sp>
+        <p:nvSpPr>
+          <p:cNvPr id="4" name="Title 3">
+            <a:extLst>
+              <a:ext uri="{FF2B5EF4-FFF2-40B4-BE49-F238E27FC236}">
+                <a16:creationId xmlns:a16="http://schemas.microsoft.com/office/drawing/2014/main" id="{0188FF29-3502-4D0F-BE74-708BBBD06CFD}"/>
+              </a:ext>
+            </a:extLst>
+          </p:cNvPr>
+          <p:cNvSpPr>
+            <a:spLocks noGrp="1"/>
+          </p:cNvSpPr>
+          <p:nvPr>
+            <p:ph type="title"/>
+          </p:nvPr>
+        </p:nvSpPr>
+        <p:spPr/>
+        <p:txBody>
+          <a:bodyPr/>
+          <a:lstStyle/>
+          <a:p>
+            <a:r>
+              <a:rPr lang="en-US" dirty="0"/>
+              <a:t>Thank you</a:t>
+            </a:r>
+          </a:p>
+        </p:txBody>
+      </p:sp>
+      <p:sp>
+        <p:nvSpPr>
+          <p:cNvPr id="5" name="Text Placeholder 4">
+            <a:extLst>
+              <a:ext uri="{FF2B5EF4-FFF2-40B4-BE49-F238E27FC236}">
+                <a16:creationId xmlns:a16="http://schemas.microsoft.com/office/drawing/2014/main" id="{C5A9879E-CDE8-481D-92BC-E488B8384562}"/>
+              </a:ext>
+            </a:extLst>
+          </p:cNvPr>
+          <p:cNvSpPr>
+            <a:spLocks noGrp="1"/>
+          </p:cNvSpPr>
+          <p:nvPr>
+            <p:ph type="body" sz="half" idx="2"/>
+          </p:nvPr>
+        </p:nvSpPr>
+        <p:spPr/>
+        <p:txBody>
+          <a:bodyPr/>
+          <a:lstStyle/>
+          <a:p>
+            <a:r>
+              <a:rPr lang="en-US" dirty="0"/>
+              <a:t> Rajbir Bhattacharjee</a:t>
+            </a:r>
+          </a:p>
+        </p:txBody>
+      </p:sp>
+    </p:spTree>
+    <p:extLst>
+      <p:ext uri="{BB962C8B-B14F-4D97-AF65-F5344CB8AC3E}">
+        <p14:creationId xmlns:p14="http://schemas.microsoft.com/office/powerpoint/2010/main" val="528230353"/>
       </p:ext>
     </p:extLst>
   </p:cSld>
@@ -8922,7 +9933,7 @@
           <p:cNvPr id="2" name="Title 1">
             <a:extLst>
               <a:ext uri="{FF2B5EF4-FFF2-40B4-BE49-F238E27FC236}">
-                <a16:creationId xmlns:a16="http://schemas.microsoft.com/office/drawing/2014/main" id="{F7007DB0-FD6D-48C5-AC01-D392A05C36C1}"/>
+                <a16:creationId xmlns:a16="http://schemas.microsoft.com/office/drawing/2014/main" id="{71262372-24B1-4416-A13A-A140570379BB}"/>
               </a:ext>
             </a:extLst>
           </p:cNvPr>
@@ -8933,38 +9944,10 @@
             <p:ph type="title"/>
           </p:nvPr>
         </p:nvSpPr>
-        <p:spPr/>
-        <p:txBody>
-          <a:bodyPr/>
-          <a:lstStyle/>
-          <a:p>
-            <a:r>
-              <a:rPr lang="en-US" dirty="0"/>
-              <a:t>Implementation with Shared Memory &amp;  Semaphores</a:t>
-            </a:r>
-          </a:p>
-        </p:txBody>
-      </p:sp>
-      <p:sp>
-        <p:nvSpPr>
-          <p:cNvPr id="3" name="Content Placeholder 2">
-            <a:extLst>
-              <a:ext uri="{FF2B5EF4-FFF2-40B4-BE49-F238E27FC236}">
-                <a16:creationId xmlns:a16="http://schemas.microsoft.com/office/drawing/2014/main" id="{C799A02F-0638-4D6C-8484-0B3F6D6DD425}"/>
-              </a:ext>
-            </a:extLst>
-          </p:cNvPr>
-          <p:cNvSpPr>
-            <a:spLocks noGrp="1"/>
-          </p:cNvSpPr>
-          <p:nvPr>
-            <p:ph idx="1"/>
-          </p:nvPr>
-        </p:nvSpPr>
         <p:spPr>
           <a:xfrm>
-            <a:off x="2589212" y="2133600"/>
-            <a:ext cx="8915400" cy="3777622"/>
+            <a:off x="2759180" y="2788555"/>
+            <a:ext cx="8911687" cy="1280890"/>
           </a:xfrm>
         </p:spPr>
         <p:txBody>
@@ -8973,533 +9956,15 @@
           <a:p>
             <a:r>
               <a:rPr lang="en-US" dirty="0"/>
-              <a:t>In the early days of operating systems, processes were the only units of containment</a:t>
-            </a:r>
-          </a:p>
-          <a:p>
-            <a:r>
-              <a:rPr lang="en-US" dirty="0"/>
-              <a:t>Processes communicated via IPC which took many forms</a:t>
-            </a:r>
-          </a:p>
-          <a:p>
-            <a:r>
-              <a:rPr lang="en-US" dirty="0"/>
-              <a:t>The most common IPCs that are used are shared memory and signals</a:t>
-            </a:r>
-          </a:p>
-          <a:p>
-            <a:r>
-              <a:rPr lang="en-US" dirty="0"/>
-              <a:t>Semaphores can be used for synchronization tasks</a:t>
-            </a:r>
-          </a:p>
-          <a:p>
-            <a:pPr lvl="1"/>
-            <a:endParaRPr lang="en-US" dirty="0"/>
-          </a:p>
-        </p:txBody>
-      </p:sp>
-      <p:sp>
-        <p:nvSpPr>
-          <p:cNvPr id="4" name="Rectangle 1">
-            <a:extLst>
-              <a:ext uri="{FF2B5EF4-FFF2-40B4-BE49-F238E27FC236}">
-                <a16:creationId xmlns:a16="http://schemas.microsoft.com/office/drawing/2014/main" id="{3FCE7AB2-E16B-4962-A67A-35E57292FF74}"/>
-              </a:ext>
-            </a:extLst>
-          </p:cNvPr>
-          <p:cNvSpPr>
-            <a:spLocks noChangeArrowheads="1"/>
-          </p:cNvSpPr>
-          <p:nvPr/>
-        </p:nvSpPr>
-        <p:spPr bwMode="auto">
-          <a:xfrm>
-            <a:off x="3050770" y="4022411"/>
-            <a:ext cx="3499660" cy="1631216"/>
-          </a:xfrm>
-          <a:prstGeom prst="rect">
-            <a:avLst/>
-          </a:prstGeom>
-          <a:ln/>
-        </p:spPr>
-        <p:style>
-          <a:lnRef idx="2">
-            <a:schemeClr val="dk1"/>
-          </a:lnRef>
-          <a:fillRef idx="1">
-            <a:schemeClr val="lt1"/>
-          </a:fillRef>
-          <a:effectRef idx="0">
-            <a:schemeClr val="dk1"/>
-          </a:effectRef>
-          <a:fontRef idx="minor">
-            <a:schemeClr val="dk1"/>
-          </a:fontRef>
-        </p:style>
-        <p:txBody>
-          <a:bodyPr vert="horz" wrap="square" lIns="91440" tIns="45720" rIns="91440" bIns="45720" numCol="1" anchor="ctr" anchorCtr="0" compatLnSpc="1">
-            <a:prstTxWarp prst="textNoShape">
-              <a:avLst/>
-            </a:prstTxWarp>
-            <a:spAutoFit/>
-          </a:bodyPr>
-          <a:lstStyle/>
-          <a:p>
-            <a:pPr marL="0" marR="0" lvl="0" indent="0" algn="l" defTabSz="914400" rtl="0" eaLnBrk="0" fontAlgn="base" latinLnBrk="0" hangingPunct="0">
-              <a:lnSpc>
-                <a:spcPct val="100000"/>
-              </a:lnSpc>
-              <a:spcBef>
-                <a:spcPct val="0"/>
-              </a:spcBef>
-              <a:spcAft>
-                <a:spcPct val="0"/>
-              </a:spcAft>
-              <a:buClrTx/>
-              <a:buSzTx/>
-              <a:buFontTx/>
-              <a:buNone/>
-              <a:tabLst/>
-            </a:pPr>
-            <a:r>
-              <a:rPr kumimoji="0" lang="en-US" altLang="en-US" sz="1000" b="1" i="0" u="none" strike="noStrike" cap="none" normalizeH="0" baseline="0" dirty="0">
-                <a:ln>
-                  <a:noFill/>
-                </a:ln>
-                <a:solidFill>
-                  <a:srgbClr val="000000"/>
-                </a:solidFill>
-                <a:effectLst/>
-                <a:latin typeface="Courier New" panose="02070309020205020404" pitchFamily="49" charset="0"/>
-                <a:cs typeface="Courier New" panose="02070309020205020404" pitchFamily="49" charset="0"/>
-              </a:rPr>
-              <a:t>function</a:t>
-            </a:r>
-            <a:r>
-              <a:rPr kumimoji="0" lang="en-US" altLang="en-US" sz="1000" b="0" i="0" u="none" strike="noStrike" cap="none" normalizeH="0" baseline="0" dirty="0">
-                <a:ln>
-                  <a:noFill/>
-                </a:ln>
-                <a:solidFill>
-                  <a:srgbClr val="000000"/>
-                </a:solidFill>
-                <a:effectLst/>
-                <a:latin typeface="Courier New" panose="02070309020205020404" pitchFamily="49" charset="0"/>
-                <a:cs typeface="Courier New" panose="02070309020205020404" pitchFamily="49" charset="0"/>
-              </a:rPr>
-              <a:t> V(semaphore S, integer I):</a:t>
-            </a:r>
-          </a:p>
-          <a:p>
-            <a:pPr marL="0" marR="0" lvl="0" indent="0" algn="l" defTabSz="914400" rtl="0" eaLnBrk="0" fontAlgn="base" latinLnBrk="0" hangingPunct="0">
-              <a:lnSpc>
-                <a:spcPct val="100000"/>
-              </a:lnSpc>
-              <a:spcBef>
-                <a:spcPct val="0"/>
-              </a:spcBef>
-              <a:spcAft>
-                <a:spcPct val="0"/>
-              </a:spcAft>
-              <a:buClrTx/>
-              <a:buSzTx/>
-              <a:buFontTx/>
-              <a:buNone/>
-              <a:tabLst/>
-            </a:pPr>
-            <a:r>
-              <a:rPr lang="en-US" altLang="en-US" sz="1000" dirty="0">
-                <a:solidFill>
-                  <a:srgbClr val="000000"/>
-                </a:solidFill>
-                <a:latin typeface="Courier New" panose="02070309020205020404" pitchFamily="49" charset="0"/>
-                <a:cs typeface="Courier New" panose="02070309020205020404" pitchFamily="49" charset="0"/>
-              </a:rPr>
-              <a:t>    </a:t>
-            </a:r>
-            <a:r>
-              <a:rPr kumimoji="0" lang="en-US" altLang="en-US" sz="1000" b="0" i="0" u="none" strike="noStrike" cap="none" normalizeH="0" baseline="0" dirty="0">
-                <a:ln>
-                  <a:noFill/>
-                </a:ln>
-                <a:solidFill>
-                  <a:srgbClr val="000000"/>
-                </a:solidFill>
-                <a:effectLst/>
-                <a:latin typeface="Courier New" panose="02070309020205020404" pitchFamily="49" charset="0"/>
-                <a:cs typeface="Courier New" panose="02070309020205020404" pitchFamily="49" charset="0"/>
-              </a:rPr>
-              <a:t>[S ← S + I] </a:t>
-            </a:r>
-          </a:p>
-          <a:p>
-            <a:pPr marL="0" marR="0" lvl="0" indent="0" algn="l" defTabSz="914400" rtl="0" eaLnBrk="0" fontAlgn="base" latinLnBrk="0" hangingPunct="0">
-              <a:lnSpc>
-                <a:spcPct val="100000"/>
-              </a:lnSpc>
-              <a:spcBef>
-                <a:spcPct val="0"/>
-              </a:spcBef>
-              <a:spcAft>
-                <a:spcPct val="0"/>
-              </a:spcAft>
-              <a:buClrTx/>
-              <a:buSzTx/>
-              <a:buFontTx/>
-              <a:buNone/>
-              <a:tabLst/>
-            </a:pPr>
-            <a:endParaRPr lang="en-US" altLang="en-US" sz="1000" dirty="0">
-              <a:solidFill>
-                <a:srgbClr val="000000"/>
-              </a:solidFill>
-              <a:latin typeface="Courier New" panose="02070309020205020404" pitchFamily="49" charset="0"/>
-              <a:cs typeface="Courier New" panose="02070309020205020404" pitchFamily="49" charset="0"/>
-            </a:endParaRPr>
-          </a:p>
-          <a:p>
-            <a:pPr marL="0" marR="0" lvl="0" indent="0" algn="l" defTabSz="914400" rtl="0" eaLnBrk="0" fontAlgn="base" latinLnBrk="0" hangingPunct="0">
-              <a:lnSpc>
-                <a:spcPct val="100000"/>
-              </a:lnSpc>
-              <a:spcBef>
-                <a:spcPct val="0"/>
-              </a:spcBef>
-              <a:spcAft>
-                <a:spcPct val="0"/>
-              </a:spcAft>
-              <a:buClrTx/>
-              <a:buSzTx/>
-              <a:buFontTx/>
-              <a:buNone/>
-              <a:tabLst/>
-            </a:pPr>
-            <a:r>
-              <a:rPr kumimoji="0" lang="en-US" altLang="en-US" sz="1000" b="1" i="0" u="none" strike="noStrike" cap="none" normalizeH="0" baseline="0" dirty="0">
-                <a:ln>
-                  <a:noFill/>
-                </a:ln>
-                <a:solidFill>
-                  <a:srgbClr val="000000"/>
-                </a:solidFill>
-                <a:effectLst/>
-                <a:latin typeface="Courier New" panose="02070309020205020404" pitchFamily="49" charset="0"/>
-                <a:cs typeface="Courier New" panose="02070309020205020404" pitchFamily="49" charset="0"/>
-              </a:rPr>
-              <a:t>function</a:t>
-            </a:r>
-            <a:r>
-              <a:rPr kumimoji="0" lang="en-US" altLang="en-US" sz="1000" b="0" i="0" u="none" strike="noStrike" cap="none" normalizeH="0" baseline="0" dirty="0">
-                <a:ln>
-                  <a:noFill/>
-                </a:ln>
-                <a:solidFill>
-                  <a:srgbClr val="000000"/>
-                </a:solidFill>
-                <a:effectLst/>
-                <a:latin typeface="Courier New" panose="02070309020205020404" pitchFamily="49" charset="0"/>
-                <a:cs typeface="Courier New" panose="02070309020205020404" pitchFamily="49" charset="0"/>
-              </a:rPr>
-              <a:t> P(semaphore S, integer I): </a:t>
-            </a:r>
-          </a:p>
-          <a:p>
-            <a:pPr marL="0" marR="0" lvl="0" indent="0" algn="l" defTabSz="914400" rtl="0" eaLnBrk="0" fontAlgn="base" latinLnBrk="0" hangingPunct="0">
-              <a:lnSpc>
-                <a:spcPct val="100000"/>
-              </a:lnSpc>
-              <a:spcBef>
-                <a:spcPct val="0"/>
-              </a:spcBef>
-              <a:spcAft>
-                <a:spcPct val="0"/>
-              </a:spcAft>
-              <a:buClrTx/>
-              <a:buSzTx/>
-              <a:buFontTx/>
-              <a:buNone/>
-              <a:tabLst/>
-            </a:pPr>
-            <a:r>
-              <a:rPr kumimoji="0" lang="en-US" altLang="en-US" sz="1000" b="1" i="0" u="none" strike="noStrike" cap="none" normalizeH="0" baseline="0" dirty="0">
-                <a:ln>
-                  <a:noFill/>
-                </a:ln>
-                <a:solidFill>
-                  <a:srgbClr val="000000"/>
-                </a:solidFill>
-                <a:effectLst/>
-                <a:latin typeface="Courier New" panose="02070309020205020404" pitchFamily="49" charset="0"/>
-                <a:cs typeface="Courier New" panose="02070309020205020404" pitchFamily="49" charset="0"/>
-              </a:rPr>
-              <a:t>    repeat:</a:t>
-            </a:r>
-          </a:p>
-          <a:p>
-            <a:pPr marL="0" marR="0" lvl="0" indent="0" algn="l" defTabSz="914400" rtl="0" eaLnBrk="0" fontAlgn="base" latinLnBrk="0" hangingPunct="0">
-              <a:lnSpc>
-                <a:spcPct val="100000"/>
-              </a:lnSpc>
-              <a:spcBef>
-                <a:spcPct val="0"/>
-              </a:spcBef>
-              <a:spcAft>
-                <a:spcPct val="0"/>
-              </a:spcAft>
-              <a:buClrTx/>
-              <a:buSzTx/>
-              <a:buFontTx/>
-              <a:buNone/>
-              <a:tabLst/>
-            </a:pPr>
-            <a:r>
-              <a:rPr lang="en-US" altLang="en-US" sz="1000" b="1" dirty="0">
-                <a:solidFill>
-                  <a:srgbClr val="000000"/>
-                </a:solidFill>
-                <a:latin typeface="Courier New" panose="02070309020205020404" pitchFamily="49" charset="0"/>
-                <a:cs typeface="Courier New" panose="02070309020205020404" pitchFamily="49" charset="0"/>
-              </a:rPr>
-              <a:t>        </a:t>
-            </a:r>
-            <a:r>
-              <a:rPr kumimoji="0" lang="en-US" altLang="en-US" sz="1000" b="0" i="0" u="none" strike="noStrike" cap="none" normalizeH="0" baseline="0" dirty="0">
-                <a:ln>
-                  <a:noFill/>
-                </a:ln>
-                <a:solidFill>
-                  <a:srgbClr val="000000"/>
-                </a:solidFill>
-                <a:effectLst/>
-                <a:latin typeface="Courier New" panose="02070309020205020404" pitchFamily="49" charset="0"/>
-                <a:cs typeface="Courier New" panose="02070309020205020404" pitchFamily="49" charset="0"/>
-              </a:rPr>
-              <a:t>[</a:t>
-            </a:r>
-          </a:p>
-          <a:p>
-            <a:pPr marL="0" marR="0" lvl="0" indent="0" algn="l" defTabSz="914400" rtl="0" eaLnBrk="0" fontAlgn="base" latinLnBrk="0" hangingPunct="0">
-              <a:lnSpc>
-                <a:spcPct val="100000"/>
-              </a:lnSpc>
-              <a:spcBef>
-                <a:spcPct val="0"/>
-              </a:spcBef>
-              <a:spcAft>
-                <a:spcPct val="0"/>
-              </a:spcAft>
-              <a:buClrTx/>
-              <a:buSzTx/>
-              <a:buFontTx/>
-              <a:buNone/>
-              <a:tabLst/>
-            </a:pPr>
-            <a:r>
-              <a:rPr lang="en-US" altLang="en-US" sz="1000" dirty="0">
-                <a:solidFill>
-                  <a:srgbClr val="000000"/>
-                </a:solidFill>
-                <a:latin typeface="Courier New" panose="02070309020205020404" pitchFamily="49" charset="0"/>
-                <a:cs typeface="Courier New" panose="02070309020205020404" pitchFamily="49" charset="0"/>
-              </a:rPr>
-              <a:t>            </a:t>
-            </a:r>
-            <a:r>
-              <a:rPr kumimoji="0" lang="en-US" altLang="en-US" sz="1000" b="1" i="0" u="none" strike="noStrike" cap="none" normalizeH="0" baseline="0" dirty="0">
-                <a:ln>
-                  <a:noFill/>
-                </a:ln>
-                <a:solidFill>
-                  <a:srgbClr val="000000"/>
-                </a:solidFill>
-                <a:effectLst/>
-                <a:latin typeface="Courier New" panose="02070309020205020404" pitchFamily="49" charset="0"/>
-                <a:cs typeface="Courier New" panose="02070309020205020404" pitchFamily="49" charset="0"/>
-              </a:rPr>
-              <a:t>if</a:t>
-            </a:r>
-            <a:r>
-              <a:rPr kumimoji="0" lang="en-US" altLang="en-US" sz="1000" b="0" i="0" u="none" strike="noStrike" cap="none" normalizeH="0" baseline="0" dirty="0">
-                <a:ln>
-                  <a:noFill/>
-                </a:ln>
-                <a:solidFill>
-                  <a:srgbClr val="000000"/>
-                </a:solidFill>
-                <a:effectLst/>
-                <a:latin typeface="Courier New" panose="02070309020205020404" pitchFamily="49" charset="0"/>
-                <a:cs typeface="Courier New" panose="02070309020205020404" pitchFamily="49" charset="0"/>
-              </a:rPr>
-              <a:t> S ≥ I: </a:t>
-            </a:r>
-          </a:p>
-          <a:p>
-            <a:pPr marL="0" marR="0" lvl="0" indent="0" algn="l" defTabSz="914400" rtl="0" eaLnBrk="0" fontAlgn="base" latinLnBrk="0" hangingPunct="0">
-              <a:lnSpc>
-                <a:spcPct val="100000"/>
-              </a:lnSpc>
-              <a:spcBef>
-                <a:spcPct val="0"/>
-              </a:spcBef>
-              <a:spcAft>
-                <a:spcPct val="0"/>
-              </a:spcAft>
-              <a:buClrTx/>
-              <a:buSzTx/>
-              <a:buFontTx/>
-              <a:buNone/>
-              <a:tabLst/>
-            </a:pPr>
-            <a:r>
-              <a:rPr lang="en-US" altLang="en-US" sz="1000" dirty="0">
-                <a:solidFill>
-                  <a:srgbClr val="000000"/>
-                </a:solidFill>
-                <a:latin typeface="Courier New" panose="02070309020205020404" pitchFamily="49" charset="0"/>
-                <a:cs typeface="Courier New" panose="02070309020205020404" pitchFamily="49" charset="0"/>
-              </a:rPr>
-              <a:t>                </a:t>
-            </a:r>
-            <a:r>
-              <a:rPr kumimoji="0" lang="en-US" altLang="en-US" sz="1000" b="0" i="0" u="none" strike="noStrike" cap="none" normalizeH="0" baseline="0" dirty="0">
-                <a:ln>
-                  <a:noFill/>
-                </a:ln>
-                <a:solidFill>
-                  <a:srgbClr val="000000"/>
-                </a:solidFill>
-                <a:effectLst/>
-                <a:latin typeface="Courier New" panose="02070309020205020404" pitchFamily="49" charset="0"/>
-                <a:cs typeface="Courier New" panose="02070309020205020404" pitchFamily="49" charset="0"/>
-              </a:rPr>
-              <a:t>S ← S − I</a:t>
-            </a:r>
-          </a:p>
-          <a:p>
-            <a:pPr marL="0" marR="0" lvl="0" indent="0" algn="l" defTabSz="914400" rtl="0" eaLnBrk="0" fontAlgn="base" latinLnBrk="0" hangingPunct="0">
-              <a:lnSpc>
-                <a:spcPct val="100000"/>
-              </a:lnSpc>
-              <a:spcBef>
-                <a:spcPct val="0"/>
-              </a:spcBef>
-              <a:spcAft>
-                <a:spcPct val="0"/>
-              </a:spcAft>
-              <a:buClrTx/>
-              <a:buSzTx/>
-              <a:buFontTx/>
-              <a:buNone/>
-              <a:tabLst/>
-            </a:pPr>
-            <a:r>
-              <a:rPr lang="en-US" altLang="en-US" sz="1000">
-                <a:solidFill>
-                  <a:srgbClr val="000000"/>
-                </a:solidFill>
-                <a:latin typeface="Courier New" panose="02070309020205020404" pitchFamily="49" charset="0"/>
-                <a:cs typeface="Courier New" panose="02070309020205020404" pitchFamily="49" charset="0"/>
-              </a:rPr>
-              <a:t>                </a:t>
-            </a:r>
-            <a:r>
-              <a:rPr kumimoji="0" lang="en-US" altLang="en-US" sz="1000" b="1" i="0" u="none" strike="noStrike" cap="none" normalizeH="0" baseline="0">
-                <a:ln>
-                  <a:noFill/>
-                </a:ln>
-                <a:solidFill>
-                  <a:srgbClr val="000000"/>
-                </a:solidFill>
-                <a:effectLst/>
-                <a:latin typeface="Courier New" panose="02070309020205020404" pitchFamily="49" charset="0"/>
-                <a:cs typeface="Courier New" panose="02070309020205020404" pitchFamily="49" charset="0"/>
-              </a:rPr>
-              <a:t>break</a:t>
-            </a:r>
-            <a:endParaRPr kumimoji="0" lang="en-US" altLang="en-US" sz="1000" b="1" i="0" u="none" strike="noStrike" cap="none" normalizeH="0" baseline="0" dirty="0">
-              <a:ln>
-                <a:noFill/>
-              </a:ln>
-              <a:solidFill>
-                <a:srgbClr val="000000"/>
-              </a:solidFill>
-              <a:effectLst/>
-              <a:latin typeface="Courier New" panose="02070309020205020404" pitchFamily="49" charset="0"/>
-              <a:cs typeface="Courier New" panose="02070309020205020404" pitchFamily="49" charset="0"/>
-            </a:endParaRPr>
-          </a:p>
-          <a:p>
-            <a:pPr marL="0" marR="0" lvl="0" indent="0" algn="l" defTabSz="914400" rtl="0" eaLnBrk="0" fontAlgn="base" latinLnBrk="0" hangingPunct="0">
-              <a:lnSpc>
-                <a:spcPct val="100000"/>
-              </a:lnSpc>
-              <a:spcBef>
-                <a:spcPct val="0"/>
-              </a:spcBef>
-              <a:spcAft>
-                <a:spcPct val="0"/>
-              </a:spcAft>
-              <a:buClrTx/>
-              <a:buSzTx/>
-              <a:buFontTx/>
-              <a:buNone/>
-              <a:tabLst/>
-            </a:pPr>
-            <a:r>
-              <a:rPr lang="en-US" altLang="en-US" sz="1000" b="1" dirty="0">
-                <a:solidFill>
-                  <a:srgbClr val="000000"/>
-                </a:solidFill>
-                <a:latin typeface="Courier New" panose="02070309020205020404" pitchFamily="49" charset="0"/>
-                <a:cs typeface="Courier New" panose="02070309020205020404" pitchFamily="49" charset="0"/>
-              </a:rPr>
-              <a:t>        </a:t>
-            </a:r>
-            <a:r>
-              <a:rPr kumimoji="0" lang="en-US" altLang="en-US" sz="1000" b="0" i="0" u="none" strike="noStrike" cap="none" normalizeH="0" baseline="0" dirty="0">
-                <a:ln>
-                  <a:noFill/>
-                </a:ln>
-                <a:solidFill>
-                  <a:srgbClr val="000000"/>
-                </a:solidFill>
-                <a:effectLst/>
-                <a:latin typeface="Courier New" panose="02070309020205020404" pitchFamily="49" charset="0"/>
-                <a:cs typeface="Courier New" panose="02070309020205020404" pitchFamily="49" charset="0"/>
-              </a:rPr>
-              <a:t>]</a:t>
-            </a:r>
-            <a:r>
-              <a:rPr kumimoji="0" lang="en-US" altLang="en-US" sz="800" b="0" i="0" u="none" strike="noStrike" cap="none" normalizeH="0" baseline="0" dirty="0">
-                <a:ln>
-                  <a:noFill/>
-                </a:ln>
-                <a:solidFill>
-                  <a:schemeClr val="tx1"/>
-                </a:solidFill>
-                <a:effectLst/>
-              </a:rPr>
-              <a:t> </a:t>
-            </a:r>
-            <a:endParaRPr kumimoji="0" lang="en-US" altLang="en-US" sz="1800" b="0" i="0" u="none" strike="noStrike" cap="none" normalizeH="0" baseline="0" dirty="0">
-              <a:ln>
-                <a:noFill/>
-              </a:ln>
-              <a:solidFill>
-                <a:schemeClr val="tx1"/>
-              </a:solidFill>
-              <a:effectLst/>
-              <a:latin typeface="Arial" panose="020B0604020202020204" pitchFamily="34" charset="0"/>
-            </a:endParaRPr>
+              <a:t>What is the Producer-Consumer problem?</a:t>
+            </a:r>
           </a:p>
         </p:txBody>
       </p:sp>
     </p:spTree>
     <p:extLst>
       <p:ext uri="{BB962C8B-B14F-4D97-AF65-F5344CB8AC3E}">
-        <p14:creationId xmlns:p14="http://schemas.microsoft.com/office/powerpoint/2010/main" val="3765475505"/>
+        <p14:creationId xmlns:p14="http://schemas.microsoft.com/office/powerpoint/2010/main" val="70725978"/>
       </p:ext>
     </p:extLst>
   </p:cSld>
@@ -9531,7 +9996,7 @@
           <p:cNvPr id="2" name="Title 1">
             <a:extLst>
               <a:ext uri="{FF2B5EF4-FFF2-40B4-BE49-F238E27FC236}">
-                <a16:creationId xmlns:a16="http://schemas.microsoft.com/office/drawing/2014/main" id="{ED0EB8B3-EE24-4FB2-8670-F9E92405AE97}"/>
+                <a16:creationId xmlns:a16="http://schemas.microsoft.com/office/drawing/2014/main" id="{F7007DB0-FD6D-48C5-AC01-D392A05C36C1}"/>
               </a:ext>
             </a:extLst>
           </p:cNvPr>
@@ -9542,10 +10007,38 @@
             <p:ph type="title"/>
           </p:nvPr>
         </p:nvSpPr>
+        <p:spPr/>
+        <p:txBody>
+          <a:bodyPr/>
+          <a:lstStyle/>
+          <a:p>
+            <a:r>
+              <a:rPr lang="en-US" dirty="0"/>
+              <a:t>Implementation with Shared Memory &amp;  Semaphores</a:t>
+            </a:r>
+          </a:p>
+        </p:txBody>
+      </p:sp>
+      <p:sp>
+        <p:nvSpPr>
+          <p:cNvPr id="3" name="Content Placeholder 2">
+            <a:extLst>
+              <a:ext uri="{FF2B5EF4-FFF2-40B4-BE49-F238E27FC236}">
+                <a16:creationId xmlns:a16="http://schemas.microsoft.com/office/drawing/2014/main" id="{C799A02F-0638-4D6C-8484-0B3F6D6DD425}"/>
+              </a:ext>
+            </a:extLst>
+          </p:cNvPr>
+          <p:cNvSpPr>
+            <a:spLocks noGrp="1"/>
+          </p:cNvSpPr>
+          <p:nvPr>
+            <p:ph idx="1"/>
+          </p:nvPr>
+        </p:nvSpPr>
         <p:spPr>
           <a:xfrm>
-            <a:off x="2434983" y="2702291"/>
-            <a:ext cx="8911687" cy="1280890"/>
+            <a:off x="2589212" y="2133600"/>
+            <a:ext cx="8915400" cy="3777622"/>
           </a:xfrm>
         </p:spPr>
         <p:txBody>
@@ -9554,15 +10047,533 @@
           <a:p>
             <a:r>
               <a:rPr lang="en-US" dirty="0"/>
-              <a:t>Shared Memory &amp; Semaphores in action</a:t>
-            </a:r>
+              <a:t>In the early days of operating systems, processes were the only units of containment</a:t>
+            </a:r>
+          </a:p>
+          <a:p>
+            <a:r>
+              <a:rPr lang="en-US" dirty="0"/>
+              <a:t>Processes communicated via IPC which took many forms</a:t>
+            </a:r>
+          </a:p>
+          <a:p>
+            <a:r>
+              <a:rPr lang="en-US" dirty="0"/>
+              <a:t>The most common IPCs that are used are shared memory and signals</a:t>
+            </a:r>
+          </a:p>
+          <a:p>
+            <a:r>
+              <a:rPr lang="en-US" dirty="0"/>
+              <a:t>Semaphores can be used for synchronization tasks</a:t>
+            </a:r>
+          </a:p>
+          <a:p>
+            <a:pPr lvl="1"/>
+            <a:endParaRPr lang="en-US" dirty="0"/>
+          </a:p>
+        </p:txBody>
+      </p:sp>
+      <p:sp>
+        <p:nvSpPr>
+          <p:cNvPr id="4" name="Rectangle 1">
+            <a:extLst>
+              <a:ext uri="{FF2B5EF4-FFF2-40B4-BE49-F238E27FC236}">
+                <a16:creationId xmlns:a16="http://schemas.microsoft.com/office/drawing/2014/main" id="{3FCE7AB2-E16B-4962-A67A-35E57292FF74}"/>
+              </a:ext>
+            </a:extLst>
+          </p:cNvPr>
+          <p:cNvSpPr>
+            <a:spLocks noChangeArrowheads="1"/>
+          </p:cNvSpPr>
+          <p:nvPr/>
+        </p:nvSpPr>
+        <p:spPr bwMode="auto">
+          <a:xfrm>
+            <a:off x="3050770" y="4022411"/>
+            <a:ext cx="3499660" cy="1631216"/>
+          </a:xfrm>
+          <a:prstGeom prst="rect">
+            <a:avLst/>
+          </a:prstGeom>
+          <a:ln/>
+        </p:spPr>
+        <p:style>
+          <a:lnRef idx="2">
+            <a:schemeClr val="dk1"/>
+          </a:lnRef>
+          <a:fillRef idx="1">
+            <a:schemeClr val="lt1"/>
+          </a:fillRef>
+          <a:effectRef idx="0">
+            <a:schemeClr val="dk1"/>
+          </a:effectRef>
+          <a:fontRef idx="minor">
+            <a:schemeClr val="dk1"/>
+          </a:fontRef>
+        </p:style>
+        <p:txBody>
+          <a:bodyPr vert="horz" wrap="square" lIns="91440" tIns="45720" rIns="91440" bIns="45720" numCol="1" anchor="ctr" anchorCtr="0" compatLnSpc="1">
+            <a:prstTxWarp prst="textNoShape">
+              <a:avLst/>
+            </a:prstTxWarp>
+            <a:spAutoFit/>
+          </a:bodyPr>
+          <a:lstStyle/>
+          <a:p>
+            <a:pPr marL="0" marR="0" lvl="0" indent="0" algn="l" defTabSz="914400" rtl="0" eaLnBrk="0" fontAlgn="base" latinLnBrk="0" hangingPunct="0">
+              <a:lnSpc>
+                <a:spcPct val="100000"/>
+              </a:lnSpc>
+              <a:spcBef>
+                <a:spcPct val="0"/>
+              </a:spcBef>
+              <a:spcAft>
+                <a:spcPct val="0"/>
+              </a:spcAft>
+              <a:buClrTx/>
+              <a:buSzTx/>
+              <a:buFontTx/>
+              <a:buNone/>
+              <a:tabLst/>
+            </a:pPr>
+            <a:r>
+              <a:rPr kumimoji="0" lang="en-US" altLang="en-US" sz="1000" b="1" i="0" u="none" strike="noStrike" cap="none" normalizeH="0" baseline="0" dirty="0">
+                <a:ln>
+                  <a:noFill/>
+                </a:ln>
+                <a:solidFill>
+                  <a:srgbClr val="000000"/>
+                </a:solidFill>
+                <a:effectLst/>
+                <a:latin typeface="Courier New" panose="02070309020205020404" pitchFamily="49" charset="0"/>
+                <a:cs typeface="Courier New" panose="02070309020205020404" pitchFamily="49" charset="0"/>
+              </a:rPr>
+              <a:t>function</a:t>
+            </a:r>
+            <a:r>
+              <a:rPr kumimoji="0" lang="en-US" altLang="en-US" sz="1000" b="0" i="0" u="none" strike="noStrike" cap="none" normalizeH="0" baseline="0" dirty="0">
+                <a:ln>
+                  <a:noFill/>
+                </a:ln>
+                <a:solidFill>
+                  <a:srgbClr val="000000"/>
+                </a:solidFill>
+                <a:effectLst/>
+                <a:latin typeface="Courier New" panose="02070309020205020404" pitchFamily="49" charset="0"/>
+                <a:cs typeface="Courier New" panose="02070309020205020404" pitchFamily="49" charset="0"/>
+              </a:rPr>
+              <a:t> V(semaphore S, integer I):</a:t>
+            </a:r>
+          </a:p>
+          <a:p>
+            <a:pPr marL="0" marR="0" lvl="0" indent="0" algn="l" defTabSz="914400" rtl="0" eaLnBrk="0" fontAlgn="base" latinLnBrk="0" hangingPunct="0">
+              <a:lnSpc>
+                <a:spcPct val="100000"/>
+              </a:lnSpc>
+              <a:spcBef>
+                <a:spcPct val="0"/>
+              </a:spcBef>
+              <a:spcAft>
+                <a:spcPct val="0"/>
+              </a:spcAft>
+              <a:buClrTx/>
+              <a:buSzTx/>
+              <a:buFontTx/>
+              <a:buNone/>
+              <a:tabLst/>
+            </a:pPr>
+            <a:r>
+              <a:rPr lang="en-US" altLang="en-US" sz="1000" dirty="0">
+                <a:solidFill>
+                  <a:srgbClr val="000000"/>
+                </a:solidFill>
+                <a:latin typeface="Courier New" panose="02070309020205020404" pitchFamily="49" charset="0"/>
+                <a:cs typeface="Courier New" panose="02070309020205020404" pitchFamily="49" charset="0"/>
+              </a:rPr>
+              <a:t>    </a:t>
+            </a:r>
+            <a:r>
+              <a:rPr kumimoji="0" lang="en-US" altLang="en-US" sz="1000" b="0" i="0" u="none" strike="noStrike" cap="none" normalizeH="0" baseline="0" dirty="0">
+                <a:ln>
+                  <a:noFill/>
+                </a:ln>
+                <a:solidFill>
+                  <a:srgbClr val="000000"/>
+                </a:solidFill>
+                <a:effectLst/>
+                <a:latin typeface="Courier New" panose="02070309020205020404" pitchFamily="49" charset="0"/>
+                <a:cs typeface="Courier New" panose="02070309020205020404" pitchFamily="49" charset="0"/>
+              </a:rPr>
+              <a:t>[S ← S + I] </a:t>
+            </a:r>
+          </a:p>
+          <a:p>
+            <a:pPr marL="0" marR="0" lvl="0" indent="0" algn="l" defTabSz="914400" rtl="0" eaLnBrk="0" fontAlgn="base" latinLnBrk="0" hangingPunct="0">
+              <a:lnSpc>
+                <a:spcPct val="100000"/>
+              </a:lnSpc>
+              <a:spcBef>
+                <a:spcPct val="0"/>
+              </a:spcBef>
+              <a:spcAft>
+                <a:spcPct val="0"/>
+              </a:spcAft>
+              <a:buClrTx/>
+              <a:buSzTx/>
+              <a:buFontTx/>
+              <a:buNone/>
+              <a:tabLst/>
+            </a:pPr>
+            <a:endParaRPr lang="en-US" altLang="en-US" sz="1000" dirty="0">
+              <a:solidFill>
+                <a:srgbClr val="000000"/>
+              </a:solidFill>
+              <a:latin typeface="Courier New" panose="02070309020205020404" pitchFamily="49" charset="0"/>
+              <a:cs typeface="Courier New" panose="02070309020205020404" pitchFamily="49" charset="0"/>
+            </a:endParaRPr>
+          </a:p>
+          <a:p>
+            <a:pPr marL="0" marR="0" lvl="0" indent="0" algn="l" defTabSz="914400" rtl="0" eaLnBrk="0" fontAlgn="base" latinLnBrk="0" hangingPunct="0">
+              <a:lnSpc>
+                <a:spcPct val="100000"/>
+              </a:lnSpc>
+              <a:spcBef>
+                <a:spcPct val="0"/>
+              </a:spcBef>
+              <a:spcAft>
+                <a:spcPct val="0"/>
+              </a:spcAft>
+              <a:buClrTx/>
+              <a:buSzTx/>
+              <a:buFontTx/>
+              <a:buNone/>
+              <a:tabLst/>
+            </a:pPr>
+            <a:r>
+              <a:rPr kumimoji="0" lang="en-US" altLang="en-US" sz="1000" b="1" i="0" u="none" strike="noStrike" cap="none" normalizeH="0" baseline="0" dirty="0">
+                <a:ln>
+                  <a:noFill/>
+                </a:ln>
+                <a:solidFill>
+                  <a:srgbClr val="000000"/>
+                </a:solidFill>
+                <a:effectLst/>
+                <a:latin typeface="Courier New" panose="02070309020205020404" pitchFamily="49" charset="0"/>
+                <a:cs typeface="Courier New" panose="02070309020205020404" pitchFamily="49" charset="0"/>
+              </a:rPr>
+              <a:t>function</a:t>
+            </a:r>
+            <a:r>
+              <a:rPr kumimoji="0" lang="en-US" altLang="en-US" sz="1000" b="0" i="0" u="none" strike="noStrike" cap="none" normalizeH="0" baseline="0" dirty="0">
+                <a:ln>
+                  <a:noFill/>
+                </a:ln>
+                <a:solidFill>
+                  <a:srgbClr val="000000"/>
+                </a:solidFill>
+                <a:effectLst/>
+                <a:latin typeface="Courier New" panose="02070309020205020404" pitchFamily="49" charset="0"/>
+                <a:cs typeface="Courier New" panose="02070309020205020404" pitchFamily="49" charset="0"/>
+              </a:rPr>
+              <a:t> P(semaphore S, integer I): </a:t>
+            </a:r>
+          </a:p>
+          <a:p>
+            <a:pPr marL="0" marR="0" lvl="0" indent="0" algn="l" defTabSz="914400" rtl="0" eaLnBrk="0" fontAlgn="base" latinLnBrk="0" hangingPunct="0">
+              <a:lnSpc>
+                <a:spcPct val="100000"/>
+              </a:lnSpc>
+              <a:spcBef>
+                <a:spcPct val="0"/>
+              </a:spcBef>
+              <a:spcAft>
+                <a:spcPct val="0"/>
+              </a:spcAft>
+              <a:buClrTx/>
+              <a:buSzTx/>
+              <a:buFontTx/>
+              <a:buNone/>
+              <a:tabLst/>
+            </a:pPr>
+            <a:r>
+              <a:rPr kumimoji="0" lang="en-US" altLang="en-US" sz="1000" b="1" i="0" u="none" strike="noStrike" cap="none" normalizeH="0" baseline="0" dirty="0">
+                <a:ln>
+                  <a:noFill/>
+                </a:ln>
+                <a:solidFill>
+                  <a:srgbClr val="000000"/>
+                </a:solidFill>
+                <a:effectLst/>
+                <a:latin typeface="Courier New" panose="02070309020205020404" pitchFamily="49" charset="0"/>
+                <a:cs typeface="Courier New" panose="02070309020205020404" pitchFamily="49" charset="0"/>
+              </a:rPr>
+              <a:t>    repeat:</a:t>
+            </a:r>
+          </a:p>
+          <a:p>
+            <a:pPr marL="0" marR="0" lvl="0" indent="0" algn="l" defTabSz="914400" rtl="0" eaLnBrk="0" fontAlgn="base" latinLnBrk="0" hangingPunct="0">
+              <a:lnSpc>
+                <a:spcPct val="100000"/>
+              </a:lnSpc>
+              <a:spcBef>
+                <a:spcPct val="0"/>
+              </a:spcBef>
+              <a:spcAft>
+                <a:spcPct val="0"/>
+              </a:spcAft>
+              <a:buClrTx/>
+              <a:buSzTx/>
+              <a:buFontTx/>
+              <a:buNone/>
+              <a:tabLst/>
+            </a:pPr>
+            <a:r>
+              <a:rPr lang="en-US" altLang="en-US" sz="1000" b="1" dirty="0">
+                <a:solidFill>
+                  <a:srgbClr val="000000"/>
+                </a:solidFill>
+                <a:latin typeface="Courier New" panose="02070309020205020404" pitchFamily="49" charset="0"/>
+                <a:cs typeface="Courier New" panose="02070309020205020404" pitchFamily="49" charset="0"/>
+              </a:rPr>
+              <a:t>        </a:t>
+            </a:r>
+            <a:r>
+              <a:rPr kumimoji="0" lang="en-US" altLang="en-US" sz="1000" b="0" i="0" u="none" strike="noStrike" cap="none" normalizeH="0" baseline="0" dirty="0">
+                <a:ln>
+                  <a:noFill/>
+                </a:ln>
+                <a:solidFill>
+                  <a:srgbClr val="000000"/>
+                </a:solidFill>
+                <a:effectLst/>
+                <a:latin typeface="Courier New" panose="02070309020205020404" pitchFamily="49" charset="0"/>
+                <a:cs typeface="Courier New" panose="02070309020205020404" pitchFamily="49" charset="0"/>
+              </a:rPr>
+              <a:t>[</a:t>
+            </a:r>
+          </a:p>
+          <a:p>
+            <a:pPr marL="0" marR="0" lvl="0" indent="0" algn="l" defTabSz="914400" rtl="0" eaLnBrk="0" fontAlgn="base" latinLnBrk="0" hangingPunct="0">
+              <a:lnSpc>
+                <a:spcPct val="100000"/>
+              </a:lnSpc>
+              <a:spcBef>
+                <a:spcPct val="0"/>
+              </a:spcBef>
+              <a:spcAft>
+                <a:spcPct val="0"/>
+              </a:spcAft>
+              <a:buClrTx/>
+              <a:buSzTx/>
+              <a:buFontTx/>
+              <a:buNone/>
+              <a:tabLst/>
+            </a:pPr>
+            <a:r>
+              <a:rPr lang="en-US" altLang="en-US" sz="1000" dirty="0">
+                <a:solidFill>
+                  <a:srgbClr val="000000"/>
+                </a:solidFill>
+                <a:latin typeface="Courier New" panose="02070309020205020404" pitchFamily="49" charset="0"/>
+                <a:cs typeface="Courier New" panose="02070309020205020404" pitchFamily="49" charset="0"/>
+              </a:rPr>
+              <a:t>            </a:t>
+            </a:r>
+            <a:r>
+              <a:rPr kumimoji="0" lang="en-US" altLang="en-US" sz="1000" b="1" i="0" u="none" strike="noStrike" cap="none" normalizeH="0" baseline="0" dirty="0">
+                <a:ln>
+                  <a:noFill/>
+                </a:ln>
+                <a:solidFill>
+                  <a:srgbClr val="000000"/>
+                </a:solidFill>
+                <a:effectLst/>
+                <a:latin typeface="Courier New" panose="02070309020205020404" pitchFamily="49" charset="0"/>
+                <a:cs typeface="Courier New" panose="02070309020205020404" pitchFamily="49" charset="0"/>
+              </a:rPr>
+              <a:t>if</a:t>
+            </a:r>
+            <a:r>
+              <a:rPr kumimoji="0" lang="en-US" altLang="en-US" sz="1000" b="0" i="0" u="none" strike="noStrike" cap="none" normalizeH="0" baseline="0" dirty="0">
+                <a:ln>
+                  <a:noFill/>
+                </a:ln>
+                <a:solidFill>
+                  <a:srgbClr val="000000"/>
+                </a:solidFill>
+                <a:effectLst/>
+                <a:latin typeface="Courier New" panose="02070309020205020404" pitchFamily="49" charset="0"/>
+                <a:cs typeface="Courier New" panose="02070309020205020404" pitchFamily="49" charset="0"/>
+              </a:rPr>
+              <a:t> S ≥ I: </a:t>
+            </a:r>
+          </a:p>
+          <a:p>
+            <a:pPr marL="0" marR="0" lvl="0" indent="0" algn="l" defTabSz="914400" rtl="0" eaLnBrk="0" fontAlgn="base" latinLnBrk="0" hangingPunct="0">
+              <a:lnSpc>
+                <a:spcPct val="100000"/>
+              </a:lnSpc>
+              <a:spcBef>
+                <a:spcPct val="0"/>
+              </a:spcBef>
+              <a:spcAft>
+                <a:spcPct val="0"/>
+              </a:spcAft>
+              <a:buClrTx/>
+              <a:buSzTx/>
+              <a:buFontTx/>
+              <a:buNone/>
+              <a:tabLst/>
+            </a:pPr>
+            <a:r>
+              <a:rPr lang="en-US" altLang="en-US" sz="1000" dirty="0">
+                <a:solidFill>
+                  <a:srgbClr val="000000"/>
+                </a:solidFill>
+                <a:latin typeface="Courier New" panose="02070309020205020404" pitchFamily="49" charset="0"/>
+                <a:cs typeface="Courier New" panose="02070309020205020404" pitchFamily="49" charset="0"/>
+              </a:rPr>
+              <a:t>                </a:t>
+            </a:r>
+            <a:r>
+              <a:rPr kumimoji="0" lang="en-US" altLang="en-US" sz="1000" b="0" i="0" u="none" strike="noStrike" cap="none" normalizeH="0" baseline="0" dirty="0">
+                <a:ln>
+                  <a:noFill/>
+                </a:ln>
+                <a:solidFill>
+                  <a:srgbClr val="000000"/>
+                </a:solidFill>
+                <a:effectLst/>
+                <a:latin typeface="Courier New" panose="02070309020205020404" pitchFamily="49" charset="0"/>
+                <a:cs typeface="Courier New" panose="02070309020205020404" pitchFamily="49" charset="0"/>
+              </a:rPr>
+              <a:t>S ← S − I</a:t>
+            </a:r>
+          </a:p>
+          <a:p>
+            <a:pPr marL="0" marR="0" lvl="0" indent="0" algn="l" defTabSz="914400" rtl="0" eaLnBrk="0" fontAlgn="base" latinLnBrk="0" hangingPunct="0">
+              <a:lnSpc>
+                <a:spcPct val="100000"/>
+              </a:lnSpc>
+              <a:spcBef>
+                <a:spcPct val="0"/>
+              </a:spcBef>
+              <a:spcAft>
+                <a:spcPct val="0"/>
+              </a:spcAft>
+              <a:buClrTx/>
+              <a:buSzTx/>
+              <a:buFontTx/>
+              <a:buNone/>
+              <a:tabLst/>
+            </a:pPr>
+            <a:r>
+              <a:rPr lang="en-US" altLang="en-US" sz="1000">
+                <a:solidFill>
+                  <a:srgbClr val="000000"/>
+                </a:solidFill>
+                <a:latin typeface="Courier New" panose="02070309020205020404" pitchFamily="49" charset="0"/>
+                <a:cs typeface="Courier New" panose="02070309020205020404" pitchFamily="49" charset="0"/>
+              </a:rPr>
+              <a:t>                </a:t>
+            </a:r>
+            <a:r>
+              <a:rPr kumimoji="0" lang="en-US" altLang="en-US" sz="1000" b="1" i="0" u="none" strike="noStrike" cap="none" normalizeH="0" baseline="0">
+                <a:ln>
+                  <a:noFill/>
+                </a:ln>
+                <a:solidFill>
+                  <a:srgbClr val="000000"/>
+                </a:solidFill>
+                <a:effectLst/>
+                <a:latin typeface="Courier New" panose="02070309020205020404" pitchFamily="49" charset="0"/>
+                <a:cs typeface="Courier New" panose="02070309020205020404" pitchFamily="49" charset="0"/>
+              </a:rPr>
+              <a:t>break</a:t>
+            </a:r>
+            <a:endParaRPr kumimoji="0" lang="en-US" altLang="en-US" sz="1000" b="1" i="0" u="none" strike="noStrike" cap="none" normalizeH="0" baseline="0" dirty="0">
+              <a:ln>
+                <a:noFill/>
+              </a:ln>
+              <a:solidFill>
+                <a:srgbClr val="000000"/>
+              </a:solidFill>
+              <a:effectLst/>
+              <a:latin typeface="Courier New" panose="02070309020205020404" pitchFamily="49" charset="0"/>
+              <a:cs typeface="Courier New" panose="02070309020205020404" pitchFamily="49" charset="0"/>
+            </a:endParaRPr>
+          </a:p>
+          <a:p>
+            <a:pPr marL="0" marR="0" lvl="0" indent="0" algn="l" defTabSz="914400" rtl="0" eaLnBrk="0" fontAlgn="base" latinLnBrk="0" hangingPunct="0">
+              <a:lnSpc>
+                <a:spcPct val="100000"/>
+              </a:lnSpc>
+              <a:spcBef>
+                <a:spcPct val="0"/>
+              </a:spcBef>
+              <a:spcAft>
+                <a:spcPct val="0"/>
+              </a:spcAft>
+              <a:buClrTx/>
+              <a:buSzTx/>
+              <a:buFontTx/>
+              <a:buNone/>
+              <a:tabLst/>
+            </a:pPr>
+            <a:r>
+              <a:rPr lang="en-US" altLang="en-US" sz="1000" b="1" dirty="0">
+                <a:solidFill>
+                  <a:srgbClr val="000000"/>
+                </a:solidFill>
+                <a:latin typeface="Courier New" panose="02070309020205020404" pitchFamily="49" charset="0"/>
+                <a:cs typeface="Courier New" panose="02070309020205020404" pitchFamily="49" charset="0"/>
+              </a:rPr>
+              <a:t>        </a:t>
+            </a:r>
+            <a:r>
+              <a:rPr kumimoji="0" lang="en-US" altLang="en-US" sz="1000" b="0" i="0" u="none" strike="noStrike" cap="none" normalizeH="0" baseline="0" dirty="0">
+                <a:ln>
+                  <a:noFill/>
+                </a:ln>
+                <a:solidFill>
+                  <a:srgbClr val="000000"/>
+                </a:solidFill>
+                <a:effectLst/>
+                <a:latin typeface="Courier New" panose="02070309020205020404" pitchFamily="49" charset="0"/>
+                <a:cs typeface="Courier New" panose="02070309020205020404" pitchFamily="49" charset="0"/>
+              </a:rPr>
+              <a:t>]</a:t>
+            </a:r>
+            <a:r>
+              <a:rPr kumimoji="0" lang="en-US" altLang="en-US" sz="800" b="0" i="0" u="none" strike="noStrike" cap="none" normalizeH="0" baseline="0" dirty="0">
+                <a:ln>
+                  <a:noFill/>
+                </a:ln>
+                <a:solidFill>
+                  <a:schemeClr val="tx1"/>
+                </a:solidFill>
+                <a:effectLst/>
+              </a:rPr>
+              <a:t> </a:t>
+            </a:r>
+            <a:endParaRPr kumimoji="0" lang="en-US" altLang="en-US" sz="1800" b="0" i="0" u="none" strike="noStrike" cap="none" normalizeH="0" baseline="0" dirty="0">
+              <a:ln>
+                <a:noFill/>
+              </a:ln>
+              <a:solidFill>
+                <a:schemeClr val="tx1"/>
+              </a:solidFill>
+              <a:effectLst/>
+              <a:latin typeface="Arial" panose="020B0604020202020204" pitchFamily="34" charset="0"/>
+            </a:endParaRPr>
           </a:p>
         </p:txBody>
       </p:sp>
     </p:spTree>
     <p:extLst>
       <p:ext uri="{BB962C8B-B14F-4D97-AF65-F5344CB8AC3E}">
-        <p14:creationId xmlns:p14="http://schemas.microsoft.com/office/powerpoint/2010/main" val="444309980"/>
+        <p14:creationId xmlns:p14="http://schemas.microsoft.com/office/powerpoint/2010/main" val="3765475505"/>
       </p:ext>
     </p:extLst>
   </p:cSld>
@@ -9594,7 +10605,7 @@
           <p:cNvPr id="2" name="Title 1">
             <a:extLst>
               <a:ext uri="{FF2B5EF4-FFF2-40B4-BE49-F238E27FC236}">
-                <a16:creationId xmlns:a16="http://schemas.microsoft.com/office/drawing/2014/main" id="{45F0D369-F52B-43E2-9EC0-25700FF8964D}"/>
+                <a16:creationId xmlns:a16="http://schemas.microsoft.com/office/drawing/2014/main" id="{ED0EB8B3-EE24-4FB2-8670-F9E92405AE97}"/>
               </a:ext>
             </a:extLst>
           </p:cNvPr>
@@ -9605,82 +10616,19 @@
             <p:ph type="title"/>
           </p:nvPr>
         </p:nvSpPr>
-        <p:spPr/>
+        <p:spPr>
+          <a:xfrm>
+            <a:off x="2434983" y="2702291"/>
+            <a:ext cx="8911687" cy="1280890"/>
+          </a:xfrm>
+        </p:spPr>
         <p:txBody>
           <a:bodyPr/>
           <a:lstStyle/>
           <a:p>
             <a:r>
               <a:rPr lang="en-US" dirty="0"/>
-              <a:t>Threads</a:t>
-            </a:r>
-          </a:p>
-        </p:txBody>
-      </p:sp>
-      <p:sp>
-        <p:nvSpPr>
-          <p:cNvPr id="3" name="Content Placeholder 2">
-            <a:extLst>
-              <a:ext uri="{FF2B5EF4-FFF2-40B4-BE49-F238E27FC236}">
-                <a16:creationId xmlns:a16="http://schemas.microsoft.com/office/drawing/2014/main" id="{8B713440-D698-4DDD-B219-9A14EA24D8FF}"/>
-              </a:ext>
-            </a:extLst>
-          </p:cNvPr>
-          <p:cNvSpPr>
-            <a:spLocks noGrp="1"/>
-          </p:cNvSpPr>
-          <p:nvPr>
-            <p:ph idx="1"/>
-          </p:nvPr>
-        </p:nvSpPr>
-        <p:spPr/>
-        <p:txBody>
-          <a:bodyPr/>
-          <a:lstStyle/>
-          <a:p>
-            <a:r>
-              <a:rPr lang="en-US" dirty="0"/>
-              <a:t>Invented in the early 1990s</a:t>
-            </a:r>
-          </a:p>
-          <a:p>
-            <a:pPr lvl="1"/>
-            <a:r>
-              <a:rPr lang="en-US" dirty="0"/>
-              <a:t>Processes are containers for resources</a:t>
-            </a:r>
-          </a:p>
-          <a:p>
-            <a:pPr lvl="1"/>
-            <a:r>
-              <a:rPr lang="en-US" dirty="0"/>
-              <a:t>Threads are units of execution</a:t>
-            </a:r>
-          </a:p>
-          <a:p>
-            <a:pPr lvl="1"/>
-            <a:r>
-              <a:rPr lang="en-US" dirty="0"/>
-              <a:t>A process has one or more threads</a:t>
-            </a:r>
-          </a:p>
-          <a:p>
-            <a:pPr lvl="1"/>
-            <a:r>
-              <a:rPr lang="en-US" dirty="0"/>
-              <a:t>All threads share the resources within the container of the process</a:t>
-            </a:r>
-          </a:p>
-          <a:p>
-            <a:r>
-              <a:rPr lang="en-US" dirty="0"/>
-              <a:t>Mutexes and condition variables are used for synchronization</a:t>
-            </a:r>
-          </a:p>
-          <a:p>
-            <a:r>
-              <a:rPr lang="en-US" dirty="0"/>
-              <a:t>Mutexes and condition variables are faster than semaphores because they are implemented in the library layer and no system call needs to be made</a:t>
+              <a:t>Shared Memory &amp; Semaphores in action</a:t>
             </a:r>
           </a:p>
         </p:txBody>
@@ -9688,7 +10636,7 @@
     </p:spTree>
     <p:extLst>
       <p:ext uri="{BB962C8B-B14F-4D97-AF65-F5344CB8AC3E}">
-        <p14:creationId xmlns:p14="http://schemas.microsoft.com/office/powerpoint/2010/main" val="1640354782"/>
+        <p14:creationId xmlns:p14="http://schemas.microsoft.com/office/powerpoint/2010/main" val="444309980"/>
       </p:ext>
     </p:extLst>
   </p:cSld>
@@ -9720,7 +10668,7 @@
           <p:cNvPr id="2" name="Title 1">
             <a:extLst>
               <a:ext uri="{FF2B5EF4-FFF2-40B4-BE49-F238E27FC236}">
-                <a16:creationId xmlns:a16="http://schemas.microsoft.com/office/drawing/2014/main" id="{27E8A298-4A1E-4E80-BF0E-143D879A118A}"/>
+                <a16:creationId xmlns:a16="http://schemas.microsoft.com/office/drawing/2014/main" id="{45F0D369-F52B-43E2-9EC0-25700FF8964D}"/>
               </a:ext>
             </a:extLst>
           </p:cNvPr>
@@ -9731,19 +10679,82 @@
             <p:ph type="title"/>
           </p:nvPr>
         </p:nvSpPr>
-        <p:spPr>
-          <a:xfrm>
-            <a:off x="3931274" y="2788555"/>
-            <a:ext cx="8911687" cy="1280890"/>
-          </a:xfrm>
-        </p:spPr>
+        <p:spPr/>
         <p:txBody>
           <a:bodyPr/>
           <a:lstStyle/>
           <a:p>
             <a:r>
               <a:rPr lang="en-US" dirty="0"/>
-              <a:t>POSIX Threads in Action</a:t>
+              <a:t>Threads</a:t>
+            </a:r>
+          </a:p>
+        </p:txBody>
+      </p:sp>
+      <p:sp>
+        <p:nvSpPr>
+          <p:cNvPr id="3" name="Content Placeholder 2">
+            <a:extLst>
+              <a:ext uri="{FF2B5EF4-FFF2-40B4-BE49-F238E27FC236}">
+                <a16:creationId xmlns:a16="http://schemas.microsoft.com/office/drawing/2014/main" id="{8B713440-D698-4DDD-B219-9A14EA24D8FF}"/>
+              </a:ext>
+            </a:extLst>
+          </p:cNvPr>
+          <p:cNvSpPr>
+            <a:spLocks noGrp="1"/>
+          </p:cNvSpPr>
+          <p:nvPr>
+            <p:ph idx="1"/>
+          </p:nvPr>
+        </p:nvSpPr>
+        <p:spPr/>
+        <p:txBody>
+          <a:bodyPr/>
+          <a:lstStyle/>
+          <a:p>
+            <a:r>
+              <a:rPr lang="en-US" dirty="0"/>
+              <a:t>Invented in the early 1990s</a:t>
+            </a:r>
+          </a:p>
+          <a:p>
+            <a:pPr lvl="1"/>
+            <a:r>
+              <a:rPr lang="en-US" dirty="0"/>
+              <a:t>Processes are containers for resources</a:t>
+            </a:r>
+          </a:p>
+          <a:p>
+            <a:pPr lvl="1"/>
+            <a:r>
+              <a:rPr lang="en-US" dirty="0"/>
+              <a:t>Threads are units of execution</a:t>
+            </a:r>
+          </a:p>
+          <a:p>
+            <a:pPr lvl="1"/>
+            <a:r>
+              <a:rPr lang="en-US" dirty="0"/>
+              <a:t>A process has one or more threads</a:t>
+            </a:r>
+          </a:p>
+          <a:p>
+            <a:pPr lvl="1"/>
+            <a:r>
+              <a:rPr lang="en-US" dirty="0"/>
+              <a:t>All threads share the resources within the container of the process</a:t>
+            </a:r>
+          </a:p>
+          <a:p>
+            <a:r>
+              <a:rPr lang="en-US" dirty="0"/>
+              <a:t>Mutexes and condition variables are used for synchronization</a:t>
+            </a:r>
+          </a:p>
+          <a:p>
+            <a:r>
+              <a:rPr lang="en-US" dirty="0"/>
+              <a:t>Mutexes and condition variables are faster than semaphores because they are implemented in the library layer and no system call needs to be made</a:t>
             </a:r>
           </a:p>
         </p:txBody>
@@ -9751,7 +10762,7 @@
     </p:spTree>
     <p:extLst>
       <p:ext uri="{BB962C8B-B14F-4D97-AF65-F5344CB8AC3E}">
-        <p14:creationId xmlns:p14="http://schemas.microsoft.com/office/powerpoint/2010/main" val="110897130"/>
+        <p14:creationId xmlns:p14="http://schemas.microsoft.com/office/powerpoint/2010/main" val="1640354782"/>
       </p:ext>
     </p:extLst>
   </p:cSld>
@@ -9783,7 +10794,7 @@
           <p:cNvPr id="2" name="Title 1">
             <a:extLst>
               <a:ext uri="{FF2B5EF4-FFF2-40B4-BE49-F238E27FC236}">
-                <a16:creationId xmlns:a16="http://schemas.microsoft.com/office/drawing/2014/main" id="{FF514509-6A8B-45F9-B541-C9087FEEF341}"/>
+                <a16:creationId xmlns:a16="http://schemas.microsoft.com/office/drawing/2014/main" id="{27E8A298-4A1E-4E80-BF0E-143D879A118A}"/>
               </a:ext>
             </a:extLst>
           </p:cNvPr>
@@ -9794,119 +10805,19 @@
             <p:ph type="title"/>
           </p:nvPr>
         </p:nvSpPr>
-        <p:spPr/>
+        <p:spPr>
+          <a:xfrm>
+            <a:off x="3931274" y="2788555"/>
+            <a:ext cx="8911687" cy="1280890"/>
+          </a:xfrm>
+        </p:spPr>
         <p:txBody>
           <a:bodyPr/>
           <a:lstStyle/>
           <a:p>
             <a:r>
               <a:rPr lang="en-US" dirty="0"/>
-              <a:t>Problems with Mutexes and Semaphores</a:t>
-            </a:r>
-          </a:p>
-        </p:txBody>
-      </p:sp>
-      <p:sp>
-        <p:nvSpPr>
-          <p:cNvPr id="3" name="Content Placeholder 2">
-            <a:extLst>
-              <a:ext uri="{FF2B5EF4-FFF2-40B4-BE49-F238E27FC236}">
-                <a16:creationId xmlns:a16="http://schemas.microsoft.com/office/drawing/2014/main" id="{753A201C-0F14-4C7C-B1E1-7E3B431CEE96}"/>
-              </a:ext>
-            </a:extLst>
-          </p:cNvPr>
-          <p:cNvSpPr>
-            <a:spLocks noGrp="1"/>
-          </p:cNvSpPr>
-          <p:nvPr>
-            <p:ph idx="1"/>
-          </p:nvPr>
-        </p:nvSpPr>
-        <p:spPr/>
-        <p:txBody>
-          <a:bodyPr>
-            <a:normAutofit fontScale="92500" lnSpcReduction="10000"/>
-          </a:bodyPr>
-          <a:lstStyle/>
-          <a:p>
-            <a:r>
-              <a:rPr lang="en-US" dirty="0"/>
-              <a:t>Difficult constructs</a:t>
-            </a:r>
-          </a:p>
-          <a:p>
-            <a:r>
-              <a:rPr lang="en-US" dirty="0"/>
-              <a:t>Easy to get wrong</a:t>
-            </a:r>
-          </a:p>
-          <a:p>
-            <a:pPr lvl="1"/>
-            <a:r>
-              <a:rPr lang="en-US" dirty="0"/>
-              <a:t>Granularity of locking, reduces performance</a:t>
-            </a:r>
-          </a:p>
-          <a:p>
-            <a:pPr lvl="1"/>
-            <a:r>
-              <a:rPr lang="en-US" dirty="0"/>
-              <a:t>Not having a sequence of lock acquisition leads to deadlocks</a:t>
-            </a:r>
-          </a:p>
-          <a:p>
-            <a:pPr lvl="2"/>
-            <a:r>
-              <a:rPr lang="en-US" dirty="0"/>
-              <a:t>Conditions for deadlock</a:t>
-            </a:r>
-          </a:p>
-          <a:p>
-            <a:pPr lvl="3"/>
-            <a:r>
-              <a:rPr lang="en-US" dirty="0"/>
-              <a:t>Mutual Exclusion</a:t>
-            </a:r>
-          </a:p>
-          <a:p>
-            <a:pPr lvl="3"/>
-            <a:r>
-              <a:rPr lang="en-US" dirty="0"/>
-              <a:t>Hold and Wait</a:t>
-            </a:r>
-          </a:p>
-          <a:p>
-            <a:pPr lvl="3"/>
-            <a:r>
-              <a:rPr lang="en-US" dirty="0"/>
-              <a:t>No Pre-emption</a:t>
-            </a:r>
-          </a:p>
-          <a:p>
-            <a:pPr lvl="3"/>
-            <a:r>
-              <a:rPr lang="en-US" dirty="0"/>
-              <a:t>Circular wait</a:t>
-            </a:r>
-          </a:p>
-          <a:p>
-            <a:pPr lvl="2"/>
-            <a:r>
-              <a:rPr lang="en-US" dirty="0"/>
-              <a:t>Difficult to test all possible scenarios</a:t>
-            </a:r>
-          </a:p>
-          <a:p>
-            <a:pPr lvl="2"/>
-            <a:r>
-              <a:rPr lang="en-US" dirty="0"/>
-              <a:t>Difficult to debug</a:t>
-            </a:r>
-          </a:p>
-          <a:p>
-            <a:r>
-              <a:rPr lang="en-US" dirty="0"/>
-              <a:t>Missing synchronization where it is required</a:t>
+              <a:t>POSIX Threads in Action</a:t>
             </a:r>
           </a:p>
         </p:txBody>
@@ -9914,7 +10825,7 @@
     </p:spTree>
     <p:extLst>
       <p:ext uri="{BB962C8B-B14F-4D97-AF65-F5344CB8AC3E}">
-        <p14:creationId xmlns:p14="http://schemas.microsoft.com/office/powerpoint/2010/main" val="2528765436"/>
+        <p14:creationId xmlns:p14="http://schemas.microsoft.com/office/powerpoint/2010/main" val="110897130"/>
       </p:ext>
     </p:extLst>
   </p:cSld>
@@ -9946,7 +10857,7 @@
           <p:cNvPr id="2" name="Title 1">
             <a:extLst>
               <a:ext uri="{FF2B5EF4-FFF2-40B4-BE49-F238E27FC236}">
-                <a16:creationId xmlns:a16="http://schemas.microsoft.com/office/drawing/2014/main" id="{4A68B0E2-3267-401E-B9FD-5A869E870F1F}"/>
+                <a16:creationId xmlns:a16="http://schemas.microsoft.com/office/drawing/2014/main" id="{FF514509-6A8B-45F9-B541-C9087FEEF341}"/>
               </a:ext>
             </a:extLst>
           </p:cNvPr>
@@ -9964,7 +10875,7 @@
           <a:p>
             <a:r>
               <a:rPr lang="en-US" dirty="0"/>
-              <a:t>Advantages of Mutexes and Semaphores</a:t>
+              <a:t>Problems with Mutexes and Semaphores</a:t>
             </a:r>
           </a:p>
         </p:txBody>
@@ -9974,7 +10885,7 @@
           <p:cNvPr id="3" name="Content Placeholder 2">
             <a:extLst>
               <a:ext uri="{FF2B5EF4-FFF2-40B4-BE49-F238E27FC236}">
-                <a16:creationId xmlns:a16="http://schemas.microsoft.com/office/drawing/2014/main" id="{EB5EA186-F6A1-4B5B-AC51-386E15CC1A11}"/>
+                <a16:creationId xmlns:a16="http://schemas.microsoft.com/office/drawing/2014/main" id="{753A201C-0F14-4C7C-B1E1-7E3B431CEE96}"/>
               </a:ext>
             </a:extLst>
           </p:cNvPr>
@@ -9987,18 +10898,89 @@
         </p:nvSpPr>
         <p:spPr/>
         <p:txBody>
-          <a:bodyPr/>
-          <a:lstStyle/>
-          <a:p>
-            <a:r>
-              <a:rPr lang="en-US" dirty="0"/>
-              <a:t>Low Level, hence fast</a:t>
-            </a:r>
-          </a:p>
-          <a:p>
-            <a:r>
-              <a:rPr lang="en-US" dirty="0"/>
-              <a:t>Flexible, doesn’t tie one down to a particular model</a:t>
+          <a:bodyPr>
+            <a:normAutofit fontScale="92500" lnSpcReduction="10000"/>
+          </a:bodyPr>
+          <a:lstStyle/>
+          <a:p>
+            <a:r>
+              <a:rPr lang="en-US" dirty="0"/>
+              <a:t>Difficult constructs</a:t>
+            </a:r>
+          </a:p>
+          <a:p>
+            <a:r>
+              <a:rPr lang="en-US" dirty="0"/>
+              <a:t>Easy to get wrong</a:t>
+            </a:r>
+          </a:p>
+          <a:p>
+            <a:pPr lvl="1"/>
+            <a:r>
+              <a:rPr lang="en-US" dirty="0"/>
+              <a:t>Granularity of locking, reduces performance</a:t>
+            </a:r>
+          </a:p>
+          <a:p>
+            <a:pPr lvl="1"/>
+            <a:r>
+              <a:rPr lang="en-US" dirty="0"/>
+              <a:t>Not having a sequence of lock acquisition leads to deadlocks</a:t>
+            </a:r>
+          </a:p>
+          <a:p>
+            <a:pPr lvl="2"/>
+            <a:r>
+              <a:rPr lang="en-US" dirty="0"/>
+              <a:t>Conditions for deadlock</a:t>
+            </a:r>
+          </a:p>
+          <a:p>
+            <a:pPr lvl="3"/>
+            <a:r>
+              <a:rPr lang="en-US" dirty="0"/>
+              <a:t>Mutual Exclusion</a:t>
+            </a:r>
+          </a:p>
+          <a:p>
+            <a:pPr lvl="3"/>
+            <a:r>
+              <a:rPr lang="en-US" dirty="0"/>
+              <a:t>Hold and Wait</a:t>
+            </a:r>
+          </a:p>
+          <a:p>
+            <a:pPr lvl="3"/>
+            <a:r>
+              <a:rPr lang="en-US" dirty="0"/>
+              <a:t>No Pre-emption</a:t>
+            </a:r>
+          </a:p>
+          <a:p>
+            <a:pPr lvl="3"/>
+            <a:r>
+              <a:rPr lang="en-US" dirty="0"/>
+              <a:t>Circular wait</a:t>
+            </a:r>
+          </a:p>
+          <a:p>
+            <a:pPr lvl="2"/>
+            <a:r>
+              <a:rPr lang="en-US" dirty="0"/>
+              <a:t>Difficult to test all possible scenarios</a:t>
+            </a:r>
+          </a:p>
+          <a:p>
+            <a:pPr lvl="2"/>
+            <a:r>
+              <a:rPr lang="en-US" dirty="0"/>
+              <a:t>Difficult to debug</a:t>
+            </a:r>
+          </a:p>
+          <a:p>
+            <a:r>
+              <a:rPr lang="en-US" dirty="0"/>
+              <a:t>Missing synchronization where it is required</a:t>
             </a:r>
           </a:p>
         </p:txBody>
@@ -10006,7 +10988,7 @@
     </p:spTree>
     <p:extLst>
       <p:ext uri="{BB962C8B-B14F-4D97-AF65-F5344CB8AC3E}">
-        <p14:creationId xmlns:p14="http://schemas.microsoft.com/office/powerpoint/2010/main" val="1640727057"/>
+        <p14:creationId xmlns:p14="http://schemas.microsoft.com/office/powerpoint/2010/main" val="2528765436"/>
       </p:ext>
     </p:extLst>
   </p:cSld>
@@ -10038,7 +11020,7 @@
           <p:cNvPr id="2" name="Title 1">
             <a:extLst>
               <a:ext uri="{FF2B5EF4-FFF2-40B4-BE49-F238E27FC236}">
-                <a16:creationId xmlns:a16="http://schemas.microsoft.com/office/drawing/2014/main" id="{BBB55B09-6C01-4D59-A919-6D04564CDF23}"/>
+                <a16:creationId xmlns:a16="http://schemas.microsoft.com/office/drawing/2014/main" id="{4A68B0E2-3267-401E-B9FD-5A869E870F1F}"/>
               </a:ext>
             </a:extLst>
           </p:cNvPr>
@@ -10056,89 +11038,41 @@
           <a:p>
             <a:r>
               <a:rPr lang="en-US" dirty="0"/>
-              <a:t>Actors</a:t>
-            </a:r>
-          </a:p>
-        </p:txBody>
-      </p:sp>
-      <p:pic>
-        <p:nvPicPr>
-          <p:cNvPr id="1026" name="Picture 2" descr="Related image">
+              <a:t>Advantages of Mutexes and Semaphores</a:t>
+            </a:r>
+          </a:p>
+        </p:txBody>
+      </p:sp>
+      <p:sp>
+        <p:nvSpPr>
+          <p:cNvPr id="3" name="Content Placeholder 2">
             <a:extLst>
               <a:ext uri="{FF2B5EF4-FFF2-40B4-BE49-F238E27FC236}">
-                <a16:creationId xmlns:a16="http://schemas.microsoft.com/office/drawing/2014/main" id="{88C13789-9920-439B-B6F2-ABFF73621756}"/>
+                <a16:creationId xmlns:a16="http://schemas.microsoft.com/office/drawing/2014/main" id="{EB5EA186-F6A1-4B5B-AC51-386E15CC1A11}"/>
               </a:ext>
             </a:extLst>
           </p:cNvPr>
-          <p:cNvPicPr>
-            <a:picLocks noChangeAspect="1" noChangeArrowheads="1"/>
-          </p:cNvPicPr>
-          <p:nvPr/>
-        </p:nvPicPr>
-        <p:blipFill>
-          <a:blip r:embed="rId2">
-            <a:extLst>
-              <a:ext uri="{28A0092B-C50C-407E-A947-70E740481C1C}">
-                <a14:useLocalDpi xmlns:a14="http://schemas.microsoft.com/office/drawing/2010/main" val="0"/>
-              </a:ext>
-            </a:extLst>
-          </a:blip>
-          <a:srcRect/>
-          <a:stretch>
-            <a:fillRect/>
-          </a:stretch>
-        </p:blipFill>
-        <p:spPr bwMode="auto">
-          <a:xfrm>
-            <a:off x="2592925" y="1335037"/>
-            <a:ext cx="7083862" cy="4722576"/>
-          </a:xfrm>
-          <a:prstGeom prst="rect">
-            <a:avLst/>
-          </a:prstGeom>
-          <a:noFill/>
-          <a:extLst>
-            <a:ext uri="{909E8E84-426E-40DD-AFC4-6F175D3DCCD1}">
-              <a14:hiddenFill xmlns:a14="http://schemas.microsoft.com/office/drawing/2010/main">
-                <a:solidFill>
-                  <a:srgbClr val="FFFFFF"/>
-                </a:solidFill>
-              </a14:hiddenFill>
-            </a:ext>
-          </a:extLst>
-        </p:spPr>
-      </p:pic>
-      <p:sp>
-        <p:nvSpPr>
-          <p:cNvPr id="6" name="TextBox 5">
-            <a:extLst>
-              <a:ext uri="{FF2B5EF4-FFF2-40B4-BE49-F238E27FC236}">
-                <a16:creationId xmlns:a16="http://schemas.microsoft.com/office/drawing/2014/main" id="{F046EE57-A698-444B-82BA-78261C4B4B26}"/>
-              </a:ext>
-            </a:extLst>
-          </p:cNvPr>
-          <p:cNvSpPr txBox="1"/>
-          <p:nvPr/>
-        </p:nvSpPr>
-        <p:spPr>
-          <a:xfrm>
-            <a:off x="2592925" y="6057613"/>
-            <a:ext cx="7083862" cy="646331"/>
-          </a:xfrm>
-          <a:prstGeom prst="rect">
-            <a:avLst/>
-          </a:prstGeom>
-          <a:noFill/>
-        </p:spPr>
-        <p:txBody>
-          <a:bodyPr wrap="square" rtlCol="0">
-            <a:spAutoFit/>
-          </a:bodyPr>
-          <a:lstStyle/>
-          <a:p>
-            <a:r>
-              <a:rPr lang="en-US" dirty="0"/>
-              <a:t>A universal modular ACTOR formalism for artificial intelligence, Carl Hewitt, et. al., 1973</a:t>
+          <p:cNvSpPr>
+            <a:spLocks noGrp="1"/>
+          </p:cNvSpPr>
+          <p:nvPr>
+            <p:ph idx="1"/>
+          </p:nvPr>
+        </p:nvSpPr>
+        <p:spPr/>
+        <p:txBody>
+          <a:bodyPr/>
+          <a:lstStyle/>
+          <a:p>
+            <a:r>
+              <a:rPr lang="en-US" dirty="0"/>
+              <a:t>Low Level, hence fast</a:t>
+            </a:r>
+          </a:p>
+          <a:p>
+            <a:r>
+              <a:rPr lang="en-US" dirty="0"/>
+              <a:t>Flexible, doesn’t tie one down to a particular model</a:t>
             </a:r>
           </a:p>
         </p:txBody>
@@ -10146,7 +11080,7 @@
     </p:spTree>
     <p:extLst>
       <p:ext uri="{BB962C8B-B14F-4D97-AF65-F5344CB8AC3E}">
-        <p14:creationId xmlns:p14="http://schemas.microsoft.com/office/powerpoint/2010/main" val="2000350427"/>
+        <p14:creationId xmlns:p14="http://schemas.microsoft.com/office/powerpoint/2010/main" val="1640727057"/>
       </p:ext>
     </p:extLst>
   </p:cSld>

--- a/Presentation1.pptx
+++ b/Presentation1.pptx
@@ -325,7 +325,7 @@
           <a:p>
             <a:fld id="{43B962C8-492A-48BE-A39A-F382F06F9D47}" type="datetimeFigureOut">
               <a:rPr lang="en-US" smtClean="0"/>
-              <a:t>8/17/2018</a:t>
+              <a:t>8/27/2018</a:t>
             </a:fld>
             <a:endParaRPr lang="en-US"/>
           </a:p>
@@ -663,7 +663,7 @@
           <a:p>
             <a:fld id="{43B962C8-492A-48BE-A39A-F382F06F9D47}" type="datetimeFigureOut">
               <a:rPr lang="en-US" smtClean="0"/>
-              <a:t>8/17/2018</a:t>
+              <a:t>8/27/2018</a:t>
             </a:fld>
             <a:endParaRPr lang="en-US"/>
           </a:p>
@@ -1064,7 +1064,7 @@
           <a:p>
             <a:fld id="{43B962C8-492A-48BE-A39A-F382F06F9D47}" type="datetimeFigureOut">
               <a:rPr lang="en-US" smtClean="0"/>
-              <a:t>8/17/2018</a:t>
+              <a:t>8/27/2018</a:t>
             </a:fld>
             <a:endParaRPr lang="en-US"/>
           </a:p>
@@ -1400,7 +1400,7 @@
           <a:p>
             <a:fld id="{43B962C8-492A-48BE-A39A-F382F06F9D47}" type="datetimeFigureOut">
               <a:rPr lang="en-US" smtClean="0"/>
-              <a:t>8/17/2018</a:t>
+              <a:t>8/27/2018</a:t>
             </a:fld>
             <a:endParaRPr lang="en-US"/>
           </a:p>
@@ -1720,7 +1720,7 @@
           <a:p>
             <a:fld id="{43B962C8-492A-48BE-A39A-F382F06F9D47}" type="datetimeFigureOut">
               <a:rPr lang="en-US" smtClean="0"/>
-              <a:t>8/17/2018</a:t>
+              <a:t>8/27/2018</a:t>
             </a:fld>
             <a:endParaRPr lang="en-US"/>
           </a:p>
@@ -2116,7 +2116,7 @@
           <a:p>
             <a:fld id="{43B962C8-492A-48BE-A39A-F382F06F9D47}" type="datetimeFigureOut">
               <a:rPr lang="en-US" smtClean="0"/>
-              <a:t>8/17/2018</a:t>
+              <a:t>8/27/2018</a:t>
             </a:fld>
             <a:endParaRPr lang="en-US"/>
           </a:p>
@@ -2373,7 +2373,7 @@
           <a:p>
             <a:fld id="{43B962C8-492A-48BE-A39A-F382F06F9D47}" type="datetimeFigureOut">
               <a:rPr lang="en-US" smtClean="0"/>
-              <a:t>8/17/2018</a:t>
+              <a:t>8/27/2018</a:t>
             </a:fld>
             <a:endParaRPr lang="en-US"/>
           </a:p>
@@ -2635,7 +2635,7 @@
           <a:p>
             <a:fld id="{43B962C8-492A-48BE-A39A-F382F06F9D47}" type="datetimeFigureOut">
               <a:rPr lang="en-US" smtClean="0"/>
-              <a:t>8/17/2018</a:t>
+              <a:t>8/27/2018</a:t>
             </a:fld>
             <a:endParaRPr lang="en-US"/>
           </a:p>
@@ -2897,7 +2897,7 @@
           <a:p>
             <a:fld id="{43B962C8-492A-48BE-A39A-F382F06F9D47}" type="datetimeFigureOut">
               <a:rPr lang="en-US" smtClean="0"/>
-              <a:t>8/17/2018</a:t>
+              <a:t>8/27/2018</a:t>
             </a:fld>
             <a:endParaRPr lang="en-US"/>
           </a:p>
@@ -3226,7 +3226,7 @@
           <a:p>
             <a:fld id="{43B962C8-492A-48BE-A39A-F382F06F9D47}" type="datetimeFigureOut">
               <a:rPr lang="en-US" smtClean="0"/>
-              <a:t>8/17/2018</a:t>
+              <a:t>8/27/2018</a:t>
             </a:fld>
             <a:endParaRPr lang="en-US"/>
           </a:p>
@@ -3549,7 +3549,7 @@
           <a:p>
             <a:fld id="{43B962C8-492A-48BE-A39A-F382F06F9D47}" type="datetimeFigureOut">
               <a:rPr lang="en-US" smtClean="0"/>
-              <a:t>8/17/2018</a:t>
+              <a:t>8/27/2018</a:t>
             </a:fld>
             <a:endParaRPr lang="en-US"/>
           </a:p>
@@ -4006,7 +4006,7 @@
           <a:p>
             <a:fld id="{43B962C8-492A-48BE-A39A-F382F06F9D47}" type="datetimeFigureOut">
               <a:rPr lang="en-US" smtClean="0"/>
-              <a:t>8/17/2018</a:t>
+              <a:t>8/27/2018</a:t>
             </a:fld>
             <a:endParaRPr lang="en-US"/>
           </a:p>
@@ -4211,7 +4211,7 @@
           <a:p>
             <a:fld id="{43B962C8-492A-48BE-A39A-F382F06F9D47}" type="datetimeFigureOut">
               <a:rPr lang="en-US" smtClean="0"/>
-              <a:t>8/17/2018</a:t>
+              <a:t>8/27/2018</a:t>
             </a:fld>
             <a:endParaRPr lang="en-US"/>
           </a:p>
@@ -4388,7 +4388,7 @@
           <a:p>
             <a:fld id="{43B962C8-492A-48BE-A39A-F382F06F9D47}" type="datetimeFigureOut">
               <a:rPr lang="en-US" smtClean="0"/>
-              <a:t>8/17/2018</a:t>
+              <a:t>8/27/2018</a:t>
             </a:fld>
             <a:endParaRPr lang="en-US"/>
           </a:p>
@@ -4721,7 +4721,7 @@
           <a:p>
             <a:fld id="{43B962C8-492A-48BE-A39A-F382F06F9D47}" type="datetimeFigureOut">
               <a:rPr lang="en-US" smtClean="0"/>
-              <a:t>8/17/2018</a:t>
+              <a:t>8/27/2018</a:t>
             </a:fld>
             <a:endParaRPr lang="en-US"/>
           </a:p>
@@ -5066,7 +5066,7 @@
           <a:p>
             <a:fld id="{43B962C8-492A-48BE-A39A-F382F06F9D47}" type="datetimeFigureOut">
               <a:rPr lang="en-US" smtClean="0"/>
-              <a:t>8/17/2018</a:t>
+              <a:t>8/27/2018</a:t>
             </a:fld>
             <a:endParaRPr lang="en-US"/>
           </a:p>
@@ -7183,7 +7183,7 @@
           <a:p>
             <a:fld id="{43B962C8-492A-48BE-A39A-F382F06F9D47}" type="datetimeFigureOut">
               <a:rPr lang="en-US" smtClean="0"/>
-              <a:t>8/17/2018</a:t>
+              <a:t>8/27/2018</a:t>
             </a:fld>
             <a:endParaRPr lang="en-US"/>
           </a:p>
@@ -9047,10 +9047,9 @@
           <a:lstStyle/>
           <a:p>
             <a:r>
-              <a:rPr lang="en-US"/>
-              <a:t>Outline</a:t>
-            </a:r>
-            <a:endParaRPr lang="en-US" dirty="0"/>
+              <a:rPr lang="en-US" dirty="0"/>
+              <a:t>Background and Topics Covered</a:t>
+            </a:r>
           </a:p>
         </p:txBody>
       </p:sp>
@@ -10918,7 +10917,7 @@
             <a:pPr lvl="1"/>
             <a:r>
               <a:rPr lang="en-US" dirty="0"/>
-              <a:t>Granularity of locking, reduces performance</a:t>
+              <a:t>Not having a fine grained granularity of locking, reduces performance</a:t>
             </a:r>
           </a:p>
           <a:p>
@@ -10932,8 +10931,13 @@
             <a:pPr lvl="2"/>
             <a:r>
               <a:rPr lang="en-US" dirty="0"/>
-              <a:t>Conditions for deadlock</a:t>
-            </a:r>
+              <a:t>Classical conditions for deadlock </a:t>
+            </a:r>
+            <a:r>
+              <a:rPr lang="en-US"/>
+              <a:t>to occur</a:t>
+            </a:r>
+            <a:endParaRPr lang="en-US" dirty="0"/>
           </a:p>
           <a:p>
             <a:pPr lvl="3"/>

--- a/Presentation1.pptx
+++ b/Presentation1.pptx
@@ -7,30 +7,31 @@
   <p:sldIdLst>
     <p:sldId id="256" r:id="rId2"/>
     <p:sldId id="281" r:id="rId3"/>
-    <p:sldId id="263" r:id="rId4"/>
-    <p:sldId id="264" r:id="rId5"/>
-    <p:sldId id="266" r:id="rId6"/>
-    <p:sldId id="265" r:id="rId7"/>
-    <p:sldId id="267" r:id="rId8"/>
-    <p:sldId id="268" r:id="rId9"/>
-    <p:sldId id="269" r:id="rId10"/>
-    <p:sldId id="257" r:id="rId11"/>
-    <p:sldId id="258" r:id="rId12"/>
-    <p:sldId id="259" r:id="rId13"/>
-    <p:sldId id="260" r:id="rId14"/>
-    <p:sldId id="261" r:id="rId15"/>
-    <p:sldId id="262" r:id="rId16"/>
-    <p:sldId id="270" r:id="rId17"/>
-    <p:sldId id="271" r:id="rId18"/>
-    <p:sldId id="272" r:id="rId19"/>
-    <p:sldId id="275" r:id="rId20"/>
-    <p:sldId id="273" r:id="rId21"/>
-    <p:sldId id="274" r:id="rId22"/>
-    <p:sldId id="277" r:id="rId23"/>
-    <p:sldId id="276" r:id="rId24"/>
-    <p:sldId id="278" r:id="rId25"/>
-    <p:sldId id="279" r:id="rId26"/>
-    <p:sldId id="280" r:id="rId27"/>
+    <p:sldId id="282" r:id="rId4"/>
+    <p:sldId id="263" r:id="rId5"/>
+    <p:sldId id="264" r:id="rId6"/>
+    <p:sldId id="266" r:id="rId7"/>
+    <p:sldId id="265" r:id="rId8"/>
+    <p:sldId id="267" r:id="rId9"/>
+    <p:sldId id="268" r:id="rId10"/>
+    <p:sldId id="269" r:id="rId11"/>
+    <p:sldId id="257" r:id="rId12"/>
+    <p:sldId id="258" r:id="rId13"/>
+    <p:sldId id="259" r:id="rId14"/>
+    <p:sldId id="260" r:id="rId15"/>
+    <p:sldId id="261" r:id="rId16"/>
+    <p:sldId id="262" r:id="rId17"/>
+    <p:sldId id="270" r:id="rId18"/>
+    <p:sldId id="271" r:id="rId19"/>
+    <p:sldId id="272" r:id="rId20"/>
+    <p:sldId id="275" r:id="rId21"/>
+    <p:sldId id="273" r:id="rId22"/>
+    <p:sldId id="274" r:id="rId23"/>
+    <p:sldId id="277" r:id="rId24"/>
+    <p:sldId id="276" r:id="rId25"/>
+    <p:sldId id="278" r:id="rId26"/>
+    <p:sldId id="279" r:id="rId27"/>
+    <p:sldId id="280" r:id="rId28"/>
   </p:sldIdLst>
   <p:sldSz cx="12192000" cy="6858000"/>
   <p:notesSz cx="6858000" cy="9144000"/>
@@ -325,7 +326,7 @@
           <a:p>
             <a:fld id="{43B962C8-492A-48BE-A39A-F382F06F9D47}" type="datetimeFigureOut">
               <a:rPr lang="en-US" smtClean="0"/>
-              <a:t>8/27/2018</a:t>
+              <a:t>8/3/2021</a:t>
             </a:fld>
             <a:endParaRPr lang="en-US"/>
           </a:p>
@@ -663,7 +664,7 @@
           <a:p>
             <a:fld id="{43B962C8-492A-48BE-A39A-F382F06F9D47}" type="datetimeFigureOut">
               <a:rPr lang="en-US" smtClean="0"/>
-              <a:t>8/27/2018</a:t>
+              <a:t>8/3/2021</a:t>
             </a:fld>
             <a:endParaRPr lang="en-US"/>
           </a:p>
@@ -1064,7 +1065,7 @@
           <a:p>
             <a:fld id="{43B962C8-492A-48BE-A39A-F382F06F9D47}" type="datetimeFigureOut">
               <a:rPr lang="en-US" smtClean="0"/>
-              <a:t>8/27/2018</a:t>
+              <a:t>8/3/2021</a:t>
             </a:fld>
             <a:endParaRPr lang="en-US"/>
           </a:p>
@@ -1400,7 +1401,7 @@
           <a:p>
             <a:fld id="{43B962C8-492A-48BE-A39A-F382F06F9D47}" type="datetimeFigureOut">
               <a:rPr lang="en-US" smtClean="0"/>
-              <a:t>8/27/2018</a:t>
+              <a:t>8/3/2021</a:t>
             </a:fld>
             <a:endParaRPr lang="en-US"/>
           </a:p>
@@ -1720,7 +1721,7 @@
           <a:p>
             <a:fld id="{43B962C8-492A-48BE-A39A-F382F06F9D47}" type="datetimeFigureOut">
               <a:rPr lang="en-US" smtClean="0"/>
-              <a:t>8/27/2018</a:t>
+              <a:t>8/3/2021</a:t>
             </a:fld>
             <a:endParaRPr lang="en-US"/>
           </a:p>
@@ -2116,7 +2117,7 @@
           <a:p>
             <a:fld id="{43B962C8-492A-48BE-A39A-F382F06F9D47}" type="datetimeFigureOut">
               <a:rPr lang="en-US" smtClean="0"/>
-              <a:t>8/27/2018</a:t>
+              <a:t>8/3/2021</a:t>
             </a:fld>
             <a:endParaRPr lang="en-US"/>
           </a:p>
@@ -2373,7 +2374,7 @@
           <a:p>
             <a:fld id="{43B962C8-492A-48BE-A39A-F382F06F9D47}" type="datetimeFigureOut">
               <a:rPr lang="en-US" smtClean="0"/>
-              <a:t>8/27/2018</a:t>
+              <a:t>8/3/2021</a:t>
             </a:fld>
             <a:endParaRPr lang="en-US"/>
           </a:p>
@@ -2635,7 +2636,7 @@
           <a:p>
             <a:fld id="{43B962C8-492A-48BE-A39A-F382F06F9D47}" type="datetimeFigureOut">
               <a:rPr lang="en-US" smtClean="0"/>
-              <a:t>8/27/2018</a:t>
+              <a:t>8/3/2021</a:t>
             </a:fld>
             <a:endParaRPr lang="en-US"/>
           </a:p>
@@ -2897,7 +2898,7 @@
           <a:p>
             <a:fld id="{43B962C8-492A-48BE-A39A-F382F06F9D47}" type="datetimeFigureOut">
               <a:rPr lang="en-US" smtClean="0"/>
-              <a:t>8/27/2018</a:t>
+              <a:t>8/3/2021</a:t>
             </a:fld>
             <a:endParaRPr lang="en-US"/>
           </a:p>
@@ -3226,7 +3227,7 @@
           <a:p>
             <a:fld id="{43B962C8-492A-48BE-A39A-F382F06F9D47}" type="datetimeFigureOut">
               <a:rPr lang="en-US" smtClean="0"/>
-              <a:t>8/27/2018</a:t>
+              <a:t>8/3/2021</a:t>
             </a:fld>
             <a:endParaRPr lang="en-US"/>
           </a:p>
@@ -3549,7 +3550,7 @@
           <a:p>
             <a:fld id="{43B962C8-492A-48BE-A39A-F382F06F9D47}" type="datetimeFigureOut">
               <a:rPr lang="en-US" smtClean="0"/>
-              <a:t>8/27/2018</a:t>
+              <a:t>8/3/2021</a:t>
             </a:fld>
             <a:endParaRPr lang="en-US"/>
           </a:p>
@@ -4006,7 +4007,7 @@
           <a:p>
             <a:fld id="{43B962C8-492A-48BE-A39A-F382F06F9D47}" type="datetimeFigureOut">
               <a:rPr lang="en-US" smtClean="0"/>
-              <a:t>8/27/2018</a:t>
+              <a:t>8/3/2021</a:t>
             </a:fld>
             <a:endParaRPr lang="en-US"/>
           </a:p>
@@ -4211,7 +4212,7 @@
           <a:p>
             <a:fld id="{43B962C8-492A-48BE-A39A-F382F06F9D47}" type="datetimeFigureOut">
               <a:rPr lang="en-US" smtClean="0"/>
-              <a:t>8/27/2018</a:t>
+              <a:t>8/3/2021</a:t>
             </a:fld>
             <a:endParaRPr lang="en-US"/>
           </a:p>
@@ -4388,7 +4389,7 @@
           <a:p>
             <a:fld id="{43B962C8-492A-48BE-A39A-F382F06F9D47}" type="datetimeFigureOut">
               <a:rPr lang="en-US" smtClean="0"/>
-              <a:t>8/27/2018</a:t>
+              <a:t>8/3/2021</a:t>
             </a:fld>
             <a:endParaRPr lang="en-US"/>
           </a:p>
@@ -4721,7 +4722,7 @@
           <a:p>
             <a:fld id="{43B962C8-492A-48BE-A39A-F382F06F9D47}" type="datetimeFigureOut">
               <a:rPr lang="en-US" smtClean="0"/>
-              <a:t>8/27/2018</a:t>
+              <a:t>8/3/2021</a:t>
             </a:fld>
             <a:endParaRPr lang="en-US"/>
           </a:p>
@@ -5066,7 +5067,7 @@
           <a:p>
             <a:fld id="{43B962C8-492A-48BE-A39A-F382F06F9D47}" type="datetimeFigureOut">
               <a:rPr lang="en-US" smtClean="0"/>
-              <a:t>8/27/2018</a:t>
+              <a:t>8/3/2021</a:t>
             </a:fld>
             <a:endParaRPr lang="en-US"/>
           </a:p>
@@ -7183,7 +7184,7 @@
           <a:p>
             <a:fld id="{43B962C8-492A-48BE-A39A-F382F06F9D47}" type="datetimeFigureOut">
               <a:rPr lang="en-US" smtClean="0"/>
-              <a:t>8/27/2018</a:t>
+              <a:t>8/3/2021</a:t>
             </a:fld>
             <a:endParaRPr lang="en-US"/>
           </a:p>
@@ -7806,6 +7807,98 @@
           <p:cNvPr id="2" name="Title 1">
             <a:extLst>
               <a:ext uri="{FF2B5EF4-FFF2-40B4-BE49-F238E27FC236}">
+                <a16:creationId xmlns:a16="http://schemas.microsoft.com/office/drawing/2014/main" id="{4A68B0E2-3267-401E-B9FD-5A869E870F1F}"/>
+              </a:ext>
+            </a:extLst>
+          </p:cNvPr>
+          <p:cNvSpPr>
+            <a:spLocks noGrp="1"/>
+          </p:cNvSpPr>
+          <p:nvPr>
+            <p:ph type="title"/>
+          </p:nvPr>
+        </p:nvSpPr>
+        <p:spPr/>
+        <p:txBody>
+          <a:bodyPr/>
+          <a:lstStyle/>
+          <a:p>
+            <a:r>
+              <a:rPr lang="en-US" dirty="0"/>
+              <a:t>Advantages of Mutexes and Semaphores</a:t>
+            </a:r>
+          </a:p>
+        </p:txBody>
+      </p:sp>
+      <p:sp>
+        <p:nvSpPr>
+          <p:cNvPr id="3" name="Content Placeholder 2">
+            <a:extLst>
+              <a:ext uri="{FF2B5EF4-FFF2-40B4-BE49-F238E27FC236}">
+                <a16:creationId xmlns:a16="http://schemas.microsoft.com/office/drawing/2014/main" id="{EB5EA186-F6A1-4B5B-AC51-386E15CC1A11}"/>
+              </a:ext>
+            </a:extLst>
+          </p:cNvPr>
+          <p:cNvSpPr>
+            <a:spLocks noGrp="1"/>
+          </p:cNvSpPr>
+          <p:nvPr>
+            <p:ph idx="1"/>
+          </p:nvPr>
+        </p:nvSpPr>
+        <p:spPr/>
+        <p:txBody>
+          <a:bodyPr/>
+          <a:lstStyle/>
+          <a:p>
+            <a:r>
+              <a:rPr lang="en-US" dirty="0"/>
+              <a:t>Low Level, hence fast</a:t>
+            </a:r>
+          </a:p>
+          <a:p>
+            <a:r>
+              <a:rPr lang="en-US" dirty="0"/>
+              <a:t>Flexible, doesn’t tie one down to a particular model</a:t>
+            </a:r>
+          </a:p>
+        </p:txBody>
+      </p:sp>
+    </p:spTree>
+    <p:extLst>
+      <p:ext uri="{BB962C8B-B14F-4D97-AF65-F5344CB8AC3E}">
+        <p14:creationId xmlns:p14="http://schemas.microsoft.com/office/powerpoint/2010/main" val="1640727057"/>
+      </p:ext>
+    </p:extLst>
+  </p:cSld>
+  <p:clrMapOvr>
+    <a:masterClrMapping/>
+  </p:clrMapOvr>
+</p:sld>
+</file>
+
+<file path=ppt/slides/slide11.xml><?xml version="1.0" encoding="utf-8"?>
+<p:sld xmlns:a="http://schemas.openxmlformats.org/drawingml/2006/main" xmlns:r="http://schemas.openxmlformats.org/officeDocument/2006/relationships" xmlns:p="http://schemas.openxmlformats.org/presentationml/2006/main">
+  <p:cSld>
+    <p:spTree>
+      <p:nvGrpSpPr>
+        <p:cNvPr id="1" name=""/>
+        <p:cNvGrpSpPr/>
+        <p:nvPr/>
+      </p:nvGrpSpPr>
+      <p:grpSpPr>
+        <a:xfrm>
+          <a:off x="0" y="0"/>
+          <a:ext cx="0" cy="0"/>
+          <a:chOff x="0" y="0"/>
+          <a:chExt cx="0" cy="0"/>
+        </a:xfrm>
+      </p:grpSpPr>
+      <p:sp>
+        <p:nvSpPr>
+          <p:cNvPr id="2" name="Title 1">
+            <a:extLst>
+              <a:ext uri="{FF2B5EF4-FFF2-40B4-BE49-F238E27FC236}">
                 <a16:creationId xmlns:a16="http://schemas.microsoft.com/office/drawing/2014/main" id="{BBB55B09-6C01-4D59-A919-6D04564CDF23}"/>
               </a:ext>
             </a:extLst>
@@ -7924,162 +8017,6 @@
 </p:sld>
 </file>
 
-<file path=ppt/slides/slide11.xml><?xml version="1.0" encoding="utf-8"?>
-<p:sld xmlns:a="http://schemas.openxmlformats.org/drawingml/2006/main" xmlns:r="http://schemas.openxmlformats.org/officeDocument/2006/relationships" xmlns:p="http://schemas.openxmlformats.org/presentationml/2006/main">
-  <p:cSld>
-    <p:spTree>
-      <p:nvGrpSpPr>
-        <p:cNvPr id="1" name=""/>
-        <p:cNvGrpSpPr/>
-        <p:nvPr/>
-      </p:nvGrpSpPr>
-      <p:grpSpPr>
-        <a:xfrm>
-          <a:off x="0" y="0"/>
-          <a:ext cx="0" cy="0"/>
-          <a:chOff x="0" y="0"/>
-          <a:chExt cx="0" cy="0"/>
-        </a:xfrm>
-      </p:grpSpPr>
-      <p:sp>
-        <p:nvSpPr>
-          <p:cNvPr id="2" name="Title 1">
-            <a:extLst>
-              <a:ext uri="{FF2B5EF4-FFF2-40B4-BE49-F238E27FC236}">
-                <a16:creationId xmlns:a16="http://schemas.microsoft.com/office/drawing/2014/main" id="{54118B60-4AD9-4F6A-AD59-B96A11E38E4D}"/>
-              </a:ext>
-            </a:extLst>
-          </p:cNvPr>
-          <p:cNvSpPr>
-            <a:spLocks noGrp="1"/>
-          </p:cNvSpPr>
-          <p:nvPr>
-            <p:ph type="title"/>
-          </p:nvPr>
-        </p:nvSpPr>
-        <p:spPr/>
-        <p:txBody>
-          <a:bodyPr/>
-          <a:lstStyle/>
-          <a:p>
-            <a:r>
-              <a:rPr lang="en-US" dirty="0"/>
-              <a:t>Languages &amp; Actors</a:t>
-            </a:r>
-          </a:p>
-        </p:txBody>
-      </p:sp>
-      <p:sp>
-        <p:nvSpPr>
-          <p:cNvPr id="3" name="Content Placeholder 2">
-            <a:extLst>
-              <a:ext uri="{FF2B5EF4-FFF2-40B4-BE49-F238E27FC236}">
-                <a16:creationId xmlns:a16="http://schemas.microsoft.com/office/drawing/2014/main" id="{E9C49DB0-EA99-4BD7-A718-CB1ED822E00F}"/>
-              </a:ext>
-            </a:extLst>
-          </p:cNvPr>
-          <p:cNvSpPr>
-            <a:spLocks noGrp="1"/>
-          </p:cNvSpPr>
-          <p:nvPr>
-            <p:ph idx="1"/>
-          </p:nvPr>
-        </p:nvSpPr>
-        <p:spPr/>
-        <p:txBody>
-          <a:bodyPr/>
-          <a:lstStyle/>
-          <a:p>
-            <a:r>
-              <a:rPr lang="en-US" dirty="0"/>
-              <a:t>Smalltalk was the first programming language to properly implement message passing</a:t>
-            </a:r>
-          </a:p>
-          <a:p>
-            <a:r>
-              <a:rPr lang="en-US" dirty="0" err="1"/>
-              <a:t>Simula</a:t>
-            </a:r>
-            <a:r>
-              <a:rPr lang="en-US" dirty="0"/>
-              <a:t> was the first language to support actors</a:t>
-            </a:r>
-          </a:p>
-          <a:p>
-            <a:r>
-              <a:rPr lang="en-US" dirty="0"/>
-              <a:t>A host of languages support actors today</a:t>
-            </a:r>
-          </a:p>
-          <a:p>
-            <a:pPr lvl="1"/>
-            <a:r>
-              <a:rPr lang="en-US" dirty="0"/>
-              <a:t>Erlang/</a:t>
-            </a:r>
-            <a:r>
-              <a:rPr lang="en-US" dirty="0" err="1"/>
-              <a:t>Elexir</a:t>
-            </a:r>
-            <a:r>
-              <a:rPr lang="en-US" dirty="0"/>
-              <a:t> (Ericson attributes Nine 9s uptime of its server partially to Erlang)</a:t>
-            </a:r>
-          </a:p>
-          <a:p>
-            <a:pPr lvl="1"/>
-            <a:r>
-              <a:rPr lang="en-US" dirty="0" err="1"/>
-              <a:t>Akka</a:t>
-            </a:r>
-            <a:r>
-              <a:rPr lang="en-US" dirty="0"/>
-              <a:t>/JVM</a:t>
-            </a:r>
-          </a:p>
-          <a:p>
-            <a:pPr lvl="1"/>
-            <a:r>
-              <a:rPr lang="en-US" dirty="0"/>
-              <a:t>Orleans (.NET) (Halo 3d multiplayer uses Orleans)</a:t>
-            </a:r>
-          </a:p>
-          <a:p>
-            <a:pPr lvl="1"/>
-            <a:r>
-              <a:rPr lang="en-US" dirty="0"/>
-              <a:t>CAF (C++)</a:t>
-            </a:r>
-          </a:p>
-          <a:p>
-            <a:pPr lvl="1"/>
-            <a:r>
-              <a:rPr lang="en-US" dirty="0"/>
-              <a:t>Celluloid (Ruby)</a:t>
-            </a:r>
-          </a:p>
-          <a:p>
-            <a:pPr lvl="1"/>
-            <a:r>
-              <a:rPr lang="en-US" dirty="0"/>
-              <a:t>Pulsar (Python)</a:t>
-            </a:r>
-          </a:p>
-        </p:txBody>
-      </p:sp>
-    </p:spTree>
-    <p:extLst>
-      <p:ext uri="{BB962C8B-B14F-4D97-AF65-F5344CB8AC3E}">
-        <p14:creationId xmlns:p14="http://schemas.microsoft.com/office/powerpoint/2010/main" val="1786422811"/>
-      </p:ext>
-    </p:extLst>
-  </p:cSld>
-  <p:clrMapOvr>
-    <a:masterClrMapping/>
-  </p:clrMapOvr>
-</p:sld>
-</file>
-
 <file path=ppt/slides/slide12.xml><?xml version="1.0" encoding="utf-8"?>
 <p:sld xmlns:a="http://schemas.openxmlformats.org/drawingml/2006/main" xmlns:r="http://schemas.openxmlformats.org/officeDocument/2006/relationships" xmlns:p="http://schemas.openxmlformats.org/presentationml/2006/main">
   <p:cSld>
@@ -8102,7 +8039,7 @@
           <p:cNvPr id="2" name="Title 1">
             <a:extLst>
               <a:ext uri="{FF2B5EF4-FFF2-40B4-BE49-F238E27FC236}">
-                <a16:creationId xmlns:a16="http://schemas.microsoft.com/office/drawing/2014/main" id="{25734D02-5E83-44BE-94CF-E816BCD494F8}"/>
+                <a16:creationId xmlns:a16="http://schemas.microsoft.com/office/drawing/2014/main" id="{54118B60-4AD9-4F6A-AD59-B96A11E38E4D}"/>
               </a:ext>
             </a:extLst>
           </p:cNvPr>
@@ -8120,7 +8057,7 @@
           <a:p>
             <a:r>
               <a:rPr lang="en-US" dirty="0"/>
-              <a:t>What are actors…</a:t>
+              <a:t>Languages &amp; Actors</a:t>
             </a:r>
           </a:p>
         </p:txBody>
@@ -8130,7 +8067,7 @@
           <p:cNvPr id="3" name="Content Placeholder 2">
             <a:extLst>
               <a:ext uri="{FF2B5EF4-FFF2-40B4-BE49-F238E27FC236}">
-                <a16:creationId xmlns:a16="http://schemas.microsoft.com/office/drawing/2014/main" id="{F280F7B7-7790-4A81-8852-151D33070B29}"/>
+                <a16:creationId xmlns:a16="http://schemas.microsoft.com/office/drawing/2014/main" id="{E9C49DB0-EA99-4BD7-A718-CB1ED822E00F}"/>
               </a:ext>
             </a:extLst>
           </p:cNvPr>
@@ -8143,59 +8080,82 @@
         </p:nvSpPr>
         <p:spPr/>
         <p:txBody>
-          <a:bodyPr>
-            <a:normAutofit fontScale="92500" lnSpcReduction="10000"/>
-          </a:bodyPr>
-          <a:lstStyle/>
-          <a:p>
-            <a:r>
-              <a:rPr lang="en-US" dirty="0"/>
-              <a:t>An actor is a computational entity that, in response to a message it receives, can concurrently:</a:t>
+          <a:bodyPr/>
+          <a:lstStyle/>
+          <a:p>
+            <a:r>
+              <a:rPr lang="en-US" dirty="0"/>
+              <a:t>Smalltalk was the first programming language to properly implement message passing</a:t>
+            </a:r>
+          </a:p>
+          <a:p>
+            <a:r>
+              <a:rPr lang="en-US" dirty="0" err="1"/>
+              <a:t>Simula</a:t>
+            </a:r>
+            <a:r>
+              <a:rPr lang="en-US" dirty="0"/>
+              <a:t> was the first language to support actors</a:t>
+            </a:r>
+          </a:p>
+          <a:p>
+            <a:r>
+              <a:rPr lang="en-US" dirty="0"/>
+              <a:t>A host of languages support actors today</a:t>
             </a:r>
           </a:p>
           <a:p>
             <a:pPr lvl="1"/>
             <a:r>
               <a:rPr lang="en-US" dirty="0"/>
-              <a:t>send a finite number of messages to other actors</a:t>
+              <a:t>Erlang/</a:t>
+            </a:r>
+            <a:r>
+              <a:rPr lang="en-US" dirty="0" err="1"/>
+              <a:t>Elexir</a:t>
+            </a:r>
+            <a:r>
+              <a:rPr lang="en-US" dirty="0"/>
+              <a:t> (Ericson attributes Nine 9s uptime of its server partially to Erlang)</a:t>
             </a:r>
           </a:p>
           <a:p>
             <a:pPr lvl="1"/>
             <a:r>
-              <a:rPr lang="en-US" dirty="0"/>
-              <a:t>create a finite number of new actors</a:t>
+              <a:rPr lang="en-US" dirty="0" err="1"/>
+              <a:t>Akka</a:t>
+            </a:r>
+            <a:r>
+              <a:rPr lang="en-US" dirty="0"/>
+              <a:t>/JVM</a:t>
             </a:r>
           </a:p>
           <a:p>
             <a:pPr lvl="1"/>
             <a:r>
               <a:rPr lang="en-US" dirty="0"/>
-              <a:t>designate the behavior to be used for the next message it receives</a:t>
-            </a:r>
-          </a:p>
-          <a:p>
-            <a:r>
-              <a:rPr lang="en-US" dirty="0"/>
-              <a:t>Actors are persistent, their lifetime is beyond that of a process</a:t>
-            </a:r>
-          </a:p>
-          <a:p>
-            <a:r>
-              <a:rPr lang="en-US" dirty="0"/>
-              <a:t>Actors have one or more addresses to which messages may be sent</a:t>
-            </a:r>
-          </a:p>
-          <a:p>
-            <a:r>
-              <a:rPr lang="en-US" dirty="0"/>
-              <a:t>The mailbox is persistent, if an actor dies, the messages are not lost and another actor can be spawned up to take up those messages (this is the theory, a specific implementation may not stick to the theory)</a:t>
-            </a:r>
-          </a:p>
-          <a:p>
-            <a:r>
-              <a:rPr lang="en-US" dirty="0"/>
-              <a:t>The transport mechanism is immaterial, which means that actors can reside on different machines and communicate with TCP/IP with little or no code change</a:t>
+              <a:t>Orleans (.NET) (Halo 3d multiplayer uses Orleans)</a:t>
+            </a:r>
+          </a:p>
+          <a:p>
+            <a:pPr lvl="1"/>
+            <a:r>
+              <a:rPr lang="en-US" dirty="0"/>
+              <a:t>CAF (C++)</a:t>
+            </a:r>
+          </a:p>
+          <a:p>
+            <a:pPr lvl="1"/>
+            <a:r>
+              <a:rPr lang="en-US" dirty="0"/>
+              <a:t>Celluloid (Ruby)</a:t>
+            </a:r>
+          </a:p>
+          <a:p>
+            <a:pPr lvl="1"/>
+            <a:r>
+              <a:rPr lang="en-US" dirty="0"/>
+              <a:t>Pulsar (Python)</a:t>
             </a:r>
           </a:p>
         </p:txBody>
@@ -8203,7 +8163,7 @@
     </p:spTree>
     <p:extLst>
       <p:ext uri="{BB962C8B-B14F-4D97-AF65-F5344CB8AC3E}">
-        <p14:creationId xmlns:p14="http://schemas.microsoft.com/office/powerpoint/2010/main" val="3644928662"/>
+        <p14:creationId xmlns:p14="http://schemas.microsoft.com/office/powerpoint/2010/main" val="1786422811"/>
       </p:ext>
     </p:extLst>
   </p:cSld>
@@ -8235,7 +8195,7 @@
           <p:cNvPr id="2" name="Title 1">
             <a:extLst>
               <a:ext uri="{FF2B5EF4-FFF2-40B4-BE49-F238E27FC236}">
-                <a16:creationId xmlns:a16="http://schemas.microsoft.com/office/drawing/2014/main" id="{E599B842-AB35-4C79-9F29-04B4E5D8C4E3}"/>
+                <a16:creationId xmlns:a16="http://schemas.microsoft.com/office/drawing/2014/main" id="{25734D02-5E83-44BE-94CF-E816BCD494F8}"/>
               </a:ext>
             </a:extLst>
           </p:cNvPr>
@@ -8253,7 +8213,7 @@
           <a:p>
             <a:r>
               <a:rPr lang="en-US" dirty="0"/>
-              <a:t>What are Actors… (cont.)</a:t>
+              <a:t>What are actors…</a:t>
             </a:r>
           </a:p>
         </p:txBody>
@@ -8263,7 +8223,7 @@
           <p:cNvPr id="3" name="Content Placeholder 2">
             <a:extLst>
               <a:ext uri="{FF2B5EF4-FFF2-40B4-BE49-F238E27FC236}">
-                <a16:creationId xmlns:a16="http://schemas.microsoft.com/office/drawing/2014/main" id="{318C1C9F-B1FD-4570-9049-32AE4BCADDF2}"/>
+                <a16:creationId xmlns:a16="http://schemas.microsoft.com/office/drawing/2014/main" id="{F280F7B7-7790-4A81-8852-151D33070B29}"/>
               </a:ext>
             </a:extLst>
           </p:cNvPr>
@@ -8276,38 +8236,59 @@
         </p:nvSpPr>
         <p:spPr/>
         <p:txBody>
-          <a:bodyPr/>
-          <a:lstStyle/>
-          <a:p>
-            <a:r>
-              <a:rPr lang="en-US" dirty="0"/>
-              <a:t>There can be load balancing actors that hide worker actors behind them</a:t>
-            </a:r>
-          </a:p>
-          <a:p>
-            <a:r>
-              <a:rPr lang="en-US" dirty="0"/>
-              <a:t>Actors are supervised by other actors to check for failure and error handling</a:t>
+          <a:bodyPr>
+            <a:normAutofit fontScale="92500" lnSpcReduction="10000"/>
+          </a:bodyPr>
+          <a:lstStyle/>
+          <a:p>
+            <a:r>
+              <a:rPr lang="en-US" dirty="0"/>
+              <a:t>An actor is a computational entity that, in response to a message it receives, can concurrently:</a:t>
             </a:r>
           </a:p>
           <a:p>
             <a:pPr lvl="1"/>
             <a:r>
               <a:rPr lang="en-US" dirty="0"/>
-              <a:t>Who supervises the supervisors? Other supervisors</a:t>
+              <a:t>send a finite number of messages to other actors</a:t>
             </a:r>
           </a:p>
           <a:p>
             <a:pPr lvl="1"/>
             <a:r>
               <a:rPr lang="en-US" dirty="0"/>
-              <a:t>This means that there is a supervisor tree</a:t>
-            </a:r>
-          </a:p>
-          <a:p>
-            <a:r>
-              <a:rPr lang="en-US" dirty="0"/>
-              <a:t>Actors can have internal states</a:t>
+              <a:t>create a finite number of new actors</a:t>
+            </a:r>
+          </a:p>
+          <a:p>
+            <a:pPr lvl="1"/>
+            <a:r>
+              <a:rPr lang="en-US" dirty="0"/>
+              <a:t>designate the behavior to be used for the next message it receives</a:t>
+            </a:r>
+          </a:p>
+          <a:p>
+            <a:r>
+              <a:rPr lang="en-US" dirty="0"/>
+              <a:t>Actors are persistent, their lifetime is beyond that of a process</a:t>
+            </a:r>
+          </a:p>
+          <a:p>
+            <a:r>
+              <a:rPr lang="en-US" dirty="0"/>
+              <a:t>Actors have one or more addresses to which messages may be sent</a:t>
+            </a:r>
+          </a:p>
+          <a:p>
+            <a:r>
+              <a:rPr lang="en-US" dirty="0"/>
+              <a:t>The mailbox is persistent, if an actor dies, the messages are not lost and another actor can be spawned up to take up those messages (this is the theory, a specific implementation may not stick to the theory)</a:t>
+            </a:r>
+          </a:p>
+          <a:p>
+            <a:r>
+              <a:rPr lang="en-US" dirty="0"/>
+              <a:t>The transport mechanism is immaterial, which means that actors can reside on different machines and communicate with TCP/IP with little or no code change</a:t>
             </a:r>
           </a:p>
         </p:txBody>
@@ -8315,7 +8296,7 @@
     </p:spTree>
     <p:extLst>
       <p:ext uri="{BB962C8B-B14F-4D97-AF65-F5344CB8AC3E}">
-        <p14:creationId xmlns:p14="http://schemas.microsoft.com/office/powerpoint/2010/main" val="4008316435"/>
+        <p14:creationId xmlns:p14="http://schemas.microsoft.com/office/powerpoint/2010/main" val="3644928662"/>
       </p:ext>
     </p:extLst>
   </p:cSld>
@@ -8347,7 +8328,7 @@
           <p:cNvPr id="2" name="Title 1">
             <a:extLst>
               <a:ext uri="{FF2B5EF4-FFF2-40B4-BE49-F238E27FC236}">
-                <a16:creationId xmlns:a16="http://schemas.microsoft.com/office/drawing/2014/main" id="{774DDF57-F59B-49B7-8396-9873DFF356BB}"/>
+                <a16:creationId xmlns:a16="http://schemas.microsoft.com/office/drawing/2014/main" id="{E599B842-AB35-4C79-9F29-04B4E5D8C4E3}"/>
               </a:ext>
             </a:extLst>
           </p:cNvPr>
@@ -8365,7 +8346,7 @@
           <a:p>
             <a:r>
               <a:rPr lang="en-US" dirty="0"/>
-              <a:t>What do Actors do…</a:t>
+              <a:t>What are Actors… (cont.)</a:t>
             </a:r>
           </a:p>
         </p:txBody>
@@ -8375,7 +8356,7 @@
           <p:cNvPr id="3" name="Content Placeholder 2">
             <a:extLst>
               <a:ext uri="{FF2B5EF4-FFF2-40B4-BE49-F238E27FC236}">
-                <a16:creationId xmlns:a16="http://schemas.microsoft.com/office/drawing/2014/main" id="{888C3D4F-7DD5-4F82-AD1C-AE0454DE2782}"/>
+                <a16:creationId xmlns:a16="http://schemas.microsoft.com/office/drawing/2014/main" id="{318C1C9F-B1FD-4570-9049-32AE4BCADDF2}"/>
               </a:ext>
             </a:extLst>
           </p:cNvPr>
@@ -8393,19 +8374,33 @@
           <a:p>
             <a:r>
               <a:rPr lang="en-US" dirty="0"/>
-              <a:t>Receive a message (one at a time)</a:t>
-            </a:r>
-          </a:p>
-          <a:p>
-            <a:r>
-              <a:rPr lang="en-US" dirty="0"/>
-              <a:t>Do some work when a message is received</a:t>
-            </a:r>
-          </a:p>
-          <a:p>
-            <a:r>
-              <a:rPr lang="en-US" dirty="0"/>
-              <a:t>Send one or more messages to other actors</a:t>
+              <a:t>There can be load balancing actors that hide worker actors behind them</a:t>
+            </a:r>
+          </a:p>
+          <a:p>
+            <a:r>
+              <a:rPr lang="en-US" dirty="0"/>
+              <a:t>Actors are supervised by other actors to check for failure and error handling</a:t>
+            </a:r>
+          </a:p>
+          <a:p>
+            <a:pPr lvl="1"/>
+            <a:r>
+              <a:rPr lang="en-US" dirty="0"/>
+              <a:t>Who supervises the supervisors? Other supervisors</a:t>
+            </a:r>
+          </a:p>
+          <a:p>
+            <a:pPr lvl="1"/>
+            <a:r>
+              <a:rPr lang="en-US" dirty="0"/>
+              <a:t>This means that there is a supervisor tree</a:t>
+            </a:r>
+          </a:p>
+          <a:p>
+            <a:r>
+              <a:rPr lang="en-US" dirty="0"/>
+              <a:t>Actors can have internal states</a:t>
             </a:r>
           </a:p>
         </p:txBody>
@@ -8413,7 +8408,7 @@
     </p:spTree>
     <p:extLst>
       <p:ext uri="{BB962C8B-B14F-4D97-AF65-F5344CB8AC3E}">
-        <p14:creationId xmlns:p14="http://schemas.microsoft.com/office/powerpoint/2010/main" val="3081027863"/>
+        <p14:creationId xmlns:p14="http://schemas.microsoft.com/office/powerpoint/2010/main" val="4008316435"/>
       </p:ext>
     </p:extLst>
   </p:cSld>
@@ -8445,6 +8440,104 @@
           <p:cNvPr id="2" name="Title 1">
             <a:extLst>
               <a:ext uri="{FF2B5EF4-FFF2-40B4-BE49-F238E27FC236}">
+                <a16:creationId xmlns:a16="http://schemas.microsoft.com/office/drawing/2014/main" id="{774DDF57-F59B-49B7-8396-9873DFF356BB}"/>
+              </a:ext>
+            </a:extLst>
+          </p:cNvPr>
+          <p:cNvSpPr>
+            <a:spLocks noGrp="1"/>
+          </p:cNvSpPr>
+          <p:nvPr>
+            <p:ph type="title"/>
+          </p:nvPr>
+        </p:nvSpPr>
+        <p:spPr/>
+        <p:txBody>
+          <a:bodyPr/>
+          <a:lstStyle/>
+          <a:p>
+            <a:r>
+              <a:rPr lang="en-US" dirty="0"/>
+              <a:t>What do Actors do…</a:t>
+            </a:r>
+          </a:p>
+        </p:txBody>
+      </p:sp>
+      <p:sp>
+        <p:nvSpPr>
+          <p:cNvPr id="3" name="Content Placeholder 2">
+            <a:extLst>
+              <a:ext uri="{FF2B5EF4-FFF2-40B4-BE49-F238E27FC236}">
+                <a16:creationId xmlns:a16="http://schemas.microsoft.com/office/drawing/2014/main" id="{888C3D4F-7DD5-4F82-AD1C-AE0454DE2782}"/>
+              </a:ext>
+            </a:extLst>
+          </p:cNvPr>
+          <p:cNvSpPr>
+            <a:spLocks noGrp="1"/>
+          </p:cNvSpPr>
+          <p:nvPr>
+            <p:ph idx="1"/>
+          </p:nvPr>
+        </p:nvSpPr>
+        <p:spPr/>
+        <p:txBody>
+          <a:bodyPr/>
+          <a:lstStyle/>
+          <a:p>
+            <a:r>
+              <a:rPr lang="en-US" dirty="0"/>
+              <a:t>Receive a message (one at a time)</a:t>
+            </a:r>
+          </a:p>
+          <a:p>
+            <a:r>
+              <a:rPr lang="en-US" dirty="0"/>
+              <a:t>Do some work when a message is received</a:t>
+            </a:r>
+          </a:p>
+          <a:p>
+            <a:r>
+              <a:rPr lang="en-US" dirty="0"/>
+              <a:t>Send one or more messages to other actors</a:t>
+            </a:r>
+          </a:p>
+        </p:txBody>
+      </p:sp>
+    </p:spTree>
+    <p:extLst>
+      <p:ext uri="{BB962C8B-B14F-4D97-AF65-F5344CB8AC3E}">
+        <p14:creationId xmlns:p14="http://schemas.microsoft.com/office/powerpoint/2010/main" val="3081027863"/>
+      </p:ext>
+    </p:extLst>
+  </p:cSld>
+  <p:clrMapOvr>
+    <a:masterClrMapping/>
+  </p:clrMapOvr>
+</p:sld>
+</file>
+
+<file path=ppt/slides/slide16.xml><?xml version="1.0" encoding="utf-8"?>
+<p:sld xmlns:a="http://schemas.openxmlformats.org/drawingml/2006/main" xmlns:r="http://schemas.openxmlformats.org/officeDocument/2006/relationships" xmlns:p="http://schemas.openxmlformats.org/presentationml/2006/main">
+  <p:cSld>
+    <p:spTree>
+      <p:nvGrpSpPr>
+        <p:cNvPr id="1" name=""/>
+        <p:cNvGrpSpPr/>
+        <p:nvPr/>
+      </p:nvGrpSpPr>
+      <p:grpSpPr>
+        <a:xfrm>
+          <a:off x="0" y="0"/>
+          <a:ext cx="0" cy="0"/>
+          <a:chOff x="0" y="0"/>
+          <a:chExt cx="0" cy="0"/>
+        </a:xfrm>
+      </p:grpSpPr>
+      <p:sp>
+        <p:nvSpPr>
+          <p:cNvPr id="2" name="Title 1">
+            <a:extLst>
+              <a:ext uri="{FF2B5EF4-FFF2-40B4-BE49-F238E27FC236}">
                 <a16:creationId xmlns:a16="http://schemas.microsoft.com/office/drawing/2014/main" id="{97B2DABC-B3CB-477F-899B-05D6200D9920}"/>
               </a:ext>
             </a:extLst>
@@ -8486,7 +8579,7 @@
 </p:sld>
 </file>
 
-<file path=ppt/slides/slide16.xml><?xml version="1.0" encoding="utf-8"?>
+<file path=ppt/slides/slide17.xml><?xml version="1.0" encoding="utf-8"?>
 <p:sld xmlns:a="http://schemas.openxmlformats.org/drawingml/2006/main" xmlns:r="http://schemas.openxmlformats.org/officeDocument/2006/relationships" xmlns:p="http://schemas.openxmlformats.org/presentationml/2006/main">
   <p:cSld>
     <p:spTree>
@@ -8632,142 +8725,6 @@
 </p:sld>
 </file>
 
-<file path=ppt/slides/slide17.xml><?xml version="1.0" encoding="utf-8"?>
-<p:sld xmlns:a="http://schemas.openxmlformats.org/drawingml/2006/main" xmlns:r="http://schemas.openxmlformats.org/officeDocument/2006/relationships" xmlns:p="http://schemas.openxmlformats.org/presentationml/2006/main">
-  <p:cSld>
-    <p:spTree>
-      <p:nvGrpSpPr>
-        <p:cNvPr id="1" name=""/>
-        <p:cNvGrpSpPr/>
-        <p:nvPr/>
-      </p:nvGrpSpPr>
-      <p:grpSpPr>
-        <a:xfrm>
-          <a:off x="0" y="0"/>
-          <a:ext cx="0" cy="0"/>
-          <a:chOff x="0" y="0"/>
-          <a:chExt cx="0" cy="0"/>
-        </a:xfrm>
-      </p:grpSpPr>
-      <p:sp>
-        <p:nvSpPr>
-          <p:cNvPr id="2" name="Title 1">
-            <a:extLst>
-              <a:ext uri="{FF2B5EF4-FFF2-40B4-BE49-F238E27FC236}">
-                <a16:creationId xmlns:a16="http://schemas.microsoft.com/office/drawing/2014/main" id="{371D9573-C3C3-4500-84BB-DF152FDFF51B}"/>
-              </a:ext>
-            </a:extLst>
-          </p:cNvPr>
-          <p:cNvSpPr>
-            <a:spLocks noGrp="1"/>
-          </p:cNvSpPr>
-          <p:nvPr>
-            <p:ph type="title"/>
-          </p:nvPr>
-        </p:nvSpPr>
-        <p:spPr/>
-        <p:txBody>
-          <a:bodyPr/>
-          <a:lstStyle/>
-          <a:p>
-            <a:r>
-              <a:rPr lang="en-US" dirty="0"/>
-              <a:t>What is CSP</a:t>
-            </a:r>
-          </a:p>
-        </p:txBody>
-      </p:sp>
-      <p:sp>
-        <p:nvSpPr>
-          <p:cNvPr id="3" name="Content Placeholder 2">
-            <a:extLst>
-              <a:ext uri="{FF2B5EF4-FFF2-40B4-BE49-F238E27FC236}">
-                <a16:creationId xmlns:a16="http://schemas.microsoft.com/office/drawing/2014/main" id="{69FE7CA2-6CC6-4A3A-9F2C-CD2B2F22E475}"/>
-              </a:ext>
-            </a:extLst>
-          </p:cNvPr>
-          <p:cNvSpPr>
-            <a:spLocks noGrp="1"/>
-          </p:cNvSpPr>
-          <p:nvPr>
-            <p:ph idx="1"/>
-          </p:nvPr>
-        </p:nvSpPr>
-        <p:spPr/>
-        <p:txBody>
-          <a:bodyPr/>
-          <a:lstStyle/>
-          <a:p>
-            <a:r>
-              <a:rPr lang="en-US" dirty="0"/>
-              <a:t>Hoare described the ideas mathematically in his paper</a:t>
-            </a:r>
-          </a:p>
-          <a:p>
-            <a:r>
-              <a:rPr lang="en-US" dirty="0"/>
-              <a:t>Since then the ideas have been expanded mathematically to form </a:t>
-            </a:r>
-            <a:r>
-              <a:rPr lang="el-GR" dirty="0"/>
-              <a:t>π</a:t>
-            </a:r>
-            <a:r>
-              <a:rPr lang="en-US" dirty="0"/>
-              <a:t>-calculus and </a:t>
-            </a:r>
-            <a:r>
-              <a:rPr lang="el-GR" dirty="0"/>
-              <a:t>ρ</a:t>
-            </a:r>
-            <a:r>
-              <a:rPr lang="en-US" dirty="0"/>
-              <a:t>-calculus</a:t>
-            </a:r>
-          </a:p>
-          <a:p>
-            <a:r>
-              <a:rPr lang="en-US" dirty="0"/>
-              <a:t>Based on concurrently running processes</a:t>
-            </a:r>
-          </a:p>
-          <a:p>
-            <a:pPr lvl="1"/>
-            <a:r>
-              <a:rPr lang="en-US" dirty="0"/>
-              <a:t>Concurrency is not necessarily the same thing as parallelly running processes</a:t>
-            </a:r>
-          </a:p>
-          <a:p>
-            <a:r>
-              <a:rPr lang="en-US" dirty="0"/>
-              <a:t>Processes can have their own state and can share data, although it is best if they do not share data in traditional ways</a:t>
-            </a:r>
-          </a:p>
-          <a:p>
-            <a:r>
-              <a:rPr lang="en-US" dirty="0"/>
-              <a:t>Processes can communicate with each other via established channels</a:t>
-            </a:r>
-          </a:p>
-          <a:p>
-            <a:endParaRPr lang="en-US" dirty="0"/>
-          </a:p>
-        </p:txBody>
-      </p:sp>
-    </p:spTree>
-    <p:extLst>
-      <p:ext uri="{BB962C8B-B14F-4D97-AF65-F5344CB8AC3E}">
-        <p14:creationId xmlns:p14="http://schemas.microsoft.com/office/powerpoint/2010/main" val="3546048363"/>
-      </p:ext>
-    </p:extLst>
-  </p:cSld>
-  <p:clrMapOvr>
-    <a:masterClrMapping/>
-  </p:clrMapOvr>
-</p:sld>
-</file>
-
 <file path=ppt/slides/slide18.xml><?xml version="1.0" encoding="utf-8"?>
 <p:sld xmlns:a="http://schemas.openxmlformats.org/drawingml/2006/main" xmlns:r="http://schemas.openxmlformats.org/officeDocument/2006/relationships" xmlns:p="http://schemas.openxmlformats.org/presentationml/2006/main">
   <p:cSld>
@@ -8790,7 +8747,7 @@
           <p:cNvPr id="2" name="Title 1">
             <a:extLst>
               <a:ext uri="{FF2B5EF4-FFF2-40B4-BE49-F238E27FC236}">
-                <a16:creationId xmlns:a16="http://schemas.microsoft.com/office/drawing/2014/main" id="{D336B076-99CA-4A48-B4C4-A8D091D7DB68}"/>
+                <a16:creationId xmlns:a16="http://schemas.microsoft.com/office/drawing/2014/main" id="{371D9573-C3C3-4500-84BB-DF152FDFF51B}"/>
               </a:ext>
             </a:extLst>
           </p:cNvPr>
@@ -8808,7 +8765,7 @@
           <a:p>
             <a:r>
               <a:rPr lang="en-US" dirty="0"/>
-              <a:t>Go and CSP</a:t>
+              <a:t>What is CSP</a:t>
             </a:r>
           </a:p>
         </p:txBody>
@@ -8818,7 +8775,7 @@
           <p:cNvPr id="3" name="Content Placeholder 2">
             <a:extLst>
               <a:ext uri="{FF2B5EF4-FFF2-40B4-BE49-F238E27FC236}">
-                <a16:creationId xmlns:a16="http://schemas.microsoft.com/office/drawing/2014/main" id="{11267347-A754-4EBC-999C-20F17AD90F4B}"/>
+                <a16:creationId xmlns:a16="http://schemas.microsoft.com/office/drawing/2014/main" id="{69FE7CA2-6CC6-4A3A-9F2C-CD2B2F22E475}"/>
               </a:ext>
             </a:extLst>
           </p:cNvPr>
@@ -8836,83 +8793,65 @@
           <a:p>
             <a:r>
               <a:rPr lang="en-US" dirty="0"/>
-              <a:t>Go follows the CSP model</a:t>
+              <a:t>Hoare described the ideas mathematically in his paper</a:t>
+            </a:r>
+          </a:p>
+          <a:p>
+            <a:r>
+              <a:rPr lang="en-US" dirty="0"/>
+              <a:t>Since then, the ideas have been expanded mathematically to form </a:t>
+            </a:r>
+            <a:r>
+              <a:rPr lang="el-GR" dirty="0"/>
+              <a:t>π</a:t>
+            </a:r>
+            <a:r>
+              <a:rPr lang="en-US" dirty="0"/>
+              <a:t>-calculus and </a:t>
+            </a:r>
+            <a:r>
+              <a:rPr lang="el-GR" dirty="0"/>
+              <a:t>ρ</a:t>
+            </a:r>
+            <a:r>
+              <a:rPr lang="en-US" dirty="0"/>
+              <a:t>-calculus</a:t>
+            </a:r>
+          </a:p>
+          <a:p>
+            <a:r>
+              <a:rPr lang="en-US" dirty="0"/>
+              <a:t>Based on concurrently running processes</a:t>
             </a:r>
           </a:p>
           <a:p>
             <a:pPr lvl="1"/>
             <a:r>
-              <a:rPr lang="en-US" dirty="0" err="1"/>
-              <a:t>GoRoutines</a:t>
-            </a:r>
-            <a:r>
-              <a:rPr lang="en-US" dirty="0"/>
-              <a:t> are equivalent of CSP processes</a:t>
-            </a:r>
-          </a:p>
-          <a:p>
-            <a:pPr lvl="2"/>
-            <a:r>
-              <a:rPr lang="en-US" dirty="0"/>
-              <a:t>Go Routines are lightweight green threads</a:t>
-            </a:r>
-          </a:p>
-          <a:p>
-            <a:pPr lvl="2"/>
-            <a:r>
-              <a:rPr lang="en-US" dirty="0"/>
-              <a:t>They are managed by the Go runtime</a:t>
-            </a:r>
-          </a:p>
-          <a:p>
-            <a:pPr lvl="2"/>
-            <a:r>
-              <a:rPr lang="en-US" dirty="0"/>
-              <a:t>Having O(10000) </a:t>
-            </a:r>
-            <a:r>
-              <a:rPr lang="en-US" dirty="0" err="1"/>
-              <a:t>GoRoutines</a:t>
-            </a:r>
-            <a:r>
-              <a:rPr lang="en-US" dirty="0"/>
-              <a:t> is not uncommon</a:t>
-            </a:r>
-          </a:p>
-          <a:p>
-            <a:pPr lvl="2"/>
-            <a:r>
-              <a:rPr lang="en-US" dirty="0"/>
-              <a:t>Go Runtime doesn’t spawn O(10000) OS threads</a:t>
-            </a:r>
-          </a:p>
-          <a:p>
-            <a:pPr lvl="1"/>
-            <a:r>
-              <a:rPr lang="en-US" dirty="0"/>
-              <a:t>Processes communicate with channels</a:t>
-            </a:r>
-          </a:p>
-          <a:p>
-            <a:pPr lvl="1"/>
-            <a:r>
-              <a:rPr lang="en-US" dirty="0"/>
-              <a:t>Channels are a first class data type in Go</a:t>
-            </a:r>
-          </a:p>
-          <a:p>
-            <a:pPr lvl="1"/>
-            <a:r>
-              <a:rPr lang="en-US" dirty="0"/>
-              <a:t>Channels can be passed as data members while sending messages over other channels</a:t>
-            </a:r>
+              <a:rPr lang="en-US" dirty="0"/>
+              <a:t>Concurrency is not necessarily the same thing as parallelly running processes</a:t>
+            </a:r>
+          </a:p>
+          <a:p>
+            <a:r>
+              <a:rPr lang="en-US" dirty="0"/>
+              <a:t>Processes can have their own state and can share data, although it is best if they do not share data in traditional ways</a:t>
+            </a:r>
+          </a:p>
+          <a:p>
+            <a:r>
+              <a:rPr lang="en-US" dirty="0"/>
+              <a:t>Processes can communicate with each other via established channels</a:t>
+            </a:r>
+          </a:p>
+          <a:p>
+            <a:endParaRPr lang="en-US" dirty="0"/>
           </a:p>
         </p:txBody>
       </p:sp>
     </p:spTree>
     <p:extLst>
       <p:ext uri="{BB962C8B-B14F-4D97-AF65-F5344CB8AC3E}">
-        <p14:creationId xmlns:p14="http://schemas.microsoft.com/office/powerpoint/2010/main" val="1812656192"/>
+        <p14:creationId xmlns:p14="http://schemas.microsoft.com/office/powerpoint/2010/main" val="3546048363"/>
       </p:ext>
     </p:extLst>
   </p:cSld>
@@ -8944,7 +8883,7 @@
           <p:cNvPr id="2" name="Title 1">
             <a:extLst>
               <a:ext uri="{FF2B5EF4-FFF2-40B4-BE49-F238E27FC236}">
-                <a16:creationId xmlns:a16="http://schemas.microsoft.com/office/drawing/2014/main" id="{6D312031-0C7D-4BF9-BE26-26548F6368E4}"/>
+                <a16:creationId xmlns:a16="http://schemas.microsoft.com/office/drawing/2014/main" id="{D336B076-99CA-4A48-B4C4-A8D091D7DB68}"/>
               </a:ext>
             </a:extLst>
           </p:cNvPr>
@@ -8962,7 +8901,7 @@
           <a:p>
             <a:r>
               <a:rPr lang="en-US" dirty="0"/>
-              <a:t>Guiding Principle of Go</a:t>
+              <a:t>Go and CSP</a:t>
             </a:r>
           </a:p>
         </p:txBody>
@@ -8972,7 +8911,7 @@
           <p:cNvPr id="3" name="Content Placeholder 2">
             <a:extLst>
               <a:ext uri="{FF2B5EF4-FFF2-40B4-BE49-F238E27FC236}">
-                <a16:creationId xmlns:a16="http://schemas.microsoft.com/office/drawing/2014/main" id="{D238B5FD-D035-4DFE-9413-58D782C93BB3}"/>
+                <a16:creationId xmlns:a16="http://schemas.microsoft.com/office/drawing/2014/main" id="{11267347-A754-4EBC-999C-20F17AD90F4B}"/>
               </a:ext>
             </a:extLst>
           </p:cNvPr>
@@ -8990,7 +8929,75 @@
           <a:p>
             <a:r>
               <a:rPr lang="en-US" dirty="0"/>
-              <a:t>Do not communicate by sharing memory, share memory by communicating.</a:t>
+              <a:t>Go follows the CSP model</a:t>
+            </a:r>
+          </a:p>
+          <a:p>
+            <a:pPr lvl="1"/>
+            <a:r>
+              <a:rPr lang="en-US" dirty="0" err="1"/>
+              <a:t>GoRoutines</a:t>
+            </a:r>
+            <a:r>
+              <a:rPr lang="en-US" dirty="0"/>
+              <a:t> are equivalent of CSP processes</a:t>
+            </a:r>
+          </a:p>
+          <a:p>
+            <a:pPr lvl="2"/>
+            <a:r>
+              <a:rPr lang="en-US" dirty="0"/>
+              <a:t>Go Routines are lightweight green threads</a:t>
+            </a:r>
+          </a:p>
+          <a:p>
+            <a:pPr lvl="2"/>
+            <a:r>
+              <a:rPr lang="en-US" dirty="0"/>
+              <a:t>They are managed by the Go runtime</a:t>
+            </a:r>
+          </a:p>
+          <a:p>
+            <a:pPr lvl="2"/>
+            <a:r>
+              <a:rPr lang="en-US" dirty="0"/>
+              <a:t>Having O(10000) </a:t>
+            </a:r>
+            <a:r>
+              <a:rPr lang="en-US" dirty="0" err="1"/>
+              <a:t>GoRoutines</a:t>
+            </a:r>
+            <a:r>
+              <a:rPr lang="en-US" dirty="0"/>
+              <a:t> is not uncommon</a:t>
+            </a:r>
+          </a:p>
+          <a:p>
+            <a:pPr lvl="2"/>
+            <a:r>
+              <a:rPr lang="en-US" dirty="0"/>
+              <a:t>Go Runtime doesn’t spawn O(10000) OS threads</a:t>
+            </a:r>
+          </a:p>
+          <a:p>
+            <a:pPr lvl="1"/>
+            <a:r>
+              <a:rPr lang="en-US" dirty="0"/>
+              <a:t>Processes communicate with channels</a:t>
+            </a:r>
+          </a:p>
+          <a:p>
+            <a:pPr lvl="1"/>
+            <a:r>
+              <a:rPr lang="en-US" dirty="0"/>
+              <a:t>Channels are a first class data type in Go</a:t>
+            </a:r>
+          </a:p>
+          <a:p>
+            <a:pPr lvl="1"/>
+            <a:r>
+              <a:rPr lang="en-US" dirty="0"/>
+              <a:t>Channels can be passed as data members while sending messages over other channels</a:t>
             </a:r>
           </a:p>
         </p:txBody>
@@ -8998,7 +9005,7 @@
     </p:spTree>
     <p:extLst>
       <p:ext uri="{BB962C8B-B14F-4D97-AF65-F5344CB8AC3E}">
-        <p14:creationId xmlns:p14="http://schemas.microsoft.com/office/powerpoint/2010/main" val="4289456196"/>
+        <p14:creationId xmlns:p14="http://schemas.microsoft.com/office/powerpoint/2010/main" val="1812656192"/>
       </p:ext>
     </p:extLst>
   </p:cSld>
@@ -9176,7 +9183,7 @@
           <p:cNvPr id="2" name="Title 1">
             <a:extLst>
               <a:ext uri="{FF2B5EF4-FFF2-40B4-BE49-F238E27FC236}">
-                <a16:creationId xmlns:a16="http://schemas.microsoft.com/office/drawing/2014/main" id="{52DCCFA5-0DAE-4FF9-8321-30E91B6765CD}"/>
+                <a16:creationId xmlns:a16="http://schemas.microsoft.com/office/drawing/2014/main" id="{6D312031-0C7D-4BF9-BE26-26548F6368E4}"/>
               </a:ext>
             </a:extLst>
           </p:cNvPr>
@@ -9187,19 +9194,42 @@
             <p:ph type="title"/>
           </p:nvPr>
         </p:nvSpPr>
-        <p:spPr>
-          <a:xfrm>
-            <a:off x="3449135" y="3134554"/>
-            <a:ext cx="8911687" cy="1280890"/>
-          </a:xfrm>
-        </p:spPr>
+        <p:spPr/>
         <p:txBody>
           <a:bodyPr/>
           <a:lstStyle/>
           <a:p>
             <a:r>
               <a:rPr lang="en-US" dirty="0"/>
-              <a:t>CSP in action with Go</a:t>
+              <a:t>Guiding Principle of Go</a:t>
+            </a:r>
+          </a:p>
+        </p:txBody>
+      </p:sp>
+      <p:sp>
+        <p:nvSpPr>
+          <p:cNvPr id="3" name="Content Placeholder 2">
+            <a:extLst>
+              <a:ext uri="{FF2B5EF4-FFF2-40B4-BE49-F238E27FC236}">
+                <a16:creationId xmlns:a16="http://schemas.microsoft.com/office/drawing/2014/main" id="{D238B5FD-D035-4DFE-9413-58D782C93BB3}"/>
+              </a:ext>
+            </a:extLst>
+          </p:cNvPr>
+          <p:cNvSpPr>
+            <a:spLocks noGrp="1"/>
+          </p:cNvSpPr>
+          <p:nvPr>
+            <p:ph idx="1"/>
+          </p:nvPr>
+        </p:nvSpPr>
+        <p:spPr/>
+        <p:txBody>
+          <a:bodyPr/>
+          <a:lstStyle/>
+          <a:p>
+            <a:r>
+              <a:rPr lang="en-US" dirty="0"/>
+              <a:t>Do not communicate by sharing memory, share memory by communicating.</a:t>
             </a:r>
           </a:p>
         </p:txBody>
@@ -9207,7 +9237,7 @@
     </p:spTree>
     <p:extLst>
       <p:ext uri="{BB962C8B-B14F-4D97-AF65-F5344CB8AC3E}">
-        <p14:creationId xmlns:p14="http://schemas.microsoft.com/office/powerpoint/2010/main" val="3636082325"/>
+        <p14:creationId xmlns:p14="http://schemas.microsoft.com/office/powerpoint/2010/main" val="4289456196"/>
       </p:ext>
     </p:extLst>
   </p:cSld>
@@ -9239,7 +9269,7 @@
           <p:cNvPr id="2" name="Title 1">
             <a:extLst>
               <a:ext uri="{FF2B5EF4-FFF2-40B4-BE49-F238E27FC236}">
-                <a16:creationId xmlns:a16="http://schemas.microsoft.com/office/drawing/2014/main" id="{F9FC2B5F-30EF-4DB9-A0AF-B2C2BA32189A}"/>
+                <a16:creationId xmlns:a16="http://schemas.microsoft.com/office/drawing/2014/main" id="{52DCCFA5-0DAE-4FF9-8321-30E91B6765CD}"/>
               </a:ext>
             </a:extLst>
           </p:cNvPr>
@@ -9250,81 +9280,19 @@
             <p:ph type="title"/>
           </p:nvPr>
         </p:nvSpPr>
-        <p:spPr/>
+        <p:spPr>
+          <a:xfrm>
+            <a:off x="3449135" y="3134554"/>
+            <a:ext cx="8911687" cy="1280890"/>
+          </a:xfrm>
+        </p:spPr>
         <p:txBody>
           <a:bodyPr/>
           <a:lstStyle/>
           <a:p>
             <a:r>
               <a:rPr lang="en-US" dirty="0"/>
-              <a:t>Message Queues - </a:t>
-            </a:r>
-            <a:r>
-              <a:rPr lang="en-US" dirty="0" err="1"/>
-              <a:t>ZeroMQ</a:t>
-            </a:r>
-            <a:endParaRPr lang="en-US" dirty="0"/>
-          </a:p>
-        </p:txBody>
-      </p:sp>
-      <p:sp>
-        <p:nvSpPr>
-          <p:cNvPr id="3" name="Content Placeholder 2">
-            <a:extLst>
-              <a:ext uri="{FF2B5EF4-FFF2-40B4-BE49-F238E27FC236}">
-                <a16:creationId xmlns:a16="http://schemas.microsoft.com/office/drawing/2014/main" id="{E7872087-8989-452D-B19D-98D258ED07D2}"/>
-              </a:ext>
-            </a:extLst>
-          </p:cNvPr>
-          <p:cNvSpPr>
-            <a:spLocks noGrp="1"/>
-          </p:cNvSpPr>
-          <p:nvPr>
-            <p:ph idx="1"/>
-          </p:nvPr>
-        </p:nvSpPr>
-        <p:spPr/>
-        <p:txBody>
-          <a:bodyPr/>
-          <a:lstStyle/>
-          <a:p>
-            <a:r>
-              <a:rPr lang="en-US" dirty="0"/>
-              <a:t>High performance Messaging library</a:t>
-            </a:r>
-          </a:p>
-          <a:p>
-            <a:r>
-              <a:rPr lang="en-US" dirty="0"/>
-              <a:t>Supports a wide variety of paradigms</a:t>
-            </a:r>
-          </a:p>
-          <a:p>
-            <a:r>
-              <a:rPr lang="en-US" dirty="0"/>
-              <a:t>Provides interfaces in a host of languages – C, C#, Perl, Python, Q, Smalltalk, Scala, Swift, Ruby, Objective-C, Java, Julia, Fortran, Flex, Go, Haskell, </a:t>
-            </a:r>
-            <a:r>
-              <a:rPr lang="en-US" dirty="0" err="1"/>
-              <a:t>Haxe</a:t>
-            </a:r>
-            <a:r>
-              <a:rPr lang="en-US" dirty="0"/>
-              <a:t>, </a:t>
-            </a:r>
-            <a:r>
-              <a:rPr lang="en-US" dirty="0" err="1"/>
-              <a:t>Javascript</a:t>
-            </a:r>
-            <a:r>
-              <a:rPr lang="en-US" dirty="0"/>
-              <a:t>, Lua, F#, Lisp, Basic, Ada, PHP</a:t>
-            </a:r>
-          </a:p>
-          <a:p>
-            <a:r>
-              <a:rPr lang="en-US" dirty="0"/>
-              <a:t>Allows one to build distributed and scalable architectures independent of language facilities </a:t>
+              <a:t>CSP in action with Go</a:t>
             </a:r>
           </a:p>
         </p:txBody>
@@ -9332,7 +9300,7 @@
     </p:spTree>
     <p:extLst>
       <p:ext uri="{BB962C8B-B14F-4D97-AF65-F5344CB8AC3E}">
-        <p14:creationId xmlns:p14="http://schemas.microsoft.com/office/powerpoint/2010/main" val="3972841665"/>
+        <p14:creationId xmlns:p14="http://schemas.microsoft.com/office/powerpoint/2010/main" val="3636082325"/>
       </p:ext>
     </p:extLst>
   </p:cSld>
@@ -9364,6 +9332,131 @@
           <p:cNvPr id="2" name="Title 1">
             <a:extLst>
               <a:ext uri="{FF2B5EF4-FFF2-40B4-BE49-F238E27FC236}">
+                <a16:creationId xmlns:a16="http://schemas.microsoft.com/office/drawing/2014/main" id="{F9FC2B5F-30EF-4DB9-A0AF-B2C2BA32189A}"/>
+              </a:ext>
+            </a:extLst>
+          </p:cNvPr>
+          <p:cNvSpPr>
+            <a:spLocks noGrp="1"/>
+          </p:cNvSpPr>
+          <p:nvPr>
+            <p:ph type="title"/>
+          </p:nvPr>
+        </p:nvSpPr>
+        <p:spPr/>
+        <p:txBody>
+          <a:bodyPr/>
+          <a:lstStyle/>
+          <a:p>
+            <a:r>
+              <a:rPr lang="en-US" dirty="0"/>
+              <a:t>Message Queues - </a:t>
+            </a:r>
+            <a:r>
+              <a:rPr lang="en-US" dirty="0" err="1"/>
+              <a:t>ZeroMQ</a:t>
+            </a:r>
+            <a:endParaRPr lang="en-US" dirty="0"/>
+          </a:p>
+        </p:txBody>
+      </p:sp>
+      <p:sp>
+        <p:nvSpPr>
+          <p:cNvPr id="3" name="Content Placeholder 2">
+            <a:extLst>
+              <a:ext uri="{FF2B5EF4-FFF2-40B4-BE49-F238E27FC236}">
+                <a16:creationId xmlns:a16="http://schemas.microsoft.com/office/drawing/2014/main" id="{E7872087-8989-452D-B19D-98D258ED07D2}"/>
+              </a:ext>
+            </a:extLst>
+          </p:cNvPr>
+          <p:cNvSpPr>
+            <a:spLocks noGrp="1"/>
+          </p:cNvSpPr>
+          <p:nvPr>
+            <p:ph idx="1"/>
+          </p:nvPr>
+        </p:nvSpPr>
+        <p:spPr/>
+        <p:txBody>
+          <a:bodyPr/>
+          <a:lstStyle/>
+          <a:p>
+            <a:r>
+              <a:rPr lang="en-US" dirty="0"/>
+              <a:t>High performance Messaging library</a:t>
+            </a:r>
+          </a:p>
+          <a:p>
+            <a:r>
+              <a:rPr lang="en-US" dirty="0"/>
+              <a:t>Supports a wide variety of paradigms</a:t>
+            </a:r>
+          </a:p>
+          <a:p>
+            <a:r>
+              <a:rPr lang="en-US" dirty="0"/>
+              <a:t>Provides interfaces in a host of languages – C, C#, Perl, Python, Q, Smalltalk, Scala, Swift, Ruby, Objective-C, Java, Julia, Fortran, Flex, Go, Haskell, </a:t>
+            </a:r>
+            <a:r>
+              <a:rPr lang="en-US" dirty="0" err="1"/>
+              <a:t>Haxe</a:t>
+            </a:r>
+            <a:r>
+              <a:rPr lang="en-US" dirty="0"/>
+              <a:t>, </a:t>
+            </a:r>
+            <a:r>
+              <a:rPr lang="en-US" dirty="0" err="1"/>
+              <a:t>Javascript</a:t>
+            </a:r>
+            <a:r>
+              <a:rPr lang="en-US" dirty="0"/>
+              <a:t>, Lua, F#, Lisp, Basic, Ada, PHP</a:t>
+            </a:r>
+          </a:p>
+          <a:p>
+            <a:r>
+              <a:rPr lang="en-US" dirty="0"/>
+              <a:t>Allows one to build distributed and scalable architectures independent of language facilities </a:t>
+            </a:r>
+          </a:p>
+        </p:txBody>
+      </p:sp>
+    </p:spTree>
+    <p:extLst>
+      <p:ext uri="{BB962C8B-B14F-4D97-AF65-F5344CB8AC3E}">
+        <p14:creationId xmlns:p14="http://schemas.microsoft.com/office/powerpoint/2010/main" val="3972841665"/>
+      </p:ext>
+    </p:extLst>
+  </p:cSld>
+  <p:clrMapOvr>
+    <a:masterClrMapping/>
+  </p:clrMapOvr>
+</p:sld>
+</file>
+
+<file path=ppt/slides/slide23.xml><?xml version="1.0" encoding="utf-8"?>
+<p:sld xmlns:a="http://schemas.openxmlformats.org/drawingml/2006/main" xmlns:r="http://schemas.openxmlformats.org/officeDocument/2006/relationships" xmlns:p="http://schemas.openxmlformats.org/presentationml/2006/main">
+  <p:cSld>
+    <p:spTree>
+      <p:nvGrpSpPr>
+        <p:cNvPr id="1" name=""/>
+        <p:cNvGrpSpPr/>
+        <p:nvPr/>
+      </p:nvGrpSpPr>
+      <p:grpSpPr>
+        <a:xfrm>
+          <a:off x="0" y="0"/>
+          <a:ext cx="0" cy="0"/>
+          <a:chOff x="0" y="0"/>
+          <a:chExt cx="0" cy="0"/>
+        </a:xfrm>
+      </p:grpSpPr>
+      <p:sp>
+        <p:nvSpPr>
+          <p:cNvPr id="2" name="Title 1">
+            <a:extLst>
+              <a:ext uri="{FF2B5EF4-FFF2-40B4-BE49-F238E27FC236}">
                 <a16:creationId xmlns:a16="http://schemas.microsoft.com/office/drawing/2014/main" id="{80A470E5-7B0C-4379-AF67-2BAEC07CFC88}"/>
               </a:ext>
             </a:extLst>
@@ -9454,6 +9547,21 @@
               <a:rPr lang="en-US" dirty="0"/>
               <a:t>We’ll use the PUSH-PULL paradigm in the example, but it can be coded up using other paradigms as well</a:t>
             </a:r>
+          </a:p>
+          <a:p>
+            <a:r>
+              <a:rPr lang="en-US" dirty="0"/>
+              <a:t>The ZMQ guide makes a very good general read about concurrency</a:t>
+            </a:r>
+          </a:p>
+          <a:p>
+            <a:r>
+              <a:rPr lang="en-US" dirty="0">
+                <a:hlinkClick r:id="rId2"/>
+              </a:rPr>
+              <a:t>https://zguide.zeromq.org/</a:t>
+            </a:r>
+            <a:endParaRPr lang="en-US" dirty="0"/>
           </a:p>
         </p:txBody>
       </p:sp>
@@ -9470,7 +9578,7 @@
 </p:sld>
 </file>
 
-<file path=ppt/slides/slide23.xml><?xml version="1.0" encoding="utf-8"?>
+<file path=ppt/slides/slide24.xml><?xml version="1.0" encoding="utf-8"?>
 <p:sld xmlns:a="http://schemas.openxmlformats.org/drawingml/2006/main" xmlns:r="http://schemas.openxmlformats.org/officeDocument/2006/relationships" xmlns:p="http://schemas.openxmlformats.org/presentationml/2006/main">
   <p:cSld>
     <p:spTree>
@@ -9573,152 +9681,6 @@
 </p:sld>
 </file>
 
-<file path=ppt/slides/slide24.xml><?xml version="1.0" encoding="utf-8"?>
-<p:sld xmlns:a="http://schemas.openxmlformats.org/drawingml/2006/main" xmlns:r="http://schemas.openxmlformats.org/officeDocument/2006/relationships" xmlns:p="http://schemas.openxmlformats.org/presentationml/2006/main">
-  <p:cSld>
-    <p:spTree>
-      <p:nvGrpSpPr>
-        <p:cNvPr id="1" name=""/>
-        <p:cNvGrpSpPr/>
-        <p:nvPr/>
-      </p:nvGrpSpPr>
-      <p:grpSpPr>
-        <a:xfrm>
-          <a:off x="0" y="0"/>
-          <a:ext cx="0" cy="0"/>
-          <a:chOff x="0" y="0"/>
-          <a:chExt cx="0" cy="0"/>
-        </a:xfrm>
-      </p:grpSpPr>
-      <p:sp>
-        <p:nvSpPr>
-          <p:cNvPr id="2" name="Title 1">
-            <a:extLst>
-              <a:ext uri="{FF2B5EF4-FFF2-40B4-BE49-F238E27FC236}">
-                <a16:creationId xmlns:a16="http://schemas.microsoft.com/office/drawing/2014/main" id="{1B6C4BD3-3B0E-487D-8237-6856B5458790}"/>
-              </a:ext>
-            </a:extLst>
-          </p:cNvPr>
-          <p:cNvSpPr>
-            <a:spLocks noGrp="1"/>
-          </p:cNvSpPr>
-          <p:nvPr>
-            <p:ph type="title"/>
-          </p:nvPr>
-        </p:nvSpPr>
-        <p:spPr/>
-        <p:txBody>
-          <a:bodyPr/>
-          <a:lstStyle/>
-          <a:p>
-            <a:r>
-              <a:rPr lang="en-US" dirty="0" err="1"/>
-              <a:t>ZeroMQ</a:t>
-            </a:r>
-            <a:r>
-              <a:rPr lang="en-US" dirty="0"/>
-              <a:t> alternatives</a:t>
-            </a:r>
-          </a:p>
-        </p:txBody>
-      </p:sp>
-      <p:sp>
-        <p:nvSpPr>
-          <p:cNvPr id="3" name="Content Placeholder 2">
-            <a:extLst>
-              <a:ext uri="{FF2B5EF4-FFF2-40B4-BE49-F238E27FC236}">
-                <a16:creationId xmlns:a16="http://schemas.microsoft.com/office/drawing/2014/main" id="{FC797BD1-53E9-4411-9A79-96947F43EBFA}"/>
-              </a:ext>
-            </a:extLst>
-          </p:cNvPr>
-          <p:cNvSpPr>
-            <a:spLocks noGrp="1"/>
-          </p:cNvSpPr>
-          <p:nvPr>
-            <p:ph idx="1"/>
-          </p:nvPr>
-        </p:nvSpPr>
-        <p:spPr/>
-        <p:txBody>
-          <a:bodyPr/>
-          <a:lstStyle/>
-          <a:p>
-            <a:r>
-              <a:rPr lang="en-US" dirty="0"/>
-              <a:t>IBM </a:t>
-            </a:r>
-            <a:r>
-              <a:rPr lang="en-US" dirty="0" err="1"/>
-              <a:t>Websphere</a:t>
-            </a:r>
-            <a:r>
-              <a:rPr lang="en-US" dirty="0"/>
-              <a:t> MQ Series</a:t>
-            </a:r>
-          </a:p>
-          <a:p>
-            <a:r>
-              <a:rPr lang="en-US" dirty="0"/>
-              <a:t>MQTT (McAfee DXL is based on this)</a:t>
-            </a:r>
-          </a:p>
-          <a:p>
-            <a:r>
-              <a:rPr lang="en-US" dirty="0"/>
-              <a:t>Amazon Kinesis</a:t>
-            </a:r>
-          </a:p>
-          <a:p>
-            <a:r>
-              <a:rPr lang="en-US" dirty="0"/>
-              <a:t>Amazon SQS</a:t>
-            </a:r>
-          </a:p>
-          <a:p>
-            <a:r>
-              <a:rPr lang="en-US" dirty="0"/>
-              <a:t>RabbitMQ</a:t>
-            </a:r>
-          </a:p>
-          <a:p>
-            <a:r>
-              <a:rPr lang="en-US" dirty="0"/>
-              <a:t>Apache Kafka</a:t>
-            </a:r>
-          </a:p>
-          <a:p>
-            <a:r>
-              <a:rPr lang="en-US" dirty="0"/>
-              <a:t>Google Cloud Messaging</a:t>
-            </a:r>
-          </a:p>
-          <a:p>
-            <a:r>
-              <a:rPr lang="en-US" dirty="0"/>
-              <a:t>Azure Service Bus</a:t>
-            </a:r>
-          </a:p>
-          <a:p>
-            <a:r>
-              <a:rPr lang="en-US" dirty="0"/>
-              <a:t>… the list goes on and on …</a:t>
-            </a:r>
-          </a:p>
-        </p:txBody>
-      </p:sp>
-    </p:spTree>
-    <p:extLst>
-      <p:ext uri="{BB962C8B-B14F-4D97-AF65-F5344CB8AC3E}">
-        <p14:creationId xmlns:p14="http://schemas.microsoft.com/office/powerpoint/2010/main" val="544705704"/>
-      </p:ext>
-    </p:extLst>
-  </p:cSld>
-  <p:clrMapOvr>
-    <a:masterClrMapping/>
-  </p:clrMapOvr>
-</p:sld>
-</file>
-
 <file path=ppt/slides/slide25.xml><?xml version="1.0" encoding="utf-8"?>
 <p:sld xmlns:a="http://schemas.openxmlformats.org/drawingml/2006/main" xmlns:r="http://schemas.openxmlformats.org/officeDocument/2006/relationships" xmlns:p="http://schemas.openxmlformats.org/presentationml/2006/main">
   <p:cSld>
@@ -9741,6 +9703,152 @@
           <p:cNvPr id="2" name="Title 1">
             <a:extLst>
               <a:ext uri="{FF2B5EF4-FFF2-40B4-BE49-F238E27FC236}">
+                <a16:creationId xmlns:a16="http://schemas.microsoft.com/office/drawing/2014/main" id="{1B6C4BD3-3B0E-487D-8237-6856B5458790}"/>
+              </a:ext>
+            </a:extLst>
+          </p:cNvPr>
+          <p:cNvSpPr>
+            <a:spLocks noGrp="1"/>
+          </p:cNvSpPr>
+          <p:nvPr>
+            <p:ph type="title"/>
+          </p:nvPr>
+        </p:nvSpPr>
+        <p:spPr/>
+        <p:txBody>
+          <a:bodyPr/>
+          <a:lstStyle/>
+          <a:p>
+            <a:r>
+              <a:rPr lang="en-US" dirty="0" err="1"/>
+              <a:t>ZeroMQ</a:t>
+            </a:r>
+            <a:r>
+              <a:rPr lang="en-US" dirty="0"/>
+              <a:t> alternatives</a:t>
+            </a:r>
+          </a:p>
+        </p:txBody>
+      </p:sp>
+      <p:sp>
+        <p:nvSpPr>
+          <p:cNvPr id="3" name="Content Placeholder 2">
+            <a:extLst>
+              <a:ext uri="{FF2B5EF4-FFF2-40B4-BE49-F238E27FC236}">
+                <a16:creationId xmlns:a16="http://schemas.microsoft.com/office/drawing/2014/main" id="{FC797BD1-53E9-4411-9A79-96947F43EBFA}"/>
+              </a:ext>
+            </a:extLst>
+          </p:cNvPr>
+          <p:cNvSpPr>
+            <a:spLocks noGrp="1"/>
+          </p:cNvSpPr>
+          <p:nvPr>
+            <p:ph idx="1"/>
+          </p:nvPr>
+        </p:nvSpPr>
+        <p:spPr/>
+        <p:txBody>
+          <a:bodyPr/>
+          <a:lstStyle/>
+          <a:p>
+            <a:r>
+              <a:rPr lang="en-US" dirty="0"/>
+              <a:t>IBM </a:t>
+            </a:r>
+            <a:r>
+              <a:rPr lang="en-US" dirty="0" err="1"/>
+              <a:t>Websphere</a:t>
+            </a:r>
+            <a:r>
+              <a:rPr lang="en-US" dirty="0"/>
+              <a:t> MQ Series</a:t>
+            </a:r>
+          </a:p>
+          <a:p>
+            <a:r>
+              <a:rPr lang="en-US" dirty="0"/>
+              <a:t>MQTT (McAfee DXL is based on this)</a:t>
+            </a:r>
+          </a:p>
+          <a:p>
+            <a:r>
+              <a:rPr lang="en-US" dirty="0"/>
+              <a:t>Amazon Kinesis</a:t>
+            </a:r>
+          </a:p>
+          <a:p>
+            <a:r>
+              <a:rPr lang="en-US" dirty="0"/>
+              <a:t>Amazon SQS</a:t>
+            </a:r>
+          </a:p>
+          <a:p>
+            <a:r>
+              <a:rPr lang="en-US" dirty="0"/>
+              <a:t>RabbitMQ</a:t>
+            </a:r>
+          </a:p>
+          <a:p>
+            <a:r>
+              <a:rPr lang="en-US" dirty="0"/>
+              <a:t>Apache Kafka</a:t>
+            </a:r>
+          </a:p>
+          <a:p>
+            <a:r>
+              <a:rPr lang="en-US" dirty="0"/>
+              <a:t>Google Cloud Messaging</a:t>
+            </a:r>
+          </a:p>
+          <a:p>
+            <a:r>
+              <a:rPr lang="en-US" dirty="0"/>
+              <a:t>Azure Service Bus</a:t>
+            </a:r>
+          </a:p>
+          <a:p>
+            <a:r>
+              <a:rPr lang="en-US" dirty="0"/>
+              <a:t>… the list goes on and on …</a:t>
+            </a:r>
+          </a:p>
+        </p:txBody>
+      </p:sp>
+    </p:spTree>
+    <p:extLst>
+      <p:ext uri="{BB962C8B-B14F-4D97-AF65-F5344CB8AC3E}">
+        <p14:creationId xmlns:p14="http://schemas.microsoft.com/office/powerpoint/2010/main" val="544705704"/>
+      </p:ext>
+    </p:extLst>
+  </p:cSld>
+  <p:clrMapOvr>
+    <a:masterClrMapping/>
+  </p:clrMapOvr>
+</p:sld>
+</file>
+
+<file path=ppt/slides/slide26.xml><?xml version="1.0" encoding="utf-8"?>
+<p:sld xmlns:a="http://schemas.openxmlformats.org/drawingml/2006/main" xmlns:r="http://schemas.openxmlformats.org/officeDocument/2006/relationships" xmlns:p="http://schemas.openxmlformats.org/presentationml/2006/main">
+  <p:cSld>
+    <p:spTree>
+      <p:nvGrpSpPr>
+        <p:cNvPr id="1" name=""/>
+        <p:cNvGrpSpPr/>
+        <p:nvPr/>
+      </p:nvGrpSpPr>
+      <p:grpSpPr>
+        <a:xfrm>
+          <a:off x="0" y="0"/>
+          <a:ext cx="0" cy="0"/>
+          <a:chOff x="0" y="0"/>
+          <a:chExt cx="0" cy="0"/>
+        </a:xfrm>
+      </p:grpSpPr>
+      <p:sp>
+        <p:nvSpPr>
+          <p:cNvPr id="2" name="Title 1">
+            <a:extLst>
+              <a:ext uri="{FF2B5EF4-FFF2-40B4-BE49-F238E27FC236}">
                 <a16:creationId xmlns:a16="http://schemas.microsoft.com/office/drawing/2014/main" id="{84DE7D05-43F1-4995-98F2-09F5CC5E30ED}"/>
               </a:ext>
             </a:extLst>
@@ -9759,15 +9867,7 @@
           <a:p>
             <a:r>
               <a:rPr lang="en-US" dirty="0"/>
-              <a:t>Other </a:t>
-            </a:r>
-            <a:r>
-              <a:rPr lang="en-US" dirty="0" err="1"/>
-              <a:t>Ooncurrency</a:t>
-            </a:r>
-            <a:r>
-              <a:rPr lang="en-US" dirty="0"/>
-              <a:t> </a:t>
+              <a:t>Other Concurrency </a:t>
             </a:r>
             <a:r>
               <a:rPr lang="en-US" dirty="0" err="1"/>
@@ -9795,7 +9895,9 @@
         </p:nvSpPr>
         <p:spPr/>
         <p:txBody>
-          <a:bodyPr/>
+          <a:bodyPr>
+            <a:normAutofit fontScale="92500" lnSpcReduction="10000"/>
+          </a:bodyPr>
           <a:lstStyle/>
           <a:p>
             <a:r>
@@ -9804,9 +9906,65 @@
             </a:r>
           </a:p>
           <a:p>
-            <a:r>
-              <a:rPr lang="en-US" dirty="0"/>
-              <a:t>Futures and Promises (DB Security with ACE uses this)</a:t>
+            <a:pPr lvl="1"/>
+            <a:r>
+              <a:rPr lang="en-US" dirty="0"/>
+              <a:t>Cumbersome mechanism, rarely used now</a:t>
+            </a:r>
+          </a:p>
+          <a:p>
+            <a:pPr lvl="1"/>
+            <a:r>
+              <a:rPr lang="en-US" dirty="0"/>
+              <a:t>May still be useful in some low-level programming scenarios</a:t>
+            </a:r>
+          </a:p>
+          <a:p>
+            <a:pPr lvl="1"/>
+            <a:r>
+              <a:rPr lang="en-US" dirty="0"/>
+              <a:t>See source code for idea</a:t>
+            </a:r>
+          </a:p>
+          <a:p>
+            <a:r>
+              <a:rPr lang="en-US" dirty="0"/>
+              <a:t>Futures and Promises</a:t>
+            </a:r>
+          </a:p>
+          <a:p>
+            <a:pPr lvl="1"/>
+            <a:r>
+              <a:rPr lang="en-US" dirty="0"/>
+              <a:t>Useful if a task needs to be performed, but not necessarily now</a:t>
+            </a:r>
+          </a:p>
+          <a:p>
+            <a:pPr lvl="1"/>
+            <a:r>
+              <a:rPr lang="en-US" dirty="0"/>
+              <a:t>The producer posts a task to the framework, the framework returns a promise that when the result is queried, it will be made available</a:t>
+            </a:r>
+          </a:p>
+          <a:p>
+            <a:pPr lvl="1"/>
+            <a:r>
+              <a:rPr lang="en-US" dirty="0"/>
+              <a:t>The producer continues execution</a:t>
+            </a:r>
+          </a:p>
+          <a:p>
+            <a:pPr lvl="1"/>
+            <a:r>
+              <a:rPr lang="en-US" dirty="0"/>
+              <a:t>At some point later, the producer asks the system for the result it promised and the system makes the result available</a:t>
+            </a:r>
+          </a:p>
+          <a:p>
+            <a:pPr lvl="1"/>
+            <a:r>
+              <a:rPr lang="en-US" dirty="0"/>
+              <a:t>Check the source code for a better understanding</a:t>
             </a:r>
           </a:p>
         </p:txBody>
@@ -9824,7 +9982,7 @@
 </p:sld>
 </file>
 
-<file path=ppt/slides/slide26.xml><?xml version="1.0" encoding="utf-8"?>
+<file path=ppt/slides/slide27.xml><?xml version="1.0" encoding="utf-8"?>
 <p:sld xmlns:a="http://schemas.openxmlformats.org/drawingml/2006/main" xmlns:r="http://schemas.openxmlformats.org/officeDocument/2006/relationships" xmlns:p="http://schemas.openxmlformats.org/presentationml/2006/main">
   <p:cSld>
     <p:spTree>
@@ -9932,7 +10090,7 @@
           <p:cNvPr id="2" name="Title 1">
             <a:extLst>
               <a:ext uri="{FF2B5EF4-FFF2-40B4-BE49-F238E27FC236}">
-                <a16:creationId xmlns:a16="http://schemas.microsoft.com/office/drawing/2014/main" id="{71262372-24B1-4416-A13A-A140570379BB}"/>
+                <a16:creationId xmlns:a16="http://schemas.microsoft.com/office/drawing/2014/main" id="{BB7786FE-59D0-486E-89D7-AAA63048EF89}"/>
               </a:ext>
             </a:extLst>
           </p:cNvPr>
@@ -9943,27 +10101,56 @@
             <p:ph type="title"/>
           </p:nvPr>
         </p:nvSpPr>
-        <p:spPr>
-          <a:xfrm>
-            <a:off x="2759180" y="2788555"/>
-            <a:ext cx="8911687" cy="1280890"/>
-          </a:xfrm>
-        </p:spPr>
+        <p:spPr/>
         <p:txBody>
           <a:bodyPr/>
           <a:lstStyle/>
           <a:p>
-            <a:r>
-              <a:rPr lang="en-US" dirty="0"/>
-              <a:t>What is the Producer-Consumer problem?</a:t>
-            </a:r>
+            <a:endParaRPr lang="en-US"/>
+          </a:p>
+        </p:txBody>
+      </p:sp>
+      <p:sp>
+        <p:nvSpPr>
+          <p:cNvPr id="3" name="Content Placeholder 2">
+            <a:extLst>
+              <a:ext uri="{FF2B5EF4-FFF2-40B4-BE49-F238E27FC236}">
+                <a16:creationId xmlns:a16="http://schemas.microsoft.com/office/drawing/2014/main" id="{0A99DA74-F8B5-4EF4-AAA6-88CAF8CE4F36}"/>
+              </a:ext>
+            </a:extLst>
+          </p:cNvPr>
+          <p:cNvSpPr>
+            <a:spLocks noGrp="1"/>
+          </p:cNvSpPr>
+          <p:nvPr>
+            <p:ph idx="1"/>
+          </p:nvPr>
+        </p:nvSpPr>
+        <p:spPr/>
+        <p:txBody>
+          <a:bodyPr/>
+          <a:lstStyle/>
+          <a:p>
+            <a:r>
+              <a:rPr lang="en-US" dirty="0"/>
+              <a:t>Samples written in the frameworks discussed in the slides can be found in the link below:</a:t>
+            </a:r>
+          </a:p>
+          <a:p>
+            <a:r>
+              <a:rPr lang="en-US" dirty="0">
+                <a:hlinkClick r:id="rId2"/>
+              </a:rPr>
+              <a:t>https://github.com/bhattacharjee/producer-consumer</a:t>
+            </a:r>
+            <a:endParaRPr lang="en-US" dirty="0"/>
           </a:p>
         </p:txBody>
       </p:sp>
     </p:spTree>
     <p:extLst>
       <p:ext uri="{BB962C8B-B14F-4D97-AF65-F5344CB8AC3E}">
-        <p14:creationId xmlns:p14="http://schemas.microsoft.com/office/powerpoint/2010/main" val="70725978"/>
+        <p14:creationId xmlns:p14="http://schemas.microsoft.com/office/powerpoint/2010/main" val="2321708555"/>
       </p:ext>
     </p:extLst>
   </p:cSld>
@@ -9995,7 +10182,7 @@
           <p:cNvPr id="2" name="Title 1">
             <a:extLst>
               <a:ext uri="{FF2B5EF4-FFF2-40B4-BE49-F238E27FC236}">
-                <a16:creationId xmlns:a16="http://schemas.microsoft.com/office/drawing/2014/main" id="{F7007DB0-FD6D-48C5-AC01-D392A05C36C1}"/>
+                <a16:creationId xmlns:a16="http://schemas.microsoft.com/office/drawing/2014/main" id="{71262372-24B1-4416-A13A-A140570379BB}"/>
               </a:ext>
             </a:extLst>
           </p:cNvPr>
@@ -10006,38 +10193,10 @@
             <p:ph type="title"/>
           </p:nvPr>
         </p:nvSpPr>
-        <p:spPr/>
-        <p:txBody>
-          <a:bodyPr/>
-          <a:lstStyle/>
-          <a:p>
-            <a:r>
-              <a:rPr lang="en-US" dirty="0"/>
-              <a:t>Implementation with Shared Memory &amp;  Semaphores</a:t>
-            </a:r>
-          </a:p>
-        </p:txBody>
-      </p:sp>
-      <p:sp>
-        <p:nvSpPr>
-          <p:cNvPr id="3" name="Content Placeholder 2">
-            <a:extLst>
-              <a:ext uri="{FF2B5EF4-FFF2-40B4-BE49-F238E27FC236}">
-                <a16:creationId xmlns:a16="http://schemas.microsoft.com/office/drawing/2014/main" id="{C799A02F-0638-4D6C-8484-0B3F6D6DD425}"/>
-              </a:ext>
-            </a:extLst>
-          </p:cNvPr>
-          <p:cNvSpPr>
-            <a:spLocks noGrp="1"/>
-          </p:cNvSpPr>
-          <p:nvPr>
-            <p:ph idx="1"/>
-          </p:nvPr>
-        </p:nvSpPr>
         <p:spPr>
           <a:xfrm>
-            <a:off x="2589212" y="2133600"/>
-            <a:ext cx="8915400" cy="3777622"/>
+            <a:off x="2759180" y="2788555"/>
+            <a:ext cx="8911687" cy="1280890"/>
           </a:xfrm>
         </p:spPr>
         <p:txBody>
@@ -10046,533 +10205,15 @@
           <a:p>
             <a:r>
               <a:rPr lang="en-US" dirty="0"/>
-              <a:t>In the early days of operating systems, processes were the only units of containment</a:t>
-            </a:r>
-          </a:p>
-          <a:p>
-            <a:r>
-              <a:rPr lang="en-US" dirty="0"/>
-              <a:t>Processes communicated via IPC which took many forms</a:t>
-            </a:r>
-          </a:p>
-          <a:p>
-            <a:r>
-              <a:rPr lang="en-US" dirty="0"/>
-              <a:t>The most common IPCs that are used are shared memory and signals</a:t>
-            </a:r>
-          </a:p>
-          <a:p>
-            <a:r>
-              <a:rPr lang="en-US" dirty="0"/>
-              <a:t>Semaphores can be used for synchronization tasks</a:t>
-            </a:r>
-          </a:p>
-          <a:p>
-            <a:pPr lvl="1"/>
-            <a:endParaRPr lang="en-US" dirty="0"/>
-          </a:p>
-        </p:txBody>
-      </p:sp>
-      <p:sp>
-        <p:nvSpPr>
-          <p:cNvPr id="4" name="Rectangle 1">
-            <a:extLst>
-              <a:ext uri="{FF2B5EF4-FFF2-40B4-BE49-F238E27FC236}">
-                <a16:creationId xmlns:a16="http://schemas.microsoft.com/office/drawing/2014/main" id="{3FCE7AB2-E16B-4962-A67A-35E57292FF74}"/>
-              </a:ext>
-            </a:extLst>
-          </p:cNvPr>
-          <p:cNvSpPr>
-            <a:spLocks noChangeArrowheads="1"/>
-          </p:cNvSpPr>
-          <p:nvPr/>
-        </p:nvSpPr>
-        <p:spPr bwMode="auto">
-          <a:xfrm>
-            <a:off x="3050770" y="4022411"/>
-            <a:ext cx="3499660" cy="1631216"/>
-          </a:xfrm>
-          <a:prstGeom prst="rect">
-            <a:avLst/>
-          </a:prstGeom>
-          <a:ln/>
-        </p:spPr>
-        <p:style>
-          <a:lnRef idx="2">
-            <a:schemeClr val="dk1"/>
-          </a:lnRef>
-          <a:fillRef idx="1">
-            <a:schemeClr val="lt1"/>
-          </a:fillRef>
-          <a:effectRef idx="0">
-            <a:schemeClr val="dk1"/>
-          </a:effectRef>
-          <a:fontRef idx="minor">
-            <a:schemeClr val="dk1"/>
-          </a:fontRef>
-        </p:style>
-        <p:txBody>
-          <a:bodyPr vert="horz" wrap="square" lIns="91440" tIns="45720" rIns="91440" bIns="45720" numCol="1" anchor="ctr" anchorCtr="0" compatLnSpc="1">
-            <a:prstTxWarp prst="textNoShape">
-              <a:avLst/>
-            </a:prstTxWarp>
-            <a:spAutoFit/>
-          </a:bodyPr>
-          <a:lstStyle/>
-          <a:p>
-            <a:pPr marL="0" marR="0" lvl="0" indent="0" algn="l" defTabSz="914400" rtl="0" eaLnBrk="0" fontAlgn="base" latinLnBrk="0" hangingPunct="0">
-              <a:lnSpc>
-                <a:spcPct val="100000"/>
-              </a:lnSpc>
-              <a:spcBef>
-                <a:spcPct val="0"/>
-              </a:spcBef>
-              <a:spcAft>
-                <a:spcPct val="0"/>
-              </a:spcAft>
-              <a:buClrTx/>
-              <a:buSzTx/>
-              <a:buFontTx/>
-              <a:buNone/>
-              <a:tabLst/>
-            </a:pPr>
-            <a:r>
-              <a:rPr kumimoji="0" lang="en-US" altLang="en-US" sz="1000" b="1" i="0" u="none" strike="noStrike" cap="none" normalizeH="0" baseline="0" dirty="0">
-                <a:ln>
-                  <a:noFill/>
-                </a:ln>
-                <a:solidFill>
-                  <a:srgbClr val="000000"/>
-                </a:solidFill>
-                <a:effectLst/>
-                <a:latin typeface="Courier New" panose="02070309020205020404" pitchFamily="49" charset="0"/>
-                <a:cs typeface="Courier New" panose="02070309020205020404" pitchFamily="49" charset="0"/>
-              </a:rPr>
-              <a:t>function</a:t>
-            </a:r>
-            <a:r>
-              <a:rPr kumimoji="0" lang="en-US" altLang="en-US" sz="1000" b="0" i="0" u="none" strike="noStrike" cap="none" normalizeH="0" baseline="0" dirty="0">
-                <a:ln>
-                  <a:noFill/>
-                </a:ln>
-                <a:solidFill>
-                  <a:srgbClr val="000000"/>
-                </a:solidFill>
-                <a:effectLst/>
-                <a:latin typeface="Courier New" panose="02070309020205020404" pitchFamily="49" charset="0"/>
-                <a:cs typeface="Courier New" panose="02070309020205020404" pitchFamily="49" charset="0"/>
-              </a:rPr>
-              <a:t> V(semaphore S, integer I):</a:t>
-            </a:r>
-          </a:p>
-          <a:p>
-            <a:pPr marL="0" marR="0" lvl="0" indent="0" algn="l" defTabSz="914400" rtl="0" eaLnBrk="0" fontAlgn="base" latinLnBrk="0" hangingPunct="0">
-              <a:lnSpc>
-                <a:spcPct val="100000"/>
-              </a:lnSpc>
-              <a:spcBef>
-                <a:spcPct val="0"/>
-              </a:spcBef>
-              <a:spcAft>
-                <a:spcPct val="0"/>
-              </a:spcAft>
-              <a:buClrTx/>
-              <a:buSzTx/>
-              <a:buFontTx/>
-              <a:buNone/>
-              <a:tabLst/>
-            </a:pPr>
-            <a:r>
-              <a:rPr lang="en-US" altLang="en-US" sz="1000" dirty="0">
-                <a:solidFill>
-                  <a:srgbClr val="000000"/>
-                </a:solidFill>
-                <a:latin typeface="Courier New" panose="02070309020205020404" pitchFamily="49" charset="0"/>
-                <a:cs typeface="Courier New" panose="02070309020205020404" pitchFamily="49" charset="0"/>
-              </a:rPr>
-              <a:t>    </a:t>
-            </a:r>
-            <a:r>
-              <a:rPr kumimoji="0" lang="en-US" altLang="en-US" sz="1000" b="0" i="0" u="none" strike="noStrike" cap="none" normalizeH="0" baseline="0" dirty="0">
-                <a:ln>
-                  <a:noFill/>
-                </a:ln>
-                <a:solidFill>
-                  <a:srgbClr val="000000"/>
-                </a:solidFill>
-                <a:effectLst/>
-                <a:latin typeface="Courier New" panose="02070309020205020404" pitchFamily="49" charset="0"/>
-                <a:cs typeface="Courier New" panose="02070309020205020404" pitchFamily="49" charset="0"/>
-              </a:rPr>
-              <a:t>[S ← S + I] </a:t>
-            </a:r>
-          </a:p>
-          <a:p>
-            <a:pPr marL="0" marR="0" lvl="0" indent="0" algn="l" defTabSz="914400" rtl="0" eaLnBrk="0" fontAlgn="base" latinLnBrk="0" hangingPunct="0">
-              <a:lnSpc>
-                <a:spcPct val="100000"/>
-              </a:lnSpc>
-              <a:spcBef>
-                <a:spcPct val="0"/>
-              </a:spcBef>
-              <a:spcAft>
-                <a:spcPct val="0"/>
-              </a:spcAft>
-              <a:buClrTx/>
-              <a:buSzTx/>
-              <a:buFontTx/>
-              <a:buNone/>
-              <a:tabLst/>
-            </a:pPr>
-            <a:endParaRPr lang="en-US" altLang="en-US" sz="1000" dirty="0">
-              <a:solidFill>
-                <a:srgbClr val="000000"/>
-              </a:solidFill>
-              <a:latin typeface="Courier New" panose="02070309020205020404" pitchFamily="49" charset="0"/>
-              <a:cs typeface="Courier New" panose="02070309020205020404" pitchFamily="49" charset="0"/>
-            </a:endParaRPr>
-          </a:p>
-          <a:p>
-            <a:pPr marL="0" marR="0" lvl="0" indent="0" algn="l" defTabSz="914400" rtl="0" eaLnBrk="0" fontAlgn="base" latinLnBrk="0" hangingPunct="0">
-              <a:lnSpc>
-                <a:spcPct val="100000"/>
-              </a:lnSpc>
-              <a:spcBef>
-                <a:spcPct val="0"/>
-              </a:spcBef>
-              <a:spcAft>
-                <a:spcPct val="0"/>
-              </a:spcAft>
-              <a:buClrTx/>
-              <a:buSzTx/>
-              <a:buFontTx/>
-              <a:buNone/>
-              <a:tabLst/>
-            </a:pPr>
-            <a:r>
-              <a:rPr kumimoji="0" lang="en-US" altLang="en-US" sz="1000" b="1" i="0" u="none" strike="noStrike" cap="none" normalizeH="0" baseline="0" dirty="0">
-                <a:ln>
-                  <a:noFill/>
-                </a:ln>
-                <a:solidFill>
-                  <a:srgbClr val="000000"/>
-                </a:solidFill>
-                <a:effectLst/>
-                <a:latin typeface="Courier New" panose="02070309020205020404" pitchFamily="49" charset="0"/>
-                <a:cs typeface="Courier New" panose="02070309020205020404" pitchFamily="49" charset="0"/>
-              </a:rPr>
-              <a:t>function</a:t>
-            </a:r>
-            <a:r>
-              <a:rPr kumimoji="0" lang="en-US" altLang="en-US" sz="1000" b="0" i="0" u="none" strike="noStrike" cap="none" normalizeH="0" baseline="0" dirty="0">
-                <a:ln>
-                  <a:noFill/>
-                </a:ln>
-                <a:solidFill>
-                  <a:srgbClr val="000000"/>
-                </a:solidFill>
-                <a:effectLst/>
-                <a:latin typeface="Courier New" panose="02070309020205020404" pitchFamily="49" charset="0"/>
-                <a:cs typeface="Courier New" panose="02070309020205020404" pitchFamily="49" charset="0"/>
-              </a:rPr>
-              <a:t> P(semaphore S, integer I): </a:t>
-            </a:r>
-          </a:p>
-          <a:p>
-            <a:pPr marL="0" marR="0" lvl="0" indent="0" algn="l" defTabSz="914400" rtl="0" eaLnBrk="0" fontAlgn="base" latinLnBrk="0" hangingPunct="0">
-              <a:lnSpc>
-                <a:spcPct val="100000"/>
-              </a:lnSpc>
-              <a:spcBef>
-                <a:spcPct val="0"/>
-              </a:spcBef>
-              <a:spcAft>
-                <a:spcPct val="0"/>
-              </a:spcAft>
-              <a:buClrTx/>
-              <a:buSzTx/>
-              <a:buFontTx/>
-              <a:buNone/>
-              <a:tabLst/>
-            </a:pPr>
-            <a:r>
-              <a:rPr kumimoji="0" lang="en-US" altLang="en-US" sz="1000" b="1" i="0" u="none" strike="noStrike" cap="none" normalizeH="0" baseline="0" dirty="0">
-                <a:ln>
-                  <a:noFill/>
-                </a:ln>
-                <a:solidFill>
-                  <a:srgbClr val="000000"/>
-                </a:solidFill>
-                <a:effectLst/>
-                <a:latin typeface="Courier New" panose="02070309020205020404" pitchFamily="49" charset="0"/>
-                <a:cs typeface="Courier New" panose="02070309020205020404" pitchFamily="49" charset="0"/>
-              </a:rPr>
-              <a:t>    repeat:</a:t>
-            </a:r>
-          </a:p>
-          <a:p>
-            <a:pPr marL="0" marR="0" lvl="0" indent="0" algn="l" defTabSz="914400" rtl="0" eaLnBrk="0" fontAlgn="base" latinLnBrk="0" hangingPunct="0">
-              <a:lnSpc>
-                <a:spcPct val="100000"/>
-              </a:lnSpc>
-              <a:spcBef>
-                <a:spcPct val="0"/>
-              </a:spcBef>
-              <a:spcAft>
-                <a:spcPct val="0"/>
-              </a:spcAft>
-              <a:buClrTx/>
-              <a:buSzTx/>
-              <a:buFontTx/>
-              <a:buNone/>
-              <a:tabLst/>
-            </a:pPr>
-            <a:r>
-              <a:rPr lang="en-US" altLang="en-US" sz="1000" b="1" dirty="0">
-                <a:solidFill>
-                  <a:srgbClr val="000000"/>
-                </a:solidFill>
-                <a:latin typeface="Courier New" panose="02070309020205020404" pitchFamily="49" charset="0"/>
-                <a:cs typeface="Courier New" panose="02070309020205020404" pitchFamily="49" charset="0"/>
-              </a:rPr>
-              <a:t>        </a:t>
-            </a:r>
-            <a:r>
-              <a:rPr kumimoji="0" lang="en-US" altLang="en-US" sz="1000" b="0" i="0" u="none" strike="noStrike" cap="none" normalizeH="0" baseline="0" dirty="0">
-                <a:ln>
-                  <a:noFill/>
-                </a:ln>
-                <a:solidFill>
-                  <a:srgbClr val="000000"/>
-                </a:solidFill>
-                <a:effectLst/>
-                <a:latin typeface="Courier New" panose="02070309020205020404" pitchFamily="49" charset="0"/>
-                <a:cs typeface="Courier New" panose="02070309020205020404" pitchFamily="49" charset="0"/>
-              </a:rPr>
-              <a:t>[</a:t>
-            </a:r>
-          </a:p>
-          <a:p>
-            <a:pPr marL="0" marR="0" lvl="0" indent="0" algn="l" defTabSz="914400" rtl="0" eaLnBrk="0" fontAlgn="base" latinLnBrk="0" hangingPunct="0">
-              <a:lnSpc>
-                <a:spcPct val="100000"/>
-              </a:lnSpc>
-              <a:spcBef>
-                <a:spcPct val="0"/>
-              </a:spcBef>
-              <a:spcAft>
-                <a:spcPct val="0"/>
-              </a:spcAft>
-              <a:buClrTx/>
-              <a:buSzTx/>
-              <a:buFontTx/>
-              <a:buNone/>
-              <a:tabLst/>
-            </a:pPr>
-            <a:r>
-              <a:rPr lang="en-US" altLang="en-US" sz="1000" dirty="0">
-                <a:solidFill>
-                  <a:srgbClr val="000000"/>
-                </a:solidFill>
-                <a:latin typeface="Courier New" panose="02070309020205020404" pitchFamily="49" charset="0"/>
-                <a:cs typeface="Courier New" panose="02070309020205020404" pitchFamily="49" charset="0"/>
-              </a:rPr>
-              <a:t>            </a:t>
-            </a:r>
-            <a:r>
-              <a:rPr kumimoji="0" lang="en-US" altLang="en-US" sz="1000" b="1" i="0" u="none" strike="noStrike" cap="none" normalizeH="0" baseline="0" dirty="0">
-                <a:ln>
-                  <a:noFill/>
-                </a:ln>
-                <a:solidFill>
-                  <a:srgbClr val="000000"/>
-                </a:solidFill>
-                <a:effectLst/>
-                <a:latin typeface="Courier New" panose="02070309020205020404" pitchFamily="49" charset="0"/>
-                <a:cs typeface="Courier New" panose="02070309020205020404" pitchFamily="49" charset="0"/>
-              </a:rPr>
-              <a:t>if</a:t>
-            </a:r>
-            <a:r>
-              <a:rPr kumimoji="0" lang="en-US" altLang="en-US" sz="1000" b="0" i="0" u="none" strike="noStrike" cap="none" normalizeH="0" baseline="0" dirty="0">
-                <a:ln>
-                  <a:noFill/>
-                </a:ln>
-                <a:solidFill>
-                  <a:srgbClr val="000000"/>
-                </a:solidFill>
-                <a:effectLst/>
-                <a:latin typeface="Courier New" panose="02070309020205020404" pitchFamily="49" charset="0"/>
-                <a:cs typeface="Courier New" panose="02070309020205020404" pitchFamily="49" charset="0"/>
-              </a:rPr>
-              <a:t> S ≥ I: </a:t>
-            </a:r>
-          </a:p>
-          <a:p>
-            <a:pPr marL="0" marR="0" lvl="0" indent="0" algn="l" defTabSz="914400" rtl="0" eaLnBrk="0" fontAlgn="base" latinLnBrk="0" hangingPunct="0">
-              <a:lnSpc>
-                <a:spcPct val="100000"/>
-              </a:lnSpc>
-              <a:spcBef>
-                <a:spcPct val="0"/>
-              </a:spcBef>
-              <a:spcAft>
-                <a:spcPct val="0"/>
-              </a:spcAft>
-              <a:buClrTx/>
-              <a:buSzTx/>
-              <a:buFontTx/>
-              <a:buNone/>
-              <a:tabLst/>
-            </a:pPr>
-            <a:r>
-              <a:rPr lang="en-US" altLang="en-US" sz="1000" dirty="0">
-                <a:solidFill>
-                  <a:srgbClr val="000000"/>
-                </a:solidFill>
-                <a:latin typeface="Courier New" panose="02070309020205020404" pitchFamily="49" charset="0"/>
-                <a:cs typeface="Courier New" panose="02070309020205020404" pitchFamily="49" charset="0"/>
-              </a:rPr>
-              <a:t>                </a:t>
-            </a:r>
-            <a:r>
-              <a:rPr kumimoji="0" lang="en-US" altLang="en-US" sz="1000" b="0" i="0" u="none" strike="noStrike" cap="none" normalizeH="0" baseline="0" dirty="0">
-                <a:ln>
-                  <a:noFill/>
-                </a:ln>
-                <a:solidFill>
-                  <a:srgbClr val="000000"/>
-                </a:solidFill>
-                <a:effectLst/>
-                <a:latin typeface="Courier New" panose="02070309020205020404" pitchFamily="49" charset="0"/>
-                <a:cs typeface="Courier New" panose="02070309020205020404" pitchFamily="49" charset="0"/>
-              </a:rPr>
-              <a:t>S ← S − I</a:t>
-            </a:r>
-          </a:p>
-          <a:p>
-            <a:pPr marL="0" marR="0" lvl="0" indent="0" algn="l" defTabSz="914400" rtl="0" eaLnBrk="0" fontAlgn="base" latinLnBrk="0" hangingPunct="0">
-              <a:lnSpc>
-                <a:spcPct val="100000"/>
-              </a:lnSpc>
-              <a:spcBef>
-                <a:spcPct val="0"/>
-              </a:spcBef>
-              <a:spcAft>
-                <a:spcPct val="0"/>
-              </a:spcAft>
-              <a:buClrTx/>
-              <a:buSzTx/>
-              <a:buFontTx/>
-              <a:buNone/>
-              <a:tabLst/>
-            </a:pPr>
-            <a:r>
-              <a:rPr lang="en-US" altLang="en-US" sz="1000">
-                <a:solidFill>
-                  <a:srgbClr val="000000"/>
-                </a:solidFill>
-                <a:latin typeface="Courier New" panose="02070309020205020404" pitchFamily="49" charset="0"/>
-                <a:cs typeface="Courier New" panose="02070309020205020404" pitchFamily="49" charset="0"/>
-              </a:rPr>
-              <a:t>                </a:t>
-            </a:r>
-            <a:r>
-              <a:rPr kumimoji="0" lang="en-US" altLang="en-US" sz="1000" b="1" i="0" u="none" strike="noStrike" cap="none" normalizeH="0" baseline="0">
-                <a:ln>
-                  <a:noFill/>
-                </a:ln>
-                <a:solidFill>
-                  <a:srgbClr val="000000"/>
-                </a:solidFill>
-                <a:effectLst/>
-                <a:latin typeface="Courier New" panose="02070309020205020404" pitchFamily="49" charset="0"/>
-                <a:cs typeface="Courier New" panose="02070309020205020404" pitchFamily="49" charset="0"/>
-              </a:rPr>
-              <a:t>break</a:t>
-            </a:r>
-            <a:endParaRPr kumimoji="0" lang="en-US" altLang="en-US" sz="1000" b="1" i="0" u="none" strike="noStrike" cap="none" normalizeH="0" baseline="0" dirty="0">
-              <a:ln>
-                <a:noFill/>
-              </a:ln>
-              <a:solidFill>
-                <a:srgbClr val="000000"/>
-              </a:solidFill>
-              <a:effectLst/>
-              <a:latin typeface="Courier New" panose="02070309020205020404" pitchFamily="49" charset="0"/>
-              <a:cs typeface="Courier New" panose="02070309020205020404" pitchFamily="49" charset="0"/>
-            </a:endParaRPr>
-          </a:p>
-          <a:p>
-            <a:pPr marL="0" marR="0" lvl="0" indent="0" algn="l" defTabSz="914400" rtl="0" eaLnBrk="0" fontAlgn="base" latinLnBrk="0" hangingPunct="0">
-              <a:lnSpc>
-                <a:spcPct val="100000"/>
-              </a:lnSpc>
-              <a:spcBef>
-                <a:spcPct val="0"/>
-              </a:spcBef>
-              <a:spcAft>
-                <a:spcPct val="0"/>
-              </a:spcAft>
-              <a:buClrTx/>
-              <a:buSzTx/>
-              <a:buFontTx/>
-              <a:buNone/>
-              <a:tabLst/>
-            </a:pPr>
-            <a:r>
-              <a:rPr lang="en-US" altLang="en-US" sz="1000" b="1" dirty="0">
-                <a:solidFill>
-                  <a:srgbClr val="000000"/>
-                </a:solidFill>
-                <a:latin typeface="Courier New" panose="02070309020205020404" pitchFamily="49" charset="0"/>
-                <a:cs typeface="Courier New" panose="02070309020205020404" pitchFamily="49" charset="0"/>
-              </a:rPr>
-              <a:t>        </a:t>
-            </a:r>
-            <a:r>
-              <a:rPr kumimoji="0" lang="en-US" altLang="en-US" sz="1000" b="0" i="0" u="none" strike="noStrike" cap="none" normalizeH="0" baseline="0" dirty="0">
-                <a:ln>
-                  <a:noFill/>
-                </a:ln>
-                <a:solidFill>
-                  <a:srgbClr val="000000"/>
-                </a:solidFill>
-                <a:effectLst/>
-                <a:latin typeface="Courier New" panose="02070309020205020404" pitchFamily="49" charset="0"/>
-                <a:cs typeface="Courier New" panose="02070309020205020404" pitchFamily="49" charset="0"/>
-              </a:rPr>
-              <a:t>]</a:t>
-            </a:r>
-            <a:r>
-              <a:rPr kumimoji="0" lang="en-US" altLang="en-US" sz="800" b="0" i="0" u="none" strike="noStrike" cap="none" normalizeH="0" baseline="0" dirty="0">
-                <a:ln>
-                  <a:noFill/>
-                </a:ln>
-                <a:solidFill>
-                  <a:schemeClr val="tx1"/>
-                </a:solidFill>
-                <a:effectLst/>
-              </a:rPr>
-              <a:t> </a:t>
-            </a:r>
-            <a:endParaRPr kumimoji="0" lang="en-US" altLang="en-US" sz="1800" b="0" i="0" u="none" strike="noStrike" cap="none" normalizeH="0" baseline="0" dirty="0">
-              <a:ln>
-                <a:noFill/>
-              </a:ln>
-              <a:solidFill>
-                <a:schemeClr val="tx1"/>
-              </a:solidFill>
-              <a:effectLst/>
-              <a:latin typeface="Arial" panose="020B0604020202020204" pitchFamily="34" charset="0"/>
-            </a:endParaRPr>
+              <a:t>What is the Producer-Consumer problem?</a:t>
+            </a:r>
           </a:p>
         </p:txBody>
       </p:sp>
     </p:spTree>
     <p:extLst>
       <p:ext uri="{BB962C8B-B14F-4D97-AF65-F5344CB8AC3E}">
-        <p14:creationId xmlns:p14="http://schemas.microsoft.com/office/powerpoint/2010/main" val="3765475505"/>
+        <p14:creationId xmlns:p14="http://schemas.microsoft.com/office/powerpoint/2010/main" val="70725978"/>
       </p:ext>
     </p:extLst>
   </p:cSld>
@@ -10604,7 +10245,7 @@
           <p:cNvPr id="2" name="Title 1">
             <a:extLst>
               <a:ext uri="{FF2B5EF4-FFF2-40B4-BE49-F238E27FC236}">
-                <a16:creationId xmlns:a16="http://schemas.microsoft.com/office/drawing/2014/main" id="{ED0EB8B3-EE24-4FB2-8670-F9E92405AE97}"/>
+                <a16:creationId xmlns:a16="http://schemas.microsoft.com/office/drawing/2014/main" id="{F7007DB0-FD6D-48C5-AC01-D392A05C36C1}"/>
               </a:ext>
             </a:extLst>
           </p:cNvPr>
@@ -10615,10 +10256,38 @@
             <p:ph type="title"/>
           </p:nvPr>
         </p:nvSpPr>
+        <p:spPr/>
+        <p:txBody>
+          <a:bodyPr/>
+          <a:lstStyle/>
+          <a:p>
+            <a:r>
+              <a:rPr lang="en-US" dirty="0"/>
+              <a:t>Implementation with Shared Memory &amp;  Semaphores</a:t>
+            </a:r>
+          </a:p>
+        </p:txBody>
+      </p:sp>
+      <p:sp>
+        <p:nvSpPr>
+          <p:cNvPr id="3" name="Content Placeholder 2">
+            <a:extLst>
+              <a:ext uri="{FF2B5EF4-FFF2-40B4-BE49-F238E27FC236}">
+                <a16:creationId xmlns:a16="http://schemas.microsoft.com/office/drawing/2014/main" id="{C799A02F-0638-4D6C-8484-0B3F6D6DD425}"/>
+              </a:ext>
+            </a:extLst>
+          </p:cNvPr>
+          <p:cNvSpPr>
+            <a:spLocks noGrp="1"/>
+          </p:cNvSpPr>
+          <p:nvPr>
+            <p:ph idx="1"/>
+          </p:nvPr>
+        </p:nvSpPr>
         <p:spPr>
           <a:xfrm>
-            <a:off x="2434983" y="2702291"/>
-            <a:ext cx="8911687" cy="1280890"/>
+            <a:off x="2589212" y="2133600"/>
+            <a:ext cx="8915400" cy="3777622"/>
           </a:xfrm>
         </p:spPr>
         <p:txBody>
@@ -10627,15 +10296,533 @@
           <a:p>
             <a:r>
               <a:rPr lang="en-US" dirty="0"/>
-              <a:t>Shared Memory &amp; Semaphores in action</a:t>
-            </a:r>
+              <a:t>In the early days of operating systems, processes were the only units of containment</a:t>
+            </a:r>
+          </a:p>
+          <a:p>
+            <a:r>
+              <a:rPr lang="en-US" dirty="0"/>
+              <a:t>Processes communicated via IPC which took many forms</a:t>
+            </a:r>
+          </a:p>
+          <a:p>
+            <a:r>
+              <a:rPr lang="en-US" dirty="0"/>
+              <a:t>The most common IPCs that are used are shared memory and signals</a:t>
+            </a:r>
+          </a:p>
+          <a:p>
+            <a:r>
+              <a:rPr lang="en-US" dirty="0"/>
+              <a:t>Semaphores can be used for synchronization tasks</a:t>
+            </a:r>
+          </a:p>
+          <a:p>
+            <a:pPr lvl="1"/>
+            <a:endParaRPr lang="en-US" dirty="0"/>
+          </a:p>
+        </p:txBody>
+      </p:sp>
+      <p:sp>
+        <p:nvSpPr>
+          <p:cNvPr id="4" name="Rectangle 1">
+            <a:extLst>
+              <a:ext uri="{FF2B5EF4-FFF2-40B4-BE49-F238E27FC236}">
+                <a16:creationId xmlns:a16="http://schemas.microsoft.com/office/drawing/2014/main" id="{3FCE7AB2-E16B-4962-A67A-35E57292FF74}"/>
+              </a:ext>
+            </a:extLst>
+          </p:cNvPr>
+          <p:cNvSpPr>
+            <a:spLocks noChangeArrowheads="1"/>
+          </p:cNvSpPr>
+          <p:nvPr/>
+        </p:nvSpPr>
+        <p:spPr bwMode="auto">
+          <a:xfrm>
+            <a:off x="3050770" y="4022411"/>
+            <a:ext cx="3499660" cy="1631216"/>
+          </a:xfrm>
+          <a:prstGeom prst="rect">
+            <a:avLst/>
+          </a:prstGeom>
+          <a:ln/>
+        </p:spPr>
+        <p:style>
+          <a:lnRef idx="2">
+            <a:schemeClr val="dk1"/>
+          </a:lnRef>
+          <a:fillRef idx="1">
+            <a:schemeClr val="lt1"/>
+          </a:fillRef>
+          <a:effectRef idx="0">
+            <a:schemeClr val="dk1"/>
+          </a:effectRef>
+          <a:fontRef idx="minor">
+            <a:schemeClr val="dk1"/>
+          </a:fontRef>
+        </p:style>
+        <p:txBody>
+          <a:bodyPr vert="horz" wrap="square" lIns="91440" tIns="45720" rIns="91440" bIns="45720" numCol="1" anchor="ctr" anchorCtr="0" compatLnSpc="1">
+            <a:prstTxWarp prst="textNoShape">
+              <a:avLst/>
+            </a:prstTxWarp>
+            <a:spAutoFit/>
+          </a:bodyPr>
+          <a:lstStyle/>
+          <a:p>
+            <a:pPr marL="0" marR="0" lvl="0" indent="0" algn="l" defTabSz="914400" rtl="0" eaLnBrk="0" fontAlgn="base" latinLnBrk="0" hangingPunct="0">
+              <a:lnSpc>
+                <a:spcPct val="100000"/>
+              </a:lnSpc>
+              <a:spcBef>
+                <a:spcPct val="0"/>
+              </a:spcBef>
+              <a:spcAft>
+                <a:spcPct val="0"/>
+              </a:spcAft>
+              <a:buClrTx/>
+              <a:buSzTx/>
+              <a:buFontTx/>
+              <a:buNone/>
+              <a:tabLst/>
+            </a:pPr>
+            <a:r>
+              <a:rPr kumimoji="0" lang="en-US" altLang="en-US" sz="1000" b="1" i="0" u="none" strike="noStrike" cap="none" normalizeH="0" baseline="0" dirty="0">
+                <a:ln>
+                  <a:noFill/>
+                </a:ln>
+                <a:solidFill>
+                  <a:srgbClr val="000000"/>
+                </a:solidFill>
+                <a:effectLst/>
+                <a:latin typeface="Courier New" panose="02070309020205020404" pitchFamily="49" charset="0"/>
+                <a:cs typeface="Courier New" panose="02070309020205020404" pitchFamily="49" charset="0"/>
+              </a:rPr>
+              <a:t>function</a:t>
+            </a:r>
+            <a:r>
+              <a:rPr kumimoji="0" lang="en-US" altLang="en-US" sz="1000" b="0" i="0" u="none" strike="noStrike" cap="none" normalizeH="0" baseline="0" dirty="0">
+                <a:ln>
+                  <a:noFill/>
+                </a:ln>
+                <a:solidFill>
+                  <a:srgbClr val="000000"/>
+                </a:solidFill>
+                <a:effectLst/>
+                <a:latin typeface="Courier New" panose="02070309020205020404" pitchFamily="49" charset="0"/>
+                <a:cs typeface="Courier New" panose="02070309020205020404" pitchFamily="49" charset="0"/>
+              </a:rPr>
+              <a:t> V(semaphore S, integer I):</a:t>
+            </a:r>
+          </a:p>
+          <a:p>
+            <a:pPr marL="0" marR="0" lvl="0" indent="0" algn="l" defTabSz="914400" rtl="0" eaLnBrk="0" fontAlgn="base" latinLnBrk="0" hangingPunct="0">
+              <a:lnSpc>
+                <a:spcPct val="100000"/>
+              </a:lnSpc>
+              <a:spcBef>
+                <a:spcPct val="0"/>
+              </a:spcBef>
+              <a:spcAft>
+                <a:spcPct val="0"/>
+              </a:spcAft>
+              <a:buClrTx/>
+              <a:buSzTx/>
+              <a:buFontTx/>
+              <a:buNone/>
+              <a:tabLst/>
+            </a:pPr>
+            <a:r>
+              <a:rPr lang="en-US" altLang="en-US" sz="1000" dirty="0">
+                <a:solidFill>
+                  <a:srgbClr val="000000"/>
+                </a:solidFill>
+                <a:latin typeface="Courier New" panose="02070309020205020404" pitchFamily="49" charset="0"/>
+                <a:cs typeface="Courier New" panose="02070309020205020404" pitchFamily="49" charset="0"/>
+              </a:rPr>
+              <a:t>    </a:t>
+            </a:r>
+            <a:r>
+              <a:rPr kumimoji="0" lang="en-US" altLang="en-US" sz="1000" b="0" i="0" u="none" strike="noStrike" cap="none" normalizeH="0" baseline="0" dirty="0">
+                <a:ln>
+                  <a:noFill/>
+                </a:ln>
+                <a:solidFill>
+                  <a:srgbClr val="000000"/>
+                </a:solidFill>
+                <a:effectLst/>
+                <a:latin typeface="Courier New" panose="02070309020205020404" pitchFamily="49" charset="0"/>
+                <a:cs typeface="Courier New" panose="02070309020205020404" pitchFamily="49" charset="0"/>
+              </a:rPr>
+              <a:t>[S ← S + I] </a:t>
+            </a:r>
+          </a:p>
+          <a:p>
+            <a:pPr marL="0" marR="0" lvl="0" indent="0" algn="l" defTabSz="914400" rtl="0" eaLnBrk="0" fontAlgn="base" latinLnBrk="0" hangingPunct="0">
+              <a:lnSpc>
+                <a:spcPct val="100000"/>
+              </a:lnSpc>
+              <a:spcBef>
+                <a:spcPct val="0"/>
+              </a:spcBef>
+              <a:spcAft>
+                <a:spcPct val="0"/>
+              </a:spcAft>
+              <a:buClrTx/>
+              <a:buSzTx/>
+              <a:buFontTx/>
+              <a:buNone/>
+              <a:tabLst/>
+            </a:pPr>
+            <a:endParaRPr lang="en-US" altLang="en-US" sz="1000" dirty="0">
+              <a:solidFill>
+                <a:srgbClr val="000000"/>
+              </a:solidFill>
+              <a:latin typeface="Courier New" panose="02070309020205020404" pitchFamily="49" charset="0"/>
+              <a:cs typeface="Courier New" panose="02070309020205020404" pitchFamily="49" charset="0"/>
+            </a:endParaRPr>
+          </a:p>
+          <a:p>
+            <a:pPr marL="0" marR="0" lvl="0" indent="0" algn="l" defTabSz="914400" rtl="0" eaLnBrk="0" fontAlgn="base" latinLnBrk="0" hangingPunct="0">
+              <a:lnSpc>
+                <a:spcPct val="100000"/>
+              </a:lnSpc>
+              <a:spcBef>
+                <a:spcPct val="0"/>
+              </a:spcBef>
+              <a:spcAft>
+                <a:spcPct val="0"/>
+              </a:spcAft>
+              <a:buClrTx/>
+              <a:buSzTx/>
+              <a:buFontTx/>
+              <a:buNone/>
+              <a:tabLst/>
+            </a:pPr>
+            <a:r>
+              <a:rPr kumimoji="0" lang="en-US" altLang="en-US" sz="1000" b="1" i="0" u="none" strike="noStrike" cap="none" normalizeH="0" baseline="0" dirty="0">
+                <a:ln>
+                  <a:noFill/>
+                </a:ln>
+                <a:solidFill>
+                  <a:srgbClr val="000000"/>
+                </a:solidFill>
+                <a:effectLst/>
+                <a:latin typeface="Courier New" panose="02070309020205020404" pitchFamily="49" charset="0"/>
+                <a:cs typeface="Courier New" panose="02070309020205020404" pitchFamily="49" charset="0"/>
+              </a:rPr>
+              <a:t>function</a:t>
+            </a:r>
+            <a:r>
+              <a:rPr kumimoji="0" lang="en-US" altLang="en-US" sz="1000" b="0" i="0" u="none" strike="noStrike" cap="none" normalizeH="0" baseline="0" dirty="0">
+                <a:ln>
+                  <a:noFill/>
+                </a:ln>
+                <a:solidFill>
+                  <a:srgbClr val="000000"/>
+                </a:solidFill>
+                <a:effectLst/>
+                <a:latin typeface="Courier New" panose="02070309020205020404" pitchFamily="49" charset="0"/>
+                <a:cs typeface="Courier New" panose="02070309020205020404" pitchFamily="49" charset="0"/>
+              </a:rPr>
+              <a:t> P(semaphore S, integer I): </a:t>
+            </a:r>
+          </a:p>
+          <a:p>
+            <a:pPr marL="0" marR="0" lvl="0" indent="0" algn="l" defTabSz="914400" rtl="0" eaLnBrk="0" fontAlgn="base" latinLnBrk="0" hangingPunct="0">
+              <a:lnSpc>
+                <a:spcPct val="100000"/>
+              </a:lnSpc>
+              <a:spcBef>
+                <a:spcPct val="0"/>
+              </a:spcBef>
+              <a:spcAft>
+                <a:spcPct val="0"/>
+              </a:spcAft>
+              <a:buClrTx/>
+              <a:buSzTx/>
+              <a:buFontTx/>
+              <a:buNone/>
+              <a:tabLst/>
+            </a:pPr>
+            <a:r>
+              <a:rPr kumimoji="0" lang="en-US" altLang="en-US" sz="1000" b="1" i="0" u="none" strike="noStrike" cap="none" normalizeH="0" baseline="0" dirty="0">
+                <a:ln>
+                  <a:noFill/>
+                </a:ln>
+                <a:solidFill>
+                  <a:srgbClr val="000000"/>
+                </a:solidFill>
+                <a:effectLst/>
+                <a:latin typeface="Courier New" panose="02070309020205020404" pitchFamily="49" charset="0"/>
+                <a:cs typeface="Courier New" panose="02070309020205020404" pitchFamily="49" charset="0"/>
+              </a:rPr>
+              <a:t>    repeat:</a:t>
+            </a:r>
+          </a:p>
+          <a:p>
+            <a:pPr marL="0" marR="0" lvl="0" indent="0" algn="l" defTabSz="914400" rtl="0" eaLnBrk="0" fontAlgn="base" latinLnBrk="0" hangingPunct="0">
+              <a:lnSpc>
+                <a:spcPct val="100000"/>
+              </a:lnSpc>
+              <a:spcBef>
+                <a:spcPct val="0"/>
+              </a:spcBef>
+              <a:spcAft>
+                <a:spcPct val="0"/>
+              </a:spcAft>
+              <a:buClrTx/>
+              <a:buSzTx/>
+              <a:buFontTx/>
+              <a:buNone/>
+              <a:tabLst/>
+            </a:pPr>
+            <a:r>
+              <a:rPr lang="en-US" altLang="en-US" sz="1000" b="1" dirty="0">
+                <a:solidFill>
+                  <a:srgbClr val="000000"/>
+                </a:solidFill>
+                <a:latin typeface="Courier New" panose="02070309020205020404" pitchFamily="49" charset="0"/>
+                <a:cs typeface="Courier New" panose="02070309020205020404" pitchFamily="49" charset="0"/>
+              </a:rPr>
+              <a:t>        </a:t>
+            </a:r>
+            <a:r>
+              <a:rPr kumimoji="0" lang="en-US" altLang="en-US" sz="1000" b="0" i="0" u="none" strike="noStrike" cap="none" normalizeH="0" baseline="0" dirty="0">
+                <a:ln>
+                  <a:noFill/>
+                </a:ln>
+                <a:solidFill>
+                  <a:srgbClr val="000000"/>
+                </a:solidFill>
+                <a:effectLst/>
+                <a:latin typeface="Courier New" panose="02070309020205020404" pitchFamily="49" charset="0"/>
+                <a:cs typeface="Courier New" panose="02070309020205020404" pitchFamily="49" charset="0"/>
+              </a:rPr>
+              <a:t>[</a:t>
+            </a:r>
+          </a:p>
+          <a:p>
+            <a:pPr marL="0" marR="0" lvl="0" indent="0" algn="l" defTabSz="914400" rtl="0" eaLnBrk="0" fontAlgn="base" latinLnBrk="0" hangingPunct="0">
+              <a:lnSpc>
+                <a:spcPct val="100000"/>
+              </a:lnSpc>
+              <a:spcBef>
+                <a:spcPct val="0"/>
+              </a:spcBef>
+              <a:spcAft>
+                <a:spcPct val="0"/>
+              </a:spcAft>
+              <a:buClrTx/>
+              <a:buSzTx/>
+              <a:buFontTx/>
+              <a:buNone/>
+              <a:tabLst/>
+            </a:pPr>
+            <a:r>
+              <a:rPr lang="en-US" altLang="en-US" sz="1000" dirty="0">
+                <a:solidFill>
+                  <a:srgbClr val="000000"/>
+                </a:solidFill>
+                <a:latin typeface="Courier New" panose="02070309020205020404" pitchFamily="49" charset="0"/>
+                <a:cs typeface="Courier New" panose="02070309020205020404" pitchFamily="49" charset="0"/>
+              </a:rPr>
+              <a:t>            </a:t>
+            </a:r>
+            <a:r>
+              <a:rPr kumimoji="0" lang="en-US" altLang="en-US" sz="1000" b="1" i="0" u="none" strike="noStrike" cap="none" normalizeH="0" baseline="0" dirty="0">
+                <a:ln>
+                  <a:noFill/>
+                </a:ln>
+                <a:solidFill>
+                  <a:srgbClr val="000000"/>
+                </a:solidFill>
+                <a:effectLst/>
+                <a:latin typeface="Courier New" panose="02070309020205020404" pitchFamily="49" charset="0"/>
+                <a:cs typeface="Courier New" panose="02070309020205020404" pitchFamily="49" charset="0"/>
+              </a:rPr>
+              <a:t>if</a:t>
+            </a:r>
+            <a:r>
+              <a:rPr kumimoji="0" lang="en-US" altLang="en-US" sz="1000" b="0" i="0" u="none" strike="noStrike" cap="none" normalizeH="0" baseline="0" dirty="0">
+                <a:ln>
+                  <a:noFill/>
+                </a:ln>
+                <a:solidFill>
+                  <a:srgbClr val="000000"/>
+                </a:solidFill>
+                <a:effectLst/>
+                <a:latin typeface="Courier New" panose="02070309020205020404" pitchFamily="49" charset="0"/>
+                <a:cs typeface="Courier New" panose="02070309020205020404" pitchFamily="49" charset="0"/>
+              </a:rPr>
+              <a:t> S ≥ I: </a:t>
+            </a:r>
+          </a:p>
+          <a:p>
+            <a:pPr marL="0" marR="0" lvl="0" indent="0" algn="l" defTabSz="914400" rtl="0" eaLnBrk="0" fontAlgn="base" latinLnBrk="0" hangingPunct="0">
+              <a:lnSpc>
+                <a:spcPct val="100000"/>
+              </a:lnSpc>
+              <a:spcBef>
+                <a:spcPct val="0"/>
+              </a:spcBef>
+              <a:spcAft>
+                <a:spcPct val="0"/>
+              </a:spcAft>
+              <a:buClrTx/>
+              <a:buSzTx/>
+              <a:buFontTx/>
+              <a:buNone/>
+              <a:tabLst/>
+            </a:pPr>
+            <a:r>
+              <a:rPr lang="en-US" altLang="en-US" sz="1000" dirty="0">
+                <a:solidFill>
+                  <a:srgbClr val="000000"/>
+                </a:solidFill>
+                <a:latin typeface="Courier New" panose="02070309020205020404" pitchFamily="49" charset="0"/>
+                <a:cs typeface="Courier New" panose="02070309020205020404" pitchFamily="49" charset="0"/>
+              </a:rPr>
+              <a:t>                </a:t>
+            </a:r>
+            <a:r>
+              <a:rPr kumimoji="0" lang="en-US" altLang="en-US" sz="1000" b="0" i="0" u="none" strike="noStrike" cap="none" normalizeH="0" baseline="0" dirty="0">
+                <a:ln>
+                  <a:noFill/>
+                </a:ln>
+                <a:solidFill>
+                  <a:srgbClr val="000000"/>
+                </a:solidFill>
+                <a:effectLst/>
+                <a:latin typeface="Courier New" panose="02070309020205020404" pitchFamily="49" charset="0"/>
+                <a:cs typeface="Courier New" panose="02070309020205020404" pitchFamily="49" charset="0"/>
+              </a:rPr>
+              <a:t>S ← S − I</a:t>
+            </a:r>
+          </a:p>
+          <a:p>
+            <a:pPr marL="0" marR="0" lvl="0" indent="0" algn="l" defTabSz="914400" rtl="0" eaLnBrk="0" fontAlgn="base" latinLnBrk="0" hangingPunct="0">
+              <a:lnSpc>
+                <a:spcPct val="100000"/>
+              </a:lnSpc>
+              <a:spcBef>
+                <a:spcPct val="0"/>
+              </a:spcBef>
+              <a:spcAft>
+                <a:spcPct val="0"/>
+              </a:spcAft>
+              <a:buClrTx/>
+              <a:buSzTx/>
+              <a:buFontTx/>
+              <a:buNone/>
+              <a:tabLst/>
+            </a:pPr>
+            <a:r>
+              <a:rPr lang="en-US" altLang="en-US" sz="1000">
+                <a:solidFill>
+                  <a:srgbClr val="000000"/>
+                </a:solidFill>
+                <a:latin typeface="Courier New" panose="02070309020205020404" pitchFamily="49" charset="0"/>
+                <a:cs typeface="Courier New" panose="02070309020205020404" pitchFamily="49" charset="0"/>
+              </a:rPr>
+              <a:t>                </a:t>
+            </a:r>
+            <a:r>
+              <a:rPr kumimoji="0" lang="en-US" altLang="en-US" sz="1000" b="1" i="0" u="none" strike="noStrike" cap="none" normalizeH="0" baseline="0">
+                <a:ln>
+                  <a:noFill/>
+                </a:ln>
+                <a:solidFill>
+                  <a:srgbClr val="000000"/>
+                </a:solidFill>
+                <a:effectLst/>
+                <a:latin typeface="Courier New" panose="02070309020205020404" pitchFamily="49" charset="0"/>
+                <a:cs typeface="Courier New" panose="02070309020205020404" pitchFamily="49" charset="0"/>
+              </a:rPr>
+              <a:t>break</a:t>
+            </a:r>
+            <a:endParaRPr kumimoji="0" lang="en-US" altLang="en-US" sz="1000" b="1" i="0" u="none" strike="noStrike" cap="none" normalizeH="0" baseline="0" dirty="0">
+              <a:ln>
+                <a:noFill/>
+              </a:ln>
+              <a:solidFill>
+                <a:srgbClr val="000000"/>
+              </a:solidFill>
+              <a:effectLst/>
+              <a:latin typeface="Courier New" panose="02070309020205020404" pitchFamily="49" charset="0"/>
+              <a:cs typeface="Courier New" panose="02070309020205020404" pitchFamily="49" charset="0"/>
+            </a:endParaRPr>
+          </a:p>
+          <a:p>
+            <a:pPr marL="0" marR="0" lvl="0" indent="0" algn="l" defTabSz="914400" rtl="0" eaLnBrk="0" fontAlgn="base" latinLnBrk="0" hangingPunct="0">
+              <a:lnSpc>
+                <a:spcPct val="100000"/>
+              </a:lnSpc>
+              <a:spcBef>
+                <a:spcPct val="0"/>
+              </a:spcBef>
+              <a:spcAft>
+                <a:spcPct val="0"/>
+              </a:spcAft>
+              <a:buClrTx/>
+              <a:buSzTx/>
+              <a:buFontTx/>
+              <a:buNone/>
+              <a:tabLst/>
+            </a:pPr>
+            <a:r>
+              <a:rPr lang="en-US" altLang="en-US" sz="1000" b="1" dirty="0">
+                <a:solidFill>
+                  <a:srgbClr val="000000"/>
+                </a:solidFill>
+                <a:latin typeface="Courier New" panose="02070309020205020404" pitchFamily="49" charset="0"/>
+                <a:cs typeface="Courier New" panose="02070309020205020404" pitchFamily="49" charset="0"/>
+              </a:rPr>
+              <a:t>        </a:t>
+            </a:r>
+            <a:r>
+              <a:rPr kumimoji="0" lang="en-US" altLang="en-US" sz="1000" b="0" i="0" u="none" strike="noStrike" cap="none" normalizeH="0" baseline="0" dirty="0">
+                <a:ln>
+                  <a:noFill/>
+                </a:ln>
+                <a:solidFill>
+                  <a:srgbClr val="000000"/>
+                </a:solidFill>
+                <a:effectLst/>
+                <a:latin typeface="Courier New" panose="02070309020205020404" pitchFamily="49" charset="0"/>
+                <a:cs typeface="Courier New" panose="02070309020205020404" pitchFamily="49" charset="0"/>
+              </a:rPr>
+              <a:t>]</a:t>
+            </a:r>
+            <a:r>
+              <a:rPr kumimoji="0" lang="en-US" altLang="en-US" sz="800" b="0" i="0" u="none" strike="noStrike" cap="none" normalizeH="0" baseline="0" dirty="0">
+                <a:ln>
+                  <a:noFill/>
+                </a:ln>
+                <a:solidFill>
+                  <a:schemeClr val="tx1"/>
+                </a:solidFill>
+                <a:effectLst/>
+              </a:rPr>
+              <a:t> </a:t>
+            </a:r>
+            <a:endParaRPr kumimoji="0" lang="en-US" altLang="en-US" sz="1800" b="0" i="0" u="none" strike="noStrike" cap="none" normalizeH="0" baseline="0" dirty="0">
+              <a:ln>
+                <a:noFill/>
+              </a:ln>
+              <a:solidFill>
+                <a:schemeClr val="tx1"/>
+              </a:solidFill>
+              <a:effectLst/>
+              <a:latin typeface="Arial" panose="020B0604020202020204" pitchFamily="34" charset="0"/>
+            </a:endParaRPr>
           </a:p>
         </p:txBody>
       </p:sp>
     </p:spTree>
     <p:extLst>
       <p:ext uri="{BB962C8B-B14F-4D97-AF65-F5344CB8AC3E}">
-        <p14:creationId xmlns:p14="http://schemas.microsoft.com/office/powerpoint/2010/main" val="444309980"/>
+        <p14:creationId xmlns:p14="http://schemas.microsoft.com/office/powerpoint/2010/main" val="3765475505"/>
       </p:ext>
     </p:extLst>
   </p:cSld>
@@ -10667,7 +10854,7 @@
           <p:cNvPr id="2" name="Title 1">
             <a:extLst>
               <a:ext uri="{FF2B5EF4-FFF2-40B4-BE49-F238E27FC236}">
-                <a16:creationId xmlns:a16="http://schemas.microsoft.com/office/drawing/2014/main" id="{45F0D369-F52B-43E2-9EC0-25700FF8964D}"/>
+                <a16:creationId xmlns:a16="http://schemas.microsoft.com/office/drawing/2014/main" id="{ED0EB8B3-EE24-4FB2-8670-F9E92405AE97}"/>
               </a:ext>
             </a:extLst>
           </p:cNvPr>
@@ -10678,82 +10865,19 @@
             <p:ph type="title"/>
           </p:nvPr>
         </p:nvSpPr>
-        <p:spPr/>
+        <p:spPr>
+          <a:xfrm>
+            <a:off x="2434983" y="2702291"/>
+            <a:ext cx="8911687" cy="1280890"/>
+          </a:xfrm>
+        </p:spPr>
         <p:txBody>
           <a:bodyPr/>
           <a:lstStyle/>
           <a:p>
             <a:r>
               <a:rPr lang="en-US" dirty="0"/>
-              <a:t>Threads</a:t>
-            </a:r>
-          </a:p>
-        </p:txBody>
-      </p:sp>
-      <p:sp>
-        <p:nvSpPr>
-          <p:cNvPr id="3" name="Content Placeholder 2">
-            <a:extLst>
-              <a:ext uri="{FF2B5EF4-FFF2-40B4-BE49-F238E27FC236}">
-                <a16:creationId xmlns:a16="http://schemas.microsoft.com/office/drawing/2014/main" id="{8B713440-D698-4DDD-B219-9A14EA24D8FF}"/>
-              </a:ext>
-            </a:extLst>
-          </p:cNvPr>
-          <p:cNvSpPr>
-            <a:spLocks noGrp="1"/>
-          </p:cNvSpPr>
-          <p:nvPr>
-            <p:ph idx="1"/>
-          </p:nvPr>
-        </p:nvSpPr>
-        <p:spPr/>
-        <p:txBody>
-          <a:bodyPr/>
-          <a:lstStyle/>
-          <a:p>
-            <a:r>
-              <a:rPr lang="en-US" dirty="0"/>
-              <a:t>Invented in the early 1990s</a:t>
-            </a:r>
-          </a:p>
-          <a:p>
-            <a:pPr lvl="1"/>
-            <a:r>
-              <a:rPr lang="en-US" dirty="0"/>
-              <a:t>Processes are containers for resources</a:t>
-            </a:r>
-          </a:p>
-          <a:p>
-            <a:pPr lvl="1"/>
-            <a:r>
-              <a:rPr lang="en-US" dirty="0"/>
-              <a:t>Threads are units of execution</a:t>
-            </a:r>
-          </a:p>
-          <a:p>
-            <a:pPr lvl="1"/>
-            <a:r>
-              <a:rPr lang="en-US" dirty="0"/>
-              <a:t>A process has one or more threads</a:t>
-            </a:r>
-          </a:p>
-          <a:p>
-            <a:pPr lvl="1"/>
-            <a:r>
-              <a:rPr lang="en-US" dirty="0"/>
-              <a:t>All threads share the resources within the container of the process</a:t>
-            </a:r>
-          </a:p>
-          <a:p>
-            <a:r>
-              <a:rPr lang="en-US" dirty="0"/>
-              <a:t>Mutexes and condition variables are used for synchronization</a:t>
-            </a:r>
-          </a:p>
-          <a:p>
-            <a:r>
-              <a:rPr lang="en-US" dirty="0"/>
-              <a:t>Mutexes and condition variables are faster than semaphores because they are implemented in the library layer and no system call needs to be made</a:t>
+              <a:t>Shared Memory &amp; Semaphores in action</a:t>
             </a:r>
           </a:p>
         </p:txBody>
@@ -10761,7 +10885,7 @@
     </p:spTree>
     <p:extLst>
       <p:ext uri="{BB962C8B-B14F-4D97-AF65-F5344CB8AC3E}">
-        <p14:creationId xmlns:p14="http://schemas.microsoft.com/office/powerpoint/2010/main" val="1640354782"/>
+        <p14:creationId xmlns:p14="http://schemas.microsoft.com/office/powerpoint/2010/main" val="444309980"/>
       </p:ext>
     </p:extLst>
   </p:cSld>
@@ -10793,7 +10917,7 @@
           <p:cNvPr id="2" name="Title 1">
             <a:extLst>
               <a:ext uri="{FF2B5EF4-FFF2-40B4-BE49-F238E27FC236}">
-                <a16:creationId xmlns:a16="http://schemas.microsoft.com/office/drawing/2014/main" id="{27E8A298-4A1E-4E80-BF0E-143D879A118A}"/>
+                <a16:creationId xmlns:a16="http://schemas.microsoft.com/office/drawing/2014/main" id="{45F0D369-F52B-43E2-9EC0-25700FF8964D}"/>
               </a:ext>
             </a:extLst>
           </p:cNvPr>
@@ -10804,19 +10928,82 @@
             <p:ph type="title"/>
           </p:nvPr>
         </p:nvSpPr>
-        <p:spPr>
-          <a:xfrm>
-            <a:off x="3931274" y="2788555"/>
-            <a:ext cx="8911687" cy="1280890"/>
-          </a:xfrm>
-        </p:spPr>
+        <p:spPr/>
         <p:txBody>
           <a:bodyPr/>
           <a:lstStyle/>
           <a:p>
             <a:r>
               <a:rPr lang="en-US" dirty="0"/>
-              <a:t>POSIX Threads in Action</a:t>
+              <a:t>Threads</a:t>
+            </a:r>
+          </a:p>
+        </p:txBody>
+      </p:sp>
+      <p:sp>
+        <p:nvSpPr>
+          <p:cNvPr id="3" name="Content Placeholder 2">
+            <a:extLst>
+              <a:ext uri="{FF2B5EF4-FFF2-40B4-BE49-F238E27FC236}">
+                <a16:creationId xmlns:a16="http://schemas.microsoft.com/office/drawing/2014/main" id="{8B713440-D698-4DDD-B219-9A14EA24D8FF}"/>
+              </a:ext>
+            </a:extLst>
+          </p:cNvPr>
+          <p:cNvSpPr>
+            <a:spLocks noGrp="1"/>
+          </p:cNvSpPr>
+          <p:nvPr>
+            <p:ph idx="1"/>
+          </p:nvPr>
+        </p:nvSpPr>
+        <p:spPr/>
+        <p:txBody>
+          <a:bodyPr/>
+          <a:lstStyle/>
+          <a:p>
+            <a:r>
+              <a:rPr lang="en-US" dirty="0"/>
+              <a:t>Invented in the early 1990s</a:t>
+            </a:r>
+          </a:p>
+          <a:p>
+            <a:pPr lvl="1"/>
+            <a:r>
+              <a:rPr lang="en-US" dirty="0"/>
+              <a:t>Processes are containers for resources</a:t>
+            </a:r>
+          </a:p>
+          <a:p>
+            <a:pPr lvl="1"/>
+            <a:r>
+              <a:rPr lang="en-US" dirty="0"/>
+              <a:t>Threads are units of execution</a:t>
+            </a:r>
+          </a:p>
+          <a:p>
+            <a:pPr lvl="1"/>
+            <a:r>
+              <a:rPr lang="en-US" dirty="0"/>
+              <a:t>A process has one or more threads</a:t>
+            </a:r>
+          </a:p>
+          <a:p>
+            <a:pPr lvl="1"/>
+            <a:r>
+              <a:rPr lang="en-US" dirty="0"/>
+              <a:t>All threads share the resources within the container of the process</a:t>
+            </a:r>
+          </a:p>
+          <a:p>
+            <a:r>
+              <a:rPr lang="en-US" dirty="0"/>
+              <a:t>Mutexes and condition variables are used for synchronization</a:t>
+            </a:r>
+          </a:p>
+          <a:p>
+            <a:r>
+              <a:rPr lang="en-US" dirty="0"/>
+              <a:t>Mutexes and condition variables are faster than semaphores because they are implemented in the library layer and no system call needs to be made</a:t>
             </a:r>
           </a:p>
         </p:txBody>
@@ -10824,7 +11011,7 @@
     </p:spTree>
     <p:extLst>
       <p:ext uri="{BB962C8B-B14F-4D97-AF65-F5344CB8AC3E}">
-        <p14:creationId xmlns:p14="http://schemas.microsoft.com/office/powerpoint/2010/main" val="110897130"/>
+        <p14:creationId xmlns:p14="http://schemas.microsoft.com/office/powerpoint/2010/main" val="1640354782"/>
       </p:ext>
     </p:extLst>
   </p:cSld>
@@ -10856,7 +11043,7 @@
           <p:cNvPr id="2" name="Title 1">
             <a:extLst>
               <a:ext uri="{FF2B5EF4-FFF2-40B4-BE49-F238E27FC236}">
-                <a16:creationId xmlns:a16="http://schemas.microsoft.com/office/drawing/2014/main" id="{FF514509-6A8B-45F9-B541-C9087FEEF341}"/>
+                <a16:creationId xmlns:a16="http://schemas.microsoft.com/office/drawing/2014/main" id="{27E8A298-4A1E-4E80-BF0E-143D879A118A}"/>
               </a:ext>
             </a:extLst>
           </p:cNvPr>
@@ -10867,124 +11054,19 @@
             <p:ph type="title"/>
           </p:nvPr>
         </p:nvSpPr>
-        <p:spPr/>
+        <p:spPr>
+          <a:xfrm>
+            <a:off x="3931274" y="2788555"/>
+            <a:ext cx="8911687" cy="1280890"/>
+          </a:xfrm>
+        </p:spPr>
         <p:txBody>
           <a:bodyPr/>
           <a:lstStyle/>
           <a:p>
             <a:r>
               <a:rPr lang="en-US" dirty="0"/>
-              <a:t>Problems with Mutexes and Semaphores</a:t>
-            </a:r>
-          </a:p>
-        </p:txBody>
-      </p:sp>
-      <p:sp>
-        <p:nvSpPr>
-          <p:cNvPr id="3" name="Content Placeholder 2">
-            <a:extLst>
-              <a:ext uri="{FF2B5EF4-FFF2-40B4-BE49-F238E27FC236}">
-                <a16:creationId xmlns:a16="http://schemas.microsoft.com/office/drawing/2014/main" id="{753A201C-0F14-4C7C-B1E1-7E3B431CEE96}"/>
-              </a:ext>
-            </a:extLst>
-          </p:cNvPr>
-          <p:cNvSpPr>
-            <a:spLocks noGrp="1"/>
-          </p:cNvSpPr>
-          <p:nvPr>
-            <p:ph idx="1"/>
-          </p:nvPr>
-        </p:nvSpPr>
-        <p:spPr/>
-        <p:txBody>
-          <a:bodyPr>
-            <a:normAutofit fontScale="92500" lnSpcReduction="10000"/>
-          </a:bodyPr>
-          <a:lstStyle/>
-          <a:p>
-            <a:r>
-              <a:rPr lang="en-US" dirty="0"/>
-              <a:t>Difficult constructs</a:t>
-            </a:r>
-          </a:p>
-          <a:p>
-            <a:r>
-              <a:rPr lang="en-US" dirty="0"/>
-              <a:t>Easy to get wrong</a:t>
-            </a:r>
-          </a:p>
-          <a:p>
-            <a:pPr lvl="1"/>
-            <a:r>
-              <a:rPr lang="en-US" dirty="0"/>
-              <a:t>Not having a fine grained granularity of locking, reduces performance</a:t>
-            </a:r>
-          </a:p>
-          <a:p>
-            <a:pPr lvl="1"/>
-            <a:r>
-              <a:rPr lang="en-US" dirty="0"/>
-              <a:t>Not having a sequence of lock acquisition leads to deadlocks</a:t>
-            </a:r>
-          </a:p>
-          <a:p>
-            <a:pPr lvl="2"/>
-            <a:r>
-              <a:rPr lang="en-US" dirty="0"/>
-              <a:t>Classical conditions for deadlock </a:t>
-            </a:r>
-            <a:r>
-              <a:rPr lang="en-US"/>
-              <a:t>to occur</a:t>
-            </a:r>
-            <a:endParaRPr lang="en-US" dirty="0"/>
-          </a:p>
-          <a:p>
-            <a:pPr lvl="3"/>
-            <a:r>
-              <a:rPr lang="en-US" dirty="0"/>
-              <a:t>Mutual Exclusion</a:t>
-            </a:r>
-          </a:p>
-          <a:p>
-            <a:pPr lvl="3"/>
-            <a:r>
-              <a:rPr lang="en-US" dirty="0"/>
-              <a:t>Hold and Wait</a:t>
-            </a:r>
-          </a:p>
-          <a:p>
-            <a:pPr lvl="3"/>
-            <a:r>
-              <a:rPr lang="en-US" dirty="0"/>
-              <a:t>No Pre-emption</a:t>
-            </a:r>
-          </a:p>
-          <a:p>
-            <a:pPr lvl="3"/>
-            <a:r>
-              <a:rPr lang="en-US" dirty="0"/>
-              <a:t>Circular wait</a:t>
-            </a:r>
-          </a:p>
-          <a:p>
-            <a:pPr lvl="2"/>
-            <a:r>
-              <a:rPr lang="en-US" dirty="0"/>
-              <a:t>Difficult to test all possible scenarios</a:t>
-            </a:r>
-          </a:p>
-          <a:p>
-            <a:pPr lvl="2"/>
-            <a:r>
-              <a:rPr lang="en-US" dirty="0"/>
-              <a:t>Difficult to debug</a:t>
-            </a:r>
-          </a:p>
-          <a:p>
-            <a:r>
-              <a:rPr lang="en-US" dirty="0"/>
-              <a:t>Missing synchronization where it is required</a:t>
+              <a:t>POSIX Threads in Action</a:t>
             </a:r>
           </a:p>
         </p:txBody>
@@ -10992,7 +11074,7 @@
     </p:spTree>
     <p:extLst>
       <p:ext uri="{BB962C8B-B14F-4D97-AF65-F5344CB8AC3E}">
-        <p14:creationId xmlns:p14="http://schemas.microsoft.com/office/powerpoint/2010/main" val="2528765436"/>
+        <p14:creationId xmlns:p14="http://schemas.microsoft.com/office/powerpoint/2010/main" val="110897130"/>
       </p:ext>
     </p:extLst>
   </p:cSld>
@@ -11024,7 +11106,7 @@
           <p:cNvPr id="2" name="Title 1">
             <a:extLst>
               <a:ext uri="{FF2B5EF4-FFF2-40B4-BE49-F238E27FC236}">
-                <a16:creationId xmlns:a16="http://schemas.microsoft.com/office/drawing/2014/main" id="{4A68B0E2-3267-401E-B9FD-5A869E870F1F}"/>
+                <a16:creationId xmlns:a16="http://schemas.microsoft.com/office/drawing/2014/main" id="{FF514509-6A8B-45F9-B541-C9087FEEF341}"/>
               </a:ext>
             </a:extLst>
           </p:cNvPr>
@@ -11042,7 +11124,7 @@
           <a:p>
             <a:r>
               <a:rPr lang="en-US" dirty="0"/>
-              <a:t>Advantages of Mutexes and Semaphores</a:t>
+              <a:t>Problems with Mutexes and Semaphores</a:t>
             </a:r>
           </a:p>
         </p:txBody>
@@ -11052,7 +11134,7 @@
           <p:cNvPr id="3" name="Content Placeholder 2">
             <a:extLst>
               <a:ext uri="{FF2B5EF4-FFF2-40B4-BE49-F238E27FC236}">
-                <a16:creationId xmlns:a16="http://schemas.microsoft.com/office/drawing/2014/main" id="{EB5EA186-F6A1-4B5B-AC51-386E15CC1A11}"/>
+                <a16:creationId xmlns:a16="http://schemas.microsoft.com/office/drawing/2014/main" id="{753A201C-0F14-4C7C-B1E1-7E3B431CEE96}"/>
               </a:ext>
             </a:extLst>
           </p:cNvPr>
@@ -11065,18 +11147,94 @@
         </p:nvSpPr>
         <p:spPr/>
         <p:txBody>
-          <a:bodyPr/>
-          <a:lstStyle/>
-          <a:p>
-            <a:r>
-              <a:rPr lang="en-US" dirty="0"/>
-              <a:t>Low Level, hence fast</a:t>
-            </a:r>
-          </a:p>
-          <a:p>
-            <a:r>
-              <a:rPr lang="en-US" dirty="0"/>
-              <a:t>Flexible, doesn’t tie one down to a particular model</a:t>
+          <a:bodyPr>
+            <a:normAutofit fontScale="92500" lnSpcReduction="10000"/>
+          </a:bodyPr>
+          <a:lstStyle/>
+          <a:p>
+            <a:r>
+              <a:rPr lang="en-US" dirty="0"/>
+              <a:t>Difficult constructs</a:t>
+            </a:r>
+          </a:p>
+          <a:p>
+            <a:r>
+              <a:rPr lang="en-US" dirty="0"/>
+              <a:t>Easy to get wrong</a:t>
+            </a:r>
+          </a:p>
+          <a:p>
+            <a:pPr lvl="1"/>
+            <a:r>
+              <a:rPr lang="en-US" dirty="0"/>
+              <a:t>Not having a fine grained granularity of locking, reduces performance</a:t>
+            </a:r>
+          </a:p>
+          <a:p>
+            <a:pPr lvl="1"/>
+            <a:r>
+              <a:rPr lang="en-US" dirty="0"/>
+              <a:t>Not having a sequence of lock acquisition leads to deadlocks</a:t>
+            </a:r>
+          </a:p>
+          <a:p>
+            <a:pPr lvl="2"/>
+            <a:r>
+              <a:rPr lang="en-US" dirty="0"/>
+              <a:t>Classical conditions for deadlock </a:t>
+            </a:r>
+            <a:r>
+              <a:rPr lang="en-US"/>
+              <a:t>to occur</a:t>
+            </a:r>
+            <a:endParaRPr lang="en-US" dirty="0"/>
+          </a:p>
+          <a:p>
+            <a:pPr lvl="3"/>
+            <a:r>
+              <a:rPr lang="en-US" dirty="0"/>
+              <a:t>Mutual Exclusion</a:t>
+            </a:r>
+          </a:p>
+          <a:p>
+            <a:pPr lvl="3"/>
+            <a:r>
+              <a:rPr lang="en-US" dirty="0"/>
+              <a:t>Hold and Wait</a:t>
+            </a:r>
+          </a:p>
+          <a:p>
+            <a:pPr lvl="3"/>
+            <a:r>
+              <a:rPr lang="en-US" dirty="0"/>
+              <a:t>No Pre-emption</a:t>
+            </a:r>
+          </a:p>
+          <a:p>
+            <a:pPr lvl="3"/>
+            <a:r>
+              <a:rPr lang="en-US" dirty="0"/>
+              <a:t>Circular wait</a:t>
+            </a:r>
+          </a:p>
+          <a:p>
+            <a:pPr lvl="2"/>
+            <a:r>
+              <a:rPr lang="en-US" dirty="0"/>
+              <a:t>Difficult to test all possible scenarios</a:t>
+            </a:r>
+          </a:p>
+          <a:p>
+            <a:pPr lvl="2"/>
+            <a:r>
+              <a:rPr lang="en-US" dirty="0"/>
+              <a:t>Difficult to debug</a:t>
+            </a:r>
+          </a:p>
+          <a:p>
+            <a:r>
+              <a:rPr lang="en-US" dirty="0"/>
+              <a:t>Missing synchronization where it is required</a:t>
             </a:r>
           </a:p>
         </p:txBody>
@@ -11084,7 +11242,7 @@
     </p:spTree>
     <p:extLst>
       <p:ext uri="{BB962C8B-B14F-4D97-AF65-F5344CB8AC3E}">
-        <p14:creationId xmlns:p14="http://schemas.microsoft.com/office/powerpoint/2010/main" val="1640727057"/>
+        <p14:creationId xmlns:p14="http://schemas.microsoft.com/office/powerpoint/2010/main" val="2528765436"/>
       </p:ext>
     </p:extLst>
   </p:cSld>

--- a/Presentation1.pptx
+++ b/Presentation1.pptx
@@ -9767,13 +9767,17 @@
           <a:p>
             <a:r>
               <a:rPr lang="en-US" dirty="0"/>
-              <a:t>MQTT (McAfee DXL is based on this)</a:t>
-            </a:r>
-          </a:p>
-          <a:p>
-            <a:r>
-              <a:rPr lang="en-US" dirty="0"/>
-              <a:t>Amazon Kinesis</a:t>
+              <a:t>MQTT</a:t>
+            </a:r>
+          </a:p>
+          <a:p>
+            <a:r>
+              <a:rPr lang="en-US"/>
+              <a:t>Amazon </a:t>
+            </a:r>
+            <a:r>
+              <a:rPr lang="en-US" dirty="0"/>
+              <a:t>Kinesis</a:t>
             </a:r>
           </a:p>
           <a:p>
